--- a/Damas.pptx
+++ b/Damas.pptx
@@ -8,9 +8,9 @@
     <p:sldId id="260" r:id="rId2"/>
     <p:sldId id="261" r:id="rId3"/>
     <p:sldId id="256" r:id="rId4"/>
-    <p:sldId id="257" r:id="rId5"/>
-    <p:sldId id="258" r:id="rId6"/>
-    <p:sldId id="259" r:id="rId7"/>
+    <p:sldId id="258" r:id="rId5"/>
+    <p:sldId id="257" r:id="rId6"/>
+    <p:sldId id="262" r:id="rId7"/>
   </p:sldIdLst>
   <p:sldSz cx="12192000" cy="6858000"/>
   <p:notesSz cx="6858000" cy="9144000"/>
@@ -109,6 +109,11 @@
       </a:defRPr>
     </a:lvl9pPr>
   </p:defaultTextStyle>
+  <p:extLst>
+    <p:ext uri="{EFAFB233-063F-42B5-8137-9DF3F51BA10A}">
+      <p15:sldGuideLst xmlns:p15="http://schemas.microsoft.com/office/powerpoint/2012/main"/>
+    </p:ext>
+  </p:extLst>
 </p:presentation>
 </file>
 
@@ -259,7 +264,7 @@
           <a:p>
             <a:fld id="{7A38212A-5FB1-9E48-9DEB-EF9EE269AE75}" type="datetimeFigureOut">
               <a:rPr lang="pt-PT" smtClean="0"/>
-              <a:t>04/04/24</a:t>
+              <a:t>05/04/2024</a:t>
             </a:fld>
             <a:endParaRPr lang="pt-PT"/>
           </a:p>
@@ -457,7 +462,7 @@
           <a:p>
             <a:fld id="{7A38212A-5FB1-9E48-9DEB-EF9EE269AE75}" type="datetimeFigureOut">
               <a:rPr lang="pt-PT" smtClean="0"/>
-              <a:t>04/04/24</a:t>
+              <a:t>05/04/2024</a:t>
             </a:fld>
             <a:endParaRPr lang="pt-PT"/>
           </a:p>
@@ -665,7 +670,7 @@
           <a:p>
             <a:fld id="{7A38212A-5FB1-9E48-9DEB-EF9EE269AE75}" type="datetimeFigureOut">
               <a:rPr lang="pt-PT" smtClean="0"/>
-              <a:t>04/04/24</a:t>
+              <a:t>05/04/2024</a:t>
             </a:fld>
             <a:endParaRPr lang="pt-PT"/>
           </a:p>
@@ -863,7 +868,7 @@
           <a:p>
             <a:fld id="{7A38212A-5FB1-9E48-9DEB-EF9EE269AE75}" type="datetimeFigureOut">
               <a:rPr lang="pt-PT" smtClean="0"/>
-              <a:t>04/04/24</a:t>
+              <a:t>05/04/2024</a:t>
             </a:fld>
             <a:endParaRPr lang="pt-PT"/>
           </a:p>
@@ -1138,7 +1143,7 @@
           <a:p>
             <a:fld id="{7A38212A-5FB1-9E48-9DEB-EF9EE269AE75}" type="datetimeFigureOut">
               <a:rPr lang="pt-PT" smtClean="0"/>
-              <a:t>04/04/24</a:t>
+              <a:t>05/04/2024</a:t>
             </a:fld>
             <a:endParaRPr lang="pt-PT"/>
           </a:p>
@@ -1403,7 +1408,7 @@
           <a:p>
             <a:fld id="{7A38212A-5FB1-9E48-9DEB-EF9EE269AE75}" type="datetimeFigureOut">
               <a:rPr lang="pt-PT" smtClean="0"/>
-              <a:t>04/04/24</a:t>
+              <a:t>05/04/2024</a:t>
             </a:fld>
             <a:endParaRPr lang="pt-PT"/>
           </a:p>
@@ -1815,7 +1820,7 @@
           <a:p>
             <a:fld id="{7A38212A-5FB1-9E48-9DEB-EF9EE269AE75}" type="datetimeFigureOut">
               <a:rPr lang="pt-PT" smtClean="0"/>
-              <a:t>04/04/24</a:t>
+              <a:t>05/04/2024</a:t>
             </a:fld>
             <a:endParaRPr lang="pt-PT"/>
           </a:p>
@@ -1956,7 +1961,7 @@
           <a:p>
             <a:fld id="{7A38212A-5FB1-9E48-9DEB-EF9EE269AE75}" type="datetimeFigureOut">
               <a:rPr lang="pt-PT" smtClean="0"/>
-              <a:t>04/04/24</a:t>
+              <a:t>05/04/2024</a:t>
             </a:fld>
             <a:endParaRPr lang="pt-PT"/>
           </a:p>
@@ -2069,7 +2074,7 @@
           <a:p>
             <a:fld id="{7A38212A-5FB1-9E48-9DEB-EF9EE269AE75}" type="datetimeFigureOut">
               <a:rPr lang="pt-PT" smtClean="0"/>
-              <a:t>04/04/24</a:t>
+              <a:t>05/04/2024</a:t>
             </a:fld>
             <a:endParaRPr lang="pt-PT"/>
           </a:p>
@@ -2380,7 +2385,7 @@
           <a:p>
             <a:fld id="{7A38212A-5FB1-9E48-9DEB-EF9EE269AE75}" type="datetimeFigureOut">
               <a:rPr lang="pt-PT" smtClean="0"/>
-              <a:t>04/04/24</a:t>
+              <a:t>05/04/2024</a:t>
             </a:fld>
             <a:endParaRPr lang="pt-PT"/>
           </a:p>
@@ -2668,7 +2673,7 @@
           <a:p>
             <a:fld id="{7A38212A-5FB1-9E48-9DEB-EF9EE269AE75}" type="datetimeFigureOut">
               <a:rPr lang="pt-PT" smtClean="0"/>
-              <a:t>04/04/24</a:t>
+              <a:t>05/04/2024</a:t>
             </a:fld>
             <a:endParaRPr lang="pt-PT"/>
           </a:p>
@@ -2909,7 +2914,7 @@
           <a:p>
             <a:fld id="{7A38212A-5FB1-9E48-9DEB-EF9EE269AE75}" type="datetimeFigureOut">
               <a:rPr lang="pt-PT" smtClean="0"/>
-              <a:t>04/04/24</a:t>
+              <a:t>05/04/2024</a:t>
             </a:fld>
             <a:endParaRPr lang="pt-PT"/>
           </a:p>
@@ -3312,6 +3317,14 @@
 <file path=ppt/slides/slide1.xml><?xml version="1.0" encoding="utf-8"?>
 <p:sld xmlns:a="http://schemas.openxmlformats.org/drawingml/2006/main" xmlns:r="http://schemas.openxmlformats.org/officeDocument/2006/relationships" xmlns:p="http://schemas.openxmlformats.org/presentationml/2006/main">
   <p:cSld>
+    <p:bg>
+      <p:bgPr>
+        <a:solidFill>
+          <a:schemeClr val="bg1"/>
+        </a:solidFill>
+        <a:effectLst/>
+      </p:bgPr>
+    </p:bg>
     <p:spTree>
       <p:nvGrpSpPr>
         <p:cNvPr id="1" name=""/>
@@ -3326,6 +3339,66 @@
           <a:chExt cx="0" cy="0"/>
         </a:xfrm>
       </p:grpSpPr>
+      <p:sp useBgFill="1">
+        <p:nvSpPr>
+          <p:cNvPr id="10" name="Rectangle 9">
+            <a:extLst>
+              <a:ext uri="{FF2B5EF4-FFF2-40B4-BE49-F238E27FC236}">
+                <a16:creationId xmlns:a16="http://schemas.microsoft.com/office/drawing/2014/main" id="{45D37F4E-DDB4-456B-97E0-9937730A039F}"/>
+              </a:ext>
+              <a:ext uri="{C183D7F6-B498-43B3-948B-1728B52AA6E4}">
+                <adec:decorative xmlns:adec="http://schemas.microsoft.com/office/drawing/2017/decorative" val="1"/>
+              </a:ext>
+            </a:extLst>
+          </p:cNvPr>
+          <p:cNvSpPr>
+            <a:spLocks noGrp="1" noRot="1" noChangeAspect="1" noMove="1" noResize="1" noEditPoints="1" noAdjustHandles="1" noChangeArrowheads="1" noChangeShapeType="1" noTextEdit="1"/>
+          </p:cNvSpPr>
+          <p:nvPr>
+            <p:extLst>
+              <p:ext uri="{386F3935-93C4-4BCD-93E2-E3B085C9AB24}">
+                <p16:designElem xmlns:p16="http://schemas.microsoft.com/office/powerpoint/2015/main" val="1"/>
+              </p:ext>
+            </p:extLst>
+          </p:nvPr>
+        </p:nvSpPr>
+        <p:spPr>
+          <a:xfrm>
+            <a:off x="0" y="0"/>
+            <a:ext cx="12188952" cy="6858000"/>
+          </a:xfrm>
+          <a:prstGeom prst="rect">
+            <a:avLst/>
+          </a:prstGeom>
+          <a:ln>
+            <a:noFill/>
+          </a:ln>
+        </p:spPr>
+        <p:style>
+          <a:lnRef idx="2">
+            <a:schemeClr val="accent1">
+              <a:shade val="50000"/>
+            </a:schemeClr>
+          </a:lnRef>
+          <a:fillRef idx="1">
+            <a:schemeClr val="accent1"/>
+          </a:fillRef>
+          <a:effectRef idx="0">
+            <a:schemeClr val="accent1"/>
+          </a:effectRef>
+          <a:fontRef idx="minor">
+            <a:schemeClr val="lt1"/>
+          </a:fontRef>
+        </p:style>
+        <p:txBody>
+          <a:bodyPr rtlCol="0" anchor="ctr"/>
+          <a:lstStyle/>
+          <a:p>
+            <a:pPr algn="ctr"/>
+            <a:endParaRPr lang="en-US"/>
+          </a:p>
+        </p:txBody>
+      </p:sp>
       <p:sp>
         <p:nvSpPr>
           <p:cNvPr id="2" name="Título 1">
@@ -3342,13 +3415,20 @@
             <p:ph type="title"/>
           </p:nvPr>
         </p:nvSpPr>
-        <p:spPr/>
-        <p:txBody>
-          <a:bodyPr/>
-          <a:lstStyle/>
-          <a:p>
-            <a:r>
-              <a:rPr lang="pt-PT" dirty="0"/>
+        <p:spPr>
+          <a:xfrm>
+            <a:off x="572493" y="238539"/>
+            <a:ext cx="11018520" cy="1434415"/>
+          </a:xfrm>
+        </p:spPr>
+        <p:txBody>
+          <a:bodyPr anchor="b">
+            <a:normAutofit/>
+          </a:bodyPr>
+          <a:lstStyle/>
+          <a:p>
+            <a:r>
+              <a:rPr lang="pt-PT" sz="5400" dirty="0"/>
               <a:t>Damas</a:t>
             </a:r>
           </a:p>
@@ -3356,6 +3436,668 @@
       </p:sp>
       <p:sp>
         <p:nvSpPr>
+          <p:cNvPr id="12" name="sketchy line">
+            <a:extLst>
+              <a:ext uri="{FF2B5EF4-FFF2-40B4-BE49-F238E27FC236}">
+                <a16:creationId xmlns:a16="http://schemas.microsoft.com/office/drawing/2014/main" id="{B2DD41CD-8F47-4F56-AD12-4E2FF7696987}"/>
+              </a:ext>
+              <a:ext uri="{C183D7F6-B498-43B3-948B-1728B52AA6E4}">
+                <adec:decorative xmlns:adec="http://schemas.microsoft.com/office/drawing/2017/decorative" val="1"/>
+              </a:ext>
+            </a:extLst>
+          </p:cNvPr>
+          <p:cNvSpPr>
+            <a:spLocks noGrp="1" noRot="1" noChangeAspect="1" noMove="1" noResize="1" noEditPoints="1" noAdjustHandles="1" noChangeArrowheads="1" noChangeShapeType="1" noTextEdit="1"/>
+          </p:cNvSpPr>
+          <p:nvPr>
+            <p:extLst>
+              <p:ext uri="{386F3935-93C4-4BCD-93E2-E3B085C9AB24}">
+                <p16:designElem xmlns:p16="http://schemas.microsoft.com/office/powerpoint/2015/main" val="1"/>
+              </p:ext>
+            </p:extLst>
+          </p:nvPr>
+        </p:nvSpPr>
+        <p:spPr>
+          <a:xfrm>
+            <a:off x="572493" y="1681544"/>
+            <a:ext cx="10972800" cy="18288"/>
+          </a:xfrm>
+          <a:custGeom>
+            <a:avLst/>
+            <a:gdLst>
+              <a:gd name="connsiteX0" fmla="*/ 0 w 10972800"/>
+              <a:gd name="connsiteY0" fmla="*/ 0 h 18288"/>
+              <a:gd name="connsiteX1" fmla="*/ 356616 w 10972800"/>
+              <a:gd name="connsiteY1" fmla="*/ 0 h 18288"/>
+              <a:gd name="connsiteX2" fmla="*/ 1042416 w 10972800"/>
+              <a:gd name="connsiteY2" fmla="*/ 0 h 18288"/>
+              <a:gd name="connsiteX3" fmla="*/ 1947672 w 10972800"/>
+              <a:gd name="connsiteY3" fmla="*/ 0 h 18288"/>
+              <a:gd name="connsiteX4" fmla="*/ 2633472 w 10972800"/>
+              <a:gd name="connsiteY4" fmla="*/ 0 h 18288"/>
+              <a:gd name="connsiteX5" fmla="*/ 2990088 w 10972800"/>
+              <a:gd name="connsiteY5" fmla="*/ 0 h 18288"/>
+              <a:gd name="connsiteX6" fmla="*/ 3456432 w 10972800"/>
+              <a:gd name="connsiteY6" fmla="*/ 0 h 18288"/>
+              <a:gd name="connsiteX7" fmla="*/ 4361688 w 10972800"/>
+              <a:gd name="connsiteY7" fmla="*/ 0 h 18288"/>
+              <a:gd name="connsiteX8" fmla="*/ 5266944 w 10972800"/>
+              <a:gd name="connsiteY8" fmla="*/ 0 h 18288"/>
+              <a:gd name="connsiteX9" fmla="*/ 6172200 w 10972800"/>
+              <a:gd name="connsiteY9" fmla="*/ 0 h 18288"/>
+              <a:gd name="connsiteX10" fmla="*/ 6528816 w 10972800"/>
+              <a:gd name="connsiteY10" fmla="*/ 0 h 18288"/>
+              <a:gd name="connsiteX11" fmla="*/ 7214616 w 10972800"/>
+              <a:gd name="connsiteY11" fmla="*/ 0 h 18288"/>
+              <a:gd name="connsiteX12" fmla="*/ 7790688 w 10972800"/>
+              <a:gd name="connsiteY12" fmla="*/ 0 h 18288"/>
+              <a:gd name="connsiteX13" fmla="*/ 8147304 w 10972800"/>
+              <a:gd name="connsiteY13" fmla="*/ 0 h 18288"/>
+              <a:gd name="connsiteX14" fmla="*/ 9052560 w 10972800"/>
+              <a:gd name="connsiteY14" fmla="*/ 0 h 18288"/>
+              <a:gd name="connsiteX15" fmla="*/ 9409176 w 10972800"/>
+              <a:gd name="connsiteY15" fmla="*/ 0 h 18288"/>
+              <a:gd name="connsiteX16" fmla="*/ 9765792 w 10972800"/>
+              <a:gd name="connsiteY16" fmla="*/ 0 h 18288"/>
+              <a:gd name="connsiteX17" fmla="*/ 10341864 w 10972800"/>
+              <a:gd name="connsiteY17" fmla="*/ 0 h 18288"/>
+              <a:gd name="connsiteX18" fmla="*/ 10972800 w 10972800"/>
+              <a:gd name="connsiteY18" fmla="*/ 0 h 18288"/>
+              <a:gd name="connsiteX19" fmla="*/ 10972800 w 10972800"/>
+              <a:gd name="connsiteY19" fmla="*/ 18288 h 18288"/>
+              <a:gd name="connsiteX20" fmla="*/ 10177272 w 10972800"/>
+              <a:gd name="connsiteY20" fmla="*/ 18288 h 18288"/>
+              <a:gd name="connsiteX21" fmla="*/ 9820656 w 10972800"/>
+              <a:gd name="connsiteY21" fmla="*/ 18288 h 18288"/>
+              <a:gd name="connsiteX22" fmla="*/ 9464040 w 10972800"/>
+              <a:gd name="connsiteY22" fmla="*/ 18288 h 18288"/>
+              <a:gd name="connsiteX23" fmla="*/ 8778240 w 10972800"/>
+              <a:gd name="connsiteY23" fmla="*/ 18288 h 18288"/>
+              <a:gd name="connsiteX24" fmla="*/ 8421624 w 10972800"/>
+              <a:gd name="connsiteY24" fmla="*/ 18288 h 18288"/>
+              <a:gd name="connsiteX25" fmla="*/ 7735824 w 10972800"/>
+              <a:gd name="connsiteY25" fmla="*/ 18288 h 18288"/>
+              <a:gd name="connsiteX26" fmla="*/ 6940296 w 10972800"/>
+              <a:gd name="connsiteY26" fmla="*/ 18288 h 18288"/>
+              <a:gd name="connsiteX27" fmla="*/ 6254496 w 10972800"/>
+              <a:gd name="connsiteY27" fmla="*/ 18288 h 18288"/>
+              <a:gd name="connsiteX28" fmla="*/ 5458968 w 10972800"/>
+              <a:gd name="connsiteY28" fmla="*/ 18288 h 18288"/>
+              <a:gd name="connsiteX29" fmla="*/ 4663440 w 10972800"/>
+              <a:gd name="connsiteY29" fmla="*/ 18288 h 18288"/>
+              <a:gd name="connsiteX30" fmla="*/ 4306824 w 10972800"/>
+              <a:gd name="connsiteY30" fmla="*/ 18288 h 18288"/>
+              <a:gd name="connsiteX31" fmla="*/ 3840480 w 10972800"/>
+              <a:gd name="connsiteY31" fmla="*/ 18288 h 18288"/>
+              <a:gd name="connsiteX32" fmla="*/ 3264408 w 10972800"/>
+              <a:gd name="connsiteY32" fmla="*/ 18288 h 18288"/>
+              <a:gd name="connsiteX33" fmla="*/ 2578608 w 10972800"/>
+              <a:gd name="connsiteY33" fmla="*/ 18288 h 18288"/>
+              <a:gd name="connsiteX34" fmla="*/ 1673352 w 10972800"/>
+              <a:gd name="connsiteY34" fmla="*/ 18288 h 18288"/>
+              <a:gd name="connsiteX35" fmla="*/ 877824 w 10972800"/>
+              <a:gd name="connsiteY35" fmla="*/ 18288 h 18288"/>
+              <a:gd name="connsiteX36" fmla="*/ 0 w 10972800"/>
+              <a:gd name="connsiteY36" fmla="*/ 18288 h 18288"/>
+              <a:gd name="connsiteX37" fmla="*/ 0 w 10972800"/>
+              <a:gd name="connsiteY37" fmla="*/ 0 h 18288"/>
+            </a:gdLst>
+            <a:ahLst/>
+            <a:cxnLst>
+              <a:cxn ang="0">
+                <a:pos x="connsiteX0" y="connsiteY0"/>
+              </a:cxn>
+              <a:cxn ang="0">
+                <a:pos x="connsiteX1" y="connsiteY1"/>
+              </a:cxn>
+              <a:cxn ang="0">
+                <a:pos x="connsiteX2" y="connsiteY2"/>
+              </a:cxn>
+              <a:cxn ang="0">
+                <a:pos x="connsiteX3" y="connsiteY3"/>
+              </a:cxn>
+              <a:cxn ang="0">
+                <a:pos x="connsiteX4" y="connsiteY4"/>
+              </a:cxn>
+              <a:cxn ang="0">
+                <a:pos x="connsiteX5" y="connsiteY5"/>
+              </a:cxn>
+              <a:cxn ang="0">
+                <a:pos x="connsiteX6" y="connsiteY6"/>
+              </a:cxn>
+              <a:cxn ang="0">
+                <a:pos x="connsiteX7" y="connsiteY7"/>
+              </a:cxn>
+              <a:cxn ang="0">
+                <a:pos x="connsiteX8" y="connsiteY8"/>
+              </a:cxn>
+              <a:cxn ang="0">
+                <a:pos x="connsiteX9" y="connsiteY9"/>
+              </a:cxn>
+              <a:cxn ang="0">
+                <a:pos x="connsiteX10" y="connsiteY10"/>
+              </a:cxn>
+              <a:cxn ang="0">
+                <a:pos x="connsiteX11" y="connsiteY11"/>
+              </a:cxn>
+              <a:cxn ang="0">
+                <a:pos x="connsiteX12" y="connsiteY12"/>
+              </a:cxn>
+              <a:cxn ang="0">
+                <a:pos x="connsiteX13" y="connsiteY13"/>
+              </a:cxn>
+              <a:cxn ang="0">
+                <a:pos x="connsiteX14" y="connsiteY14"/>
+              </a:cxn>
+              <a:cxn ang="0">
+                <a:pos x="connsiteX15" y="connsiteY15"/>
+              </a:cxn>
+              <a:cxn ang="0">
+                <a:pos x="connsiteX16" y="connsiteY16"/>
+              </a:cxn>
+              <a:cxn ang="0">
+                <a:pos x="connsiteX17" y="connsiteY17"/>
+              </a:cxn>
+              <a:cxn ang="0">
+                <a:pos x="connsiteX18" y="connsiteY18"/>
+              </a:cxn>
+              <a:cxn ang="0">
+                <a:pos x="connsiteX19" y="connsiteY19"/>
+              </a:cxn>
+              <a:cxn ang="0">
+                <a:pos x="connsiteX20" y="connsiteY20"/>
+              </a:cxn>
+              <a:cxn ang="0">
+                <a:pos x="connsiteX21" y="connsiteY21"/>
+              </a:cxn>
+              <a:cxn ang="0">
+                <a:pos x="connsiteX22" y="connsiteY22"/>
+              </a:cxn>
+              <a:cxn ang="0">
+                <a:pos x="connsiteX23" y="connsiteY23"/>
+              </a:cxn>
+              <a:cxn ang="0">
+                <a:pos x="connsiteX24" y="connsiteY24"/>
+              </a:cxn>
+              <a:cxn ang="0">
+                <a:pos x="connsiteX25" y="connsiteY25"/>
+              </a:cxn>
+              <a:cxn ang="0">
+                <a:pos x="connsiteX26" y="connsiteY26"/>
+              </a:cxn>
+              <a:cxn ang="0">
+                <a:pos x="connsiteX27" y="connsiteY27"/>
+              </a:cxn>
+              <a:cxn ang="0">
+                <a:pos x="connsiteX28" y="connsiteY28"/>
+              </a:cxn>
+              <a:cxn ang="0">
+                <a:pos x="connsiteX29" y="connsiteY29"/>
+              </a:cxn>
+              <a:cxn ang="0">
+                <a:pos x="connsiteX30" y="connsiteY30"/>
+              </a:cxn>
+              <a:cxn ang="0">
+                <a:pos x="connsiteX31" y="connsiteY31"/>
+              </a:cxn>
+              <a:cxn ang="0">
+                <a:pos x="connsiteX32" y="connsiteY32"/>
+              </a:cxn>
+              <a:cxn ang="0">
+                <a:pos x="connsiteX33" y="connsiteY33"/>
+              </a:cxn>
+              <a:cxn ang="0">
+                <a:pos x="connsiteX34" y="connsiteY34"/>
+              </a:cxn>
+              <a:cxn ang="0">
+                <a:pos x="connsiteX35" y="connsiteY35"/>
+              </a:cxn>
+              <a:cxn ang="0">
+                <a:pos x="connsiteX36" y="connsiteY36"/>
+              </a:cxn>
+              <a:cxn ang="0">
+                <a:pos x="connsiteX37" y="connsiteY37"/>
+              </a:cxn>
+            </a:cxnLst>
+            <a:rect l="l" t="t" r="r" b="b"/>
+            <a:pathLst>
+              <a:path w="10972800" h="18288" fill="none" extrusionOk="0">
+                <a:moveTo>
+                  <a:pt x="0" y="0"/>
+                </a:moveTo>
+                <a:cubicBezTo>
+                  <a:pt x="165916" y="-1866"/>
+                  <a:pt x="188720" y="13756"/>
+                  <a:pt x="356616" y="0"/>
+                </a:cubicBezTo>
+                <a:cubicBezTo>
+                  <a:pt x="524512" y="-13756"/>
+                  <a:pt x="734781" y="8922"/>
+                  <a:pt x="1042416" y="0"/>
+                </a:cubicBezTo>
+                <a:cubicBezTo>
+                  <a:pt x="1350051" y="-8922"/>
+                  <a:pt x="1595982" y="-26315"/>
+                  <a:pt x="1947672" y="0"/>
+                </a:cubicBezTo>
+                <a:cubicBezTo>
+                  <a:pt x="2299362" y="26315"/>
+                  <a:pt x="2292691" y="-19526"/>
+                  <a:pt x="2633472" y="0"/>
+                </a:cubicBezTo>
+                <a:cubicBezTo>
+                  <a:pt x="2974253" y="19526"/>
+                  <a:pt x="2857309" y="10773"/>
+                  <a:pt x="2990088" y="0"/>
+                </a:cubicBezTo>
+                <a:cubicBezTo>
+                  <a:pt x="3122867" y="-10773"/>
+                  <a:pt x="3359343" y="7194"/>
+                  <a:pt x="3456432" y="0"/>
+                </a:cubicBezTo>
+                <a:cubicBezTo>
+                  <a:pt x="3553521" y="-7194"/>
+                  <a:pt x="4136258" y="5108"/>
+                  <a:pt x="4361688" y="0"/>
+                </a:cubicBezTo>
+                <a:cubicBezTo>
+                  <a:pt x="4587118" y="-5108"/>
+                  <a:pt x="4992424" y="-42958"/>
+                  <a:pt x="5266944" y="0"/>
+                </a:cubicBezTo>
+                <a:cubicBezTo>
+                  <a:pt x="5541464" y="42958"/>
+                  <a:pt x="5882966" y="-3430"/>
+                  <a:pt x="6172200" y="0"/>
+                </a:cubicBezTo>
+                <a:cubicBezTo>
+                  <a:pt x="6461434" y="3430"/>
+                  <a:pt x="6432127" y="6688"/>
+                  <a:pt x="6528816" y="0"/>
+                </a:cubicBezTo>
+                <a:cubicBezTo>
+                  <a:pt x="6625505" y="-6688"/>
+                  <a:pt x="6916805" y="-436"/>
+                  <a:pt x="7214616" y="0"/>
+                </a:cubicBezTo>
+                <a:cubicBezTo>
+                  <a:pt x="7512427" y="436"/>
+                  <a:pt x="7626159" y="-6909"/>
+                  <a:pt x="7790688" y="0"/>
+                </a:cubicBezTo>
+                <a:cubicBezTo>
+                  <a:pt x="7955217" y="6909"/>
+                  <a:pt x="8048891" y="15307"/>
+                  <a:pt x="8147304" y="0"/>
+                </a:cubicBezTo>
+                <a:cubicBezTo>
+                  <a:pt x="8245717" y="-15307"/>
+                  <a:pt x="8645618" y="-11734"/>
+                  <a:pt x="9052560" y="0"/>
+                </a:cubicBezTo>
+                <a:cubicBezTo>
+                  <a:pt x="9459502" y="11734"/>
+                  <a:pt x="9320584" y="8388"/>
+                  <a:pt x="9409176" y="0"/>
+                </a:cubicBezTo>
+                <a:cubicBezTo>
+                  <a:pt x="9497768" y="-8388"/>
+                  <a:pt x="9644192" y="8379"/>
+                  <a:pt x="9765792" y="0"/>
+                </a:cubicBezTo>
+                <a:cubicBezTo>
+                  <a:pt x="9887392" y="-8379"/>
+                  <a:pt x="10105220" y="-12663"/>
+                  <a:pt x="10341864" y="0"/>
+                </a:cubicBezTo>
+                <a:cubicBezTo>
+                  <a:pt x="10578508" y="12663"/>
+                  <a:pt x="10773103" y="-5786"/>
+                  <a:pt x="10972800" y="0"/>
+                </a:cubicBezTo>
+                <a:cubicBezTo>
+                  <a:pt x="10972146" y="8818"/>
+                  <a:pt x="10972240" y="13823"/>
+                  <a:pt x="10972800" y="18288"/>
+                </a:cubicBezTo>
+                <a:cubicBezTo>
+                  <a:pt x="10588778" y="31598"/>
+                  <a:pt x="10543381" y="-12698"/>
+                  <a:pt x="10177272" y="18288"/>
+                </a:cubicBezTo>
+                <a:cubicBezTo>
+                  <a:pt x="9811163" y="49274"/>
+                  <a:pt x="9996817" y="25662"/>
+                  <a:pt x="9820656" y="18288"/>
+                </a:cubicBezTo>
+                <a:cubicBezTo>
+                  <a:pt x="9644495" y="10914"/>
+                  <a:pt x="9607007" y="31631"/>
+                  <a:pt x="9464040" y="18288"/>
+                </a:cubicBezTo>
+                <a:cubicBezTo>
+                  <a:pt x="9321073" y="4945"/>
+                  <a:pt x="9114189" y="28940"/>
+                  <a:pt x="8778240" y="18288"/>
+                </a:cubicBezTo>
+                <a:cubicBezTo>
+                  <a:pt x="8442291" y="7636"/>
+                  <a:pt x="8594763" y="987"/>
+                  <a:pt x="8421624" y="18288"/>
+                </a:cubicBezTo>
+                <a:cubicBezTo>
+                  <a:pt x="8248485" y="35589"/>
+                  <a:pt x="7929515" y="37573"/>
+                  <a:pt x="7735824" y="18288"/>
+                </a:cubicBezTo>
+                <a:cubicBezTo>
+                  <a:pt x="7542133" y="-997"/>
+                  <a:pt x="7252504" y="33858"/>
+                  <a:pt x="6940296" y="18288"/>
+                </a:cubicBezTo>
+                <a:cubicBezTo>
+                  <a:pt x="6628088" y="2718"/>
+                  <a:pt x="6528503" y="48389"/>
+                  <a:pt x="6254496" y="18288"/>
+                </a:cubicBezTo>
+                <a:cubicBezTo>
+                  <a:pt x="5980489" y="-11813"/>
+                  <a:pt x="5695784" y="-3740"/>
+                  <a:pt x="5458968" y="18288"/>
+                </a:cubicBezTo>
+                <a:cubicBezTo>
+                  <a:pt x="5222152" y="40316"/>
+                  <a:pt x="5010751" y="19095"/>
+                  <a:pt x="4663440" y="18288"/>
+                </a:cubicBezTo>
+                <a:cubicBezTo>
+                  <a:pt x="4316129" y="17481"/>
+                  <a:pt x="4425552" y="1606"/>
+                  <a:pt x="4306824" y="18288"/>
+                </a:cubicBezTo>
+                <a:cubicBezTo>
+                  <a:pt x="4188096" y="34970"/>
+                  <a:pt x="3941535" y="7481"/>
+                  <a:pt x="3840480" y="18288"/>
+                </a:cubicBezTo>
+                <a:cubicBezTo>
+                  <a:pt x="3739425" y="29095"/>
+                  <a:pt x="3402388" y="17641"/>
+                  <a:pt x="3264408" y="18288"/>
+                </a:cubicBezTo>
+                <a:cubicBezTo>
+                  <a:pt x="3126428" y="18935"/>
+                  <a:pt x="2776779" y="9983"/>
+                  <a:pt x="2578608" y="18288"/>
+                </a:cubicBezTo>
+                <a:cubicBezTo>
+                  <a:pt x="2380437" y="26593"/>
+                  <a:pt x="1909468" y="25818"/>
+                  <a:pt x="1673352" y="18288"/>
+                </a:cubicBezTo>
+                <a:cubicBezTo>
+                  <a:pt x="1437236" y="10758"/>
+                  <a:pt x="1131180" y="49884"/>
+                  <a:pt x="877824" y="18288"/>
+                </a:cubicBezTo>
+                <a:cubicBezTo>
+                  <a:pt x="624468" y="-13308"/>
+                  <a:pt x="206753" y="2195"/>
+                  <a:pt x="0" y="18288"/>
+                </a:cubicBezTo>
+                <a:cubicBezTo>
+                  <a:pt x="313" y="10654"/>
+                  <a:pt x="-263" y="4056"/>
+                  <a:pt x="0" y="0"/>
+                </a:cubicBezTo>
+                <a:close/>
+              </a:path>
+              <a:path w="10972800" h="18288" stroke="0" extrusionOk="0">
+                <a:moveTo>
+                  <a:pt x="0" y="0"/>
+                </a:moveTo>
+                <a:cubicBezTo>
+                  <a:pt x="164017" y="-17675"/>
+                  <a:pt x="309425" y="9913"/>
+                  <a:pt x="466344" y="0"/>
+                </a:cubicBezTo>
+                <a:cubicBezTo>
+                  <a:pt x="623263" y="-9913"/>
+                  <a:pt x="659300" y="-14524"/>
+                  <a:pt x="822960" y="0"/>
+                </a:cubicBezTo>
+                <a:cubicBezTo>
+                  <a:pt x="986620" y="14524"/>
+                  <a:pt x="1105222" y="-16481"/>
+                  <a:pt x="1289304" y="0"/>
+                </a:cubicBezTo>
+                <a:cubicBezTo>
+                  <a:pt x="1473386" y="16481"/>
+                  <a:pt x="1693223" y="26161"/>
+                  <a:pt x="1975104" y="0"/>
+                </a:cubicBezTo>
+                <a:cubicBezTo>
+                  <a:pt x="2256985" y="-26161"/>
+                  <a:pt x="2435781" y="23061"/>
+                  <a:pt x="2770632" y="0"/>
+                </a:cubicBezTo>
+                <a:cubicBezTo>
+                  <a:pt x="3105483" y="-23061"/>
+                  <a:pt x="3247479" y="-44011"/>
+                  <a:pt x="3675888" y="0"/>
+                </a:cubicBezTo>
+                <a:cubicBezTo>
+                  <a:pt x="4104297" y="44011"/>
+                  <a:pt x="4280918" y="4017"/>
+                  <a:pt x="4581144" y="0"/>
+                </a:cubicBezTo>
+                <a:cubicBezTo>
+                  <a:pt x="4881370" y="-4017"/>
+                  <a:pt x="5021699" y="-11889"/>
+                  <a:pt x="5157216" y="0"/>
+                </a:cubicBezTo>
+                <a:cubicBezTo>
+                  <a:pt x="5292733" y="11889"/>
+                  <a:pt x="5603398" y="-17698"/>
+                  <a:pt x="5952744" y="0"/>
+                </a:cubicBezTo>
+                <a:cubicBezTo>
+                  <a:pt x="6302090" y="17698"/>
+                  <a:pt x="6353093" y="-11909"/>
+                  <a:pt x="6638544" y="0"/>
+                </a:cubicBezTo>
+                <a:cubicBezTo>
+                  <a:pt x="6923995" y="11909"/>
+                  <a:pt x="7053404" y="21630"/>
+                  <a:pt x="7214616" y="0"/>
+                </a:cubicBezTo>
+                <a:cubicBezTo>
+                  <a:pt x="7375828" y="-21630"/>
+                  <a:pt x="7837963" y="3886"/>
+                  <a:pt x="8010144" y="0"/>
+                </a:cubicBezTo>
+                <a:cubicBezTo>
+                  <a:pt x="8182325" y="-3886"/>
+                  <a:pt x="8224183" y="16009"/>
+                  <a:pt x="8366760" y="0"/>
+                </a:cubicBezTo>
+                <a:cubicBezTo>
+                  <a:pt x="8509337" y="-16009"/>
+                  <a:pt x="8687920" y="-5720"/>
+                  <a:pt x="8942832" y="0"/>
+                </a:cubicBezTo>
+                <a:cubicBezTo>
+                  <a:pt x="9197744" y="5720"/>
+                  <a:pt x="9368437" y="20479"/>
+                  <a:pt x="9628632" y="0"/>
+                </a:cubicBezTo>
+                <a:cubicBezTo>
+                  <a:pt x="9888827" y="-20479"/>
+                  <a:pt x="10560858" y="-20746"/>
+                  <a:pt x="10972800" y="0"/>
+                </a:cubicBezTo>
+                <a:cubicBezTo>
+                  <a:pt x="10972186" y="5722"/>
+                  <a:pt x="10972980" y="12495"/>
+                  <a:pt x="10972800" y="18288"/>
+                </a:cubicBezTo>
+                <a:cubicBezTo>
+                  <a:pt x="10786146" y="12536"/>
+                  <a:pt x="10623717" y="14033"/>
+                  <a:pt x="10506456" y="18288"/>
+                </a:cubicBezTo>
+                <a:cubicBezTo>
+                  <a:pt x="10389195" y="22543"/>
+                  <a:pt x="10296178" y="20107"/>
+                  <a:pt x="10149840" y="18288"/>
+                </a:cubicBezTo>
+                <a:cubicBezTo>
+                  <a:pt x="10003502" y="16469"/>
+                  <a:pt x="9767530" y="28891"/>
+                  <a:pt x="9464040" y="18288"/>
+                </a:cubicBezTo>
+                <a:cubicBezTo>
+                  <a:pt x="9160550" y="7685"/>
+                  <a:pt x="9229050" y="2659"/>
+                  <a:pt x="8997696" y="18288"/>
+                </a:cubicBezTo>
+                <a:cubicBezTo>
+                  <a:pt x="8766342" y="33917"/>
+                  <a:pt x="8340136" y="34864"/>
+                  <a:pt x="8092440" y="18288"/>
+                </a:cubicBezTo>
+                <a:cubicBezTo>
+                  <a:pt x="7844744" y="1712"/>
+                  <a:pt x="7863720" y="27405"/>
+                  <a:pt x="7735824" y="18288"/>
+                </a:cubicBezTo>
+                <a:cubicBezTo>
+                  <a:pt x="7607928" y="9171"/>
+                  <a:pt x="7323619" y="461"/>
+                  <a:pt x="7050024" y="18288"/>
+                </a:cubicBezTo>
+                <a:cubicBezTo>
+                  <a:pt x="6776429" y="36115"/>
+                  <a:pt x="6787899" y="28206"/>
+                  <a:pt x="6693408" y="18288"/>
+                </a:cubicBezTo>
+                <a:cubicBezTo>
+                  <a:pt x="6598917" y="8370"/>
+                  <a:pt x="6395231" y="19114"/>
+                  <a:pt x="6227064" y="18288"/>
+                </a:cubicBezTo>
+                <a:cubicBezTo>
+                  <a:pt x="6058897" y="17462"/>
+                  <a:pt x="5618582" y="1091"/>
+                  <a:pt x="5431536" y="18288"/>
+                </a:cubicBezTo>
+                <a:cubicBezTo>
+                  <a:pt x="5244490" y="35485"/>
+                  <a:pt x="4729797" y="-9650"/>
+                  <a:pt x="4526280" y="18288"/>
+                </a:cubicBezTo>
+                <a:cubicBezTo>
+                  <a:pt x="4322763" y="46226"/>
+                  <a:pt x="4216797" y="756"/>
+                  <a:pt x="4059936" y="18288"/>
+                </a:cubicBezTo>
+                <a:cubicBezTo>
+                  <a:pt x="3903075" y="35820"/>
+                  <a:pt x="3537912" y="42098"/>
+                  <a:pt x="3374136" y="18288"/>
+                </a:cubicBezTo>
+                <a:cubicBezTo>
+                  <a:pt x="3210360" y="-5522"/>
+                  <a:pt x="3126842" y="39135"/>
+                  <a:pt x="2907792" y="18288"/>
+                </a:cubicBezTo>
+                <a:cubicBezTo>
+                  <a:pt x="2688742" y="-2559"/>
+                  <a:pt x="2490436" y="34100"/>
+                  <a:pt x="2112264" y="18288"/>
+                </a:cubicBezTo>
+                <a:cubicBezTo>
+                  <a:pt x="1734092" y="2476"/>
+                  <a:pt x="1744622" y="-7274"/>
+                  <a:pt x="1536192" y="18288"/>
+                </a:cubicBezTo>
+                <a:cubicBezTo>
+                  <a:pt x="1327762" y="43850"/>
+                  <a:pt x="1189025" y="6435"/>
+                  <a:pt x="1069848" y="18288"/>
+                </a:cubicBezTo>
+                <a:cubicBezTo>
+                  <a:pt x="950671" y="30141"/>
+                  <a:pt x="858345" y="33684"/>
+                  <a:pt x="713232" y="18288"/>
+                </a:cubicBezTo>
+                <a:cubicBezTo>
+                  <a:pt x="568119" y="2892"/>
+                  <a:pt x="250292" y="5410"/>
+                  <a:pt x="0" y="18288"/>
+                </a:cubicBezTo>
+                <a:cubicBezTo>
+                  <a:pt x="465" y="13062"/>
+                  <a:pt x="-894" y="9029"/>
+                  <a:pt x="0" y="0"/>
+                </a:cubicBezTo>
+                <a:close/>
+              </a:path>
+            </a:pathLst>
+          </a:custGeom>
+          <a:solidFill>
+            <a:schemeClr val="accent2">
+              <a:alpha val="75000"/>
+            </a:schemeClr>
+          </a:solidFill>
+          <a:ln w="44450" cap="rnd">
+            <a:solidFill>
+              <a:schemeClr val="accent2">
+                <a:alpha val="75000"/>
+              </a:schemeClr>
+            </a:solidFill>
+            <a:round/>
+            <a:extLst>
+              <a:ext uri="{C807C97D-BFC1-408E-A445-0C87EB9F89A2}">
+                <ask:lineSketchStyleProps xmlns:ask="http://schemas.microsoft.com/office/drawing/2018/sketchyshapes" sd="2727557108">
+                  <a:prstGeom prst="rect">
+                    <a:avLst/>
+                  </a:prstGeom>
+                  <ask:type>
+                    <ask:lineSketchFreehand/>
+                  </ask:type>
+                </ask:lineSketchStyleProps>
+              </a:ext>
+            </a:extLst>
+          </a:ln>
+        </p:spPr>
+        <p:style>
+          <a:lnRef idx="2">
+            <a:schemeClr val="accent1">
+              <a:shade val="50000"/>
+            </a:schemeClr>
+          </a:lnRef>
+          <a:fillRef idx="1">
+            <a:schemeClr val="accent1"/>
+          </a:fillRef>
+          <a:effectRef idx="0">
+            <a:schemeClr val="accent1"/>
+          </a:effectRef>
+          <a:fontRef idx="minor">
+            <a:schemeClr val="lt1"/>
+          </a:fontRef>
+        </p:style>
+        <p:txBody>
+          <a:bodyPr rtlCol="0" anchor="ctr"/>
+          <a:lstStyle/>
+          <a:p>
+            <a:pPr algn="ctr"/>
+            <a:endParaRPr lang="en-US"/>
+          </a:p>
+        </p:txBody>
+      </p:sp>
+      <p:sp>
+        <p:nvSpPr>
           <p:cNvPr id="3" name="Marcador de Posição de Conteúdo 2">
             <a:extLst>
               <a:ext uri="{FF2B5EF4-FFF2-40B4-BE49-F238E27FC236}">
@@ -3370,52 +4112,90 @@
             <p:ph idx="1"/>
           </p:nvPr>
         </p:nvSpPr>
-        <p:spPr/>
-        <p:txBody>
-          <a:bodyPr/>
-          <a:lstStyle/>
-          <a:p>
-            <a:r>
-              <a:rPr lang="pt-PT" b="0" i="0" u="none" strike="noStrike" dirty="0">
-                <a:solidFill>
-                  <a:srgbClr val="1F1F1F"/>
-                </a:solidFill>
+        <p:spPr>
+          <a:xfrm>
+            <a:off x="572493" y="2071316"/>
+            <a:ext cx="6713552" cy="4119172"/>
+          </a:xfrm>
+        </p:spPr>
+        <p:txBody>
+          <a:bodyPr anchor="t">
+            <a:normAutofit/>
+          </a:bodyPr>
+          <a:lstStyle/>
+          <a:p>
+            <a:r>
+              <a:rPr lang="pt-PT" sz="2600" b="0" i="0" u="none" strike="noStrike" dirty="0">
+                <a:effectLst/>
+                <a:highlight>
+                  <a:srgbClr val="FFFFFF"/>
+                </a:highlight>
+              </a:rPr>
+              <a:t>Damas é um jogo que teve origem no Antigo Egito, é um jogo conhecido pela sua simplicidade mas ao mesmo tempo  pela estratégia mais complexa. </a:t>
+            </a:r>
+          </a:p>
+          <a:p>
+            <a:r>
+              <a:rPr lang="pt-PT" sz="2600" b="0" i="0" u="none" strike="noStrike" dirty="0">
+                <a:effectLst/>
+                <a:highlight>
+                  <a:srgbClr val="FFFFFF"/>
+                </a:highlight>
+              </a:rPr>
+              <a:t> O tabuleiro(8x8) xadrez tem 64 casas, 32 escuras e 32 claras onde o principal objetivo é deixar o adversário sem peças em cima do tabuleiro</a:t>
+            </a:r>
+            <a:r>
+              <a:rPr lang="pt-PT" sz="2600" b="0" i="0" u="none" strike="noStrike" dirty="0">
                 <a:effectLst/>
                 <a:highlight>
                   <a:srgbClr val="FFFFFF"/>
                 </a:highlight>
                 <a:latin typeface="Google Sans"/>
               </a:rPr>
-              <a:t>Damas é um jogo que teve origem no Antigo Egito, é um jogo conhecido pela sua simplicidade mas ao mesmo tempo  pela estratégia mais complexa. </a:t>
-            </a:r>
-          </a:p>
-          <a:p>
-            <a:r>
-              <a:rPr lang="pt-PT" b="0" i="0" u="none" strike="noStrike" dirty="0">
-                <a:solidFill>
-                  <a:srgbClr val="1F1F1F"/>
-                </a:solidFill>
-                <a:effectLst/>
-                <a:highlight>
-                  <a:srgbClr val="FFFFFF"/>
-                </a:highlight>
-                <a:latin typeface="Google Sans"/>
-              </a:rPr>
-              <a:t> O tabuleiro(8x8) xadrez tem 64 casas, 32 escuras e 32 claras onde o principal objetivo é deixar o adversário sem peças em cima do tabuleiro.</a:t>
-            </a:r>
-            <a:endParaRPr lang="pt-PT" dirty="0"/>
-          </a:p>
-          <a:p>
-            <a:endParaRPr lang="pt-PT" dirty="0"/>
+              <a:t>.</a:t>
+            </a:r>
+            <a:endParaRPr lang="pt-PT" sz="2600" dirty="0"/>
+          </a:p>
+          <a:p>
+            <a:endParaRPr lang="pt-PT" sz="2200" dirty="0"/>
           </a:p>
           <a:p>
             <a:pPr marL="0" indent="0">
               <a:buNone/>
             </a:pPr>
-            <a:endParaRPr lang="pt-PT" dirty="0"/>
-          </a:p>
-        </p:txBody>
-      </p:sp>
+            <a:endParaRPr lang="pt-PT" sz="2200" dirty="0"/>
+          </a:p>
+        </p:txBody>
+      </p:sp>
+      <p:pic>
+        <p:nvPicPr>
+          <p:cNvPr id="5" name="Imagem 4" descr="Uma imagem com Jogos e desportos indoor, jogo de tabuleiro, damas, Jogo de mesa&#10;&#10;Descrição gerada automaticamente">
+            <a:extLst>
+              <a:ext uri="{FF2B5EF4-FFF2-40B4-BE49-F238E27FC236}">
+                <a16:creationId xmlns:a16="http://schemas.microsoft.com/office/drawing/2014/main" id="{74CA0918-99D6-8B97-BF30-8B0965F2AB5D}"/>
+              </a:ext>
+            </a:extLst>
+          </p:cNvPr>
+          <p:cNvPicPr>
+            <a:picLocks noChangeAspect="1"/>
+          </p:cNvPicPr>
+          <p:nvPr/>
+        </p:nvPicPr>
+        <p:blipFill rotWithShape="1">
+          <a:blip r:embed="rId2"/>
+          <a:srcRect l="1411" r="2625" b="1"/>
+          <a:stretch/>
+        </p:blipFill>
+        <p:spPr>
+          <a:xfrm>
+            <a:off x="7675658" y="2093976"/>
+            <a:ext cx="3941064" cy="4096512"/>
+          </a:xfrm>
+          <a:prstGeom prst="rect">
+            <a:avLst/>
+          </a:prstGeom>
+        </p:spPr>
+      </p:pic>
     </p:spTree>
     <p:extLst>
       <p:ext uri="{BB962C8B-B14F-4D97-AF65-F5344CB8AC3E}">
@@ -3493,7 +4273,7 @@
         <p:spPr/>
         <p:txBody>
           <a:bodyPr>
-            <a:normAutofit fontScale="92500" lnSpcReduction="10000"/>
+            <a:normAutofit fontScale="92500" lnSpcReduction="20000"/>
           </a:bodyPr>
           <a:lstStyle/>
           <a:p>
@@ -3511,7 +4291,13 @@
           <a:p>
             <a:r>
               <a:rPr lang="pt-PT" dirty="0"/>
-              <a:t>As peças só se movem na uma casa na diagonal e </a:t>
+              <a:t>Existem 2 tipos de peças: Peões e Damas.</a:t>
+            </a:r>
+          </a:p>
+          <a:p>
+            <a:r>
+              <a:rPr lang="pt-PT" dirty="0"/>
+              <a:t>Os Peões só se movem na uma casa na diagonal para a frente e </a:t>
             </a:r>
             <a:r>
               <a:rPr lang="pt-PT" dirty="0">
@@ -3546,11 +4332,8 @@
           <a:p>
             <a:r>
               <a:rPr lang="pt-PT" dirty="0"/>
-              <a:t>Quando uma peça chega à última linha do tabuleiro vira uma dama, por isso, pode andar as casas que quiser mas sempre na diagonal. </a:t>
-            </a:r>
-          </a:p>
-          <a:p>
-            <a:endParaRPr lang="pt-PT" dirty="0"/>
+              <a:t>Quando um Peão chega à última linha do tabuleiro vira uma Dama, que pode andar as casas que quiser em qualquer direção mas sempre na diagonal. </a:t>
+            </a:r>
           </a:p>
           <a:p>
             <a:r>
@@ -3621,7 +4404,7 @@
         </p:nvSpPr>
         <p:spPr>
           <a:xfrm>
-            <a:off x="1524000" y="1122363"/>
+            <a:off x="1524000" y="453060"/>
             <a:ext cx="9144000" cy="660717"/>
           </a:xfrm>
         </p:spPr>
@@ -3631,10 +4414,8 @@
           </a:bodyPr>
           <a:lstStyle/>
           <a:p>
-            <a:r>
-              <a:rPr lang="pt-PT" dirty="0"/>
-              <a:t>Classe Peça</a:t>
-            </a:r>
+            <a:pPr algn="l"/>
+            <a:endParaRPr lang="pt-PT" dirty="0"/>
           </a:p>
         </p:txBody>
       </p:sp>
@@ -3656,7 +4437,7 @@
         </p:nvSpPr>
         <p:spPr>
           <a:xfrm>
-            <a:off x="1524000" y="2263140"/>
+            <a:off x="1524000" y="1989763"/>
             <a:ext cx="9144000" cy="1714500"/>
           </a:xfrm>
         </p:spPr>
@@ -3680,7 +4461,15 @@
             <a:pPr algn="l"/>
             <a:r>
               <a:rPr lang="pt-PT" dirty="0"/>
-              <a:t>Nesta classe teríamos um método com um filtro para apenas mover as peças disponíveis como também identificar se uma peça é dama ou não e ajustar o alcance do seu </a:t>
+              <a:t>Nesta classe teríamos um método com um filtro para apenas mover as peças disponíveis como também identificar se </a:t>
+            </a:r>
+            <a:r>
+              <a:rPr lang="pt-PT" dirty="0" err="1"/>
+              <a:t>umeça</a:t>
+            </a:r>
+            <a:r>
+              <a:rPr lang="pt-PT" dirty="0"/>
+              <a:t> é dama ou não e ajustar o alcance do seu </a:t>
             </a:r>
             <a:r>
               <a:rPr lang="pt-PT" dirty="0" err="1"/>
@@ -3725,7 +4514,7 @@
           <p:cNvPr id="2" name="Título 1">
             <a:extLst>
               <a:ext uri="{FF2B5EF4-FFF2-40B4-BE49-F238E27FC236}">
-                <a16:creationId xmlns:a16="http://schemas.microsoft.com/office/drawing/2014/main" id="{675BC724-7F83-5937-743D-792E0388822C}"/>
+                <a16:creationId xmlns:a16="http://schemas.microsoft.com/office/drawing/2014/main" id="{F237CAE5-133E-C028-12DA-45AEA0E9F03E}"/>
               </a:ext>
             </a:extLst>
           </p:cNvPr>
@@ -3743,7 +4532,7 @@
           <a:p>
             <a:r>
               <a:rPr lang="pt-PT" dirty="0"/>
-              <a:t>Classe Jogadores</a:t>
+              <a:t>Classe Tabuleiro</a:t>
             </a:r>
           </a:p>
         </p:txBody>
@@ -3753,7 +4542,7 @@
           <p:cNvPr id="3" name="Marcador de Posição de Conteúdo 2">
             <a:extLst>
               <a:ext uri="{FF2B5EF4-FFF2-40B4-BE49-F238E27FC236}">
-                <a16:creationId xmlns:a16="http://schemas.microsoft.com/office/drawing/2014/main" id="{FD5321CD-587F-7533-CF34-6EFC01B3DBB1}"/>
+                <a16:creationId xmlns:a16="http://schemas.microsoft.com/office/drawing/2014/main" id="{FCDBA431-4AB3-186C-CD5D-3140EDA1ACD7}"/>
               </a:ext>
             </a:extLst>
           </p:cNvPr>
@@ -3771,7 +4560,27 @@
           <a:p>
             <a:r>
               <a:rPr lang="pt-PT" dirty="0"/>
-              <a:t>Na classe jogadores é possível escolher a cor das peças que o utilizador deseja jogar e guarda o resultados das partidas entre os jogadores.</a:t>
+              <a:t>A classe Tabuleiro será a que vai representar o nosso campo de jogo, através de um </a:t>
+            </a:r>
+            <a:r>
+              <a:rPr lang="pt-PT" dirty="0" err="1"/>
+              <a:t>array</a:t>
+            </a:r>
+            <a:r>
+              <a:rPr lang="pt-PT" dirty="0"/>
+              <a:t> bidimensional para representar as coordenadas X e Y.</a:t>
+            </a:r>
+          </a:p>
+          <a:p>
+            <a:r>
+              <a:rPr lang="pt-PT" dirty="0"/>
+              <a:t>Quando o jogo começa, será executado um método para pôr as peças de cada jogador nos seus respetivos sítios, e durante o jogo vai guardar quais locais têm uma peça, com a sua cor e o seu tipo.</a:t>
+            </a:r>
+          </a:p>
+          <a:p>
+            <a:r>
+              <a:rPr lang="pt-PT" dirty="0"/>
+              <a:t>Quando o jogo termina, esta classe troca os jogadores de lado para a nova ronda.</a:t>
             </a:r>
           </a:p>
         </p:txBody>
@@ -3779,7 +4588,7 @@
     </p:spTree>
     <p:extLst>
       <p:ext uri="{BB962C8B-B14F-4D97-AF65-F5344CB8AC3E}">
-        <p14:creationId xmlns:p14="http://schemas.microsoft.com/office/powerpoint/2010/main" val="2833057582"/>
+        <p14:creationId xmlns:p14="http://schemas.microsoft.com/office/powerpoint/2010/main" val="1571848815"/>
       </p:ext>
     </p:extLst>
   </p:cSld>
@@ -3811,7 +4620,7 @@
           <p:cNvPr id="2" name="Título 1">
             <a:extLst>
               <a:ext uri="{FF2B5EF4-FFF2-40B4-BE49-F238E27FC236}">
-                <a16:creationId xmlns:a16="http://schemas.microsoft.com/office/drawing/2014/main" id="{F237CAE5-133E-C028-12DA-45AEA0E9F03E}"/>
+                <a16:creationId xmlns:a16="http://schemas.microsoft.com/office/drawing/2014/main" id="{675BC724-7F83-5937-743D-792E0388822C}"/>
               </a:ext>
             </a:extLst>
           </p:cNvPr>
@@ -3829,7 +4638,7 @@
           <a:p>
             <a:r>
               <a:rPr lang="pt-PT" dirty="0"/>
-              <a:t>Classe Tabuleiro</a:t>
+              <a:t>Classe Peças</a:t>
             </a:r>
           </a:p>
         </p:txBody>
@@ -3839,7 +4648,7 @@
           <p:cNvPr id="3" name="Marcador de Posição de Conteúdo 2">
             <a:extLst>
               <a:ext uri="{FF2B5EF4-FFF2-40B4-BE49-F238E27FC236}">
-                <a16:creationId xmlns:a16="http://schemas.microsoft.com/office/drawing/2014/main" id="{FCDBA431-4AB3-186C-CD5D-3140EDA1ACD7}"/>
+                <a16:creationId xmlns:a16="http://schemas.microsoft.com/office/drawing/2014/main" id="{FD5321CD-587F-7533-CF34-6EFC01B3DBB1}"/>
               </a:ext>
             </a:extLst>
           </p:cNvPr>
@@ -3856,26 +4665,20 @@
           <a:lstStyle/>
           <a:p>
             <a:r>
-              <a:rPr lang="pt-PT" dirty="0" err="1"/>
-              <a:t>Teriamos</a:t>
-            </a:r>
-            <a:r>
               <a:rPr lang="pt-PT" dirty="0"/>
-              <a:t> de ter um </a:t>
-            </a:r>
-            <a:r>
-              <a:rPr lang="pt-PT" dirty="0" err="1"/>
-              <a:t>array</a:t>
-            </a:r>
+              <a:t>Esta classe será uma ‘interface’, que permitirá definir os dois tipos de peças que teremos: Peões e Damas. Os construtores de todas as peças terão que definir a sua cor e a sua posição original no tabuleiro.</a:t>
+            </a:r>
+          </a:p>
+          <a:p>
             <a:r>
               <a:rPr lang="pt-PT" dirty="0"/>
-              <a:t> bidimensional para representar as coordenadas x e y do tabuleiro.</a:t>
+              <a:t>Para os Peões, vai-se verificar se o movimento dessa peça é na diagonal e para a frente.</a:t>
             </a:r>
           </a:p>
           <a:p>
             <a:r>
               <a:rPr lang="pt-PT" dirty="0"/>
-              <a:t>Utilizamos um método para quando começar a partida as peças ficam no lugar correto</a:t>
+              <a:t>Para as Damas, vai-se verificar se o movimento dessa peça é na diagonal.</a:t>
             </a:r>
           </a:p>
         </p:txBody>
@@ -3883,7 +4686,7 @@
     </p:spTree>
     <p:extLst>
       <p:ext uri="{BB962C8B-B14F-4D97-AF65-F5344CB8AC3E}">
-        <p14:creationId xmlns:p14="http://schemas.microsoft.com/office/powerpoint/2010/main" val="1571848815"/>
+        <p14:creationId xmlns:p14="http://schemas.microsoft.com/office/powerpoint/2010/main" val="2833057582"/>
       </p:ext>
     </p:extLst>
   </p:cSld>
@@ -3915,7 +4718,7 @@
           <p:cNvPr id="2" name="Título 1">
             <a:extLst>
               <a:ext uri="{FF2B5EF4-FFF2-40B4-BE49-F238E27FC236}">
-                <a16:creationId xmlns:a16="http://schemas.microsoft.com/office/drawing/2014/main" id="{04A3E7A1-DF66-C180-8798-D2F1C39444A4}"/>
+                <a16:creationId xmlns:a16="http://schemas.microsoft.com/office/drawing/2014/main" id="{675BC724-7F83-5937-743D-792E0388822C}"/>
               </a:ext>
             </a:extLst>
           </p:cNvPr>
@@ -3933,7 +4736,7 @@
           <a:p>
             <a:r>
               <a:rPr lang="pt-PT" dirty="0"/>
-              <a:t>Classe Jogo/Regras</a:t>
+              <a:t>Classe Jogadores</a:t>
             </a:r>
           </a:p>
         </p:txBody>
@@ -3943,7 +4746,7 @@
           <p:cNvPr id="3" name="Marcador de Posição de Conteúdo 2">
             <a:extLst>
               <a:ext uri="{FF2B5EF4-FFF2-40B4-BE49-F238E27FC236}">
-                <a16:creationId xmlns:a16="http://schemas.microsoft.com/office/drawing/2014/main" id="{2E843A47-3FEB-1898-4435-3C9196261C47}"/>
+                <a16:creationId xmlns:a16="http://schemas.microsoft.com/office/drawing/2014/main" id="{FD5321CD-587F-7533-CF34-6EFC01B3DBB1}"/>
               </a:ext>
             </a:extLst>
           </p:cNvPr>
@@ -3961,7 +4764,7 @@
           <a:p>
             <a:r>
               <a:rPr lang="pt-PT" dirty="0"/>
-              <a:t>Aqui nesta classe temos o método para iniciar o jogo</a:t>
+              <a:t>Na classe Jogadores é possível escolher a cor das peças que o utilizador deseja jogar no primeiro jogo, guarda o resultados das partidas entre os jogadores e as vitórias conquistadas, e verifica se as jogadas que o jogador quer fazer são de acordo com as regras do jogo.</a:t>
             </a:r>
           </a:p>
         </p:txBody>
@@ -3969,7 +4772,7 @@
     </p:spTree>
     <p:extLst>
       <p:ext uri="{BB962C8B-B14F-4D97-AF65-F5344CB8AC3E}">
-        <p14:creationId xmlns:p14="http://schemas.microsoft.com/office/powerpoint/2010/main" val="753746855"/>
+        <p14:creationId xmlns:p14="http://schemas.microsoft.com/office/powerpoint/2010/main" val="2843474859"/>
       </p:ext>
     </p:extLst>
   </p:cSld>

--- a/Damas.pptx
+++ b/Damas.pptx
@@ -2,23 +2,25 @@
 <file path=ppt/presentation.xml><?xml version="1.0" encoding="utf-8"?>
 <p:presentation xmlns:a="http://schemas.openxmlformats.org/drawingml/2006/main" xmlns:r="http://schemas.openxmlformats.org/officeDocument/2006/relationships" xmlns:p="http://schemas.openxmlformats.org/presentationml/2006/main" saveSubsetFonts="1" autoCompressPictures="0">
   <p:sldMasterIdLst>
-    <p:sldMasterId id="2147483648" r:id="rId1"/>
+    <p:sldMasterId id="2147483798" r:id="rId1"/>
   </p:sldMasterIdLst>
   <p:sldIdLst>
     <p:sldId id="260" r:id="rId2"/>
-    <p:sldId id="261" r:id="rId3"/>
-    <p:sldId id="256" r:id="rId4"/>
-    <p:sldId id="257" r:id="rId5"/>
-    <p:sldId id="258" r:id="rId6"/>
-    <p:sldId id="259" r:id="rId7"/>
+    <p:sldId id="266" r:id="rId3"/>
+    <p:sldId id="261" r:id="rId4"/>
+    <p:sldId id="265" r:id="rId5"/>
+    <p:sldId id="257" r:id="rId6"/>
+    <p:sldId id="262" r:id="rId7"/>
+    <p:sldId id="258" r:id="rId8"/>
+    <p:sldId id="259" r:id="rId9"/>
   </p:sldIdLst>
   <p:sldSz cx="12192000" cy="6858000"/>
   <p:notesSz cx="6858000" cy="9144000"/>
   <p:defaultTextStyle>
     <a:defPPr>
-      <a:defRPr lang="pt-PT"/>
+      <a:defRPr lang="en-US"/>
     </a:defPPr>
-    <a:lvl1pPr marL="0" algn="l" defTabSz="914400" rtl="0" eaLnBrk="1" latinLnBrk="0" hangingPunct="1">
+    <a:lvl1pPr marL="0" algn="l" defTabSz="457200" rtl="0" eaLnBrk="1" latinLnBrk="0" hangingPunct="1">
       <a:defRPr sz="1800" kern="1200">
         <a:solidFill>
           <a:schemeClr val="tx1"/>
@@ -28,7 +30,7 @@
         <a:cs typeface="+mn-cs"/>
       </a:defRPr>
     </a:lvl1pPr>
-    <a:lvl2pPr marL="457200" algn="l" defTabSz="914400" rtl="0" eaLnBrk="1" latinLnBrk="0" hangingPunct="1">
+    <a:lvl2pPr marL="457200" algn="l" defTabSz="457200" rtl="0" eaLnBrk="1" latinLnBrk="0" hangingPunct="1">
       <a:defRPr sz="1800" kern="1200">
         <a:solidFill>
           <a:schemeClr val="tx1"/>
@@ -38,7 +40,7 @@
         <a:cs typeface="+mn-cs"/>
       </a:defRPr>
     </a:lvl2pPr>
-    <a:lvl3pPr marL="914400" algn="l" defTabSz="914400" rtl="0" eaLnBrk="1" latinLnBrk="0" hangingPunct="1">
+    <a:lvl3pPr marL="914400" algn="l" defTabSz="457200" rtl="0" eaLnBrk="1" latinLnBrk="0" hangingPunct="1">
       <a:defRPr sz="1800" kern="1200">
         <a:solidFill>
           <a:schemeClr val="tx1"/>
@@ -48,7 +50,7 @@
         <a:cs typeface="+mn-cs"/>
       </a:defRPr>
     </a:lvl3pPr>
-    <a:lvl4pPr marL="1371600" algn="l" defTabSz="914400" rtl="0" eaLnBrk="1" latinLnBrk="0" hangingPunct="1">
+    <a:lvl4pPr marL="1371600" algn="l" defTabSz="457200" rtl="0" eaLnBrk="1" latinLnBrk="0" hangingPunct="1">
       <a:defRPr sz="1800" kern="1200">
         <a:solidFill>
           <a:schemeClr val="tx1"/>
@@ -58,7 +60,7 @@
         <a:cs typeface="+mn-cs"/>
       </a:defRPr>
     </a:lvl4pPr>
-    <a:lvl5pPr marL="1828800" algn="l" defTabSz="914400" rtl="0" eaLnBrk="1" latinLnBrk="0" hangingPunct="1">
+    <a:lvl5pPr marL="1828800" algn="l" defTabSz="457200" rtl="0" eaLnBrk="1" latinLnBrk="0" hangingPunct="1">
       <a:defRPr sz="1800" kern="1200">
         <a:solidFill>
           <a:schemeClr val="tx1"/>
@@ -68,7 +70,7 @@
         <a:cs typeface="+mn-cs"/>
       </a:defRPr>
     </a:lvl5pPr>
-    <a:lvl6pPr marL="2286000" algn="l" defTabSz="914400" rtl="0" eaLnBrk="1" latinLnBrk="0" hangingPunct="1">
+    <a:lvl6pPr marL="2286000" algn="l" defTabSz="457200" rtl="0" eaLnBrk="1" latinLnBrk="0" hangingPunct="1">
       <a:defRPr sz="1800" kern="1200">
         <a:solidFill>
           <a:schemeClr val="tx1"/>
@@ -78,7 +80,7 @@
         <a:cs typeface="+mn-cs"/>
       </a:defRPr>
     </a:lvl6pPr>
-    <a:lvl7pPr marL="2743200" algn="l" defTabSz="914400" rtl="0" eaLnBrk="1" latinLnBrk="0" hangingPunct="1">
+    <a:lvl7pPr marL="2743200" algn="l" defTabSz="457200" rtl="0" eaLnBrk="1" latinLnBrk="0" hangingPunct="1">
       <a:defRPr sz="1800" kern="1200">
         <a:solidFill>
           <a:schemeClr val="tx1"/>
@@ -88,7 +90,7 @@
         <a:cs typeface="+mn-cs"/>
       </a:defRPr>
     </a:lvl7pPr>
-    <a:lvl8pPr marL="3200400" algn="l" defTabSz="914400" rtl="0" eaLnBrk="1" latinLnBrk="0" hangingPunct="1">
+    <a:lvl8pPr marL="3200400" algn="l" defTabSz="457200" rtl="0" eaLnBrk="1" latinLnBrk="0" hangingPunct="1">
       <a:defRPr sz="1800" kern="1200">
         <a:solidFill>
           <a:schemeClr val="tx1"/>
@@ -98,7 +100,7 @@
         <a:cs typeface="+mn-cs"/>
       </a:defRPr>
     </a:lvl8pPr>
-    <a:lvl9pPr marL="3657600" algn="l" defTabSz="914400" rtl="0" eaLnBrk="1" latinLnBrk="0" hangingPunct="1">
+    <a:lvl9pPr marL="3657600" algn="l" defTabSz="457200" rtl="0" eaLnBrk="1" latinLnBrk="0" hangingPunct="1">
       <a:defRPr sz="1800" kern="1200">
         <a:solidFill>
           <a:schemeClr val="tx1"/>
@@ -109,6 +111,11 @@
       </a:defRPr>
     </a:lvl9pPr>
   </p:defaultTextStyle>
+  <p:extLst>
+    <p:ext uri="{EFAFB233-063F-42B5-8137-9DF3F51BA10A}">
+      <p15:sldGuideLst xmlns:p15="http://schemas.microsoft.com/office/powerpoint/2012/main"/>
+    </p:ext>
+  </p:extLst>
 </p:presentation>
 </file>
 
@@ -129,15 +136,148 @@
           <a:chExt cx="0" cy="0"/>
         </a:xfrm>
       </p:grpSpPr>
-      <p:sp>
-        <p:nvSpPr>
-          <p:cNvPr id="2" name="Título 1">
+      <p:pic>
+        <p:nvPicPr>
+          <p:cNvPr id="7" name="Picture 6" descr="HD-ShadowLong.png"/>
+          <p:cNvPicPr>
+            <a:picLocks noChangeAspect="1"/>
+          </p:cNvPicPr>
+          <p:nvPr/>
+        </p:nvPicPr>
+        <p:blipFill>
+          <a:blip r:embed="rId2">
             <a:extLst>
-              <a:ext uri="{FF2B5EF4-FFF2-40B4-BE49-F238E27FC236}">
-                <a16:creationId xmlns:a16="http://schemas.microsoft.com/office/drawing/2014/main" id="{253D65A4-B06B-C52E-C7C8-95BC0AA3710A}"/>
+              <a:ext uri="{28A0092B-C50C-407E-A947-70E740481C1C}">
+                <a14:useLocalDpi xmlns:a14="http://schemas.microsoft.com/office/drawing/2010/main" val="0"/>
               </a:ext>
             </a:extLst>
-          </p:cNvPr>
+          </a:blip>
+          <a:stretch>
+            <a:fillRect/>
+          </a:stretch>
+        </p:blipFill>
+        <p:spPr>
+          <a:xfrm>
+            <a:off x="1" y="4242851"/>
+            <a:ext cx="8968084" cy="275942"/>
+          </a:xfrm>
+          <a:prstGeom prst="rect">
+            <a:avLst/>
+          </a:prstGeom>
+        </p:spPr>
+      </p:pic>
+      <p:pic>
+        <p:nvPicPr>
+          <p:cNvPr id="8" name="Picture 7" descr="HD-ShadowShort.png"/>
+          <p:cNvPicPr>
+            <a:picLocks noChangeAspect="1"/>
+          </p:cNvPicPr>
+          <p:nvPr/>
+        </p:nvPicPr>
+        <p:blipFill>
+          <a:blip r:embed="rId3">
+            <a:extLst>
+              <a:ext uri="{28A0092B-C50C-407E-A947-70E740481C1C}">
+                <a14:useLocalDpi xmlns:a14="http://schemas.microsoft.com/office/drawing/2010/main" val="0"/>
+              </a:ext>
+            </a:extLst>
+          </a:blip>
+          <a:stretch>
+            <a:fillRect/>
+          </a:stretch>
+        </p:blipFill>
+        <p:spPr>
+          <a:xfrm>
+            <a:off x="9111716" y="4243845"/>
+            <a:ext cx="3077108" cy="276940"/>
+          </a:xfrm>
+          <a:prstGeom prst="rect">
+            <a:avLst/>
+          </a:prstGeom>
+        </p:spPr>
+      </p:pic>
+      <p:sp>
+        <p:nvSpPr>
+          <p:cNvPr id="9" name="Rectangle 8"/>
+          <p:cNvSpPr/>
+          <p:nvPr/>
+        </p:nvSpPr>
+        <p:spPr bwMode="ltGray">
+          <a:xfrm>
+            <a:off x="0" y="2590078"/>
+            <a:ext cx="8968085" cy="1660332"/>
+          </a:xfrm>
+          <a:prstGeom prst="rect">
+            <a:avLst/>
+          </a:prstGeom>
+          <a:solidFill>
+            <a:schemeClr val="bg1">
+              <a:lumMod val="85000"/>
+              <a:lumOff val="15000"/>
+            </a:schemeClr>
+          </a:solidFill>
+          <a:ln>
+            <a:noFill/>
+          </a:ln>
+        </p:spPr>
+        <p:style>
+          <a:lnRef idx="2">
+            <a:schemeClr val="accent1">
+              <a:shade val="50000"/>
+            </a:schemeClr>
+          </a:lnRef>
+          <a:fillRef idx="1">
+            <a:schemeClr val="accent1"/>
+          </a:fillRef>
+          <a:effectRef idx="0">
+            <a:schemeClr val="accent1"/>
+          </a:effectRef>
+          <a:fontRef idx="minor">
+            <a:schemeClr val="lt1"/>
+          </a:fontRef>
+        </p:style>
+      </p:sp>
+      <p:sp>
+        <p:nvSpPr>
+          <p:cNvPr id="10" name="Rectangle 9"/>
+          <p:cNvSpPr/>
+          <p:nvPr/>
+        </p:nvSpPr>
+        <p:spPr>
+          <a:xfrm>
+            <a:off x="9111715" y="2590078"/>
+            <a:ext cx="3077109" cy="1660332"/>
+          </a:xfrm>
+          <a:prstGeom prst="rect">
+            <a:avLst/>
+          </a:prstGeom>
+          <a:solidFill>
+            <a:schemeClr val="accent1"/>
+          </a:solidFill>
+          <a:ln>
+            <a:noFill/>
+          </a:ln>
+        </p:spPr>
+        <p:style>
+          <a:lnRef idx="2">
+            <a:schemeClr val="accent1">
+              <a:shade val="50000"/>
+            </a:schemeClr>
+          </a:lnRef>
+          <a:fillRef idx="1">
+            <a:schemeClr val="accent1"/>
+          </a:fillRef>
+          <a:effectRef idx="0">
+            <a:schemeClr val="accent1"/>
+          </a:effectRef>
+          <a:fontRef idx="minor">
+            <a:schemeClr val="lt1"/>
+          </a:fontRef>
+        </p:style>
+      </p:sp>
+      <p:sp>
+        <p:nvSpPr>
+          <p:cNvPr id="2" name="Title 1"/>
           <p:cNvSpPr>
             <a:spLocks noGrp="1"/>
           </p:cNvSpPr>
@@ -147,15 +287,17 @@
         </p:nvSpPr>
         <p:spPr>
           <a:xfrm>
-            <a:off x="1524000" y="1122363"/>
-            <a:ext cx="9144000" cy="2387600"/>
-          </a:xfrm>
-        </p:spPr>
-        <p:txBody>
-          <a:bodyPr anchor="b"/>
+            <a:off x="680322" y="2733709"/>
+            <a:ext cx="8144134" cy="1373070"/>
+          </a:xfrm>
+        </p:spPr>
+        <p:txBody>
+          <a:bodyPr anchor="b">
+            <a:noAutofit/>
+          </a:bodyPr>
           <a:lstStyle>
-            <a:lvl1pPr algn="ctr">
-              <a:defRPr sz="6000"/>
+            <a:lvl1pPr algn="r">
+              <a:defRPr sz="5400"/>
             </a:lvl1pPr>
           </a:lstStyle>
           <a:p>
@@ -163,18 +305,13 @@
               <a:rPr lang="pt-PT"/>
               <a:t>Clique para editar o estilo de título do Modelo Global</a:t>
             </a:r>
-          </a:p>
-        </p:txBody>
-      </p:sp>
-      <p:sp>
-        <p:nvSpPr>
-          <p:cNvPr id="3" name="Subtítulo 2">
-            <a:extLst>
-              <a:ext uri="{FF2B5EF4-FFF2-40B4-BE49-F238E27FC236}">
-                <a16:creationId xmlns:a16="http://schemas.microsoft.com/office/drawing/2014/main" id="{7B400981-7335-5111-1185-2640C175FBB4}"/>
-              </a:ext>
-            </a:extLst>
-          </p:cNvPr>
+            <a:endParaRPr lang="en-US" dirty="0"/>
+          </a:p>
+        </p:txBody>
+      </p:sp>
+      <p:sp>
+        <p:nvSpPr>
+          <p:cNvPr id="3" name="Subtitle 2"/>
           <p:cNvSpPr>
             <a:spLocks noGrp="1"/>
           </p:cNvSpPr>
@@ -184,16 +321,18 @@
         </p:nvSpPr>
         <p:spPr>
           <a:xfrm>
-            <a:off x="1524000" y="3602038"/>
-            <a:ext cx="9144000" cy="1655762"/>
-          </a:xfrm>
-        </p:spPr>
-        <p:txBody>
-          <a:bodyPr/>
+            <a:off x="680322" y="4394039"/>
+            <a:ext cx="8144134" cy="1117687"/>
+          </a:xfrm>
+        </p:spPr>
+        <p:txBody>
+          <a:bodyPr>
+            <a:normAutofit/>
+          </a:bodyPr>
           <a:lstStyle>
-            <a:lvl1pPr marL="0" indent="0" algn="ctr">
-              <a:buNone/>
-              <a:defRPr sz="2400"/>
+            <a:lvl1pPr marL="0" indent="0" algn="r">
+              <a:buNone/>
+              <a:defRPr sz="2000"/>
             </a:lvl1pPr>
             <a:lvl2pPr marL="457200" indent="0" algn="ctr">
               <a:buNone/>
@@ -233,18 +372,13 @@
               <a:rPr lang="pt-PT"/>
               <a:t>Clique para editar o estilo de subtítulo do Modelo Global</a:t>
             </a:r>
-          </a:p>
-        </p:txBody>
-      </p:sp>
-      <p:sp>
-        <p:nvSpPr>
-          <p:cNvPr id="4" name="Marcador de Posição da Data 3">
-            <a:extLst>
-              <a:ext uri="{FF2B5EF4-FFF2-40B4-BE49-F238E27FC236}">
-                <a16:creationId xmlns:a16="http://schemas.microsoft.com/office/drawing/2014/main" id="{BF408ED9-3AEE-BEA0-8574-A598C9C04E18}"/>
-              </a:ext>
-            </a:extLst>
-          </p:cNvPr>
+            <a:endParaRPr lang="en-US" dirty="0"/>
+          </a:p>
+        </p:txBody>
+      </p:sp>
+      <p:sp>
+        <p:nvSpPr>
+          <p:cNvPr id="4" name="Date Placeholder 3"/>
           <p:cNvSpPr>
             <a:spLocks noGrp="1"/>
           </p:cNvSpPr>
@@ -259,7 +393,7 @@
           <a:p>
             <a:fld id="{7A38212A-5FB1-9E48-9DEB-EF9EE269AE75}" type="datetimeFigureOut">
               <a:rPr lang="pt-PT" smtClean="0"/>
-              <a:t>04/04/24</a:t>
+              <a:t>06/04/24</a:t>
             </a:fld>
             <a:endParaRPr lang="pt-PT"/>
           </a:p>
@@ -267,13 +401,7 @@
       </p:sp>
       <p:sp>
         <p:nvSpPr>
-          <p:cNvPr id="5" name="Marcador de Posição do Rodapé 4">
-            <a:extLst>
-              <a:ext uri="{FF2B5EF4-FFF2-40B4-BE49-F238E27FC236}">
-                <a16:creationId xmlns:a16="http://schemas.microsoft.com/office/drawing/2014/main" id="{657E628E-468D-4D01-C6B9-5EB48342E97F}"/>
-              </a:ext>
-            </a:extLst>
-          </p:cNvPr>
+          <p:cNvPr id="5" name="Footer Placeholder 4"/>
           <p:cNvSpPr>
             <a:spLocks noGrp="1"/>
           </p:cNvSpPr>
@@ -292,13 +420,7 @@
       </p:sp>
       <p:sp>
         <p:nvSpPr>
-          <p:cNvPr id="6" name="Marcador de Posição do Número do Diapositivo 5">
-            <a:extLst>
-              <a:ext uri="{FF2B5EF4-FFF2-40B4-BE49-F238E27FC236}">
-                <a16:creationId xmlns:a16="http://schemas.microsoft.com/office/drawing/2014/main" id="{9D4305E5-8BCD-0694-F5FD-6E4623376CD6}"/>
-              </a:ext>
-            </a:extLst>
-          </p:cNvPr>
+          <p:cNvPr id="6" name="Slide Number Placeholder 5"/>
           <p:cNvSpPr>
             <a:spLocks noGrp="1"/>
           </p:cNvSpPr>
@@ -306,7 +428,12 @@
             <p:ph type="sldNum" sz="quarter" idx="12"/>
           </p:nvPr>
         </p:nvSpPr>
-        <p:spPr/>
+        <p:spPr>
+          <a:xfrm>
+            <a:off x="9255346" y="2750337"/>
+            <a:ext cx="1171888" cy="1356442"/>
+          </a:xfrm>
+        </p:spPr>
         <p:txBody>
           <a:bodyPr/>
           <a:lstStyle/>
@@ -322,7 +449,7 @@
     </p:spTree>
     <p:extLst>
       <p:ext uri="{BB962C8B-B14F-4D97-AF65-F5344CB8AC3E}">
-        <p14:creationId xmlns:p14="http://schemas.microsoft.com/office/powerpoint/2010/main" val="1608765975"/>
+        <p14:creationId xmlns:p14="http://schemas.microsoft.com/office/powerpoint/2010/main" val="1866326755"/>
       </p:ext>
     </p:extLst>
   </p:cSld>
@@ -333,6 +460,3318 @@
 </file>
 
 <file path=ppt/slideLayouts/slideLayout10.xml><?xml version="1.0" encoding="utf-8"?>
+<p:sldLayout xmlns:a="http://schemas.openxmlformats.org/drawingml/2006/main" xmlns:r="http://schemas.openxmlformats.org/officeDocument/2006/relationships" xmlns:p="http://schemas.openxmlformats.org/presentationml/2006/main" preserve="1">
+  <p:cSld name="Fotografia Panorâmica com Legenda">
+    <p:spTree>
+      <p:nvGrpSpPr>
+        <p:cNvPr id="1" name=""/>
+        <p:cNvGrpSpPr/>
+        <p:nvPr/>
+      </p:nvGrpSpPr>
+      <p:grpSpPr>
+        <a:xfrm>
+          <a:off x="0" y="0"/>
+          <a:ext cx="0" cy="0"/>
+          <a:chOff x="0" y="0"/>
+          <a:chExt cx="0" cy="0"/>
+        </a:xfrm>
+      </p:grpSpPr>
+      <p:pic>
+        <p:nvPicPr>
+          <p:cNvPr id="8" name="Picture 7" descr="HD-ShadowLong.png"/>
+          <p:cNvPicPr>
+            <a:picLocks noChangeAspect="1"/>
+          </p:cNvPicPr>
+          <p:nvPr/>
+        </p:nvPicPr>
+        <p:blipFill>
+          <a:blip r:embed="rId2">
+            <a:extLst>
+              <a:ext uri="{28A0092B-C50C-407E-A947-70E740481C1C}">
+                <a14:useLocalDpi xmlns:a14="http://schemas.microsoft.com/office/drawing/2010/main" val="0"/>
+              </a:ext>
+            </a:extLst>
+          </a:blip>
+          <a:stretch>
+            <a:fillRect/>
+          </a:stretch>
+        </p:blipFill>
+        <p:spPr>
+          <a:xfrm>
+            <a:off x="1" y="5928628"/>
+            <a:ext cx="10437812" cy="321164"/>
+          </a:xfrm>
+          <a:prstGeom prst="rect">
+            <a:avLst/>
+          </a:prstGeom>
+        </p:spPr>
+      </p:pic>
+      <p:pic>
+        <p:nvPicPr>
+          <p:cNvPr id="9" name="Picture 8" descr="HD-ShadowShort.png"/>
+          <p:cNvPicPr>
+            <a:picLocks noChangeAspect="1"/>
+          </p:cNvPicPr>
+          <p:nvPr/>
+        </p:nvPicPr>
+        <p:blipFill>
+          <a:blip r:embed="rId3">
+            <a:extLst>
+              <a:ext uri="{28A0092B-C50C-407E-A947-70E740481C1C}">
+                <a14:useLocalDpi xmlns:a14="http://schemas.microsoft.com/office/drawing/2010/main" val="0"/>
+              </a:ext>
+            </a:extLst>
+          </a:blip>
+          <a:stretch>
+            <a:fillRect/>
+          </a:stretch>
+        </p:blipFill>
+        <p:spPr>
+          <a:xfrm>
+            <a:off x="10585826" y="5929622"/>
+            <a:ext cx="1602997" cy="144270"/>
+          </a:xfrm>
+          <a:prstGeom prst="rect">
+            <a:avLst/>
+          </a:prstGeom>
+        </p:spPr>
+      </p:pic>
+      <p:sp>
+        <p:nvSpPr>
+          <p:cNvPr id="10" name="Rectangle 9"/>
+          <p:cNvSpPr/>
+          <p:nvPr/>
+        </p:nvSpPr>
+        <p:spPr bwMode="ltGray">
+          <a:xfrm>
+            <a:off x="0" y="4567988"/>
+            <a:ext cx="10437812" cy="1368198"/>
+          </a:xfrm>
+          <a:prstGeom prst="rect">
+            <a:avLst/>
+          </a:prstGeom>
+          <a:solidFill>
+            <a:schemeClr val="bg1">
+              <a:lumMod val="85000"/>
+              <a:lumOff val="15000"/>
+            </a:schemeClr>
+          </a:solidFill>
+          <a:ln>
+            <a:noFill/>
+          </a:ln>
+        </p:spPr>
+        <p:style>
+          <a:lnRef idx="2">
+            <a:schemeClr val="accent1">
+              <a:shade val="50000"/>
+            </a:schemeClr>
+          </a:lnRef>
+          <a:fillRef idx="1">
+            <a:schemeClr val="accent1"/>
+          </a:fillRef>
+          <a:effectRef idx="0">
+            <a:schemeClr val="accent1"/>
+          </a:effectRef>
+          <a:fontRef idx="minor">
+            <a:schemeClr val="lt1"/>
+          </a:fontRef>
+        </p:style>
+      </p:sp>
+      <p:sp>
+        <p:nvSpPr>
+          <p:cNvPr id="11" name="Rectangle 10"/>
+          <p:cNvSpPr/>
+          <p:nvPr/>
+        </p:nvSpPr>
+        <p:spPr>
+          <a:xfrm>
+            <a:off x="10585827" y="4567988"/>
+            <a:ext cx="1602997" cy="1368198"/>
+          </a:xfrm>
+          <a:prstGeom prst="rect">
+            <a:avLst/>
+          </a:prstGeom>
+          <a:solidFill>
+            <a:schemeClr val="accent1"/>
+          </a:solidFill>
+          <a:ln>
+            <a:noFill/>
+          </a:ln>
+        </p:spPr>
+        <p:style>
+          <a:lnRef idx="2">
+            <a:schemeClr val="accent1">
+              <a:shade val="50000"/>
+            </a:schemeClr>
+          </a:lnRef>
+          <a:fillRef idx="1">
+            <a:schemeClr val="accent1"/>
+          </a:fillRef>
+          <a:effectRef idx="0">
+            <a:schemeClr val="accent1"/>
+          </a:effectRef>
+          <a:fontRef idx="minor">
+            <a:schemeClr val="lt1"/>
+          </a:fontRef>
+        </p:style>
+      </p:sp>
+      <p:sp>
+        <p:nvSpPr>
+          <p:cNvPr id="2" name="Title 1"/>
+          <p:cNvSpPr>
+            <a:spLocks noGrp="1"/>
+          </p:cNvSpPr>
+          <p:nvPr>
+            <p:ph type="title"/>
+          </p:nvPr>
+        </p:nvSpPr>
+        <p:spPr>
+          <a:xfrm>
+            <a:off x="680322" y="4711616"/>
+            <a:ext cx="9613859" cy="453051"/>
+          </a:xfrm>
+        </p:spPr>
+        <p:txBody>
+          <a:bodyPr anchor="b">
+            <a:normAutofit/>
+          </a:bodyPr>
+          <a:lstStyle>
+            <a:lvl1pPr>
+              <a:defRPr sz="2400"/>
+            </a:lvl1pPr>
+          </a:lstStyle>
+          <a:p>
+            <a:r>
+              <a:rPr lang="pt-PT"/>
+              <a:t>Clique para editar o estilo de título do Modelo Global</a:t>
+            </a:r>
+            <a:endParaRPr lang="en-US" dirty="0"/>
+          </a:p>
+        </p:txBody>
+      </p:sp>
+      <p:sp>
+        <p:nvSpPr>
+          <p:cNvPr id="3" name="Picture Placeholder 2"/>
+          <p:cNvSpPr>
+            <a:spLocks noGrp="1" noChangeAspect="1"/>
+          </p:cNvSpPr>
+          <p:nvPr>
+            <p:ph type="pic" idx="1"/>
+          </p:nvPr>
+        </p:nvSpPr>
+        <p:spPr>
+          <a:xfrm>
+            <a:off x="680322" y="609597"/>
+            <a:ext cx="9613859" cy="3589575"/>
+          </a:xfrm>
+          <a:noFill/>
+          <a:ln>
+            <a:noFill/>
+          </a:ln>
+          <a:effectLst>
+            <a:outerShdw blurRad="76200" dist="63500" dir="5040000" algn="tl" rotWithShape="0">
+              <a:srgbClr val="000000">
+                <a:alpha val="41000"/>
+              </a:srgbClr>
+            </a:outerShdw>
+          </a:effectLst>
+        </p:spPr>
+        <p:txBody>
+          <a:bodyPr anchor="t"/>
+          <a:lstStyle>
+            <a:lvl1pPr marL="0" indent="0">
+              <a:buNone/>
+              <a:defRPr sz="3200"/>
+            </a:lvl1pPr>
+            <a:lvl2pPr marL="457200" indent="0">
+              <a:buNone/>
+              <a:defRPr sz="2800"/>
+            </a:lvl2pPr>
+            <a:lvl3pPr marL="914400" indent="0">
+              <a:buNone/>
+              <a:defRPr sz="2400"/>
+            </a:lvl3pPr>
+            <a:lvl4pPr marL="1371600" indent="0">
+              <a:buNone/>
+              <a:defRPr sz="2000"/>
+            </a:lvl4pPr>
+            <a:lvl5pPr marL="1828800" indent="0">
+              <a:buNone/>
+              <a:defRPr sz="2000"/>
+            </a:lvl5pPr>
+            <a:lvl6pPr marL="2286000" indent="0">
+              <a:buNone/>
+              <a:defRPr sz="2000"/>
+            </a:lvl6pPr>
+            <a:lvl7pPr marL="2743200" indent="0">
+              <a:buNone/>
+              <a:defRPr sz="2000"/>
+            </a:lvl7pPr>
+            <a:lvl8pPr marL="3200400" indent="0">
+              <a:buNone/>
+              <a:defRPr sz="2000"/>
+            </a:lvl8pPr>
+            <a:lvl9pPr marL="3657600" indent="0">
+              <a:buNone/>
+              <a:defRPr sz="2000"/>
+            </a:lvl9pPr>
+          </a:lstStyle>
+          <a:p>
+            <a:r>
+              <a:rPr lang="pt-PT"/>
+              <a:t>Clique no ícone para adicionar uma imagem</a:t>
+            </a:r>
+            <a:endParaRPr lang="en-US" dirty="0"/>
+          </a:p>
+        </p:txBody>
+      </p:sp>
+      <p:sp>
+        <p:nvSpPr>
+          <p:cNvPr id="4" name="Text Placeholder 3"/>
+          <p:cNvSpPr>
+            <a:spLocks noGrp="1"/>
+          </p:cNvSpPr>
+          <p:nvPr>
+            <p:ph type="body" sz="half" idx="2"/>
+          </p:nvPr>
+        </p:nvSpPr>
+        <p:spPr>
+          <a:xfrm>
+            <a:off x="680319" y="5169583"/>
+            <a:ext cx="9613862" cy="622971"/>
+          </a:xfrm>
+        </p:spPr>
+        <p:txBody>
+          <a:bodyPr/>
+          <a:lstStyle>
+            <a:lvl1pPr marL="0" indent="0">
+              <a:buNone/>
+              <a:defRPr sz="1600"/>
+            </a:lvl1pPr>
+            <a:lvl2pPr marL="457200" indent="0">
+              <a:buNone/>
+              <a:defRPr sz="1400"/>
+            </a:lvl2pPr>
+            <a:lvl3pPr marL="914400" indent="0">
+              <a:buNone/>
+              <a:defRPr sz="1200"/>
+            </a:lvl3pPr>
+            <a:lvl4pPr marL="1371600" indent="0">
+              <a:buNone/>
+              <a:defRPr sz="1000"/>
+            </a:lvl4pPr>
+            <a:lvl5pPr marL="1828800" indent="0">
+              <a:buNone/>
+              <a:defRPr sz="1000"/>
+            </a:lvl5pPr>
+            <a:lvl6pPr marL="2286000" indent="0">
+              <a:buNone/>
+              <a:defRPr sz="1000"/>
+            </a:lvl6pPr>
+            <a:lvl7pPr marL="2743200" indent="0">
+              <a:buNone/>
+              <a:defRPr sz="1000"/>
+            </a:lvl7pPr>
+            <a:lvl8pPr marL="3200400" indent="0">
+              <a:buNone/>
+              <a:defRPr sz="1000"/>
+            </a:lvl8pPr>
+            <a:lvl9pPr marL="3657600" indent="0">
+              <a:buNone/>
+              <a:defRPr sz="1000"/>
+            </a:lvl9pPr>
+          </a:lstStyle>
+          <a:p>
+            <a:pPr lvl="0"/>
+            <a:r>
+              <a:rPr lang="pt-PT"/>
+              <a:t>Clique para editar os estilos do texto de Modelo Global</a:t>
+            </a:r>
+          </a:p>
+        </p:txBody>
+      </p:sp>
+      <p:sp>
+        <p:nvSpPr>
+          <p:cNvPr id="5" name="Date Placeholder 4"/>
+          <p:cNvSpPr>
+            <a:spLocks noGrp="1"/>
+          </p:cNvSpPr>
+          <p:nvPr>
+            <p:ph type="dt" sz="half" idx="10"/>
+          </p:nvPr>
+        </p:nvSpPr>
+        <p:spPr/>
+        <p:txBody>
+          <a:bodyPr/>
+          <a:lstStyle/>
+          <a:p>
+            <a:fld id="{7A38212A-5FB1-9E48-9DEB-EF9EE269AE75}" type="datetimeFigureOut">
+              <a:rPr lang="pt-PT" smtClean="0"/>
+              <a:t>06/04/24</a:t>
+            </a:fld>
+            <a:endParaRPr lang="pt-PT"/>
+          </a:p>
+        </p:txBody>
+      </p:sp>
+      <p:sp>
+        <p:nvSpPr>
+          <p:cNvPr id="6" name="Footer Placeholder 5"/>
+          <p:cNvSpPr>
+            <a:spLocks noGrp="1"/>
+          </p:cNvSpPr>
+          <p:nvPr>
+            <p:ph type="ftr" sz="quarter" idx="11"/>
+          </p:nvPr>
+        </p:nvSpPr>
+        <p:spPr/>
+        <p:txBody>
+          <a:bodyPr/>
+          <a:lstStyle/>
+          <a:p>
+            <a:endParaRPr lang="pt-PT"/>
+          </a:p>
+        </p:txBody>
+      </p:sp>
+      <p:sp>
+        <p:nvSpPr>
+          <p:cNvPr id="7" name="Slide Number Placeholder 6"/>
+          <p:cNvSpPr>
+            <a:spLocks noGrp="1"/>
+          </p:cNvSpPr>
+          <p:nvPr>
+            <p:ph type="sldNum" sz="quarter" idx="12"/>
+          </p:nvPr>
+        </p:nvSpPr>
+        <p:spPr>
+          <a:xfrm>
+            <a:off x="10729455" y="4711309"/>
+            <a:ext cx="1154151" cy="1090789"/>
+          </a:xfrm>
+        </p:spPr>
+        <p:txBody>
+          <a:bodyPr/>
+          <a:lstStyle/>
+          <a:p>
+            <a:fld id="{174AE45C-6779-2046-ADF7-CF4DABAA59FA}" type="slidenum">
+              <a:rPr lang="pt-PT" smtClean="0"/>
+              <a:t>‹nº›</a:t>
+            </a:fld>
+            <a:endParaRPr lang="pt-PT"/>
+          </a:p>
+        </p:txBody>
+      </p:sp>
+    </p:spTree>
+    <p:extLst>
+      <p:ext uri="{BB962C8B-B14F-4D97-AF65-F5344CB8AC3E}">
+        <p14:creationId xmlns:p14="http://schemas.microsoft.com/office/powerpoint/2010/main" val="83502242"/>
+      </p:ext>
+    </p:extLst>
+  </p:cSld>
+  <p:clrMapOvr>
+    <a:masterClrMapping/>
+  </p:clrMapOvr>
+</p:sldLayout>
+</file>
+
+<file path=ppt/slideLayouts/slideLayout11.xml><?xml version="1.0" encoding="utf-8"?>
+<p:sldLayout xmlns:a="http://schemas.openxmlformats.org/drawingml/2006/main" xmlns:r="http://schemas.openxmlformats.org/officeDocument/2006/relationships" xmlns:p="http://schemas.openxmlformats.org/presentationml/2006/main" preserve="1">
+  <p:cSld name="Título e Legenda">
+    <p:spTree>
+      <p:nvGrpSpPr>
+        <p:cNvPr id="1" name=""/>
+        <p:cNvGrpSpPr/>
+        <p:nvPr/>
+      </p:nvGrpSpPr>
+      <p:grpSpPr>
+        <a:xfrm>
+          <a:off x="0" y="0"/>
+          <a:ext cx="0" cy="0"/>
+          <a:chOff x="0" y="0"/>
+          <a:chExt cx="0" cy="0"/>
+        </a:xfrm>
+      </p:grpSpPr>
+      <p:pic>
+        <p:nvPicPr>
+          <p:cNvPr id="8" name="Picture 7" descr="HD-ShadowLong.png"/>
+          <p:cNvPicPr>
+            <a:picLocks noChangeAspect="1"/>
+          </p:cNvPicPr>
+          <p:nvPr/>
+        </p:nvPicPr>
+        <p:blipFill>
+          <a:blip r:embed="rId2">
+            <a:extLst>
+              <a:ext uri="{28A0092B-C50C-407E-A947-70E740481C1C}">
+                <a14:useLocalDpi xmlns:a14="http://schemas.microsoft.com/office/drawing/2010/main" val="0"/>
+              </a:ext>
+            </a:extLst>
+          </a:blip>
+          <a:stretch>
+            <a:fillRect/>
+          </a:stretch>
+        </p:blipFill>
+        <p:spPr>
+          <a:xfrm>
+            <a:off x="1" y="5928628"/>
+            <a:ext cx="10437812" cy="321164"/>
+          </a:xfrm>
+          <a:prstGeom prst="rect">
+            <a:avLst/>
+          </a:prstGeom>
+        </p:spPr>
+      </p:pic>
+      <p:pic>
+        <p:nvPicPr>
+          <p:cNvPr id="9" name="Picture 8" descr="HD-ShadowShort.png"/>
+          <p:cNvPicPr>
+            <a:picLocks noChangeAspect="1"/>
+          </p:cNvPicPr>
+          <p:nvPr/>
+        </p:nvPicPr>
+        <p:blipFill>
+          <a:blip r:embed="rId3">
+            <a:extLst>
+              <a:ext uri="{28A0092B-C50C-407E-A947-70E740481C1C}">
+                <a14:useLocalDpi xmlns:a14="http://schemas.microsoft.com/office/drawing/2010/main" val="0"/>
+              </a:ext>
+            </a:extLst>
+          </a:blip>
+          <a:stretch>
+            <a:fillRect/>
+          </a:stretch>
+        </p:blipFill>
+        <p:spPr>
+          <a:xfrm>
+            <a:off x="10585826" y="5929622"/>
+            <a:ext cx="1602997" cy="144270"/>
+          </a:xfrm>
+          <a:prstGeom prst="rect">
+            <a:avLst/>
+          </a:prstGeom>
+        </p:spPr>
+      </p:pic>
+      <p:sp>
+        <p:nvSpPr>
+          <p:cNvPr id="10" name="Rectangle 9"/>
+          <p:cNvSpPr/>
+          <p:nvPr/>
+        </p:nvSpPr>
+        <p:spPr bwMode="ltGray">
+          <a:xfrm>
+            <a:off x="0" y="4567988"/>
+            <a:ext cx="10437812" cy="1368198"/>
+          </a:xfrm>
+          <a:prstGeom prst="rect">
+            <a:avLst/>
+          </a:prstGeom>
+          <a:solidFill>
+            <a:schemeClr val="bg1">
+              <a:lumMod val="85000"/>
+              <a:lumOff val="15000"/>
+            </a:schemeClr>
+          </a:solidFill>
+          <a:ln>
+            <a:noFill/>
+          </a:ln>
+        </p:spPr>
+        <p:style>
+          <a:lnRef idx="2">
+            <a:schemeClr val="accent1">
+              <a:shade val="50000"/>
+            </a:schemeClr>
+          </a:lnRef>
+          <a:fillRef idx="1">
+            <a:schemeClr val="accent1"/>
+          </a:fillRef>
+          <a:effectRef idx="0">
+            <a:schemeClr val="accent1"/>
+          </a:effectRef>
+          <a:fontRef idx="minor">
+            <a:schemeClr val="lt1"/>
+          </a:fontRef>
+        </p:style>
+      </p:sp>
+      <p:sp>
+        <p:nvSpPr>
+          <p:cNvPr id="11" name="Rectangle 10"/>
+          <p:cNvSpPr/>
+          <p:nvPr/>
+        </p:nvSpPr>
+        <p:spPr>
+          <a:xfrm>
+            <a:off x="10585827" y="4567988"/>
+            <a:ext cx="1602997" cy="1368198"/>
+          </a:xfrm>
+          <a:prstGeom prst="rect">
+            <a:avLst/>
+          </a:prstGeom>
+          <a:solidFill>
+            <a:schemeClr val="accent1"/>
+          </a:solidFill>
+          <a:ln>
+            <a:noFill/>
+          </a:ln>
+        </p:spPr>
+        <p:style>
+          <a:lnRef idx="2">
+            <a:schemeClr val="accent1">
+              <a:shade val="50000"/>
+            </a:schemeClr>
+          </a:lnRef>
+          <a:fillRef idx="1">
+            <a:schemeClr val="accent1"/>
+          </a:fillRef>
+          <a:effectRef idx="0">
+            <a:schemeClr val="accent1"/>
+          </a:effectRef>
+          <a:fontRef idx="minor">
+            <a:schemeClr val="lt1"/>
+          </a:fontRef>
+        </p:style>
+      </p:sp>
+      <p:sp>
+        <p:nvSpPr>
+          <p:cNvPr id="2" name="Title 1"/>
+          <p:cNvSpPr>
+            <a:spLocks noGrp="1"/>
+          </p:cNvSpPr>
+          <p:nvPr>
+            <p:ph type="title"/>
+          </p:nvPr>
+        </p:nvSpPr>
+        <p:spPr>
+          <a:xfrm>
+            <a:off x="680322" y="609597"/>
+            <a:ext cx="9613858" cy="3592750"/>
+          </a:xfrm>
+        </p:spPr>
+        <p:txBody>
+          <a:bodyPr anchor="ctr"/>
+          <a:lstStyle>
+            <a:lvl1pPr>
+              <a:defRPr sz="3200"/>
+            </a:lvl1pPr>
+          </a:lstStyle>
+          <a:p>
+            <a:r>
+              <a:rPr lang="pt-PT"/>
+              <a:t>Clique para editar o estilo de título do Modelo Global</a:t>
+            </a:r>
+            <a:endParaRPr lang="en-US" dirty="0"/>
+          </a:p>
+        </p:txBody>
+      </p:sp>
+      <p:sp>
+        <p:nvSpPr>
+          <p:cNvPr id="4" name="Text Placeholder 3"/>
+          <p:cNvSpPr>
+            <a:spLocks noGrp="1"/>
+          </p:cNvSpPr>
+          <p:nvPr>
+            <p:ph type="body" sz="half" idx="2"/>
+          </p:nvPr>
+        </p:nvSpPr>
+        <p:spPr>
+          <a:xfrm>
+            <a:off x="680322" y="4711615"/>
+            <a:ext cx="9613859" cy="1090789"/>
+          </a:xfrm>
+        </p:spPr>
+        <p:txBody>
+          <a:bodyPr anchor="ctr"/>
+          <a:lstStyle>
+            <a:lvl1pPr marL="0" indent="0">
+              <a:buNone/>
+              <a:defRPr sz="1600"/>
+            </a:lvl1pPr>
+            <a:lvl2pPr marL="457200" indent="0">
+              <a:buNone/>
+              <a:defRPr sz="1400"/>
+            </a:lvl2pPr>
+            <a:lvl3pPr marL="914400" indent="0">
+              <a:buNone/>
+              <a:defRPr sz="1200"/>
+            </a:lvl3pPr>
+            <a:lvl4pPr marL="1371600" indent="0">
+              <a:buNone/>
+              <a:defRPr sz="1000"/>
+            </a:lvl4pPr>
+            <a:lvl5pPr marL="1828800" indent="0">
+              <a:buNone/>
+              <a:defRPr sz="1000"/>
+            </a:lvl5pPr>
+            <a:lvl6pPr marL="2286000" indent="0">
+              <a:buNone/>
+              <a:defRPr sz="1000"/>
+            </a:lvl6pPr>
+            <a:lvl7pPr marL="2743200" indent="0">
+              <a:buNone/>
+              <a:defRPr sz="1000"/>
+            </a:lvl7pPr>
+            <a:lvl8pPr marL="3200400" indent="0">
+              <a:buNone/>
+              <a:defRPr sz="1000"/>
+            </a:lvl8pPr>
+            <a:lvl9pPr marL="3657600" indent="0">
+              <a:buNone/>
+              <a:defRPr sz="1000"/>
+            </a:lvl9pPr>
+          </a:lstStyle>
+          <a:p>
+            <a:pPr lvl="0"/>
+            <a:r>
+              <a:rPr lang="pt-PT"/>
+              <a:t>Clique para editar os estilos do texto de Modelo Global</a:t>
+            </a:r>
+          </a:p>
+        </p:txBody>
+      </p:sp>
+      <p:sp>
+        <p:nvSpPr>
+          <p:cNvPr id="5" name="Date Placeholder 4"/>
+          <p:cNvSpPr>
+            <a:spLocks noGrp="1"/>
+          </p:cNvSpPr>
+          <p:nvPr>
+            <p:ph type="dt" sz="half" idx="10"/>
+          </p:nvPr>
+        </p:nvSpPr>
+        <p:spPr/>
+        <p:txBody>
+          <a:bodyPr/>
+          <a:lstStyle/>
+          <a:p>
+            <a:fld id="{7A38212A-5FB1-9E48-9DEB-EF9EE269AE75}" type="datetimeFigureOut">
+              <a:rPr lang="pt-PT" smtClean="0"/>
+              <a:t>06/04/24</a:t>
+            </a:fld>
+            <a:endParaRPr lang="pt-PT"/>
+          </a:p>
+        </p:txBody>
+      </p:sp>
+      <p:sp>
+        <p:nvSpPr>
+          <p:cNvPr id="6" name="Footer Placeholder 5"/>
+          <p:cNvSpPr>
+            <a:spLocks noGrp="1"/>
+          </p:cNvSpPr>
+          <p:nvPr>
+            <p:ph type="ftr" sz="quarter" idx="11"/>
+          </p:nvPr>
+        </p:nvSpPr>
+        <p:spPr/>
+        <p:txBody>
+          <a:bodyPr/>
+          <a:lstStyle/>
+          <a:p>
+            <a:endParaRPr lang="pt-PT"/>
+          </a:p>
+        </p:txBody>
+      </p:sp>
+      <p:sp>
+        <p:nvSpPr>
+          <p:cNvPr id="7" name="Slide Number Placeholder 6"/>
+          <p:cNvSpPr>
+            <a:spLocks noGrp="1"/>
+          </p:cNvSpPr>
+          <p:nvPr>
+            <p:ph type="sldNum" sz="quarter" idx="12"/>
+          </p:nvPr>
+        </p:nvSpPr>
+        <p:spPr>
+          <a:xfrm>
+            <a:off x="10729455" y="4711615"/>
+            <a:ext cx="1154151" cy="1090789"/>
+          </a:xfrm>
+        </p:spPr>
+        <p:txBody>
+          <a:bodyPr/>
+          <a:lstStyle/>
+          <a:p>
+            <a:fld id="{174AE45C-6779-2046-ADF7-CF4DABAA59FA}" type="slidenum">
+              <a:rPr lang="pt-PT" smtClean="0"/>
+              <a:t>‹nº›</a:t>
+            </a:fld>
+            <a:endParaRPr lang="pt-PT"/>
+          </a:p>
+        </p:txBody>
+      </p:sp>
+    </p:spTree>
+    <p:extLst>
+      <p:ext uri="{BB962C8B-B14F-4D97-AF65-F5344CB8AC3E}">
+        <p14:creationId xmlns:p14="http://schemas.microsoft.com/office/powerpoint/2010/main" val="875538089"/>
+      </p:ext>
+    </p:extLst>
+  </p:cSld>
+  <p:clrMapOvr>
+    <a:masterClrMapping/>
+  </p:clrMapOvr>
+</p:sldLayout>
+</file>
+
+<file path=ppt/slideLayouts/slideLayout12.xml><?xml version="1.0" encoding="utf-8"?>
+<p:sldLayout xmlns:a="http://schemas.openxmlformats.org/drawingml/2006/main" xmlns:r="http://schemas.openxmlformats.org/officeDocument/2006/relationships" xmlns:p="http://schemas.openxmlformats.org/presentationml/2006/main" preserve="1">
+  <p:cSld name="Citação com Legenda">
+    <p:spTree>
+      <p:nvGrpSpPr>
+        <p:cNvPr id="1" name=""/>
+        <p:cNvGrpSpPr/>
+        <p:nvPr/>
+      </p:nvGrpSpPr>
+      <p:grpSpPr>
+        <a:xfrm>
+          <a:off x="0" y="0"/>
+          <a:ext cx="0" cy="0"/>
+          <a:chOff x="0" y="0"/>
+          <a:chExt cx="0" cy="0"/>
+        </a:xfrm>
+      </p:grpSpPr>
+      <p:pic>
+        <p:nvPicPr>
+          <p:cNvPr id="11" name="Picture 10" descr="HD-ShadowLong.png"/>
+          <p:cNvPicPr>
+            <a:picLocks noChangeAspect="1"/>
+          </p:cNvPicPr>
+          <p:nvPr/>
+        </p:nvPicPr>
+        <p:blipFill>
+          <a:blip r:embed="rId2">
+            <a:extLst>
+              <a:ext uri="{28A0092B-C50C-407E-A947-70E740481C1C}">
+                <a14:useLocalDpi xmlns:a14="http://schemas.microsoft.com/office/drawing/2010/main" val="0"/>
+              </a:ext>
+            </a:extLst>
+          </a:blip>
+          <a:stretch>
+            <a:fillRect/>
+          </a:stretch>
+        </p:blipFill>
+        <p:spPr>
+          <a:xfrm>
+            <a:off x="1" y="5928628"/>
+            <a:ext cx="10437812" cy="321164"/>
+          </a:xfrm>
+          <a:prstGeom prst="rect">
+            <a:avLst/>
+          </a:prstGeom>
+        </p:spPr>
+      </p:pic>
+      <p:pic>
+        <p:nvPicPr>
+          <p:cNvPr id="13" name="Picture 12" descr="HD-ShadowShort.png"/>
+          <p:cNvPicPr>
+            <a:picLocks noChangeAspect="1"/>
+          </p:cNvPicPr>
+          <p:nvPr/>
+        </p:nvPicPr>
+        <p:blipFill>
+          <a:blip r:embed="rId3">
+            <a:extLst>
+              <a:ext uri="{28A0092B-C50C-407E-A947-70E740481C1C}">
+                <a14:useLocalDpi xmlns:a14="http://schemas.microsoft.com/office/drawing/2010/main" val="0"/>
+              </a:ext>
+            </a:extLst>
+          </a:blip>
+          <a:stretch>
+            <a:fillRect/>
+          </a:stretch>
+        </p:blipFill>
+        <p:spPr>
+          <a:xfrm>
+            <a:off x="10585826" y="5929622"/>
+            <a:ext cx="1602997" cy="144270"/>
+          </a:xfrm>
+          <a:prstGeom prst="rect">
+            <a:avLst/>
+          </a:prstGeom>
+        </p:spPr>
+      </p:pic>
+      <p:sp>
+        <p:nvSpPr>
+          <p:cNvPr id="14" name="Rectangle 13"/>
+          <p:cNvSpPr/>
+          <p:nvPr/>
+        </p:nvSpPr>
+        <p:spPr bwMode="ltGray">
+          <a:xfrm>
+            <a:off x="0" y="4567988"/>
+            <a:ext cx="10437812" cy="1368198"/>
+          </a:xfrm>
+          <a:prstGeom prst="rect">
+            <a:avLst/>
+          </a:prstGeom>
+          <a:solidFill>
+            <a:schemeClr val="bg1">
+              <a:lumMod val="85000"/>
+              <a:lumOff val="15000"/>
+            </a:schemeClr>
+          </a:solidFill>
+          <a:ln>
+            <a:noFill/>
+          </a:ln>
+        </p:spPr>
+        <p:style>
+          <a:lnRef idx="2">
+            <a:schemeClr val="accent1">
+              <a:shade val="50000"/>
+            </a:schemeClr>
+          </a:lnRef>
+          <a:fillRef idx="1">
+            <a:schemeClr val="accent1"/>
+          </a:fillRef>
+          <a:effectRef idx="0">
+            <a:schemeClr val="accent1"/>
+          </a:effectRef>
+          <a:fontRef idx="minor">
+            <a:schemeClr val="lt1"/>
+          </a:fontRef>
+        </p:style>
+      </p:sp>
+      <p:sp>
+        <p:nvSpPr>
+          <p:cNvPr id="15" name="Rectangle 14"/>
+          <p:cNvSpPr/>
+          <p:nvPr/>
+        </p:nvSpPr>
+        <p:spPr>
+          <a:xfrm>
+            <a:off x="10585827" y="4567988"/>
+            <a:ext cx="1602997" cy="1368198"/>
+          </a:xfrm>
+          <a:prstGeom prst="rect">
+            <a:avLst/>
+          </a:prstGeom>
+          <a:solidFill>
+            <a:schemeClr val="accent1"/>
+          </a:solidFill>
+          <a:ln>
+            <a:noFill/>
+          </a:ln>
+        </p:spPr>
+        <p:style>
+          <a:lnRef idx="2">
+            <a:schemeClr val="accent1">
+              <a:shade val="50000"/>
+            </a:schemeClr>
+          </a:lnRef>
+          <a:fillRef idx="1">
+            <a:schemeClr val="accent1"/>
+          </a:fillRef>
+          <a:effectRef idx="0">
+            <a:schemeClr val="accent1"/>
+          </a:effectRef>
+          <a:fontRef idx="minor">
+            <a:schemeClr val="lt1"/>
+          </a:fontRef>
+        </p:style>
+      </p:sp>
+      <p:sp>
+        <p:nvSpPr>
+          <p:cNvPr id="2" name="Title 1"/>
+          <p:cNvSpPr>
+            <a:spLocks noGrp="1"/>
+          </p:cNvSpPr>
+          <p:nvPr>
+            <p:ph type="title"/>
+          </p:nvPr>
+        </p:nvSpPr>
+        <p:spPr>
+          <a:xfrm>
+            <a:off x="1127856" y="609598"/>
+            <a:ext cx="8718877" cy="3036061"/>
+          </a:xfrm>
+        </p:spPr>
+        <p:txBody>
+          <a:bodyPr anchor="ctr"/>
+          <a:lstStyle>
+            <a:lvl1pPr>
+              <a:defRPr sz="3200"/>
+            </a:lvl1pPr>
+          </a:lstStyle>
+          <a:p>
+            <a:r>
+              <a:rPr lang="pt-PT"/>
+              <a:t>Clique para editar o estilo de título do Modelo Global</a:t>
+            </a:r>
+            <a:endParaRPr lang="en-US" dirty="0"/>
+          </a:p>
+        </p:txBody>
+      </p:sp>
+      <p:sp>
+        <p:nvSpPr>
+          <p:cNvPr id="12" name="Text Placeholder 3"/>
+          <p:cNvSpPr>
+            <a:spLocks noGrp="1"/>
+          </p:cNvSpPr>
+          <p:nvPr>
+            <p:ph type="body" sz="half" idx="13"/>
+          </p:nvPr>
+        </p:nvSpPr>
+        <p:spPr>
+          <a:xfrm>
+            <a:off x="1402288" y="3653379"/>
+            <a:ext cx="8156579" cy="548968"/>
+          </a:xfrm>
+        </p:spPr>
+        <p:txBody>
+          <a:bodyPr anchor="t">
+            <a:normAutofit/>
+          </a:bodyPr>
+          <a:lstStyle>
+            <a:lvl1pPr marL="0" indent="0">
+              <a:buNone/>
+              <a:defRPr sz="1400"/>
+            </a:lvl1pPr>
+            <a:lvl2pPr marL="457200" indent="0">
+              <a:buNone/>
+              <a:defRPr sz="1400"/>
+            </a:lvl2pPr>
+            <a:lvl3pPr marL="914400" indent="0">
+              <a:buNone/>
+              <a:defRPr sz="1200"/>
+            </a:lvl3pPr>
+            <a:lvl4pPr marL="1371600" indent="0">
+              <a:buNone/>
+              <a:defRPr sz="1000"/>
+            </a:lvl4pPr>
+            <a:lvl5pPr marL="1828800" indent="0">
+              <a:buNone/>
+              <a:defRPr sz="1000"/>
+            </a:lvl5pPr>
+            <a:lvl6pPr marL="2286000" indent="0">
+              <a:buNone/>
+              <a:defRPr sz="1000"/>
+            </a:lvl6pPr>
+            <a:lvl7pPr marL="2743200" indent="0">
+              <a:buNone/>
+              <a:defRPr sz="1000"/>
+            </a:lvl7pPr>
+            <a:lvl8pPr marL="3200400" indent="0">
+              <a:buNone/>
+              <a:defRPr sz="1000"/>
+            </a:lvl8pPr>
+            <a:lvl9pPr marL="3657600" indent="0">
+              <a:buNone/>
+              <a:defRPr sz="1000"/>
+            </a:lvl9pPr>
+          </a:lstStyle>
+          <a:p>
+            <a:pPr lvl="0"/>
+            <a:r>
+              <a:rPr lang="pt-PT"/>
+              <a:t>Clique para editar os estilos do texto de Modelo Global</a:t>
+            </a:r>
+          </a:p>
+        </p:txBody>
+      </p:sp>
+      <p:sp>
+        <p:nvSpPr>
+          <p:cNvPr id="4" name="Text Placeholder 3"/>
+          <p:cNvSpPr>
+            <a:spLocks noGrp="1"/>
+          </p:cNvSpPr>
+          <p:nvPr>
+            <p:ph type="body" sz="half" idx="2"/>
+          </p:nvPr>
+        </p:nvSpPr>
+        <p:spPr>
+          <a:xfrm>
+            <a:off x="680322" y="4711615"/>
+            <a:ext cx="9613859" cy="1090789"/>
+          </a:xfrm>
+        </p:spPr>
+        <p:txBody>
+          <a:bodyPr anchor="ctr">
+            <a:normAutofit/>
+          </a:bodyPr>
+          <a:lstStyle>
+            <a:lvl1pPr marL="0" indent="0">
+              <a:buNone/>
+              <a:defRPr sz="1600"/>
+            </a:lvl1pPr>
+            <a:lvl2pPr marL="457200" indent="0">
+              <a:buNone/>
+              <a:defRPr sz="1400"/>
+            </a:lvl2pPr>
+            <a:lvl3pPr marL="914400" indent="0">
+              <a:buNone/>
+              <a:defRPr sz="1200"/>
+            </a:lvl3pPr>
+            <a:lvl4pPr marL="1371600" indent="0">
+              <a:buNone/>
+              <a:defRPr sz="1000"/>
+            </a:lvl4pPr>
+            <a:lvl5pPr marL="1828800" indent="0">
+              <a:buNone/>
+              <a:defRPr sz="1000"/>
+            </a:lvl5pPr>
+            <a:lvl6pPr marL="2286000" indent="0">
+              <a:buNone/>
+              <a:defRPr sz="1000"/>
+            </a:lvl6pPr>
+            <a:lvl7pPr marL="2743200" indent="0">
+              <a:buNone/>
+              <a:defRPr sz="1000"/>
+            </a:lvl7pPr>
+            <a:lvl8pPr marL="3200400" indent="0">
+              <a:buNone/>
+              <a:defRPr sz="1000"/>
+            </a:lvl8pPr>
+            <a:lvl9pPr marL="3657600" indent="0">
+              <a:buNone/>
+              <a:defRPr sz="1000"/>
+            </a:lvl9pPr>
+          </a:lstStyle>
+          <a:p>
+            <a:pPr lvl="0"/>
+            <a:r>
+              <a:rPr lang="pt-PT"/>
+              <a:t>Clique para editar os estilos do texto de Modelo Global</a:t>
+            </a:r>
+          </a:p>
+        </p:txBody>
+      </p:sp>
+      <p:sp>
+        <p:nvSpPr>
+          <p:cNvPr id="5" name="Date Placeholder 4"/>
+          <p:cNvSpPr>
+            <a:spLocks noGrp="1"/>
+          </p:cNvSpPr>
+          <p:nvPr>
+            <p:ph type="dt" sz="half" idx="10"/>
+          </p:nvPr>
+        </p:nvSpPr>
+        <p:spPr/>
+        <p:txBody>
+          <a:bodyPr/>
+          <a:lstStyle/>
+          <a:p>
+            <a:fld id="{7A38212A-5FB1-9E48-9DEB-EF9EE269AE75}" type="datetimeFigureOut">
+              <a:rPr lang="pt-PT" smtClean="0"/>
+              <a:t>06/04/24</a:t>
+            </a:fld>
+            <a:endParaRPr lang="pt-PT"/>
+          </a:p>
+        </p:txBody>
+      </p:sp>
+      <p:sp>
+        <p:nvSpPr>
+          <p:cNvPr id="6" name="Footer Placeholder 5"/>
+          <p:cNvSpPr>
+            <a:spLocks noGrp="1"/>
+          </p:cNvSpPr>
+          <p:nvPr>
+            <p:ph type="ftr" sz="quarter" idx="11"/>
+          </p:nvPr>
+        </p:nvSpPr>
+        <p:spPr/>
+        <p:txBody>
+          <a:bodyPr/>
+          <a:lstStyle/>
+          <a:p>
+            <a:endParaRPr lang="pt-PT"/>
+          </a:p>
+        </p:txBody>
+      </p:sp>
+      <p:sp>
+        <p:nvSpPr>
+          <p:cNvPr id="7" name="Slide Number Placeholder 6"/>
+          <p:cNvSpPr>
+            <a:spLocks noGrp="1"/>
+          </p:cNvSpPr>
+          <p:nvPr>
+            <p:ph type="sldNum" sz="quarter" idx="12"/>
+          </p:nvPr>
+        </p:nvSpPr>
+        <p:spPr>
+          <a:xfrm>
+            <a:off x="10729455" y="4709925"/>
+            <a:ext cx="1154151" cy="1090789"/>
+          </a:xfrm>
+        </p:spPr>
+        <p:txBody>
+          <a:bodyPr/>
+          <a:lstStyle/>
+          <a:p>
+            <a:fld id="{174AE45C-6779-2046-ADF7-CF4DABAA59FA}" type="slidenum">
+              <a:rPr lang="pt-PT" smtClean="0"/>
+              <a:t>‹nº›</a:t>
+            </a:fld>
+            <a:endParaRPr lang="pt-PT"/>
+          </a:p>
+        </p:txBody>
+      </p:sp>
+      <p:sp>
+        <p:nvSpPr>
+          <p:cNvPr id="16" name="TextBox 15"/>
+          <p:cNvSpPr txBox="1"/>
+          <p:nvPr/>
+        </p:nvSpPr>
+        <p:spPr>
+          <a:xfrm>
+            <a:off x="583572" y="748116"/>
+            <a:ext cx="609600" cy="584776"/>
+          </a:xfrm>
+          <a:prstGeom prst="rect">
+            <a:avLst/>
+          </a:prstGeom>
+        </p:spPr>
+        <p:txBody>
+          <a:bodyPr vert="horz" lIns="91440" tIns="45720" rIns="91440" bIns="45720" rtlCol="0" anchor="ctr">
+            <a:noAutofit/>
+          </a:bodyPr>
+          <a:lstStyle>
+            <a:lvl1pPr>
+              <a:spcBef>
+                <a:spcPct val="0"/>
+              </a:spcBef>
+              <a:buNone/>
+              <a:defRPr sz="3200" b="0" cap="all">
+                <a:ln w="3175" cmpd="sng">
+                  <a:noFill/>
+                </a:ln>
+                <a:effectLst>
+                  <a:glow rad="38100">
+                    <a:schemeClr val="bg1">
+                      <a:lumMod val="65000"/>
+                      <a:lumOff val="35000"/>
+                      <a:alpha val="40000"/>
+                    </a:schemeClr>
+                  </a:glow>
+                  <a:outerShdw blurRad="28575" dist="38100" dir="14040000" algn="tl" rotWithShape="0">
+                    <a:srgbClr val="000000">
+                      <a:alpha val="25000"/>
+                    </a:srgbClr>
+                  </a:outerShdw>
+                </a:effectLst>
+              </a:defRPr>
+            </a:lvl1pPr>
+            <a:lvl2pPr>
+              <a:defRPr>
+                <a:solidFill>
+                  <a:schemeClr val="tx2"/>
+                </a:solidFill>
+              </a:defRPr>
+            </a:lvl2pPr>
+            <a:lvl3pPr>
+              <a:defRPr>
+                <a:solidFill>
+                  <a:schemeClr val="tx2"/>
+                </a:solidFill>
+              </a:defRPr>
+            </a:lvl3pPr>
+            <a:lvl4pPr>
+              <a:defRPr>
+                <a:solidFill>
+                  <a:schemeClr val="tx2"/>
+                </a:solidFill>
+              </a:defRPr>
+            </a:lvl4pPr>
+            <a:lvl5pPr>
+              <a:defRPr>
+                <a:solidFill>
+                  <a:schemeClr val="tx2"/>
+                </a:solidFill>
+              </a:defRPr>
+            </a:lvl5pPr>
+            <a:lvl6pPr>
+              <a:defRPr>
+                <a:solidFill>
+                  <a:schemeClr val="tx2"/>
+                </a:solidFill>
+              </a:defRPr>
+            </a:lvl6pPr>
+            <a:lvl7pPr>
+              <a:defRPr>
+                <a:solidFill>
+                  <a:schemeClr val="tx2"/>
+                </a:solidFill>
+              </a:defRPr>
+            </a:lvl7pPr>
+            <a:lvl8pPr>
+              <a:defRPr>
+                <a:solidFill>
+                  <a:schemeClr val="tx2"/>
+                </a:solidFill>
+              </a:defRPr>
+            </a:lvl8pPr>
+            <a:lvl9pPr>
+              <a:defRPr>
+                <a:solidFill>
+                  <a:schemeClr val="tx2"/>
+                </a:solidFill>
+              </a:defRPr>
+            </a:lvl9pPr>
+          </a:lstStyle>
+          <a:p>
+            <a:pPr lvl="0"/>
+            <a:r>
+              <a:rPr lang="en-US" sz="7200" dirty="0">
+                <a:solidFill>
+                  <a:schemeClr val="tx1"/>
+                </a:solidFill>
+                <a:effectLst/>
+              </a:rPr>
+              <a:t>“</a:t>
+            </a:r>
+          </a:p>
+        </p:txBody>
+      </p:sp>
+      <p:sp>
+        <p:nvSpPr>
+          <p:cNvPr id="17" name="TextBox 16"/>
+          <p:cNvSpPr txBox="1"/>
+          <p:nvPr/>
+        </p:nvSpPr>
+        <p:spPr>
+          <a:xfrm>
+            <a:off x="9662809" y="3033524"/>
+            <a:ext cx="609600" cy="584776"/>
+          </a:xfrm>
+          <a:prstGeom prst="rect">
+            <a:avLst/>
+          </a:prstGeom>
+        </p:spPr>
+        <p:txBody>
+          <a:bodyPr vert="horz" lIns="91440" tIns="45720" rIns="91440" bIns="45720" rtlCol="0" anchor="ctr">
+            <a:noAutofit/>
+          </a:bodyPr>
+          <a:lstStyle>
+            <a:lvl1pPr>
+              <a:spcBef>
+                <a:spcPct val="0"/>
+              </a:spcBef>
+              <a:buNone/>
+              <a:defRPr sz="3200" b="0" cap="all">
+                <a:ln w="3175" cmpd="sng">
+                  <a:noFill/>
+                </a:ln>
+                <a:effectLst>
+                  <a:glow rad="38100">
+                    <a:schemeClr val="bg1">
+                      <a:lumMod val="65000"/>
+                      <a:lumOff val="35000"/>
+                      <a:alpha val="40000"/>
+                    </a:schemeClr>
+                  </a:glow>
+                  <a:outerShdw blurRad="28575" dist="38100" dir="14040000" algn="tl" rotWithShape="0">
+                    <a:srgbClr val="000000">
+                      <a:alpha val="25000"/>
+                    </a:srgbClr>
+                  </a:outerShdw>
+                </a:effectLst>
+              </a:defRPr>
+            </a:lvl1pPr>
+            <a:lvl2pPr>
+              <a:defRPr>
+                <a:solidFill>
+                  <a:schemeClr val="tx2"/>
+                </a:solidFill>
+              </a:defRPr>
+            </a:lvl2pPr>
+            <a:lvl3pPr>
+              <a:defRPr>
+                <a:solidFill>
+                  <a:schemeClr val="tx2"/>
+                </a:solidFill>
+              </a:defRPr>
+            </a:lvl3pPr>
+            <a:lvl4pPr>
+              <a:defRPr>
+                <a:solidFill>
+                  <a:schemeClr val="tx2"/>
+                </a:solidFill>
+              </a:defRPr>
+            </a:lvl4pPr>
+            <a:lvl5pPr>
+              <a:defRPr>
+                <a:solidFill>
+                  <a:schemeClr val="tx2"/>
+                </a:solidFill>
+              </a:defRPr>
+            </a:lvl5pPr>
+            <a:lvl6pPr>
+              <a:defRPr>
+                <a:solidFill>
+                  <a:schemeClr val="tx2"/>
+                </a:solidFill>
+              </a:defRPr>
+            </a:lvl6pPr>
+            <a:lvl7pPr>
+              <a:defRPr>
+                <a:solidFill>
+                  <a:schemeClr val="tx2"/>
+                </a:solidFill>
+              </a:defRPr>
+            </a:lvl7pPr>
+            <a:lvl8pPr>
+              <a:defRPr>
+                <a:solidFill>
+                  <a:schemeClr val="tx2"/>
+                </a:solidFill>
+              </a:defRPr>
+            </a:lvl8pPr>
+            <a:lvl9pPr>
+              <a:defRPr>
+                <a:solidFill>
+                  <a:schemeClr val="tx2"/>
+                </a:solidFill>
+              </a:defRPr>
+            </a:lvl9pPr>
+          </a:lstStyle>
+          <a:p>
+            <a:pPr lvl="0" algn="r"/>
+            <a:r>
+              <a:rPr lang="en-US" sz="7200" dirty="0">
+                <a:solidFill>
+                  <a:schemeClr val="tx1"/>
+                </a:solidFill>
+                <a:effectLst/>
+              </a:rPr>
+              <a:t>”</a:t>
+            </a:r>
+          </a:p>
+        </p:txBody>
+      </p:sp>
+    </p:spTree>
+    <p:extLst>
+      <p:ext uri="{BB962C8B-B14F-4D97-AF65-F5344CB8AC3E}">
+        <p14:creationId xmlns:p14="http://schemas.microsoft.com/office/powerpoint/2010/main" val="2863858483"/>
+      </p:ext>
+    </p:extLst>
+  </p:cSld>
+  <p:clrMapOvr>
+    <a:masterClrMapping/>
+  </p:clrMapOvr>
+</p:sldLayout>
+</file>
+
+<file path=ppt/slideLayouts/slideLayout13.xml><?xml version="1.0" encoding="utf-8"?>
+<p:sldLayout xmlns:a="http://schemas.openxmlformats.org/drawingml/2006/main" xmlns:r="http://schemas.openxmlformats.org/officeDocument/2006/relationships" xmlns:p="http://schemas.openxmlformats.org/presentationml/2006/main" preserve="1">
+  <p:cSld name="Cartão de Nome">
+    <p:spTree>
+      <p:nvGrpSpPr>
+        <p:cNvPr id="1" name=""/>
+        <p:cNvGrpSpPr/>
+        <p:nvPr/>
+      </p:nvGrpSpPr>
+      <p:grpSpPr>
+        <a:xfrm>
+          <a:off x="0" y="0"/>
+          <a:ext cx="0" cy="0"/>
+          <a:chOff x="0" y="0"/>
+          <a:chExt cx="0" cy="0"/>
+        </a:xfrm>
+      </p:grpSpPr>
+      <p:pic>
+        <p:nvPicPr>
+          <p:cNvPr id="9" name="Picture 8" descr="HD-ShadowLong.png"/>
+          <p:cNvPicPr>
+            <a:picLocks noChangeAspect="1"/>
+          </p:cNvPicPr>
+          <p:nvPr/>
+        </p:nvPicPr>
+        <p:blipFill>
+          <a:blip r:embed="rId2">
+            <a:extLst>
+              <a:ext uri="{28A0092B-C50C-407E-A947-70E740481C1C}">
+                <a14:useLocalDpi xmlns:a14="http://schemas.microsoft.com/office/drawing/2010/main" val="0"/>
+              </a:ext>
+            </a:extLst>
+          </a:blip>
+          <a:stretch>
+            <a:fillRect/>
+          </a:stretch>
+        </p:blipFill>
+        <p:spPr>
+          <a:xfrm>
+            <a:off x="1" y="5928628"/>
+            <a:ext cx="10437812" cy="321164"/>
+          </a:xfrm>
+          <a:prstGeom prst="rect">
+            <a:avLst/>
+          </a:prstGeom>
+        </p:spPr>
+      </p:pic>
+      <p:pic>
+        <p:nvPicPr>
+          <p:cNvPr id="10" name="Picture 9" descr="HD-ShadowShort.png"/>
+          <p:cNvPicPr>
+            <a:picLocks noChangeAspect="1"/>
+          </p:cNvPicPr>
+          <p:nvPr/>
+        </p:nvPicPr>
+        <p:blipFill>
+          <a:blip r:embed="rId3">
+            <a:extLst>
+              <a:ext uri="{28A0092B-C50C-407E-A947-70E740481C1C}">
+                <a14:useLocalDpi xmlns:a14="http://schemas.microsoft.com/office/drawing/2010/main" val="0"/>
+              </a:ext>
+            </a:extLst>
+          </a:blip>
+          <a:stretch>
+            <a:fillRect/>
+          </a:stretch>
+        </p:blipFill>
+        <p:spPr>
+          <a:xfrm>
+            <a:off x="10585826" y="5929622"/>
+            <a:ext cx="1602997" cy="144270"/>
+          </a:xfrm>
+          <a:prstGeom prst="rect">
+            <a:avLst/>
+          </a:prstGeom>
+        </p:spPr>
+      </p:pic>
+      <p:sp>
+        <p:nvSpPr>
+          <p:cNvPr id="11" name="Rectangle 10"/>
+          <p:cNvSpPr/>
+          <p:nvPr/>
+        </p:nvSpPr>
+        <p:spPr bwMode="ltGray">
+          <a:xfrm>
+            <a:off x="0" y="4567988"/>
+            <a:ext cx="10437812" cy="1368198"/>
+          </a:xfrm>
+          <a:prstGeom prst="rect">
+            <a:avLst/>
+          </a:prstGeom>
+          <a:solidFill>
+            <a:schemeClr val="bg1">
+              <a:lumMod val="85000"/>
+              <a:lumOff val="15000"/>
+            </a:schemeClr>
+          </a:solidFill>
+          <a:ln>
+            <a:noFill/>
+          </a:ln>
+        </p:spPr>
+        <p:style>
+          <a:lnRef idx="2">
+            <a:schemeClr val="accent1">
+              <a:shade val="50000"/>
+            </a:schemeClr>
+          </a:lnRef>
+          <a:fillRef idx="1">
+            <a:schemeClr val="accent1"/>
+          </a:fillRef>
+          <a:effectRef idx="0">
+            <a:schemeClr val="accent1"/>
+          </a:effectRef>
+          <a:fontRef idx="minor">
+            <a:schemeClr val="lt1"/>
+          </a:fontRef>
+        </p:style>
+      </p:sp>
+      <p:sp>
+        <p:nvSpPr>
+          <p:cNvPr id="12" name="Rectangle 11"/>
+          <p:cNvSpPr/>
+          <p:nvPr/>
+        </p:nvSpPr>
+        <p:spPr>
+          <a:xfrm>
+            <a:off x="10585827" y="4567988"/>
+            <a:ext cx="1602997" cy="1368198"/>
+          </a:xfrm>
+          <a:prstGeom prst="rect">
+            <a:avLst/>
+          </a:prstGeom>
+          <a:solidFill>
+            <a:schemeClr val="accent1"/>
+          </a:solidFill>
+          <a:ln>
+            <a:noFill/>
+          </a:ln>
+        </p:spPr>
+        <p:style>
+          <a:lnRef idx="2">
+            <a:schemeClr val="accent1">
+              <a:shade val="50000"/>
+            </a:schemeClr>
+          </a:lnRef>
+          <a:fillRef idx="1">
+            <a:schemeClr val="accent1"/>
+          </a:fillRef>
+          <a:effectRef idx="0">
+            <a:schemeClr val="accent1"/>
+          </a:effectRef>
+          <a:fontRef idx="minor">
+            <a:schemeClr val="lt1"/>
+          </a:fontRef>
+        </p:style>
+      </p:sp>
+      <p:sp>
+        <p:nvSpPr>
+          <p:cNvPr id="2" name="Title 1"/>
+          <p:cNvSpPr>
+            <a:spLocks noGrp="1"/>
+          </p:cNvSpPr>
+          <p:nvPr>
+            <p:ph type="title"/>
+          </p:nvPr>
+        </p:nvSpPr>
+        <p:spPr>
+          <a:xfrm>
+            <a:off x="680319" y="4711615"/>
+            <a:ext cx="9613862" cy="588535"/>
+          </a:xfrm>
+        </p:spPr>
+        <p:txBody>
+          <a:bodyPr anchor="b"/>
+          <a:lstStyle>
+            <a:lvl1pPr>
+              <a:defRPr sz="3200"/>
+            </a:lvl1pPr>
+          </a:lstStyle>
+          <a:p>
+            <a:r>
+              <a:rPr lang="pt-PT"/>
+              <a:t>Clique para editar o estilo de título do Modelo Global</a:t>
+            </a:r>
+            <a:endParaRPr lang="en-US" dirty="0"/>
+          </a:p>
+        </p:txBody>
+      </p:sp>
+      <p:sp>
+        <p:nvSpPr>
+          <p:cNvPr id="4" name="Text Placeholder 3"/>
+          <p:cNvSpPr>
+            <a:spLocks noGrp="1"/>
+          </p:cNvSpPr>
+          <p:nvPr>
+            <p:ph type="body" sz="half" idx="2"/>
+          </p:nvPr>
+        </p:nvSpPr>
+        <p:spPr>
+          <a:xfrm>
+            <a:off x="680320" y="5300149"/>
+            <a:ext cx="9613862" cy="502255"/>
+          </a:xfrm>
+        </p:spPr>
+        <p:txBody>
+          <a:bodyPr anchor="t"/>
+          <a:lstStyle>
+            <a:lvl1pPr marL="0" indent="0">
+              <a:buNone/>
+              <a:defRPr sz="1600"/>
+            </a:lvl1pPr>
+            <a:lvl2pPr marL="457200" indent="0">
+              <a:buNone/>
+              <a:defRPr sz="1400"/>
+            </a:lvl2pPr>
+            <a:lvl3pPr marL="914400" indent="0">
+              <a:buNone/>
+              <a:defRPr sz="1200"/>
+            </a:lvl3pPr>
+            <a:lvl4pPr marL="1371600" indent="0">
+              <a:buNone/>
+              <a:defRPr sz="1000"/>
+            </a:lvl4pPr>
+            <a:lvl5pPr marL="1828800" indent="0">
+              <a:buNone/>
+              <a:defRPr sz="1000"/>
+            </a:lvl5pPr>
+            <a:lvl6pPr marL="2286000" indent="0">
+              <a:buNone/>
+              <a:defRPr sz="1000"/>
+            </a:lvl6pPr>
+            <a:lvl7pPr marL="2743200" indent="0">
+              <a:buNone/>
+              <a:defRPr sz="1000"/>
+            </a:lvl7pPr>
+            <a:lvl8pPr marL="3200400" indent="0">
+              <a:buNone/>
+              <a:defRPr sz="1000"/>
+            </a:lvl8pPr>
+            <a:lvl9pPr marL="3657600" indent="0">
+              <a:buNone/>
+              <a:defRPr sz="1000"/>
+            </a:lvl9pPr>
+          </a:lstStyle>
+          <a:p>
+            <a:pPr lvl="0"/>
+            <a:r>
+              <a:rPr lang="pt-PT"/>
+              <a:t>Clique para editar os estilos do texto de Modelo Global</a:t>
+            </a:r>
+          </a:p>
+        </p:txBody>
+      </p:sp>
+      <p:sp>
+        <p:nvSpPr>
+          <p:cNvPr id="5" name="Date Placeholder 4"/>
+          <p:cNvSpPr>
+            <a:spLocks noGrp="1"/>
+          </p:cNvSpPr>
+          <p:nvPr>
+            <p:ph type="dt" sz="half" idx="10"/>
+          </p:nvPr>
+        </p:nvSpPr>
+        <p:spPr/>
+        <p:txBody>
+          <a:bodyPr/>
+          <a:lstStyle/>
+          <a:p>
+            <a:fld id="{7A38212A-5FB1-9E48-9DEB-EF9EE269AE75}" type="datetimeFigureOut">
+              <a:rPr lang="pt-PT" smtClean="0"/>
+              <a:t>06/04/24</a:t>
+            </a:fld>
+            <a:endParaRPr lang="pt-PT"/>
+          </a:p>
+        </p:txBody>
+      </p:sp>
+      <p:sp>
+        <p:nvSpPr>
+          <p:cNvPr id="6" name="Footer Placeholder 5"/>
+          <p:cNvSpPr>
+            <a:spLocks noGrp="1"/>
+          </p:cNvSpPr>
+          <p:nvPr>
+            <p:ph type="ftr" sz="quarter" idx="11"/>
+          </p:nvPr>
+        </p:nvSpPr>
+        <p:spPr/>
+        <p:txBody>
+          <a:bodyPr/>
+          <a:lstStyle/>
+          <a:p>
+            <a:endParaRPr lang="pt-PT"/>
+          </a:p>
+        </p:txBody>
+      </p:sp>
+      <p:sp>
+        <p:nvSpPr>
+          <p:cNvPr id="7" name="Slide Number Placeholder 6"/>
+          <p:cNvSpPr>
+            <a:spLocks noGrp="1"/>
+          </p:cNvSpPr>
+          <p:nvPr>
+            <p:ph type="sldNum" sz="quarter" idx="12"/>
+          </p:nvPr>
+        </p:nvSpPr>
+        <p:spPr>
+          <a:xfrm>
+            <a:off x="10729455" y="4709925"/>
+            <a:ext cx="1154151" cy="1090789"/>
+          </a:xfrm>
+        </p:spPr>
+        <p:txBody>
+          <a:bodyPr/>
+          <a:lstStyle/>
+          <a:p>
+            <a:fld id="{174AE45C-6779-2046-ADF7-CF4DABAA59FA}" type="slidenum">
+              <a:rPr lang="pt-PT" smtClean="0"/>
+              <a:t>‹nº›</a:t>
+            </a:fld>
+            <a:endParaRPr lang="pt-PT"/>
+          </a:p>
+        </p:txBody>
+      </p:sp>
+    </p:spTree>
+    <p:extLst>
+      <p:ext uri="{BB962C8B-B14F-4D97-AF65-F5344CB8AC3E}">
+        <p14:creationId xmlns:p14="http://schemas.microsoft.com/office/powerpoint/2010/main" val="882809774"/>
+      </p:ext>
+    </p:extLst>
+  </p:cSld>
+  <p:clrMapOvr>
+    <a:masterClrMapping/>
+  </p:clrMapOvr>
+</p:sldLayout>
+</file>
+
+<file path=ppt/slideLayouts/slideLayout14.xml><?xml version="1.0" encoding="utf-8"?>
+<p:sldLayout xmlns:a="http://schemas.openxmlformats.org/drawingml/2006/main" xmlns:r="http://schemas.openxmlformats.org/officeDocument/2006/relationships" xmlns:p="http://schemas.openxmlformats.org/presentationml/2006/main" preserve="1">
+  <p:cSld name="3 Colunas">
+    <p:spTree>
+      <p:nvGrpSpPr>
+        <p:cNvPr id="1" name=""/>
+        <p:cNvGrpSpPr/>
+        <p:nvPr/>
+      </p:nvGrpSpPr>
+      <p:grpSpPr>
+        <a:xfrm>
+          <a:off x="0" y="0"/>
+          <a:ext cx="0" cy="0"/>
+          <a:chOff x="0" y="0"/>
+          <a:chExt cx="0" cy="0"/>
+        </a:xfrm>
+      </p:grpSpPr>
+      <p:pic>
+        <p:nvPicPr>
+          <p:cNvPr id="13" name="Picture 12" descr="HD-ShadowLong.png"/>
+          <p:cNvPicPr>
+            <a:picLocks noChangeAspect="1"/>
+          </p:cNvPicPr>
+          <p:nvPr/>
+        </p:nvPicPr>
+        <p:blipFill>
+          <a:blip r:embed="rId2">
+            <a:extLst>
+              <a:ext uri="{28A0092B-C50C-407E-A947-70E740481C1C}">
+                <a14:useLocalDpi xmlns:a14="http://schemas.microsoft.com/office/drawing/2010/main" val="0"/>
+              </a:ext>
+            </a:extLst>
+          </a:blip>
+          <a:stretch>
+            <a:fillRect/>
+          </a:stretch>
+        </p:blipFill>
+        <p:spPr>
+          <a:xfrm>
+            <a:off x="1" y="1970240"/>
+            <a:ext cx="10437812" cy="321164"/>
+          </a:xfrm>
+          <a:prstGeom prst="rect">
+            <a:avLst/>
+          </a:prstGeom>
+        </p:spPr>
+      </p:pic>
+      <p:pic>
+        <p:nvPicPr>
+          <p:cNvPr id="14" name="Picture 13" descr="HD-ShadowShort.png"/>
+          <p:cNvPicPr>
+            <a:picLocks noChangeAspect="1"/>
+          </p:cNvPicPr>
+          <p:nvPr/>
+        </p:nvPicPr>
+        <p:blipFill>
+          <a:blip r:embed="rId3">
+            <a:extLst>
+              <a:ext uri="{28A0092B-C50C-407E-A947-70E740481C1C}">
+                <a14:useLocalDpi xmlns:a14="http://schemas.microsoft.com/office/drawing/2010/main" val="0"/>
+              </a:ext>
+            </a:extLst>
+          </a:blip>
+          <a:stretch>
+            <a:fillRect/>
+          </a:stretch>
+        </p:blipFill>
+        <p:spPr>
+          <a:xfrm>
+            <a:off x="10585826" y="1971234"/>
+            <a:ext cx="1602997" cy="144270"/>
+          </a:xfrm>
+          <a:prstGeom prst="rect">
+            <a:avLst/>
+          </a:prstGeom>
+        </p:spPr>
+      </p:pic>
+      <p:sp>
+        <p:nvSpPr>
+          <p:cNvPr id="16" name="Rectangle 15"/>
+          <p:cNvSpPr/>
+          <p:nvPr/>
+        </p:nvSpPr>
+        <p:spPr bwMode="ltGray">
+          <a:xfrm>
+            <a:off x="0" y="609600"/>
+            <a:ext cx="10437812" cy="1368198"/>
+          </a:xfrm>
+          <a:prstGeom prst="rect">
+            <a:avLst/>
+          </a:prstGeom>
+          <a:solidFill>
+            <a:schemeClr val="bg1">
+              <a:lumMod val="85000"/>
+              <a:lumOff val="15000"/>
+            </a:schemeClr>
+          </a:solidFill>
+          <a:ln>
+            <a:noFill/>
+          </a:ln>
+        </p:spPr>
+        <p:style>
+          <a:lnRef idx="2">
+            <a:schemeClr val="accent1">
+              <a:shade val="50000"/>
+            </a:schemeClr>
+          </a:lnRef>
+          <a:fillRef idx="1">
+            <a:schemeClr val="accent1"/>
+          </a:fillRef>
+          <a:effectRef idx="0">
+            <a:schemeClr val="accent1"/>
+          </a:effectRef>
+          <a:fontRef idx="minor">
+            <a:schemeClr val="lt1"/>
+          </a:fontRef>
+        </p:style>
+      </p:sp>
+      <p:sp>
+        <p:nvSpPr>
+          <p:cNvPr id="17" name="Rectangle 16"/>
+          <p:cNvSpPr/>
+          <p:nvPr/>
+        </p:nvSpPr>
+        <p:spPr>
+          <a:xfrm>
+            <a:off x="10585827" y="609600"/>
+            <a:ext cx="1602997" cy="1368198"/>
+          </a:xfrm>
+          <a:prstGeom prst="rect">
+            <a:avLst/>
+          </a:prstGeom>
+          <a:solidFill>
+            <a:schemeClr val="accent1"/>
+          </a:solidFill>
+          <a:ln>
+            <a:noFill/>
+          </a:ln>
+        </p:spPr>
+        <p:style>
+          <a:lnRef idx="2">
+            <a:schemeClr val="accent1">
+              <a:shade val="50000"/>
+            </a:schemeClr>
+          </a:lnRef>
+          <a:fillRef idx="1">
+            <a:schemeClr val="accent1"/>
+          </a:fillRef>
+          <a:effectRef idx="0">
+            <a:schemeClr val="accent1"/>
+          </a:effectRef>
+          <a:fontRef idx="minor">
+            <a:schemeClr val="lt1"/>
+          </a:fontRef>
+        </p:style>
+      </p:sp>
+      <p:sp>
+        <p:nvSpPr>
+          <p:cNvPr id="15" name="Title 1"/>
+          <p:cNvSpPr>
+            <a:spLocks noGrp="1"/>
+          </p:cNvSpPr>
+          <p:nvPr>
+            <p:ph type="title"/>
+          </p:nvPr>
+        </p:nvSpPr>
+        <p:spPr>
+          <a:xfrm>
+            <a:off x="669222" y="753228"/>
+            <a:ext cx="9624960" cy="1080938"/>
+          </a:xfrm>
+        </p:spPr>
+        <p:txBody>
+          <a:bodyPr/>
+          <a:lstStyle/>
+          <a:p>
+            <a:r>
+              <a:rPr lang="pt-PT"/>
+              <a:t>Clique para editar o estilo de título do Modelo Global</a:t>
+            </a:r>
+            <a:endParaRPr lang="en-US" dirty="0"/>
+          </a:p>
+        </p:txBody>
+      </p:sp>
+      <p:sp>
+        <p:nvSpPr>
+          <p:cNvPr id="7" name="Text Placeholder 2"/>
+          <p:cNvSpPr>
+            <a:spLocks noGrp="1"/>
+          </p:cNvSpPr>
+          <p:nvPr>
+            <p:ph type="body" idx="1"/>
+          </p:nvPr>
+        </p:nvSpPr>
+        <p:spPr>
+          <a:xfrm>
+            <a:off x="660946" y="2336873"/>
+            <a:ext cx="3070034" cy="576262"/>
+          </a:xfrm>
+        </p:spPr>
+        <p:txBody>
+          <a:bodyPr anchor="b">
+            <a:noAutofit/>
+          </a:bodyPr>
+          <a:lstStyle>
+            <a:lvl1pPr marL="0" indent="0">
+              <a:buNone/>
+              <a:defRPr sz="2400" b="0">
+                <a:solidFill>
+                  <a:schemeClr val="tx1"/>
+                </a:solidFill>
+              </a:defRPr>
+            </a:lvl1pPr>
+            <a:lvl2pPr marL="457200" indent="0">
+              <a:buNone/>
+              <a:defRPr sz="2000" b="1"/>
+            </a:lvl2pPr>
+            <a:lvl3pPr marL="914400" indent="0">
+              <a:buNone/>
+              <a:defRPr sz="1800" b="1"/>
+            </a:lvl3pPr>
+            <a:lvl4pPr marL="1371600" indent="0">
+              <a:buNone/>
+              <a:defRPr sz="1600" b="1"/>
+            </a:lvl4pPr>
+            <a:lvl5pPr marL="1828800" indent="0">
+              <a:buNone/>
+              <a:defRPr sz="1600" b="1"/>
+            </a:lvl5pPr>
+            <a:lvl6pPr marL="2286000" indent="0">
+              <a:buNone/>
+              <a:defRPr sz="1600" b="1"/>
+            </a:lvl6pPr>
+            <a:lvl7pPr marL="2743200" indent="0">
+              <a:buNone/>
+              <a:defRPr sz="1600" b="1"/>
+            </a:lvl7pPr>
+            <a:lvl8pPr marL="3200400" indent="0">
+              <a:buNone/>
+              <a:defRPr sz="1600" b="1"/>
+            </a:lvl8pPr>
+            <a:lvl9pPr marL="3657600" indent="0">
+              <a:buNone/>
+              <a:defRPr sz="1600" b="1"/>
+            </a:lvl9pPr>
+          </a:lstStyle>
+          <a:p>
+            <a:pPr lvl="0"/>
+            <a:r>
+              <a:rPr lang="pt-PT"/>
+              <a:t>Clique para editar os estilos do texto de Modelo Global</a:t>
+            </a:r>
+          </a:p>
+        </p:txBody>
+      </p:sp>
+      <p:sp>
+        <p:nvSpPr>
+          <p:cNvPr id="8" name="Text Placeholder 3"/>
+          <p:cNvSpPr>
+            <a:spLocks noGrp="1"/>
+          </p:cNvSpPr>
+          <p:nvPr>
+            <p:ph type="body" sz="half" idx="15"/>
+          </p:nvPr>
+        </p:nvSpPr>
+        <p:spPr>
+          <a:xfrm>
+            <a:off x="680322" y="3022673"/>
+            <a:ext cx="3049702" cy="2913513"/>
+          </a:xfrm>
+        </p:spPr>
+        <p:txBody>
+          <a:bodyPr anchor="t">
+            <a:normAutofit/>
+          </a:bodyPr>
+          <a:lstStyle>
+            <a:lvl1pPr marL="0" indent="0">
+              <a:buNone/>
+              <a:defRPr sz="1400"/>
+            </a:lvl1pPr>
+            <a:lvl2pPr marL="457200" indent="0">
+              <a:buNone/>
+              <a:defRPr sz="1200"/>
+            </a:lvl2pPr>
+            <a:lvl3pPr marL="914400" indent="0">
+              <a:buNone/>
+              <a:defRPr sz="1000"/>
+            </a:lvl3pPr>
+            <a:lvl4pPr marL="1371600" indent="0">
+              <a:buNone/>
+              <a:defRPr sz="900"/>
+            </a:lvl4pPr>
+            <a:lvl5pPr marL="1828800" indent="0">
+              <a:buNone/>
+              <a:defRPr sz="900"/>
+            </a:lvl5pPr>
+            <a:lvl6pPr marL="2286000" indent="0">
+              <a:buNone/>
+              <a:defRPr sz="900"/>
+            </a:lvl6pPr>
+            <a:lvl7pPr marL="2743200" indent="0">
+              <a:buNone/>
+              <a:defRPr sz="900"/>
+            </a:lvl7pPr>
+            <a:lvl8pPr marL="3200400" indent="0">
+              <a:buNone/>
+              <a:defRPr sz="900"/>
+            </a:lvl8pPr>
+            <a:lvl9pPr marL="3657600" indent="0">
+              <a:buNone/>
+              <a:defRPr sz="900"/>
+            </a:lvl9pPr>
+          </a:lstStyle>
+          <a:p>
+            <a:pPr lvl="0"/>
+            <a:r>
+              <a:rPr lang="pt-PT"/>
+              <a:t>Clique para editar os estilos do texto de Modelo Global</a:t>
+            </a:r>
+          </a:p>
+        </p:txBody>
+      </p:sp>
+      <p:sp>
+        <p:nvSpPr>
+          <p:cNvPr id="9" name="Text Placeholder 4"/>
+          <p:cNvSpPr>
+            <a:spLocks noGrp="1"/>
+          </p:cNvSpPr>
+          <p:nvPr>
+            <p:ph type="body" sz="quarter" idx="3"/>
+          </p:nvPr>
+        </p:nvSpPr>
+        <p:spPr>
+          <a:xfrm>
+            <a:off x="3956025" y="2336873"/>
+            <a:ext cx="3063240" cy="576262"/>
+          </a:xfrm>
+        </p:spPr>
+        <p:txBody>
+          <a:bodyPr anchor="b">
+            <a:noAutofit/>
+          </a:bodyPr>
+          <a:lstStyle>
+            <a:lvl1pPr marL="0" indent="0">
+              <a:buNone/>
+              <a:defRPr sz="2400" b="0">
+                <a:solidFill>
+                  <a:schemeClr val="tx1"/>
+                </a:solidFill>
+              </a:defRPr>
+            </a:lvl1pPr>
+            <a:lvl2pPr marL="457200" indent="0">
+              <a:buNone/>
+              <a:defRPr sz="2000" b="1"/>
+            </a:lvl2pPr>
+            <a:lvl3pPr marL="914400" indent="0">
+              <a:buNone/>
+              <a:defRPr sz="1800" b="1"/>
+            </a:lvl3pPr>
+            <a:lvl4pPr marL="1371600" indent="0">
+              <a:buNone/>
+              <a:defRPr sz="1600" b="1"/>
+            </a:lvl4pPr>
+            <a:lvl5pPr marL="1828800" indent="0">
+              <a:buNone/>
+              <a:defRPr sz="1600" b="1"/>
+            </a:lvl5pPr>
+            <a:lvl6pPr marL="2286000" indent="0">
+              <a:buNone/>
+              <a:defRPr sz="1600" b="1"/>
+            </a:lvl6pPr>
+            <a:lvl7pPr marL="2743200" indent="0">
+              <a:buNone/>
+              <a:defRPr sz="1600" b="1"/>
+            </a:lvl7pPr>
+            <a:lvl8pPr marL="3200400" indent="0">
+              <a:buNone/>
+              <a:defRPr sz="1600" b="1"/>
+            </a:lvl8pPr>
+            <a:lvl9pPr marL="3657600" indent="0">
+              <a:buNone/>
+              <a:defRPr sz="1600" b="1"/>
+            </a:lvl9pPr>
+          </a:lstStyle>
+          <a:p>
+            <a:pPr lvl="0"/>
+            <a:r>
+              <a:rPr lang="pt-PT"/>
+              <a:t>Clique para editar os estilos do texto de Modelo Global</a:t>
+            </a:r>
+          </a:p>
+        </p:txBody>
+      </p:sp>
+      <p:sp>
+        <p:nvSpPr>
+          <p:cNvPr id="10" name="Text Placeholder 3"/>
+          <p:cNvSpPr>
+            <a:spLocks noGrp="1"/>
+          </p:cNvSpPr>
+          <p:nvPr>
+            <p:ph type="body" sz="half" idx="16"/>
+          </p:nvPr>
+        </p:nvSpPr>
+        <p:spPr>
+          <a:xfrm>
+            <a:off x="3945470" y="3022673"/>
+            <a:ext cx="3063240" cy="2913513"/>
+          </a:xfrm>
+        </p:spPr>
+        <p:txBody>
+          <a:bodyPr anchor="t">
+            <a:normAutofit/>
+          </a:bodyPr>
+          <a:lstStyle>
+            <a:lvl1pPr marL="0" indent="0">
+              <a:buNone/>
+              <a:defRPr sz="1400"/>
+            </a:lvl1pPr>
+            <a:lvl2pPr marL="457200" indent="0">
+              <a:buNone/>
+              <a:defRPr sz="1200"/>
+            </a:lvl2pPr>
+            <a:lvl3pPr marL="914400" indent="0">
+              <a:buNone/>
+              <a:defRPr sz="1000"/>
+            </a:lvl3pPr>
+            <a:lvl4pPr marL="1371600" indent="0">
+              <a:buNone/>
+              <a:defRPr sz="900"/>
+            </a:lvl4pPr>
+            <a:lvl5pPr marL="1828800" indent="0">
+              <a:buNone/>
+              <a:defRPr sz="900"/>
+            </a:lvl5pPr>
+            <a:lvl6pPr marL="2286000" indent="0">
+              <a:buNone/>
+              <a:defRPr sz="900"/>
+            </a:lvl6pPr>
+            <a:lvl7pPr marL="2743200" indent="0">
+              <a:buNone/>
+              <a:defRPr sz="900"/>
+            </a:lvl7pPr>
+            <a:lvl8pPr marL="3200400" indent="0">
+              <a:buNone/>
+              <a:defRPr sz="900"/>
+            </a:lvl8pPr>
+            <a:lvl9pPr marL="3657600" indent="0">
+              <a:buNone/>
+              <a:defRPr sz="900"/>
+            </a:lvl9pPr>
+          </a:lstStyle>
+          <a:p>
+            <a:pPr lvl="0"/>
+            <a:r>
+              <a:rPr lang="pt-PT"/>
+              <a:t>Clique para editar os estilos do texto de Modelo Global</a:t>
+            </a:r>
+          </a:p>
+        </p:txBody>
+      </p:sp>
+      <p:sp>
+        <p:nvSpPr>
+          <p:cNvPr id="11" name="Text Placeholder 4"/>
+          <p:cNvSpPr>
+            <a:spLocks noGrp="1"/>
+          </p:cNvSpPr>
+          <p:nvPr>
+            <p:ph type="body" sz="quarter" idx="13"/>
+          </p:nvPr>
+        </p:nvSpPr>
+        <p:spPr>
+          <a:xfrm>
+            <a:off x="7224156" y="2336873"/>
+            <a:ext cx="3070025" cy="576262"/>
+          </a:xfrm>
+        </p:spPr>
+        <p:txBody>
+          <a:bodyPr anchor="b">
+            <a:noAutofit/>
+          </a:bodyPr>
+          <a:lstStyle>
+            <a:lvl1pPr marL="0" indent="0">
+              <a:buNone/>
+              <a:defRPr sz="2400" b="0">
+                <a:solidFill>
+                  <a:schemeClr val="tx1"/>
+                </a:solidFill>
+              </a:defRPr>
+            </a:lvl1pPr>
+            <a:lvl2pPr marL="457200" indent="0">
+              <a:buNone/>
+              <a:defRPr sz="2000" b="1"/>
+            </a:lvl2pPr>
+            <a:lvl3pPr marL="914400" indent="0">
+              <a:buNone/>
+              <a:defRPr sz="1800" b="1"/>
+            </a:lvl3pPr>
+            <a:lvl4pPr marL="1371600" indent="0">
+              <a:buNone/>
+              <a:defRPr sz="1600" b="1"/>
+            </a:lvl4pPr>
+            <a:lvl5pPr marL="1828800" indent="0">
+              <a:buNone/>
+              <a:defRPr sz="1600" b="1"/>
+            </a:lvl5pPr>
+            <a:lvl6pPr marL="2286000" indent="0">
+              <a:buNone/>
+              <a:defRPr sz="1600" b="1"/>
+            </a:lvl6pPr>
+            <a:lvl7pPr marL="2743200" indent="0">
+              <a:buNone/>
+              <a:defRPr sz="1600" b="1"/>
+            </a:lvl7pPr>
+            <a:lvl8pPr marL="3200400" indent="0">
+              <a:buNone/>
+              <a:defRPr sz="1600" b="1"/>
+            </a:lvl8pPr>
+            <a:lvl9pPr marL="3657600" indent="0">
+              <a:buNone/>
+              <a:defRPr sz="1600" b="1"/>
+            </a:lvl9pPr>
+          </a:lstStyle>
+          <a:p>
+            <a:pPr lvl="0"/>
+            <a:r>
+              <a:rPr lang="pt-PT"/>
+              <a:t>Clique para editar os estilos do texto de Modelo Global</a:t>
+            </a:r>
+          </a:p>
+        </p:txBody>
+      </p:sp>
+      <p:sp>
+        <p:nvSpPr>
+          <p:cNvPr id="12" name="Text Placeholder 3"/>
+          <p:cNvSpPr>
+            <a:spLocks noGrp="1"/>
+          </p:cNvSpPr>
+          <p:nvPr>
+            <p:ph type="body" sz="half" idx="17"/>
+          </p:nvPr>
+        </p:nvSpPr>
+        <p:spPr>
+          <a:xfrm>
+            <a:off x="7224156" y="3022673"/>
+            <a:ext cx="3070025" cy="2913513"/>
+          </a:xfrm>
+        </p:spPr>
+        <p:txBody>
+          <a:bodyPr anchor="t">
+            <a:normAutofit/>
+          </a:bodyPr>
+          <a:lstStyle>
+            <a:lvl1pPr marL="0" indent="0">
+              <a:buNone/>
+              <a:defRPr sz="1400"/>
+            </a:lvl1pPr>
+            <a:lvl2pPr marL="457200" indent="0">
+              <a:buNone/>
+              <a:defRPr sz="1200"/>
+            </a:lvl2pPr>
+            <a:lvl3pPr marL="914400" indent="0">
+              <a:buNone/>
+              <a:defRPr sz="1000"/>
+            </a:lvl3pPr>
+            <a:lvl4pPr marL="1371600" indent="0">
+              <a:buNone/>
+              <a:defRPr sz="900"/>
+            </a:lvl4pPr>
+            <a:lvl5pPr marL="1828800" indent="0">
+              <a:buNone/>
+              <a:defRPr sz="900"/>
+            </a:lvl5pPr>
+            <a:lvl6pPr marL="2286000" indent="0">
+              <a:buNone/>
+              <a:defRPr sz="900"/>
+            </a:lvl6pPr>
+            <a:lvl7pPr marL="2743200" indent="0">
+              <a:buNone/>
+              <a:defRPr sz="900"/>
+            </a:lvl7pPr>
+            <a:lvl8pPr marL="3200400" indent="0">
+              <a:buNone/>
+              <a:defRPr sz="900"/>
+            </a:lvl8pPr>
+            <a:lvl9pPr marL="3657600" indent="0">
+              <a:buNone/>
+              <a:defRPr sz="900"/>
+            </a:lvl9pPr>
+          </a:lstStyle>
+          <a:p>
+            <a:pPr lvl="0"/>
+            <a:r>
+              <a:rPr lang="pt-PT"/>
+              <a:t>Clique para editar os estilos do texto de Modelo Global</a:t>
+            </a:r>
+          </a:p>
+        </p:txBody>
+      </p:sp>
+      <p:sp>
+        <p:nvSpPr>
+          <p:cNvPr id="3" name="Date Placeholder 2"/>
+          <p:cNvSpPr>
+            <a:spLocks noGrp="1"/>
+          </p:cNvSpPr>
+          <p:nvPr>
+            <p:ph type="dt" sz="half" idx="10"/>
+          </p:nvPr>
+        </p:nvSpPr>
+        <p:spPr/>
+        <p:txBody>
+          <a:bodyPr/>
+          <a:lstStyle/>
+          <a:p>
+            <a:fld id="{7A38212A-5FB1-9E48-9DEB-EF9EE269AE75}" type="datetimeFigureOut">
+              <a:rPr lang="pt-PT" smtClean="0"/>
+              <a:t>06/04/24</a:t>
+            </a:fld>
+            <a:endParaRPr lang="pt-PT"/>
+          </a:p>
+        </p:txBody>
+      </p:sp>
+      <p:sp>
+        <p:nvSpPr>
+          <p:cNvPr id="4" name="Footer Placeholder 3"/>
+          <p:cNvSpPr>
+            <a:spLocks noGrp="1"/>
+          </p:cNvSpPr>
+          <p:nvPr>
+            <p:ph type="ftr" sz="quarter" idx="11"/>
+          </p:nvPr>
+        </p:nvSpPr>
+        <p:spPr/>
+        <p:txBody>
+          <a:bodyPr/>
+          <a:lstStyle/>
+          <a:p>
+            <a:endParaRPr lang="pt-PT"/>
+          </a:p>
+        </p:txBody>
+      </p:sp>
+      <p:sp>
+        <p:nvSpPr>
+          <p:cNvPr id="5" name="Slide Number Placeholder 4"/>
+          <p:cNvSpPr>
+            <a:spLocks noGrp="1"/>
+          </p:cNvSpPr>
+          <p:nvPr>
+            <p:ph type="sldNum" sz="quarter" idx="12"/>
+          </p:nvPr>
+        </p:nvSpPr>
+        <p:spPr/>
+        <p:txBody>
+          <a:bodyPr/>
+          <a:lstStyle/>
+          <a:p>
+            <a:fld id="{174AE45C-6779-2046-ADF7-CF4DABAA59FA}" type="slidenum">
+              <a:rPr lang="pt-PT" smtClean="0"/>
+              <a:t>‹nº›</a:t>
+            </a:fld>
+            <a:endParaRPr lang="pt-PT"/>
+          </a:p>
+        </p:txBody>
+      </p:sp>
+    </p:spTree>
+    <p:extLst>
+      <p:ext uri="{BB962C8B-B14F-4D97-AF65-F5344CB8AC3E}">
+        <p14:creationId xmlns:p14="http://schemas.microsoft.com/office/powerpoint/2010/main" val="3723601598"/>
+      </p:ext>
+    </p:extLst>
+  </p:cSld>
+  <p:clrMapOvr>
+    <a:masterClrMapping/>
+  </p:clrMapOvr>
+</p:sldLayout>
+</file>
+
+<file path=ppt/slideLayouts/slideLayout15.xml><?xml version="1.0" encoding="utf-8"?>
+<p:sldLayout xmlns:a="http://schemas.openxmlformats.org/drawingml/2006/main" xmlns:r="http://schemas.openxmlformats.org/officeDocument/2006/relationships" xmlns:p="http://schemas.openxmlformats.org/presentationml/2006/main" preserve="1">
+  <p:cSld name="Coluna de 3 Imagens">
+    <p:spTree>
+      <p:nvGrpSpPr>
+        <p:cNvPr id="1" name=""/>
+        <p:cNvGrpSpPr/>
+        <p:nvPr/>
+      </p:nvGrpSpPr>
+      <p:grpSpPr>
+        <a:xfrm>
+          <a:off x="0" y="0"/>
+          <a:ext cx="0" cy="0"/>
+          <a:chOff x="0" y="0"/>
+          <a:chExt cx="0" cy="0"/>
+        </a:xfrm>
+      </p:grpSpPr>
+      <p:pic>
+        <p:nvPicPr>
+          <p:cNvPr id="15" name="Picture 14" descr="HD-ShadowLong.png"/>
+          <p:cNvPicPr>
+            <a:picLocks noChangeAspect="1"/>
+          </p:cNvPicPr>
+          <p:nvPr/>
+        </p:nvPicPr>
+        <p:blipFill>
+          <a:blip r:embed="rId2">
+            <a:extLst>
+              <a:ext uri="{28A0092B-C50C-407E-A947-70E740481C1C}">
+                <a14:useLocalDpi xmlns:a14="http://schemas.microsoft.com/office/drawing/2010/main" val="0"/>
+              </a:ext>
+            </a:extLst>
+          </a:blip>
+          <a:stretch>
+            <a:fillRect/>
+          </a:stretch>
+        </p:blipFill>
+        <p:spPr>
+          <a:xfrm>
+            <a:off x="1" y="1970240"/>
+            <a:ext cx="10437812" cy="321164"/>
+          </a:xfrm>
+          <a:prstGeom prst="rect">
+            <a:avLst/>
+          </a:prstGeom>
+        </p:spPr>
+      </p:pic>
+      <p:pic>
+        <p:nvPicPr>
+          <p:cNvPr id="16" name="Picture 15" descr="HD-ShadowShort.png"/>
+          <p:cNvPicPr>
+            <a:picLocks noChangeAspect="1"/>
+          </p:cNvPicPr>
+          <p:nvPr/>
+        </p:nvPicPr>
+        <p:blipFill>
+          <a:blip r:embed="rId3">
+            <a:extLst>
+              <a:ext uri="{28A0092B-C50C-407E-A947-70E740481C1C}">
+                <a14:useLocalDpi xmlns:a14="http://schemas.microsoft.com/office/drawing/2010/main" val="0"/>
+              </a:ext>
+            </a:extLst>
+          </a:blip>
+          <a:stretch>
+            <a:fillRect/>
+          </a:stretch>
+        </p:blipFill>
+        <p:spPr>
+          <a:xfrm>
+            <a:off x="10585826" y="1971234"/>
+            <a:ext cx="1602997" cy="144270"/>
+          </a:xfrm>
+          <a:prstGeom prst="rect">
+            <a:avLst/>
+          </a:prstGeom>
+        </p:spPr>
+      </p:pic>
+      <p:sp>
+        <p:nvSpPr>
+          <p:cNvPr id="17" name="Rectangle 16"/>
+          <p:cNvSpPr/>
+          <p:nvPr/>
+        </p:nvSpPr>
+        <p:spPr bwMode="ltGray">
+          <a:xfrm>
+            <a:off x="0" y="609600"/>
+            <a:ext cx="10437812" cy="1368198"/>
+          </a:xfrm>
+          <a:prstGeom prst="rect">
+            <a:avLst/>
+          </a:prstGeom>
+          <a:solidFill>
+            <a:schemeClr val="bg1">
+              <a:lumMod val="85000"/>
+              <a:lumOff val="15000"/>
+            </a:schemeClr>
+          </a:solidFill>
+          <a:ln>
+            <a:noFill/>
+          </a:ln>
+        </p:spPr>
+        <p:style>
+          <a:lnRef idx="2">
+            <a:schemeClr val="accent1">
+              <a:shade val="50000"/>
+            </a:schemeClr>
+          </a:lnRef>
+          <a:fillRef idx="1">
+            <a:schemeClr val="accent1"/>
+          </a:fillRef>
+          <a:effectRef idx="0">
+            <a:schemeClr val="accent1"/>
+          </a:effectRef>
+          <a:fontRef idx="minor">
+            <a:schemeClr val="lt1"/>
+          </a:fontRef>
+        </p:style>
+      </p:sp>
+      <p:sp>
+        <p:nvSpPr>
+          <p:cNvPr id="18" name="Rectangle 17"/>
+          <p:cNvSpPr/>
+          <p:nvPr/>
+        </p:nvSpPr>
+        <p:spPr>
+          <a:xfrm>
+            <a:off x="10585827" y="609600"/>
+            <a:ext cx="1602997" cy="1368198"/>
+          </a:xfrm>
+          <a:prstGeom prst="rect">
+            <a:avLst/>
+          </a:prstGeom>
+          <a:solidFill>
+            <a:schemeClr val="accent1"/>
+          </a:solidFill>
+          <a:ln>
+            <a:noFill/>
+          </a:ln>
+        </p:spPr>
+        <p:style>
+          <a:lnRef idx="2">
+            <a:schemeClr val="accent1">
+              <a:shade val="50000"/>
+            </a:schemeClr>
+          </a:lnRef>
+          <a:fillRef idx="1">
+            <a:schemeClr val="accent1"/>
+          </a:fillRef>
+          <a:effectRef idx="0">
+            <a:schemeClr val="accent1"/>
+          </a:effectRef>
+          <a:fontRef idx="minor">
+            <a:schemeClr val="lt1"/>
+          </a:fontRef>
+        </p:style>
+      </p:sp>
+      <p:sp>
+        <p:nvSpPr>
+          <p:cNvPr id="30" name="Title 1"/>
+          <p:cNvSpPr>
+            <a:spLocks noGrp="1"/>
+          </p:cNvSpPr>
+          <p:nvPr>
+            <p:ph type="title"/>
+          </p:nvPr>
+        </p:nvSpPr>
+        <p:spPr>
+          <a:xfrm>
+            <a:off x="680322" y="753228"/>
+            <a:ext cx="9613860" cy="1080938"/>
+          </a:xfrm>
+        </p:spPr>
+        <p:txBody>
+          <a:bodyPr/>
+          <a:lstStyle/>
+          <a:p>
+            <a:r>
+              <a:rPr lang="pt-PT"/>
+              <a:t>Clique para editar o estilo de título do Modelo Global</a:t>
+            </a:r>
+            <a:endParaRPr lang="en-US" dirty="0"/>
+          </a:p>
+        </p:txBody>
+      </p:sp>
+      <p:sp>
+        <p:nvSpPr>
+          <p:cNvPr id="19" name="Text Placeholder 2"/>
+          <p:cNvSpPr>
+            <a:spLocks noGrp="1"/>
+          </p:cNvSpPr>
+          <p:nvPr>
+            <p:ph type="body" idx="1"/>
+          </p:nvPr>
+        </p:nvSpPr>
+        <p:spPr>
+          <a:xfrm>
+            <a:off x="680318" y="4297503"/>
+            <a:ext cx="3049705" cy="576262"/>
+          </a:xfrm>
+        </p:spPr>
+        <p:txBody>
+          <a:bodyPr anchor="b">
+            <a:noAutofit/>
+          </a:bodyPr>
+          <a:lstStyle>
+            <a:lvl1pPr marL="0" indent="0">
+              <a:buNone/>
+              <a:defRPr sz="2400" b="0">
+                <a:solidFill>
+                  <a:schemeClr val="tx1"/>
+                </a:solidFill>
+              </a:defRPr>
+            </a:lvl1pPr>
+            <a:lvl2pPr marL="457200" indent="0">
+              <a:buNone/>
+              <a:defRPr sz="2000" b="1"/>
+            </a:lvl2pPr>
+            <a:lvl3pPr marL="914400" indent="0">
+              <a:buNone/>
+              <a:defRPr sz="1800" b="1"/>
+            </a:lvl3pPr>
+            <a:lvl4pPr marL="1371600" indent="0">
+              <a:buNone/>
+              <a:defRPr sz="1600" b="1"/>
+            </a:lvl4pPr>
+            <a:lvl5pPr marL="1828800" indent="0">
+              <a:buNone/>
+              <a:defRPr sz="1600" b="1"/>
+            </a:lvl5pPr>
+            <a:lvl6pPr marL="2286000" indent="0">
+              <a:buNone/>
+              <a:defRPr sz="1600" b="1"/>
+            </a:lvl6pPr>
+            <a:lvl7pPr marL="2743200" indent="0">
+              <a:buNone/>
+              <a:defRPr sz="1600" b="1"/>
+            </a:lvl7pPr>
+            <a:lvl8pPr marL="3200400" indent="0">
+              <a:buNone/>
+              <a:defRPr sz="1600" b="1"/>
+            </a:lvl8pPr>
+            <a:lvl9pPr marL="3657600" indent="0">
+              <a:buNone/>
+              <a:defRPr sz="1600" b="1"/>
+            </a:lvl9pPr>
+          </a:lstStyle>
+          <a:p>
+            <a:pPr lvl="0"/>
+            <a:r>
+              <a:rPr lang="pt-PT"/>
+              <a:t>Clique para editar os estilos do texto de Modelo Global</a:t>
+            </a:r>
+          </a:p>
+        </p:txBody>
+      </p:sp>
+      <p:sp>
+        <p:nvSpPr>
+          <p:cNvPr id="20" name="Picture Placeholder 2"/>
+          <p:cNvSpPr>
+            <a:spLocks noGrp="1" noChangeAspect="1"/>
+          </p:cNvSpPr>
+          <p:nvPr>
+            <p:ph type="pic" idx="15"/>
+          </p:nvPr>
+        </p:nvSpPr>
+        <p:spPr>
+          <a:xfrm>
+            <a:off x="680318" y="2336873"/>
+            <a:ext cx="3049705" cy="1524000"/>
+          </a:xfrm>
+          <a:prstGeom prst="roundRect">
+            <a:avLst>
+              <a:gd name="adj" fmla="val 0"/>
+            </a:avLst>
+          </a:prstGeom>
+          <a:effectLst>
+            <a:outerShdw blurRad="50800" dist="50800" dir="5400000" algn="tl" rotWithShape="0">
+              <a:srgbClr val="000000">
+                <a:alpha val="43000"/>
+              </a:srgbClr>
+            </a:outerShdw>
+          </a:effectLst>
+        </p:spPr>
+        <p:txBody>
+          <a:bodyPr anchor="t">
+            <a:normAutofit/>
+          </a:bodyPr>
+          <a:lstStyle>
+            <a:lvl1pPr marL="0" indent="0" algn="ctr">
+              <a:buNone/>
+              <a:defRPr sz="1600"/>
+            </a:lvl1pPr>
+            <a:lvl2pPr marL="457200" indent="0">
+              <a:buNone/>
+              <a:defRPr sz="1600"/>
+            </a:lvl2pPr>
+            <a:lvl3pPr marL="914400" indent="0">
+              <a:buNone/>
+              <a:defRPr sz="1600"/>
+            </a:lvl3pPr>
+            <a:lvl4pPr marL="1371600" indent="0">
+              <a:buNone/>
+              <a:defRPr sz="1600"/>
+            </a:lvl4pPr>
+            <a:lvl5pPr marL="1828800" indent="0">
+              <a:buNone/>
+              <a:defRPr sz="1600"/>
+            </a:lvl5pPr>
+            <a:lvl6pPr marL="2286000" indent="0">
+              <a:buNone/>
+              <a:defRPr sz="1600"/>
+            </a:lvl6pPr>
+            <a:lvl7pPr marL="2743200" indent="0">
+              <a:buNone/>
+              <a:defRPr sz="1600"/>
+            </a:lvl7pPr>
+            <a:lvl8pPr marL="3200400" indent="0">
+              <a:buNone/>
+              <a:defRPr sz="1600"/>
+            </a:lvl8pPr>
+            <a:lvl9pPr marL="3657600" indent="0">
+              <a:buNone/>
+              <a:defRPr sz="1600"/>
+            </a:lvl9pPr>
+          </a:lstStyle>
+          <a:p>
+            <a:r>
+              <a:rPr lang="pt-PT"/>
+              <a:t>Clique no ícone para adicionar uma imagem</a:t>
+            </a:r>
+            <a:endParaRPr lang="en-US" dirty="0"/>
+          </a:p>
+        </p:txBody>
+      </p:sp>
+      <p:sp>
+        <p:nvSpPr>
+          <p:cNvPr id="21" name="Text Placeholder 3"/>
+          <p:cNvSpPr>
+            <a:spLocks noGrp="1"/>
+          </p:cNvSpPr>
+          <p:nvPr>
+            <p:ph type="body" sz="half" idx="18"/>
+          </p:nvPr>
+        </p:nvSpPr>
+        <p:spPr>
+          <a:xfrm>
+            <a:off x="680318" y="4873765"/>
+            <a:ext cx="3049705" cy="1062422"/>
+          </a:xfrm>
+        </p:spPr>
+        <p:txBody>
+          <a:bodyPr anchor="t">
+            <a:normAutofit/>
+          </a:bodyPr>
+          <a:lstStyle>
+            <a:lvl1pPr marL="0" indent="0">
+              <a:buNone/>
+              <a:defRPr sz="1400"/>
+            </a:lvl1pPr>
+            <a:lvl2pPr marL="457200" indent="0">
+              <a:buNone/>
+              <a:defRPr sz="1200"/>
+            </a:lvl2pPr>
+            <a:lvl3pPr marL="914400" indent="0">
+              <a:buNone/>
+              <a:defRPr sz="1000"/>
+            </a:lvl3pPr>
+            <a:lvl4pPr marL="1371600" indent="0">
+              <a:buNone/>
+              <a:defRPr sz="900"/>
+            </a:lvl4pPr>
+            <a:lvl5pPr marL="1828800" indent="0">
+              <a:buNone/>
+              <a:defRPr sz="900"/>
+            </a:lvl5pPr>
+            <a:lvl6pPr marL="2286000" indent="0">
+              <a:buNone/>
+              <a:defRPr sz="900"/>
+            </a:lvl6pPr>
+            <a:lvl7pPr marL="2743200" indent="0">
+              <a:buNone/>
+              <a:defRPr sz="900"/>
+            </a:lvl7pPr>
+            <a:lvl8pPr marL="3200400" indent="0">
+              <a:buNone/>
+              <a:defRPr sz="900"/>
+            </a:lvl8pPr>
+            <a:lvl9pPr marL="3657600" indent="0">
+              <a:buNone/>
+              <a:defRPr sz="900"/>
+            </a:lvl9pPr>
+          </a:lstStyle>
+          <a:p>
+            <a:pPr lvl="0"/>
+            <a:r>
+              <a:rPr lang="pt-PT"/>
+              <a:t>Clique para editar os estilos do texto de Modelo Global</a:t>
+            </a:r>
+          </a:p>
+        </p:txBody>
+      </p:sp>
+      <p:sp>
+        <p:nvSpPr>
+          <p:cNvPr id="22" name="Text Placeholder 4"/>
+          <p:cNvSpPr>
+            <a:spLocks noGrp="1"/>
+          </p:cNvSpPr>
+          <p:nvPr>
+            <p:ph type="body" sz="quarter" idx="3"/>
+          </p:nvPr>
+        </p:nvSpPr>
+        <p:spPr>
+          <a:xfrm>
+            <a:off x="3945471" y="4297503"/>
+            <a:ext cx="3063240" cy="576262"/>
+          </a:xfrm>
+        </p:spPr>
+        <p:txBody>
+          <a:bodyPr anchor="b">
+            <a:noAutofit/>
+          </a:bodyPr>
+          <a:lstStyle>
+            <a:lvl1pPr marL="0" indent="0">
+              <a:buNone/>
+              <a:defRPr sz="2400" b="0">
+                <a:solidFill>
+                  <a:schemeClr val="tx1"/>
+                </a:solidFill>
+              </a:defRPr>
+            </a:lvl1pPr>
+            <a:lvl2pPr marL="457200" indent="0">
+              <a:buNone/>
+              <a:defRPr sz="2000" b="1"/>
+            </a:lvl2pPr>
+            <a:lvl3pPr marL="914400" indent="0">
+              <a:buNone/>
+              <a:defRPr sz="1800" b="1"/>
+            </a:lvl3pPr>
+            <a:lvl4pPr marL="1371600" indent="0">
+              <a:buNone/>
+              <a:defRPr sz="1600" b="1"/>
+            </a:lvl4pPr>
+            <a:lvl5pPr marL="1828800" indent="0">
+              <a:buNone/>
+              <a:defRPr sz="1600" b="1"/>
+            </a:lvl5pPr>
+            <a:lvl6pPr marL="2286000" indent="0">
+              <a:buNone/>
+              <a:defRPr sz="1600" b="1"/>
+            </a:lvl6pPr>
+            <a:lvl7pPr marL="2743200" indent="0">
+              <a:buNone/>
+              <a:defRPr sz="1600" b="1"/>
+            </a:lvl7pPr>
+            <a:lvl8pPr marL="3200400" indent="0">
+              <a:buNone/>
+              <a:defRPr sz="1600" b="1"/>
+            </a:lvl8pPr>
+            <a:lvl9pPr marL="3657600" indent="0">
+              <a:buNone/>
+              <a:defRPr sz="1600" b="1"/>
+            </a:lvl9pPr>
+          </a:lstStyle>
+          <a:p>
+            <a:pPr lvl="0"/>
+            <a:r>
+              <a:rPr lang="pt-PT"/>
+              <a:t>Clique para editar os estilos do texto de Modelo Global</a:t>
+            </a:r>
+          </a:p>
+        </p:txBody>
+      </p:sp>
+      <p:sp>
+        <p:nvSpPr>
+          <p:cNvPr id="23" name="Picture Placeholder 2"/>
+          <p:cNvSpPr>
+            <a:spLocks noGrp="1" noChangeAspect="1"/>
+          </p:cNvSpPr>
+          <p:nvPr>
+            <p:ph type="pic" idx="21"/>
+          </p:nvPr>
+        </p:nvSpPr>
+        <p:spPr>
+          <a:xfrm>
+            <a:off x="3945470" y="2336873"/>
+            <a:ext cx="3063240" cy="1524000"/>
+          </a:xfrm>
+          <a:prstGeom prst="roundRect">
+            <a:avLst>
+              <a:gd name="adj" fmla="val 0"/>
+            </a:avLst>
+          </a:prstGeom>
+          <a:effectLst>
+            <a:outerShdw blurRad="50800" dist="50800" dir="5400000" algn="tl" rotWithShape="0">
+              <a:srgbClr val="000000">
+                <a:alpha val="43000"/>
+              </a:srgbClr>
+            </a:outerShdw>
+          </a:effectLst>
+        </p:spPr>
+        <p:txBody>
+          <a:bodyPr anchor="t">
+            <a:normAutofit/>
+          </a:bodyPr>
+          <a:lstStyle>
+            <a:lvl1pPr marL="0" indent="0" algn="ctr">
+              <a:buNone/>
+              <a:defRPr sz="1600"/>
+            </a:lvl1pPr>
+            <a:lvl2pPr marL="457200" indent="0">
+              <a:buNone/>
+              <a:defRPr sz="1600"/>
+            </a:lvl2pPr>
+            <a:lvl3pPr marL="914400" indent="0">
+              <a:buNone/>
+              <a:defRPr sz="1600"/>
+            </a:lvl3pPr>
+            <a:lvl4pPr marL="1371600" indent="0">
+              <a:buNone/>
+              <a:defRPr sz="1600"/>
+            </a:lvl4pPr>
+            <a:lvl5pPr marL="1828800" indent="0">
+              <a:buNone/>
+              <a:defRPr sz="1600"/>
+            </a:lvl5pPr>
+            <a:lvl6pPr marL="2286000" indent="0">
+              <a:buNone/>
+              <a:defRPr sz="1600"/>
+            </a:lvl6pPr>
+            <a:lvl7pPr marL="2743200" indent="0">
+              <a:buNone/>
+              <a:defRPr sz="1600"/>
+            </a:lvl7pPr>
+            <a:lvl8pPr marL="3200400" indent="0">
+              <a:buNone/>
+              <a:defRPr sz="1600"/>
+            </a:lvl8pPr>
+            <a:lvl9pPr marL="3657600" indent="0">
+              <a:buNone/>
+              <a:defRPr sz="1600"/>
+            </a:lvl9pPr>
+          </a:lstStyle>
+          <a:p>
+            <a:r>
+              <a:rPr lang="pt-PT"/>
+              <a:t>Clique no ícone para adicionar uma imagem</a:t>
+            </a:r>
+            <a:endParaRPr lang="en-US" dirty="0"/>
+          </a:p>
+        </p:txBody>
+      </p:sp>
+      <p:sp>
+        <p:nvSpPr>
+          <p:cNvPr id="24" name="Text Placeholder 3"/>
+          <p:cNvSpPr>
+            <a:spLocks noGrp="1"/>
+          </p:cNvSpPr>
+          <p:nvPr>
+            <p:ph type="body" sz="half" idx="19"/>
+          </p:nvPr>
+        </p:nvSpPr>
+        <p:spPr>
+          <a:xfrm>
+            <a:off x="3944117" y="4873764"/>
+            <a:ext cx="3067297" cy="1062422"/>
+          </a:xfrm>
+        </p:spPr>
+        <p:txBody>
+          <a:bodyPr anchor="t">
+            <a:normAutofit/>
+          </a:bodyPr>
+          <a:lstStyle>
+            <a:lvl1pPr marL="0" indent="0">
+              <a:buNone/>
+              <a:defRPr sz="1400"/>
+            </a:lvl1pPr>
+            <a:lvl2pPr marL="457200" indent="0">
+              <a:buNone/>
+              <a:defRPr sz="1200"/>
+            </a:lvl2pPr>
+            <a:lvl3pPr marL="914400" indent="0">
+              <a:buNone/>
+              <a:defRPr sz="1000"/>
+            </a:lvl3pPr>
+            <a:lvl4pPr marL="1371600" indent="0">
+              <a:buNone/>
+              <a:defRPr sz="900"/>
+            </a:lvl4pPr>
+            <a:lvl5pPr marL="1828800" indent="0">
+              <a:buNone/>
+              <a:defRPr sz="900"/>
+            </a:lvl5pPr>
+            <a:lvl6pPr marL="2286000" indent="0">
+              <a:buNone/>
+              <a:defRPr sz="900"/>
+            </a:lvl6pPr>
+            <a:lvl7pPr marL="2743200" indent="0">
+              <a:buNone/>
+              <a:defRPr sz="900"/>
+            </a:lvl7pPr>
+            <a:lvl8pPr marL="3200400" indent="0">
+              <a:buNone/>
+              <a:defRPr sz="900"/>
+            </a:lvl8pPr>
+            <a:lvl9pPr marL="3657600" indent="0">
+              <a:buNone/>
+              <a:defRPr sz="900"/>
+            </a:lvl9pPr>
+          </a:lstStyle>
+          <a:p>
+            <a:pPr lvl="0"/>
+            <a:r>
+              <a:rPr lang="pt-PT"/>
+              <a:t>Clique para editar os estilos do texto de Modelo Global</a:t>
+            </a:r>
+          </a:p>
+        </p:txBody>
+      </p:sp>
+      <p:sp>
+        <p:nvSpPr>
+          <p:cNvPr id="25" name="Text Placeholder 4"/>
+          <p:cNvSpPr>
+            <a:spLocks noGrp="1"/>
+          </p:cNvSpPr>
+          <p:nvPr>
+            <p:ph type="body" sz="quarter" idx="13"/>
+          </p:nvPr>
+        </p:nvSpPr>
+        <p:spPr>
+          <a:xfrm>
+            <a:off x="7230678" y="4297503"/>
+            <a:ext cx="3063505" cy="576262"/>
+          </a:xfrm>
+        </p:spPr>
+        <p:txBody>
+          <a:bodyPr anchor="b">
+            <a:noAutofit/>
+          </a:bodyPr>
+          <a:lstStyle>
+            <a:lvl1pPr marL="0" indent="0">
+              <a:buNone/>
+              <a:defRPr sz="2400" b="0">
+                <a:solidFill>
+                  <a:schemeClr val="tx1"/>
+                </a:solidFill>
+              </a:defRPr>
+            </a:lvl1pPr>
+            <a:lvl2pPr marL="457200" indent="0">
+              <a:buNone/>
+              <a:defRPr sz="2000" b="1"/>
+            </a:lvl2pPr>
+            <a:lvl3pPr marL="914400" indent="0">
+              <a:buNone/>
+              <a:defRPr sz="1800" b="1"/>
+            </a:lvl3pPr>
+            <a:lvl4pPr marL="1371600" indent="0">
+              <a:buNone/>
+              <a:defRPr sz="1600" b="1"/>
+            </a:lvl4pPr>
+            <a:lvl5pPr marL="1828800" indent="0">
+              <a:buNone/>
+              <a:defRPr sz="1600" b="1"/>
+            </a:lvl5pPr>
+            <a:lvl6pPr marL="2286000" indent="0">
+              <a:buNone/>
+              <a:defRPr sz="1600" b="1"/>
+            </a:lvl6pPr>
+            <a:lvl7pPr marL="2743200" indent="0">
+              <a:buNone/>
+              <a:defRPr sz="1600" b="1"/>
+            </a:lvl7pPr>
+            <a:lvl8pPr marL="3200400" indent="0">
+              <a:buNone/>
+              <a:defRPr sz="1600" b="1"/>
+            </a:lvl8pPr>
+            <a:lvl9pPr marL="3657600" indent="0">
+              <a:buNone/>
+              <a:defRPr sz="1600" b="1"/>
+            </a:lvl9pPr>
+          </a:lstStyle>
+          <a:p>
+            <a:pPr lvl="0"/>
+            <a:r>
+              <a:rPr lang="pt-PT"/>
+              <a:t>Clique para editar os estilos do texto de Modelo Global</a:t>
+            </a:r>
+          </a:p>
+        </p:txBody>
+      </p:sp>
+      <p:sp>
+        <p:nvSpPr>
+          <p:cNvPr id="26" name="Picture Placeholder 2"/>
+          <p:cNvSpPr>
+            <a:spLocks noGrp="1" noChangeAspect="1"/>
+          </p:cNvSpPr>
+          <p:nvPr>
+            <p:ph type="pic" idx="22"/>
+          </p:nvPr>
+        </p:nvSpPr>
+        <p:spPr>
+          <a:xfrm>
+            <a:off x="7230677" y="2336873"/>
+            <a:ext cx="3063505" cy="1524000"/>
+          </a:xfrm>
+          <a:prstGeom prst="roundRect">
+            <a:avLst>
+              <a:gd name="adj" fmla="val 0"/>
+            </a:avLst>
+          </a:prstGeom>
+          <a:effectLst>
+            <a:outerShdw blurRad="50800" dist="50800" dir="5400000" algn="tl" rotWithShape="0">
+              <a:srgbClr val="000000">
+                <a:alpha val="43000"/>
+              </a:srgbClr>
+            </a:outerShdw>
+          </a:effectLst>
+        </p:spPr>
+        <p:txBody>
+          <a:bodyPr anchor="t">
+            <a:normAutofit/>
+          </a:bodyPr>
+          <a:lstStyle>
+            <a:lvl1pPr marL="0" indent="0" algn="ctr">
+              <a:buNone/>
+              <a:defRPr sz="1600"/>
+            </a:lvl1pPr>
+            <a:lvl2pPr marL="457200" indent="0">
+              <a:buNone/>
+              <a:defRPr sz="1600"/>
+            </a:lvl2pPr>
+            <a:lvl3pPr marL="914400" indent="0">
+              <a:buNone/>
+              <a:defRPr sz="1600"/>
+            </a:lvl3pPr>
+            <a:lvl4pPr marL="1371600" indent="0">
+              <a:buNone/>
+              <a:defRPr sz="1600"/>
+            </a:lvl4pPr>
+            <a:lvl5pPr marL="1828800" indent="0">
+              <a:buNone/>
+              <a:defRPr sz="1600"/>
+            </a:lvl5pPr>
+            <a:lvl6pPr marL="2286000" indent="0">
+              <a:buNone/>
+              <a:defRPr sz="1600"/>
+            </a:lvl6pPr>
+            <a:lvl7pPr marL="2743200" indent="0">
+              <a:buNone/>
+              <a:defRPr sz="1600"/>
+            </a:lvl7pPr>
+            <a:lvl8pPr marL="3200400" indent="0">
+              <a:buNone/>
+              <a:defRPr sz="1600"/>
+            </a:lvl8pPr>
+            <a:lvl9pPr marL="3657600" indent="0">
+              <a:buNone/>
+              <a:defRPr sz="1600"/>
+            </a:lvl9pPr>
+          </a:lstStyle>
+          <a:p>
+            <a:r>
+              <a:rPr lang="pt-PT"/>
+              <a:t>Clique no ícone para adicionar uma imagem</a:t>
+            </a:r>
+            <a:endParaRPr lang="en-US" dirty="0"/>
+          </a:p>
+        </p:txBody>
+      </p:sp>
+      <p:sp>
+        <p:nvSpPr>
+          <p:cNvPr id="27" name="Text Placeholder 3"/>
+          <p:cNvSpPr>
+            <a:spLocks noGrp="1"/>
+          </p:cNvSpPr>
+          <p:nvPr>
+            <p:ph type="body" sz="half" idx="20"/>
+          </p:nvPr>
+        </p:nvSpPr>
+        <p:spPr>
+          <a:xfrm>
+            <a:off x="7230553" y="4873762"/>
+            <a:ext cx="3067563" cy="1062422"/>
+          </a:xfrm>
+        </p:spPr>
+        <p:txBody>
+          <a:bodyPr anchor="t">
+            <a:normAutofit/>
+          </a:bodyPr>
+          <a:lstStyle>
+            <a:lvl1pPr marL="0" indent="0">
+              <a:buNone/>
+              <a:defRPr sz="1400"/>
+            </a:lvl1pPr>
+            <a:lvl2pPr marL="457200" indent="0">
+              <a:buNone/>
+              <a:defRPr sz="1200"/>
+            </a:lvl2pPr>
+            <a:lvl3pPr marL="914400" indent="0">
+              <a:buNone/>
+              <a:defRPr sz="1000"/>
+            </a:lvl3pPr>
+            <a:lvl4pPr marL="1371600" indent="0">
+              <a:buNone/>
+              <a:defRPr sz="900"/>
+            </a:lvl4pPr>
+            <a:lvl5pPr marL="1828800" indent="0">
+              <a:buNone/>
+              <a:defRPr sz="900"/>
+            </a:lvl5pPr>
+            <a:lvl6pPr marL="2286000" indent="0">
+              <a:buNone/>
+              <a:defRPr sz="900"/>
+            </a:lvl6pPr>
+            <a:lvl7pPr marL="2743200" indent="0">
+              <a:buNone/>
+              <a:defRPr sz="900"/>
+            </a:lvl7pPr>
+            <a:lvl8pPr marL="3200400" indent="0">
+              <a:buNone/>
+              <a:defRPr sz="900"/>
+            </a:lvl8pPr>
+            <a:lvl9pPr marL="3657600" indent="0">
+              <a:buNone/>
+              <a:defRPr sz="900"/>
+            </a:lvl9pPr>
+          </a:lstStyle>
+          <a:p>
+            <a:pPr lvl="0"/>
+            <a:r>
+              <a:rPr lang="pt-PT"/>
+              <a:t>Clique para editar os estilos do texto de Modelo Global</a:t>
+            </a:r>
+          </a:p>
+        </p:txBody>
+      </p:sp>
+      <p:sp>
+        <p:nvSpPr>
+          <p:cNvPr id="3" name="Date Placeholder 2"/>
+          <p:cNvSpPr>
+            <a:spLocks noGrp="1"/>
+          </p:cNvSpPr>
+          <p:nvPr>
+            <p:ph type="dt" sz="half" idx="10"/>
+          </p:nvPr>
+        </p:nvSpPr>
+        <p:spPr/>
+        <p:txBody>
+          <a:bodyPr/>
+          <a:lstStyle/>
+          <a:p>
+            <a:fld id="{7A38212A-5FB1-9E48-9DEB-EF9EE269AE75}" type="datetimeFigureOut">
+              <a:rPr lang="pt-PT" smtClean="0"/>
+              <a:t>06/04/24</a:t>
+            </a:fld>
+            <a:endParaRPr lang="pt-PT"/>
+          </a:p>
+        </p:txBody>
+      </p:sp>
+      <p:sp>
+        <p:nvSpPr>
+          <p:cNvPr id="4" name="Footer Placeholder 3"/>
+          <p:cNvSpPr>
+            <a:spLocks noGrp="1"/>
+          </p:cNvSpPr>
+          <p:nvPr>
+            <p:ph type="ftr" sz="quarter" idx="11"/>
+          </p:nvPr>
+        </p:nvSpPr>
+        <p:spPr/>
+        <p:txBody>
+          <a:bodyPr/>
+          <a:lstStyle/>
+          <a:p>
+            <a:endParaRPr lang="pt-PT"/>
+          </a:p>
+        </p:txBody>
+      </p:sp>
+      <p:sp>
+        <p:nvSpPr>
+          <p:cNvPr id="5" name="Slide Number Placeholder 4"/>
+          <p:cNvSpPr>
+            <a:spLocks noGrp="1"/>
+          </p:cNvSpPr>
+          <p:nvPr>
+            <p:ph type="sldNum" sz="quarter" idx="12"/>
+          </p:nvPr>
+        </p:nvSpPr>
+        <p:spPr/>
+        <p:txBody>
+          <a:bodyPr/>
+          <a:lstStyle/>
+          <a:p>
+            <a:fld id="{174AE45C-6779-2046-ADF7-CF4DABAA59FA}" type="slidenum">
+              <a:rPr lang="pt-PT" smtClean="0"/>
+              <a:t>‹nº›</a:t>
+            </a:fld>
+            <a:endParaRPr lang="pt-PT"/>
+          </a:p>
+        </p:txBody>
+      </p:sp>
+    </p:spTree>
+    <p:extLst>
+      <p:ext uri="{BB962C8B-B14F-4D97-AF65-F5344CB8AC3E}">
+        <p14:creationId xmlns:p14="http://schemas.microsoft.com/office/powerpoint/2010/main" val="277980882"/>
+      </p:ext>
+    </p:extLst>
+  </p:cSld>
+  <p:clrMapOvr>
+    <a:masterClrMapping/>
+  </p:clrMapOvr>
+</p:sldLayout>
+</file>
+
+<file path=ppt/slideLayouts/slideLayout16.xml><?xml version="1.0" encoding="utf-8"?>
 <p:sldLayout xmlns:a="http://schemas.openxmlformats.org/drawingml/2006/main" xmlns:r="http://schemas.openxmlformats.org/officeDocument/2006/relationships" xmlns:p="http://schemas.openxmlformats.org/presentationml/2006/main" type="vertTx" preserve="1">
   <p:cSld name="Título e Texto Vertical">
     <p:spTree>
@@ -349,20 +3788,232 @@
           <a:chExt cx="0" cy="0"/>
         </a:xfrm>
       </p:grpSpPr>
-      <p:sp>
-        <p:nvSpPr>
-          <p:cNvPr id="2" name="Título 1">
+      <p:pic>
+        <p:nvPicPr>
+          <p:cNvPr id="7" name="Picture 6" descr="HD-ShadowLong.png"/>
+          <p:cNvPicPr>
+            <a:picLocks noChangeAspect="1"/>
+          </p:cNvPicPr>
+          <p:nvPr/>
+        </p:nvPicPr>
+        <p:blipFill>
+          <a:blip r:embed="rId2">
             <a:extLst>
-              <a:ext uri="{FF2B5EF4-FFF2-40B4-BE49-F238E27FC236}">
-                <a16:creationId xmlns:a16="http://schemas.microsoft.com/office/drawing/2014/main" id="{067231CC-091B-F1FE-3252-C118A13FE5E0}"/>
+              <a:ext uri="{28A0092B-C50C-407E-A947-70E740481C1C}">
+                <a14:useLocalDpi xmlns:a14="http://schemas.microsoft.com/office/drawing/2010/main" val="0"/>
               </a:ext>
             </a:extLst>
-          </p:cNvPr>
+          </a:blip>
+          <a:stretch>
+            <a:fillRect/>
+          </a:stretch>
+        </p:blipFill>
+        <p:spPr>
+          <a:xfrm>
+            <a:off x="1" y="1970240"/>
+            <a:ext cx="10437812" cy="321164"/>
+          </a:xfrm>
+          <a:prstGeom prst="rect">
+            <a:avLst/>
+          </a:prstGeom>
+        </p:spPr>
+      </p:pic>
+      <p:pic>
+        <p:nvPicPr>
+          <p:cNvPr id="8" name="Picture 7" descr="HD-ShadowShort.png"/>
+          <p:cNvPicPr>
+            <a:picLocks noChangeAspect="1"/>
+          </p:cNvPicPr>
+          <p:nvPr/>
+        </p:nvPicPr>
+        <p:blipFill>
+          <a:blip r:embed="rId3">
+            <a:extLst>
+              <a:ext uri="{28A0092B-C50C-407E-A947-70E740481C1C}">
+                <a14:useLocalDpi xmlns:a14="http://schemas.microsoft.com/office/drawing/2010/main" val="0"/>
+              </a:ext>
+            </a:extLst>
+          </a:blip>
+          <a:stretch>
+            <a:fillRect/>
+          </a:stretch>
+        </p:blipFill>
+        <p:spPr>
+          <a:xfrm>
+            <a:off x="10585826" y="1971234"/>
+            <a:ext cx="1602997" cy="144270"/>
+          </a:xfrm>
+          <a:prstGeom prst="rect">
+            <a:avLst/>
+          </a:prstGeom>
+        </p:spPr>
+      </p:pic>
+      <p:sp>
+        <p:nvSpPr>
+          <p:cNvPr id="9" name="Rectangle 8"/>
+          <p:cNvSpPr/>
+          <p:nvPr/>
+        </p:nvSpPr>
+        <p:spPr bwMode="ltGray">
+          <a:xfrm>
+            <a:off x="0" y="609600"/>
+            <a:ext cx="10437812" cy="1368198"/>
+          </a:xfrm>
+          <a:prstGeom prst="rect">
+            <a:avLst/>
+          </a:prstGeom>
+          <a:solidFill>
+            <a:schemeClr val="bg1">
+              <a:lumMod val="85000"/>
+              <a:lumOff val="15000"/>
+            </a:schemeClr>
+          </a:solidFill>
+          <a:ln>
+            <a:noFill/>
+          </a:ln>
+        </p:spPr>
+        <p:style>
+          <a:lnRef idx="2">
+            <a:schemeClr val="accent1">
+              <a:shade val="50000"/>
+            </a:schemeClr>
+          </a:lnRef>
+          <a:fillRef idx="1">
+            <a:schemeClr val="accent1"/>
+          </a:fillRef>
+          <a:effectRef idx="0">
+            <a:schemeClr val="accent1"/>
+          </a:effectRef>
+          <a:fontRef idx="minor">
+            <a:schemeClr val="lt1"/>
+          </a:fontRef>
+        </p:style>
+      </p:sp>
+      <p:sp>
+        <p:nvSpPr>
+          <p:cNvPr id="10" name="Rectangle 9"/>
+          <p:cNvSpPr/>
+          <p:nvPr/>
+        </p:nvSpPr>
+        <p:spPr>
+          <a:xfrm>
+            <a:off x="10585827" y="609600"/>
+            <a:ext cx="1602997" cy="1368198"/>
+          </a:xfrm>
+          <a:prstGeom prst="rect">
+            <a:avLst/>
+          </a:prstGeom>
+          <a:solidFill>
+            <a:schemeClr val="accent1"/>
+          </a:solidFill>
+          <a:ln>
+            <a:noFill/>
+          </a:ln>
+        </p:spPr>
+        <p:style>
+          <a:lnRef idx="2">
+            <a:schemeClr val="accent1">
+              <a:shade val="50000"/>
+            </a:schemeClr>
+          </a:lnRef>
+          <a:fillRef idx="1">
+            <a:schemeClr val="accent1"/>
+          </a:fillRef>
+          <a:effectRef idx="0">
+            <a:schemeClr val="accent1"/>
+          </a:effectRef>
+          <a:fontRef idx="minor">
+            <a:schemeClr val="lt1"/>
+          </a:fontRef>
+        </p:style>
+      </p:sp>
+      <p:sp>
+        <p:nvSpPr>
+          <p:cNvPr id="2" name="Title 1"/>
           <p:cNvSpPr>
             <a:spLocks noGrp="1"/>
           </p:cNvSpPr>
           <p:nvPr>
             <p:ph type="title"/>
+          </p:nvPr>
+        </p:nvSpPr>
+        <p:spPr/>
+        <p:txBody>
+          <a:bodyPr/>
+          <a:lstStyle>
+            <a:lvl1pPr algn="r">
+              <a:defRPr/>
+            </a:lvl1pPr>
+          </a:lstStyle>
+          <a:p>
+            <a:r>
+              <a:rPr lang="pt-PT"/>
+              <a:t>Clique para editar o estilo de título do Modelo Global</a:t>
+            </a:r>
+            <a:endParaRPr lang="en-US" dirty="0"/>
+          </a:p>
+        </p:txBody>
+      </p:sp>
+      <p:sp>
+        <p:nvSpPr>
+          <p:cNvPr id="3" name="Vertical Text Placeholder 2"/>
+          <p:cNvSpPr>
+            <a:spLocks noGrp="1"/>
+          </p:cNvSpPr>
+          <p:nvPr>
+            <p:ph type="body" orient="vert" idx="1"/>
+          </p:nvPr>
+        </p:nvSpPr>
+        <p:spPr/>
+        <p:txBody>
+          <a:bodyPr vert="eaVert"/>
+          <a:lstStyle/>
+          <a:p>
+            <a:pPr lvl="0"/>
+            <a:r>
+              <a:rPr lang="pt-PT"/>
+              <a:t>Clique para editar os estilos do texto de Modelo Global</a:t>
+            </a:r>
+          </a:p>
+          <a:p>
+            <a:pPr lvl="1"/>
+            <a:r>
+              <a:rPr lang="pt-PT"/>
+              <a:t>Segundo nível</a:t>
+            </a:r>
+          </a:p>
+          <a:p>
+            <a:pPr lvl="2"/>
+            <a:r>
+              <a:rPr lang="pt-PT"/>
+              <a:t>Terceiro nível</a:t>
+            </a:r>
+          </a:p>
+          <a:p>
+            <a:pPr lvl="3"/>
+            <a:r>
+              <a:rPr lang="pt-PT"/>
+              <a:t>Quarto nível</a:t>
+            </a:r>
+          </a:p>
+          <a:p>
+            <a:pPr lvl="4"/>
+            <a:r>
+              <a:rPr lang="pt-PT"/>
+              <a:t>Quinto nível</a:t>
+            </a:r>
+            <a:endParaRPr lang="en-US" dirty="0"/>
+          </a:p>
+        </p:txBody>
+      </p:sp>
+      <p:sp>
+        <p:nvSpPr>
+          <p:cNvPr id="4" name="Date Placeholder 3"/>
+          <p:cNvSpPr>
+            <a:spLocks noGrp="1"/>
+          </p:cNvSpPr>
+          <p:nvPr>
+            <p:ph type="dt" sz="half" idx="10"/>
           </p:nvPr>
         </p:nvSpPr>
         <p:spPr/>
@@ -370,84 +4021,22 @@
           <a:bodyPr/>
           <a:lstStyle/>
           <a:p>
-            <a:r>
-              <a:rPr lang="pt-PT"/>
-              <a:t>Clique para editar o estilo de título do Modelo Global</a:t>
-            </a:r>
-          </a:p>
-        </p:txBody>
-      </p:sp>
-      <p:sp>
-        <p:nvSpPr>
-          <p:cNvPr id="3" name="Marcador de Posição de Texto Vertical 2">
-            <a:extLst>
-              <a:ext uri="{FF2B5EF4-FFF2-40B4-BE49-F238E27FC236}">
-                <a16:creationId xmlns:a16="http://schemas.microsoft.com/office/drawing/2014/main" id="{3B5FB5C3-580C-B714-EAAA-259660404CC0}"/>
-              </a:ext>
-            </a:extLst>
-          </p:cNvPr>
-          <p:cNvSpPr>
-            <a:spLocks noGrp="1"/>
-          </p:cNvSpPr>
-          <p:nvPr>
-            <p:ph type="body" orient="vert" idx="1"/>
-          </p:nvPr>
-        </p:nvSpPr>
-        <p:spPr/>
-        <p:txBody>
-          <a:bodyPr vert="eaVert"/>
-          <a:lstStyle/>
-          <a:p>
-            <a:pPr lvl="0"/>
-            <a:r>
-              <a:rPr lang="pt-PT"/>
-              <a:t>Clique para editar os estilos do texto de Modelo Global</a:t>
-            </a:r>
-          </a:p>
-          <a:p>
-            <a:pPr lvl="1"/>
-            <a:r>
-              <a:rPr lang="pt-PT"/>
-              <a:t>Segundo nível</a:t>
-            </a:r>
-          </a:p>
-          <a:p>
-            <a:pPr lvl="2"/>
-            <a:r>
-              <a:rPr lang="pt-PT"/>
-              <a:t>Terceiro nível</a:t>
-            </a:r>
-          </a:p>
-          <a:p>
-            <a:pPr lvl="3"/>
-            <a:r>
-              <a:rPr lang="pt-PT"/>
-              <a:t>Quarto nível</a:t>
-            </a:r>
-          </a:p>
-          <a:p>
-            <a:pPr lvl="4"/>
-            <a:r>
-              <a:rPr lang="pt-PT"/>
-              <a:t>Quinto nível</a:t>
-            </a:r>
-          </a:p>
-        </p:txBody>
-      </p:sp>
-      <p:sp>
-        <p:nvSpPr>
-          <p:cNvPr id="4" name="Marcador de Posição da Data 3">
-            <a:extLst>
-              <a:ext uri="{FF2B5EF4-FFF2-40B4-BE49-F238E27FC236}">
-                <a16:creationId xmlns:a16="http://schemas.microsoft.com/office/drawing/2014/main" id="{88169B0E-79FD-15DD-5DE1-04AAB597767C}"/>
-              </a:ext>
-            </a:extLst>
-          </p:cNvPr>
-          <p:cNvSpPr>
-            <a:spLocks noGrp="1"/>
-          </p:cNvSpPr>
-          <p:nvPr>
-            <p:ph type="dt" sz="half" idx="10"/>
+            <a:fld id="{7A38212A-5FB1-9E48-9DEB-EF9EE269AE75}" type="datetimeFigureOut">
+              <a:rPr lang="pt-PT" smtClean="0"/>
+              <a:t>06/04/24</a:t>
+            </a:fld>
+            <a:endParaRPr lang="pt-PT"/>
+          </a:p>
+        </p:txBody>
+      </p:sp>
+      <p:sp>
+        <p:nvSpPr>
+          <p:cNvPr id="5" name="Footer Placeholder 4"/>
+          <p:cNvSpPr>
+            <a:spLocks noGrp="1"/>
+          </p:cNvSpPr>
+          <p:nvPr>
+            <p:ph type="ftr" sz="quarter" idx="11"/>
           </p:nvPr>
         </p:nvSpPr>
         <p:spPr/>
@@ -455,48 +4044,13 @@
           <a:bodyPr/>
           <a:lstStyle/>
           <a:p>
-            <a:fld id="{7A38212A-5FB1-9E48-9DEB-EF9EE269AE75}" type="datetimeFigureOut">
-              <a:rPr lang="pt-PT" smtClean="0"/>
-              <a:t>04/04/24</a:t>
-            </a:fld>
             <a:endParaRPr lang="pt-PT"/>
           </a:p>
         </p:txBody>
       </p:sp>
       <p:sp>
         <p:nvSpPr>
-          <p:cNvPr id="5" name="Marcador de Posição do Rodapé 4">
-            <a:extLst>
-              <a:ext uri="{FF2B5EF4-FFF2-40B4-BE49-F238E27FC236}">
-                <a16:creationId xmlns:a16="http://schemas.microsoft.com/office/drawing/2014/main" id="{8F4ED39A-A333-9B92-487D-A50920BCB03E}"/>
-              </a:ext>
-            </a:extLst>
-          </p:cNvPr>
-          <p:cNvSpPr>
-            <a:spLocks noGrp="1"/>
-          </p:cNvSpPr>
-          <p:nvPr>
-            <p:ph type="ftr" sz="quarter" idx="11"/>
-          </p:nvPr>
-        </p:nvSpPr>
-        <p:spPr/>
-        <p:txBody>
-          <a:bodyPr/>
-          <a:lstStyle/>
-          <a:p>
-            <a:endParaRPr lang="pt-PT"/>
-          </a:p>
-        </p:txBody>
-      </p:sp>
-      <p:sp>
-        <p:nvSpPr>
-          <p:cNvPr id="6" name="Marcador de Posição do Número do Diapositivo 5">
-            <a:extLst>
-              <a:ext uri="{FF2B5EF4-FFF2-40B4-BE49-F238E27FC236}">
-                <a16:creationId xmlns:a16="http://schemas.microsoft.com/office/drawing/2014/main" id="{946D3E78-3D93-72A1-5102-603BCD2AC70C}"/>
-              </a:ext>
-            </a:extLst>
-          </p:cNvPr>
+          <p:cNvPr id="6" name="Slide Number Placeholder 5"/>
           <p:cNvSpPr>
             <a:spLocks noGrp="1"/>
           </p:cNvSpPr>
@@ -520,7 +4074,7 @@
     </p:spTree>
     <p:extLst>
       <p:ext uri="{BB962C8B-B14F-4D97-AF65-F5344CB8AC3E}">
-        <p14:creationId xmlns:p14="http://schemas.microsoft.com/office/powerpoint/2010/main" val="1808758002"/>
+        <p14:creationId xmlns:p14="http://schemas.microsoft.com/office/powerpoint/2010/main" val="2954281781"/>
       </p:ext>
     </p:extLst>
   </p:cSld>
@@ -530,7 +4084,7 @@
 </p:sldLayout>
 </file>
 
-<file path=ppt/slideLayouts/slideLayout11.xml><?xml version="1.0" encoding="utf-8"?>
+<file path=ppt/slideLayouts/slideLayout17.xml><?xml version="1.0" encoding="utf-8"?>
 <p:sldLayout xmlns:a="http://schemas.openxmlformats.org/drawingml/2006/main" xmlns:r="http://schemas.openxmlformats.org/officeDocument/2006/relationships" xmlns:p="http://schemas.openxmlformats.org/presentationml/2006/main" type="vertTitleAndTx" preserve="1">
   <p:cSld name="Título Vertical e Texto">
     <p:spTree>
@@ -549,13 +4103,86 @@
       </p:grpSpPr>
       <p:sp>
         <p:nvSpPr>
-          <p:cNvPr id="2" name="Título Vertical 1">
-            <a:extLst>
-              <a:ext uri="{FF2B5EF4-FFF2-40B4-BE49-F238E27FC236}">
-                <a16:creationId xmlns:a16="http://schemas.microsoft.com/office/drawing/2014/main" id="{F3997109-025D-941F-6D4B-6A36A5F762AA}"/>
-              </a:ext>
-            </a:extLst>
-          </p:cNvPr>
+          <p:cNvPr id="7" name="Rectangle 6"/>
+          <p:cNvSpPr/>
+          <p:nvPr/>
+        </p:nvSpPr>
+        <p:spPr bwMode="ltGray">
+          <a:xfrm rot="5400000">
+            <a:off x="8116207" y="1869395"/>
+            <a:ext cx="5106988" cy="1368198"/>
+          </a:xfrm>
+          <a:prstGeom prst="rect">
+            <a:avLst/>
+          </a:prstGeom>
+          <a:solidFill>
+            <a:schemeClr val="bg1">
+              <a:lumMod val="85000"/>
+              <a:lumOff val="15000"/>
+            </a:schemeClr>
+          </a:solidFill>
+          <a:ln>
+            <a:noFill/>
+          </a:ln>
+        </p:spPr>
+        <p:style>
+          <a:lnRef idx="2">
+            <a:schemeClr val="accent1">
+              <a:shade val="50000"/>
+            </a:schemeClr>
+          </a:lnRef>
+          <a:fillRef idx="1">
+            <a:schemeClr val="accent1"/>
+          </a:fillRef>
+          <a:effectRef idx="0">
+            <a:schemeClr val="accent1"/>
+          </a:effectRef>
+          <a:fontRef idx="minor">
+            <a:schemeClr val="lt1"/>
+          </a:fontRef>
+        </p:style>
+      </p:sp>
+      <p:sp>
+        <p:nvSpPr>
+          <p:cNvPr id="8" name="Rectangle 7"/>
+          <p:cNvSpPr/>
+          <p:nvPr/>
+        </p:nvSpPr>
+        <p:spPr>
+          <a:xfrm rot="5400000">
+            <a:off x="9868202" y="5372403"/>
+            <a:ext cx="1602997" cy="1368198"/>
+          </a:xfrm>
+          <a:prstGeom prst="rect">
+            <a:avLst/>
+          </a:prstGeom>
+          <a:solidFill>
+            <a:schemeClr val="accent1"/>
+          </a:solidFill>
+          <a:ln>
+            <a:noFill/>
+          </a:ln>
+        </p:spPr>
+        <p:style>
+          <a:lnRef idx="2">
+            <a:schemeClr val="accent1">
+              <a:shade val="50000"/>
+            </a:schemeClr>
+          </a:lnRef>
+          <a:fillRef idx="1">
+            <a:schemeClr val="accent1"/>
+          </a:fillRef>
+          <a:effectRef idx="0">
+            <a:schemeClr val="accent1"/>
+          </a:effectRef>
+          <a:fontRef idx="minor">
+            <a:schemeClr val="lt1"/>
+          </a:fontRef>
+        </p:style>
+      </p:sp>
+      <p:sp>
+        <p:nvSpPr>
+          <p:cNvPr id="2" name="Vertical Title 1"/>
           <p:cNvSpPr>
             <a:spLocks noGrp="1"/>
           </p:cNvSpPr>
@@ -565,8 +4192,8 @@
         </p:nvSpPr>
         <p:spPr>
           <a:xfrm>
-            <a:off x="8724900" y="365125"/>
-            <a:ext cx="2628900" cy="5811838"/>
+            <a:off x="10129231" y="609597"/>
+            <a:ext cx="1073802" cy="4353760"/>
           </a:xfrm>
         </p:spPr>
         <p:txBody>
@@ -577,18 +4204,13 @@
               <a:rPr lang="pt-PT"/>
               <a:t>Clique para editar o estilo de título do Modelo Global</a:t>
             </a:r>
-          </a:p>
-        </p:txBody>
-      </p:sp>
-      <p:sp>
-        <p:nvSpPr>
-          <p:cNvPr id="3" name="Marcador de Posição de Texto Vertical 2">
-            <a:extLst>
-              <a:ext uri="{FF2B5EF4-FFF2-40B4-BE49-F238E27FC236}">
-                <a16:creationId xmlns:a16="http://schemas.microsoft.com/office/drawing/2014/main" id="{90ACFBD8-3749-425A-3E0C-57D5F8E439F0}"/>
-              </a:ext>
-            </a:extLst>
-          </p:cNvPr>
+            <a:endParaRPr lang="en-US" dirty="0"/>
+          </a:p>
+        </p:txBody>
+      </p:sp>
+      <p:sp>
+        <p:nvSpPr>
+          <p:cNvPr id="3" name="Vertical Text Placeholder 2"/>
           <p:cNvSpPr>
             <a:spLocks noGrp="1"/>
           </p:cNvSpPr>
@@ -598,8 +4220,8 @@
         </p:nvSpPr>
         <p:spPr>
           <a:xfrm>
-            <a:off x="838200" y="365125"/>
-            <a:ext cx="7734300" cy="5811838"/>
+            <a:off x="680322" y="609597"/>
+            <a:ext cx="8870004" cy="5326589"/>
           </a:xfrm>
         </p:spPr>
         <p:txBody>
@@ -639,18 +4261,13 @@
               <a:rPr lang="pt-PT"/>
               <a:t>Quinto nível</a:t>
             </a:r>
-          </a:p>
-        </p:txBody>
-      </p:sp>
-      <p:sp>
-        <p:nvSpPr>
-          <p:cNvPr id="4" name="Marcador de Posição da Data 3">
-            <a:extLst>
-              <a:ext uri="{FF2B5EF4-FFF2-40B4-BE49-F238E27FC236}">
-                <a16:creationId xmlns:a16="http://schemas.microsoft.com/office/drawing/2014/main" id="{558AFB5C-A8B5-995F-D11F-87BEB9E12D42}"/>
-              </a:ext>
-            </a:extLst>
-          </p:cNvPr>
+            <a:endParaRPr lang="en-US" dirty="0"/>
+          </a:p>
+        </p:txBody>
+      </p:sp>
+      <p:sp>
+        <p:nvSpPr>
+          <p:cNvPr id="4" name="Date Placeholder 3"/>
           <p:cNvSpPr>
             <a:spLocks noGrp="1"/>
           </p:cNvSpPr>
@@ -658,14 +4275,19 @@
             <p:ph type="dt" sz="half" idx="10"/>
           </p:nvPr>
         </p:nvSpPr>
-        <p:spPr/>
+        <p:spPr>
+          <a:xfrm>
+            <a:off x="6807126" y="5936187"/>
+            <a:ext cx="2743200" cy="365125"/>
+          </a:xfrm>
+        </p:spPr>
         <p:txBody>
           <a:bodyPr/>
           <a:lstStyle/>
           <a:p>
             <a:fld id="{7A38212A-5FB1-9E48-9DEB-EF9EE269AE75}" type="datetimeFigureOut">
               <a:rPr lang="pt-PT" smtClean="0"/>
-              <a:t>04/04/24</a:t>
+              <a:t>06/04/24</a:t>
             </a:fld>
             <a:endParaRPr lang="pt-PT"/>
           </a:p>
@@ -673,13 +4295,7 @@
       </p:sp>
       <p:sp>
         <p:nvSpPr>
-          <p:cNvPr id="5" name="Marcador de Posição do Rodapé 4">
-            <a:extLst>
-              <a:ext uri="{FF2B5EF4-FFF2-40B4-BE49-F238E27FC236}">
-                <a16:creationId xmlns:a16="http://schemas.microsoft.com/office/drawing/2014/main" id="{602F5BA6-A6DC-D328-64C0-74CC8861207E}"/>
-              </a:ext>
-            </a:extLst>
-          </p:cNvPr>
+          <p:cNvPr id="5" name="Footer Placeholder 4"/>
           <p:cNvSpPr>
             <a:spLocks noGrp="1"/>
           </p:cNvSpPr>
@@ -687,7 +4303,12 @@
             <p:ph type="ftr" sz="quarter" idx="11"/>
           </p:nvPr>
         </p:nvSpPr>
-        <p:spPr/>
+        <p:spPr>
+          <a:xfrm>
+            <a:off x="680321" y="5936188"/>
+            <a:ext cx="6126805" cy="365125"/>
+          </a:xfrm>
+        </p:spPr>
         <p:txBody>
           <a:bodyPr/>
           <a:lstStyle/>
@@ -698,13 +4319,7 @@
       </p:sp>
       <p:sp>
         <p:nvSpPr>
-          <p:cNvPr id="6" name="Marcador de Posição do Número do Diapositivo 5">
-            <a:extLst>
-              <a:ext uri="{FF2B5EF4-FFF2-40B4-BE49-F238E27FC236}">
-                <a16:creationId xmlns:a16="http://schemas.microsoft.com/office/drawing/2014/main" id="{7009BC96-3D05-5AA4-6720-ABE1F6D4486F}"/>
-              </a:ext>
-            </a:extLst>
-          </p:cNvPr>
+          <p:cNvPr id="6" name="Slide Number Placeholder 5"/>
           <p:cNvSpPr>
             <a:spLocks noGrp="1"/>
           </p:cNvSpPr>
@@ -712,10 +4327,19 @@
             <p:ph type="sldNum" sz="quarter" idx="12"/>
           </p:nvPr>
         </p:nvSpPr>
-        <p:spPr/>
-        <p:txBody>
-          <a:bodyPr/>
-          <a:lstStyle/>
+        <p:spPr>
+          <a:xfrm>
+            <a:off x="10097550" y="5398633"/>
+            <a:ext cx="1154151" cy="1090789"/>
+          </a:xfrm>
+        </p:spPr>
+        <p:txBody>
+          <a:bodyPr anchor="t"/>
+          <a:lstStyle>
+            <a:lvl1pPr algn="ctr">
+              <a:defRPr/>
+            </a:lvl1pPr>
+          </a:lstStyle>
           <a:p>
             <a:fld id="{174AE45C-6779-2046-ADF7-CF4DABAA59FA}" type="slidenum">
               <a:rPr lang="pt-PT" smtClean="0"/>
@@ -728,7 +4352,7 @@
     </p:spTree>
     <p:extLst>
       <p:ext uri="{BB962C8B-B14F-4D97-AF65-F5344CB8AC3E}">
-        <p14:creationId xmlns:p14="http://schemas.microsoft.com/office/powerpoint/2010/main" val="1955627874"/>
+        <p14:creationId xmlns:p14="http://schemas.microsoft.com/office/powerpoint/2010/main" val="734306989"/>
       </p:ext>
     </p:extLst>
   </p:cSld>
@@ -755,15 +4379,148 @@
           <a:chExt cx="0" cy="0"/>
         </a:xfrm>
       </p:grpSpPr>
-      <p:sp>
-        <p:nvSpPr>
-          <p:cNvPr id="2" name="Título 1">
+      <p:pic>
+        <p:nvPicPr>
+          <p:cNvPr id="15" name="Picture 14" descr="HD-ShadowLong.png"/>
+          <p:cNvPicPr>
+            <a:picLocks noChangeAspect="1"/>
+          </p:cNvPicPr>
+          <p:nvPr/>
+        </p:nvPicPr>
+        <p:blipFill>
+          <a:blip r:embed="rId2">
             <a:extLst>
-              <a:ext uri="{FF2B5EF4-FFF2-40B4-BE49-F238E27FC236}">
-                <a16:creationId xmlns:a16="http://schemas.microsoft.com/office/drawing/2014/main" id="{B06D81BB-F22D-DCB9-9ABC-D68BEC5EFCF1}"/>
+              <a:ext uri="{28A0092B-C50C-407E-A947-70E740481C1C}">
+                <a14:useLocalDpi xmlns:a14="http://schemas.microsoft.com/office/drawing/2010/main" val="0"/>
               </a:ext>
             </a:extLst>
-          </p:cNvPr>
+          </a:blip>
+          <a:stretch>
+            <a:fillRect/>
+          </a:stretch>
+        </p:blipFill>
+        <p:spPr>
+          <a:xfrm>
+            <a:off x="1" y="1970240"/>
+            <a:ext cx="10437812" cy="321164"/>
+          </a:xfrm>
+          <a:prstGeom prst="rect">
+            <a:avLst/>
+          </a:prstGeom>
+        </p:spPr>
+      </p:pic>
+      <p:pic>
+        <p:nvPicPr>
+          <p:cNvPr id="16" name="Picture 15" descr="HD-ShadowShort.png"/>
+          <p:cNvPicPr>
+            <a:picLocks noChangeAspect="1"/>
+          </p:cNvPicPr>
+          <p:nvPr/>
+        </p:nvPicPr>
+        <p:blipFill>
+          <a:blip r:embed="rId3">
+            <a:extLst>
+              <a:ext uri="{28A0092B-C50C-407E-A947-70E740481C1C}">
+                <a14:useLocalDpi xmlns:a14="http://schemas.microsoft.com/office/drawing/2010/main" val="0"/>
+              </a:ext>
+            </a:extLst>
+          </a:blip>
+          <a:stretch>
+            <a:fillRect/>
+          </a:stretch>
+        </p:blipFill>
+        <p:spPr>
+          <a:xfrm>
+            <a:off x="10585826" y="1971234"/>
+            <a:ext cx="1602997" cy="144270"/>
+          </a:xfrm>
+          <a:prstGeom prst="rect">
+            <a:avLst/>
+          </a:prstGeom>
+        </p:spPr>
+      </p:pic>
+      <p:sp>
+        <p:nvSpPr>
+          <p:cNvPr id="17" name="Rectangle 16"/>
+          <p:cNvSpPr/>
+          <p:nvPr/>
+        </p:nvSpPr>
+        <p:spPr bwMode="ltGray">
+          <a:xfrm>
+            <a:off x="0" y="609600"/>
+            <a:ext cx="10437812" cy="1368198"/>
+          </a:xfrm>
+          <a:prstGeom prst="rect">
+            <a:avLst/>
+          </a:prstGeom>
+          <a:solidFill>
+            <a:schemeClr val="bg1">
+              <a:lumMod val="85000"/>
+              <a:lumOff val="15000"/>
+            </a:schemeClr>
+          </a:solidFill>
+          <a:ln>
+            <a:noFill/>
+          </a:ln>
+        </p:spPr>
+        <p:style>
+          <a:lnRef idx="2">
+            <a:schemeClr val="accent1">
+              <a:shade val="50000"/>
+            </a:schemeClr>
+          </a:lnRef>
+          <a:fillRef idx="1">
+            <a:schemeClr val="accent1"/>
+          </a:fillRef>
+          <a:effectRef idx="0">
+            <a:schemeClr val="accent1"/>
+          </a:effectRef>
+          <a:fontRef idx="minor">
+            <a:schemeClr val="lt1"/>
+          </a:fontRef>
+        </p:style>
+      </p:sp>
+      <p:sp>
+        <p:nvSpPr>
+          <p:cNvPr id="18" name="Rectangle 17"/>
+          <p:cNvSpPr/>
+          <p:nvPr/>
+        </p:nvSpPr>
+        <p:spPr>
+          <a:xfrm>
+            <a:off x="10585827" y="609600"/>
+            <a:ext cx="1602997" cy="1368198"/>
+          </a:xfrm>
+          <a:prstGeom prst="rect">
+            <a:avLst/>
+          </a:prstGeom>
+          <a:solidFill>
+            <a:schemeClr val="accent1"/>
+          </a:solidFill>
+          <a:ln>
+            <a:noFill/>
+          </a:ln>
+        </p:spPr>
+        <p:style>
+          <a:lnRef idx="2">
+            <a:schemeClr val="accent1">
+              <a:shade val="50000"/>
+            </a:schemeClr>
+          </a:lnRef>
+          <a:fillRef idx="1">
+            <a:schemeClr val="accent1"/>
+          </a:fillRef>
+          <a:effectRef idx="0">
+            <a:schemeClr val="accent1"/>
+          </a:effectRef>
+          <a:fontRef idx="minor">
+            <a:schemeClr val="lt1"/>
+          </a:fontRef>
+        </p:style>
+      </p:sp>
+      <p:sp>
+        <p:nvSpPr>
+          <p:cNvPr id="2" name="Title 1"/>
           <p:cNvSpPr>
             <a:spLocks noGrp="1"/>
           </p:cNvSpPr>
@@ -780,18 +4537,13 @@
               <a:rPr lang="pt-PT"/>
               <a:t>Clique para editar o estilo de título do Modelo Global</a:t>
             </a:r>
-          </a:p>
-        </p:txBody>
-      </p:sp>
-      <p:sp>
-        <p:nvSpPr>
-          <p:cNvPr id="3" name="Marcador de Posição de Conteúdo 2">
-            <a:extLst>
-              <a:ext uri="{FF2B5EF4-FFF2-40B4-BE49-F238E27FC236}">
-                <a16:creationId xmlns:a16="http://schemas.microsoft.com/office/drawing/2014/main" id="{5CF6570D-C49C-A015-EB72-21D05223D6AC}"/>
-              </a:ext>
-            </a:extLst>
-          </p:cNvPr>
+            <a:endParaRPr lang="en-US" dirty="0"/>
+          </a:p>
+        </p:txBody>
+      </p:sp>
+      <p:sp>
+        <p:nvSpPr>
+          <p:cNvPr id="3" name="Content Placeholder 2"/>
           <p:cNvSpPr>
             <a:spLocks noGrp="1"/>
           </p:cNvSpPr>
@@ -837,18 +4589,13 @@
               <a:rPr lang="pt-PT"/>
               <a:t>Quinto nível</a:t>
             </a:r>
-          </a:p>
-        </p:txBody>
-      </p:sp>
-      <p:sp>
-        <p:nvSpPr>
-          <p:cNvPr id="4" name="Marcador de Posição da Data 3">
-            <a:extLst>
-              <a:ext uri="{FF2B5EF4-FFF2-40B4-BE49-F238E27FC236}">
-                <a16:creationId xmlns:a16="http://schemas.microsoft.com/office/drawing/2014/main" id="{8BF22D5C-EA15-2211-FD75-2F0CDF393A51}"/>
-              </a:ext>
-            </a:extLst>
-          </p:cNvPr>
+            <a:endParaRPr lang="en-US" dirty="0"/>
+          </a:p>
+        </p:txBody>
+      </p:sp>
+      <p:sp>
+        <p:nvSpPr>
+          <p:cNvPr id="4" name="Date Placeholder 3"/>
           <p:cNvSpPr>
             <a:spLocks noGrp="1"/>
           </p:cNvSpPr>
@@ -863,7 +4610,7 @@
           <a:p>
             <a:fld id="{7A38212A-5FB1-9E48-9DEB-EF9EE269AE75}" type="datetimeFigureOut">
               <a:rPr lang="pt-PT" smtClean="0"/>
-              <a:t>04/04/24</a:t>
+              <a:t>06/04/24</a:t>
             </a:fld>
             <a:endParaRPr lang="pt-PT"/>
           </a:p>
@@ -871,13 +4618,7 @@
       </p:sp>
       <p:sp>
         <p:nvSpPr>
-          <p:cNvPr id="5" name="Marcador de Posição do Rodapé 4">
-            <a:extLst>
-              <a:ext uri="{FF2B5EF4-FFF2-40B4-BE49-F238E27FC236}">
-                <a16:creationId xmlns:a16="http://schemas.microsoft.com/office/drawing/2014/main" id="{BDC01E64-3890-DEAE-3122-11109B1A758B}"/>
-              </a:ext>
-            </a:extLst>
-          </p:cNvPr>
+          <p:cNvPr id="5" name="Footer Placeholder 4"/>
           <p:cNvSpPr>
             <a:spLocks noGrp="1"/>
           </p:cNvSpPr>
@@ -896,13 +4637,7 @@
       </p:sp>
       <p:sp>
         <p:nvSpPr>
-          <p:cNvPr id="6" name="Marcador de Posição do Número do Diapositivo 5">
-            <a:extLst>
-              <a:ext uri="{FF2B5EF4-FFF2-40B4-BE49-F238E27FC236}">
-                <a16:creationId xmlns:a16="http://schemas.microsoft.com/office/drawing/2014/main" id="{616B91D1-0B05-4BD7-0FF4-30A944B7FCE3}"/>
-              </a:ext>
-            </a:extLst>
-          </p:cNvPr>
+          <p:cNvPr id="6" name="Slide Number Placeholder 5"/>
           <p:cNvSpPr>
             <a:spLocks noGrp="1"/>
           </p:cNvSpPr>
@@ -926,7 +4661,7 @@
     </p:spTree>
     <p:extLst>
       <p:ext uri="{BB962C8B-B14F-4D97-AF65-F5344CB8AC3E}">
-        <p14:creationId xmlns:p14="http://schemas.microsoft.com/office/powerpoint/2010/main" val="2538107186"/>
+        <p14:creationId xmlns:p14="http://schemas.microsoft.com/office/powerpoint/2010/main" val="3946031355"/>
       </p:ext>
     </p:extLst>
   </p:cSld>
@@ -953,15 +4688,148 @@
           <a:chExt cx="0" cy="0"/>
         </a:xfrm>
       </p:grpSpPr>
-      <p:sp>
-        <p:nvSpPr>
-          <p:cNvPr id="2" name="Título 1">
+      <p:pic>
+        <p:nvPicPr>
+          <p:cNvPr id="7" name="Picture 6" descr="HD-ShadowLong.png"/>
+          <p:cNvPicPr>
+            <a:picLocks noChangeAspect="1"/>
+          </p:cNvPicPr>
+          <p:nvPr/>
+        </p:nvPicPr>
+        <p:blipFill>
+          <a:blip r:embed="rId2">
             <a:extLst>
-              <a:ext uri="{FF2B5EF4-FFF2-40B4-BE49-F238E27FC236}">
-                <a16:creationId xmlns:a16="http://schemas.microsoft.com/office/drawing/2014/main" id="{5C64AFA0-8A88-BDEC-B3F9-33E6E4B214A0}"/>
+              <a:ext uri="{28A0092B-C50C-407E-A947-70E740481C1C}">
+                <a14:useLocalDpi xmlns:a14="http://schemas.microsoft.com/office/drawing/2010/main" val="0"/>
               </a:ext>
             </a:extLst>
-          </p:cNvPr>
+          </a:blip>
+          <a:stretch>
+            <a:fillRect/>
+          </a:stretch>
+        </p:blipFill>
+        <p:spPr>
+          <a:xfrm>
+            <a:off x="-1" y="4086907"/>
+            <a:ext cx="10437812" cy="321164"/>
+          </a:xfrm>
+          <a:prstGeom prst="rect">
+            <a:avLst/>
+          </a:prstGeom>
+        </p:spPr>
+      </p:pic>
+      <p:pic>
+        <p:nvPicPr>
+          <p:cNvPr id="8" name="Picture 7" descr="HD-ShadowShort.png"/>
+          <p:cNvPicPr>
+            <a:picLocks noChangeAspect="1"/>
+          </p:cNvPicPr>
+          <p:nvPr/>
+        </p:nvPicPr>
+        <p:blipFill>
+          <a:blip r:embed="rId3">
+            <a:extLst>
+              <a:ext uri="{28A0092B-C50C-407E-A947-70E740481C1C}">
+                <a14:useLocalDpi xmlns:a14="http://schemas.microsoft.com/office/drawing/2010/main" val="0"/>
+              </a:ext>
+            </a:extLst>
+          </a:blip>
+          <a:stretch>
+            <a:fillRect/>
+          </a:stretch>
+        </p:blipFill>
+        <p:spPr>
+          <a:xfrm>
+            <a:off x="10585824" y="4087901"/>
+            <a:ext cx="1602997" cy="144270"/>
+          </a:xfrm>
+          <a:prstGeom prst="rect">
+            <a:avLst/>
+          </a:prstGeom>
+        </p:spPr>
+      </p:pic>
+      <p:sp>
+        <p:nvSpPr>
+          <p:cNvPr id="9" name="Rectangle 8"/>
+          <p:cNvSpPr/>
+          <p:nvPr/>
+        </p:nvSpPr>
+        <p:spPr bwMode="ltGray">
+          <a:xfrm>
+            <a:off x="-2" y="2726267"/>
+            <a:ext cx="10437812" cy="1368198"/>
+          </a:xfrm>
+          <a:prstGeom prst="rect">
+            <a:avLst/>
+          </a:prstGeom>
+          <a:solidFill>
+            <a:schemeClr val="bg1">
+              <a:lumMod val="85000"/>
+              <a:lumOff val="15000"/>
+            </a:schemeClr>
+          </a:solidFill>
+          <a:ln>
+            <a:noFill/>
+          </a:ln>
+        </p:spPr>
+        <p:style>
+          <a:lnRef idx="2">
+            <a:schemeClr val="accent1">
+              <a:shade val="50000"/>
+            </a:schemeClr>
+          </a:lnRef>
+          <a:fillRef idx="1">
+            <a:schemeClr val="accent1"/>
+          </a:fillRef>
+          <a:effectRef idx="0">
+            <a:schemeClr val="accent1"/>
+          </a:effectRef>
+          <a:fontRef idx="minor">
+            <a:schemeClr val="lt1"/>
+          </a:fontRef>
+        </p:style>
+      </p:sp>
+      <p:sp>
+        <p:nvSpPr>
+          <p:cNvPr id="10" name="Rectangle 9"/>
+          <p:cNvSpPr/>
+          <p:nvPr/>
+        </p:nvSpPr>
+        <p:spPr>
+          <a:xfrm>
+            <a:off x="10585825" y="2726267"/>
+            <a:ext cx="1602997" cy="1368198"/>
+          </a:xfrm>
+          <a:prstGeom prst="rect">
+            <a:avLst/>
+          </a:prstGeom>
+          <a:solidFill>
+            <a:schemeClr val="accent1"/>
+          </a:solidFill>
+          <a:ln>
+            <a:noFill/>
+          </a:ln>
+        </p:spPr>
+        <p:style>
+          <a:lnRef idx="2">
+            <a:schemeClr val="accent1">
+              <a:shade val="50000"/>
+            </a:schemeClr>
+          </a:lnRef>
+          <a:fillRef idx="1">
+            <a:schemeClr val="accent1"/>
+          </a:fillRef>
+          <a:effectRef idx="0">
+            <a:schemeClr val="accent1"/>
+          </a:effectRef>
+          <a:fontRef idx="minor">
+            <a:schemeClr val="lt1"/>
+          </a:fontRef>
+        </p:style>
+      </p:sp>
+      <p:sp>
+        <p:nvSpPr>
+          <p:cNvPr id="2" name="Title 1"/>
           <p:cNvSpPr>
             <a:spLocks noGrp="1"/>
           </p:cNvSpPr>
@@ -971,15 +4839,17 @@
         </p:nvSpPr>
         <p:spPr>
           <a:xfrm>
-            <a:off x="831850" y="1709738"/>
-            <a:ext cx="10515600" cy="2852737"/>
-          </a:xfrm>
-        </p:spPr>
-        <p:txBody>
-          <a:bodyPr anchor="b"/>
+            <a:off x="680322" y="2869895"/>
+            <a:ext cx="9613860" cy="1090788"/>
+          </a:xfrm>
+        </p:spPr>
+        <p:txBody>
+          <a:bodyPr anchor="ctr">
+            <a:normAutofit/>
+          </a:bodyPr>
           <a:lstStyle>
-            <a:lvl1pPr>
-              <a:defRPr sz="6000"/>
+            <a:lvl1pPr algn="r">
+              <a:defRPr sz="3600"/>
             </a:lvl1pPr>
           </a:lstStyle>
           <a:p>
@@ -987,18 +4857,13 @@
               <a:rPr lang="pt-PT"/>
               <a:t>Clique para editar o estilo de título do Modelo Global</a:t>
             </a:r>
-          </a:p>
-        </p:txBody>
-      </p:sp>
-      <p:sp>
-        <p:nvSpPr>
-          <p:cNvPr id="3" name="Marcador de Posição do Texto 2">
-            <a:extLst>
-              <a:ext uri="{FF2B5EF4-FFF2-40B4-BE49-F238E27FC236}">
-                <a16:creationId xmlns:a16="http://schemas.microsoft.com/office/drawing/2014/main" id="{F5172D08-2C92-0D3D-A108-6CC6183A516F}"/>
-              </a:ext>
-            </a:extLst>
-          </p:cNvPr>
+            <a:endParaRPr lang="en-US" dirty="0"/>
+          </a:p>
+        </p:txBody>
+      </p:sp>
+      <p:sp>
+        <p:nvSpPr>
+          <p:cNvPr id="3" name="Text Placeholder 2"/>
           <p:cNvSpPr>
             <a:spLocks noGrp="1"/>
           </p:cNvSpPr>
@@ -1008,16 +4873,18 @@
         </p:nvSpPr>
         <p:spPr>
           <a:xfrm>
-            <a:off x="831850" y="4589463"/>
-            <a:ext cx="10515600" cy="1500187"/>
-          </a:xfrm>
-        </p:spPr>
-        <p:txBody>
-          <a:bodyPr/>
+            <a:off x="680322" y="4232171"/>
+            <a:ext cx="9613860" cy="1704017"/>
+          </a:xfrm>
+        </p:spPr>
+        <p:txBody>
+          <a:bodyPr>
+            <a:normAutofit/>
+          </a:bodyPr>
           <a:lstStyle>
-            <a:lvl1pPr marL="0" indent="0">
-              <a:buNone/>
-              <a:defRPr sz="2400">
+            <a:lvl1pPr marL="0" indent="0" algn="r">
+              <a:buNone/>
+              <a:defRPr sz="2000">
                 <a:solidFill>
                   <a:schemeClr val="tx1">
                     <a:tint val="75000"/>
@@ -1117,13 +4984,7 @@
       </p:sp>
       <p:sp>
         <p:nvSpPr>
-          <p:cNvPr id="4" name="Marcador de Posição da Data 3">
-            <a:extLst>
-              <a:ext uri="{FF2B5EF4-FFF2-40B4-BE49-F238E27FC236}">
-                <a16:creationId xmlns:a16="http://schemas.microsoft.com/office/drawing/2014/main" id="{F02E2725-58EB-20C7-86C2-6D292498BA87}"/>
-              </a:ext>
-            </a:extLst>
-          </p:cNvPr>
+          <p:cNvPr id="4" name="Date Placeholder 3"/>
           <p:cNvSpPr>
             <a:spLocks noGrp="1"/>
           </p:cNvSpPr>
@@ -1138,7 +4999,7 @@
           <a:p>
             <a:fld id="{7A38212A-5FB1-9E48-9DEB-EF9EE269AE75}" type="datetimeFigureOut">
               <a:rPr lang="pt-PT" smtClean="0"/>
-              <a:t>04/04/24</a:t>
+              <a:t>06/04/24</a:t>
             </a:fld>
             <a:endParaRPr lang="pt-PT"/>
           </a:p>
@@ -1146,13 +5007,7 @@
       </p:sp>
       <p:sp>
         <p:nvSpPr>
-          <p:cNvPr id="5" name="Marcador de Posição do Rodapé 4">
-            <a:extLst>
-              <a:ext uri="{FF2B5EF4-FFF2-40B4-BE49-F238E27FC236}">
-                <a16:creationId xmlns:a16="http://schemas.microsoft.com/office/drawing/2014/main" id="{75183223-EE7F-78F9-E6E5-0F305D41EDCE}"/>
-              </a:ext>
-            </a:extLst>
-          </p:cNvPr>
+          <p:cNvPr id="5" name="Footer Placeholder 4"/>
           <p:cNvSpPr>
             <a:spLocks noGrp="1"/>
           </p:cNvSpPr>
@@ -1171,13 +5026,7 @@
       </p:sp>
       <p:sp>
         <p:nvSpPr>
-          <p:cNvPr id="6" name="Marcador de Posição do Número do Diapositivo 5">
-            <a:extLst>
-              <a:ext uri="{FF2B5EF4-FFF2-40B4-BE49-F238E27FC236}">
-                <a16:creationId xmlns:a16="http://schemas.microsoft.com/office/drawing/2014/main" id="{7F937AEF-ECCF-4569-AE18-457C22AC0420}"/>
-              </a:ext>
-            </a:extLst>
-          </p:cNvPr>
+          <p:cNvPr id="6" name="Slide Number Placeholder 5"/>
           <p:cNvSpPr>
             <a:spLocks noGrp="1"/>
           </p:cNvSpPr>
@@ -1185,7 +5034,12 @@
             <p:ph type="sldNum" sz="quarter" idx="12"/>
           </p:nvPr>
         </p:nvSpPr>
-        <p:spPr/>
+        <p:spPr>
+          <a:xfrm>
+            <a:off x="10729455" y="2869895"/>
+            <a:ext cx="1154151" cy="1090789"/>
+          </a:xfrm>
+        </p:spPr>
         <p:txBody>
           <a:bodyPr/>
           <a:lstStyle/>
@@ -1201,7 +5055,7 @@
     </p:spTree>
     <p:extLst>
       <p:ext uri="{BB962C8B-B14F-4D97-AF65-F5344CB8AC3E}">
-        <p14:creationId xmlns:p14="http://schemas.microsoft.com/office/powerpoint/2010/main" val="3316485947"/>
+        <p14:creationId xmlns:p14="http://schemas.microsoft.com/office/powerpoint/2010/main" val="877967058"/>
       </p:ext>
     </p:extLst>
   </p:cSld>
@@ -1228,15 +5082,148 @@
           <a:chExt cx="0" cy="0"/>
         </a:xfrm>
       </p:grpSpPr>
-      <p:sp>
-        <p:nvSpPr>
-          <p:cNvPr id="2" name="Título 1">
+      <p:pic>
+        <p:nvPicPr>
+          <p:cNvPr id="8" name="Picture 7" descr="HD-ShadowLong.png"/>
+          <p:cNvPicPr>
+            <a:picLocks noChangeAspect="1"/>
+          </p:cNvPicPr>
+          <p:nvPr/>
+        </p:nvPicPr>
+        <p:blipFill>
+          <a:blip r:embed="rId2">
             <a:extLst>
-              <a:ext uri="{FF2B5EF4-FFF2-40B4-BE49-F238E27FC236}">
-                <a16:creationId xmlns:a16="http://schemas.microsoft.com/office/drawing/2014/main" id="{17E6CFE6-787D-DB1B-DC99-79950D83C5D5}"/>
+              <a:ext uri="{28A0092B-C50C-407E-A947-70E740481C1C}">
+                <a14:useLocalDpi xmlns:a14="http://schemas.microsoft.com/office/drawing/2010/main" val="0"/>
               </a:ext>
             </a:extLst>
-          </p:cNvPr>
+          </a:blip>
+          <a:stretch>
+            <a:fillRect/>
+          </a:stretch>
+        </p:blipFill>
+        <p:spPr>
+          <a:xfrm>
+            <a:off x="1" y="1970240"/>
+            <a:ext cx="10437812" cy="321164"/>
+          </a:xfrm>
+          <a:prstGeom prst="rect">
+            <a:avLst/>
+          </a:prstGeom>
+        </p:spPr>
+      </p:pic>
+      <p:pic>
+        <p:nvPicPr>
+          <p:cNvPr id="9" name="Picture 8" descr="HD-ShadowShort.png"/>
+          <p:cNvPicPr>
+            <a:picLocks noChangeAspect="1"/>
+          </p:cNvPicPr>
+          <p:nvPr/>
+        </p:nvPicPr>
+        <p:blipFill>
+          <a:blip r:embed="rId3">
+            <a:extLst>
+              <a:ext uri="{28A0092B-C50C-407E-A947-70E740481C1C}">
+                <a14:useLocalDpi xmlns:a14="http://schemas.microsoft.com/office/drawing/2010/main" val="0"/>
+              </a:ext>
+            </a:extLst>
+          </a:blip>
+          <a:stretch>
+            <a:fillRect/>
+          </a:stretch>
+        </p:blipFill>
+        <p:spPr>
+          <a:xfrm>
+            <a:off x="10585826" y="1971234"/>
+            <a:ext cx="1602997" cy="144270"/>
+          </a:xfrm>
+          <a:prstGeom prst="rect">
+            <a:avLst/>
+          </a:prstGeom>
+        </p:spPr>
+      </p:pic>
+      <p:sp>
+        <p:nvSpPr>
+          <p:cNvPr id="10" name="Rectangle 9"/>
+          <p:cNvSpPr/>
+          <p:nvPr/>
+        </p:nvSpPr>
+        <p:spPr bwMode="ltGray">
+          <a:xfrm>
+            <a:off x="0" y="609600"/>
+            <a:ext cx="10437812" cy="1368198"/>
+          </a:xfrm>
+          <a:prstGeom prst="rect">
+            <a:avLst/>
+          </a:prstGeom>
+          <a:solidFill>
+            <a:schemeClr val="bg1">
+              <a:lumMod val="85000"/>
+              <a:lumOff val="15000"/>
+            </a:schemeClr>
+          </a:solidFill>
+          <a:ln>
+            <a:noFill/>
+          </a:ln>
+        </p:spPr>
+        <p:style>
+          <a:lnRef idx="2">
+            <a:schemeClr val="accent1">
+              <a:shade val="50000"/>
+            </a:schemeClr>
+          </a:lnRef>
+          <a:fillRef idx="1">
+            <a:schemeClr val="accent1"/>
+          </a:fillRef>
+          <a:effectRef idx="0">
+            <a:schemeClr val="accent1"/>
+          </a:effectRef>
+          <a:fontRef idx="minor">
+            <a:schemeClr val="lt1"/>
+          </a:fontRef>
+        </p:style>
+      </p:sp>
+      <p:sp>
+        <p:nvSpPr>
+          <p:cNvPr id="11" name="Rectangle 10"/>
+          <p:cNvSpPr/>
+          <p:nvPr/>
+        </p:nvSpPr>
+        <p:spPr>
+          <a:xfrm>
+            <a:off x="10585827" y="609600"/>
+            <a:ext cx="1602997" cy="1368198"/>
+          </a:xfrm>
+          <a:prstGeom prst="rect">
+            <a:avLst/>
+          </a:prstGeom>
+          <a:solidFill>
+            <a:schemeClr val="accent1"/>
+          </a:solidFill>
+          <a:ln>
+            <a:noFill/>
+          </a:ln>
+        </p:spPr>
+        <p:style>
+          <a:lnRef idx="2">
+            <a:schemeClr val="accent1">
+              <a:shade val="50000"/>
+            </a:schemeClr>
+          </a:lnRef>
+          <a:fillRef idx="1">
+            <a:schemeClr val="accent1"/>
+          </a:fillRef>
+          <a:effectRef idx="0">
+            <a:schemeClr val="accent1"/>
+          </a:effectRef>
+          <a:fontRef idx="minor">
+            <a:schemeClr val="lt1"/>
+          </a:fontRef>
+        </p:style>
+      </p:sp>
+      <p:sp>
+        <p:nvSpPr>
+          <p:cNvPr id="2" name="Title 1"/>
           <p:cNvSpPr>
             <a:spLocks noGrp="1"/>
           </p:cNvSpPr>
@@ -1253,18 +5240,13 @@
               <a:rPr lang="pt-PT"/>
               <a:t>Clique para editar o estilo de título do Modelo Global</a:t>
             </a:r>
-          </a:p>
-        </p:txBody>
-      </p:sp>
-      <p:sp>
-        <p:nvSpPr>
-          <p:cNvPr id="3" name="Marcador de Posição de Conteúdo 2">
-            <a:extLst>
-              <a:ext uri="{FF2B5EF4-FFF2-40B4-BE49-F238E27FC236}">
-                <a16:creationId xmlns:a16="http://schemas.microsoft.com/office/drawing/2014/main" id="{7894B729-0D6A-BEB6-8253-171A54706C18}"/>
-              </a:ext>
-            </a:extLst>
-          </p:cNvPr>
+            <a:endParaRPr lang="en-US" dirty="0"/>
+          </a:p>
+        </p:txBody>
+      </p:sp>
+      <p:sp>
+        <p:nvSpPr>
+          <p:cNvPr id="3" name="Content Placeholder 2"/>
           <p:cNvSpPr>
             <a:spLocks noGrp="1"/>
           </p:cNvSpPr>
@@ -1274,8 +5256,8 @@
         </p:nvSpPr>
         <p:spPr>
           <a:xfrm>
-            <a:off x="838200" y="1825625"/>
-            <a:ext cx="5181600" cy="4351338"/>
+            <a:off x="680320" y="2336873"/>
+            <a:ext cx="4698358" cy="3599316"/>
           </a:xfrm>
         </p:spPr>
         <p:txBody>
@@ -1315,18 +5297,13 @@
               <a:rPr lang="pt-PT"/>
               <a:t>Quinto nível</a:t>
             </a:r>
-          </a:p>
-        </p:txBody>
-      </p:sp>
-      <p:sp>
-        <p:nvSpPr>
-          <p:cNvPr id="4" name="Marcador de Posição de Conteúdo 3">
-            <a:extLst>
-              <a:ext uri="{FF2B5EF4-FFF2-40B4-BE49-F238E27FC236}">
-                <a16:creationId xmlns:a16="http://schemas.microsoft.com/office/drawing/2014/main" id="{BA468DD2-C58D-38AE-87B7-01A719ACC4FA}"/>
-              </a:ext>
-            </a:extLst>
-          </p:cNvPr>
+            <a:endParaRPr lang="en-US" dirty="0"/>
+          </a:p>
+        </p:txBody>
+      </p:sp>
+      <p:sp>
+        <p:nvSpPr>
+          <p:cNvPr id="4" name="Content Placeholder 3"/>
           <p:cNvSpPr>
             <a:spLocks noGrp="1"/>
           </p:cNvSpPr>
@@ -1336,8 +5313,8 @@
         </p:nvSpPr>
         <p:spPr>
           <a:xfrm>
-            <a:off x="6172200" y="1825625"/>
-            <a:ext cx="5181600" cy="4351338"/>
+            <a:off x="5594123" y="2336873"/>
+            <a:ext cx="4700058" cy="3599316"/>
           </a:xfrm>
         </p:spPr>
         <p:txBody>
@@ -1377,18 +5354,13 @@
               <a:rPr lang="pt-PT"/>
               <a:t>Quinto nível</a:t>
             </a:r>
-          </a:p>
-        </p:txBody>
-      </p:sp>
-      <p:sp>
-        <p:nvSpPr>
-          <p:cNvPr id="5" name="Marcador de Posição da Data 4">
-            <a:extLst>
-              <a:ext uri="{FF2B5EF4-FFF2-40B4-BE49-F238E27FC236}">
-                <a16:creationId xmlns:a16="http://schemas.microsoft.com/office/drawing/2014/main" id="{DB259616-8552-06FD-FAC5-C06B2A73FF5A}"/>
-              </a:ext>
-            </a:extLst>
-          </p:cNvPr>
+            <a:endParaRPr lang="en-US" dirty="0"/>
+          </a:p>
+        </p:txBody>
+      </p:sp>
+      <p:sp>
+        <p:nvSpPr>
+          <p:cNvPr id="5" name="Date Placeholder 4"/>
           <p:cNvSpPr>
             <a:spLocks noGrp="1"/>
           </p:cNvSpPr>
@@ -1403,7 +5375,7 @@
           <a:p>
             <a:fld id="{7A38212A-5FB1-9E48-9DEB-EF9EE269AE75}" type="datetimeFigureOut">
               <a:rPr lang="pt-PT" smtClean="0"/>
-              <a:t>04/04/24</a:t>
+              <a:t>06/04/24</a:t>
             </a:fld>
             <a:endParaRPr lang="pt-PT"/>
           </a:p>
@@ -1411,13 +5383,7 @@
       </p:sp>
       <p:sp>
         <p:nvSpPr>
-          <p:cNvPr id="6" name="Marcador de Posição do Rodapé 5">
-            <a:extLst>
-              <a:ext uri="{FF2B5EF4-FFF2-40B4-BE49-F238E27FC236}">
-                <a16:creationId xmlns:a16="http://schemas.microsoft.com/office/drawing/2014/main" id="{D5035691-0C57-F1E6-9F90-AD51B3A8054E}"/>
-              </a:ext>
-            </a:extLst>
-          </p:cNvPr>
+          <p:cNvPr id="6" name="Footer Placeholder 5"/>
           <p:cNvSpPr>
             <a:spLocks noGrp="1"/>
           </p:cNvSpPr>
@@ -1436,13 +5402,7 @@
       </p:sp>
       <p:sp>
         <p:nvSpPr>
-          <p:cNvPr id="7" name="Marcador de Posição do Número do Diapositivo 6">
-            <a:extLst>
-              <a:ext uri="{FF2B5EF4-FFF2-40B4-BE49-F238E27FC236}">
-                <a16:creationId xmlns:a16="http://schemas.microsoft.com/office/drawing/2014/main" id="{0E688BDC-54B8-A82A-93A2-3AF154E9DE5A}"/>
-              </a:ext>
-            </a:extLst>
-          </p:cNvPr>
+          <p:cNvPr id="7" name="Slide Number Placeholder 6"/>
           <p:cNvSpPr>
             <a:spLocks noGrp="1"/>
           </p:cNvSpPr>
@@ -1466,13 +5426,18 @@
     </p:spTree>
     <p:extLst>
       <p:ext uri="{BB962C8B-B14F-4D97-AF65-F5344CB8AC3E}">
-        <p14:creationId xmlns:p14="http://schemas.microsoft.com/office/powerpoint/2010/main" val="2542874118"/>
+        <p14:creationId xmlns:p14="http://schemas.microsoft.com/office/powerpoint/2010/main" val="1322167139"/>
       </p:ext>
     </p:extLst>
   </p:cSld>
   <p:clrMapOvr>
     <a:masterClrMapping/>
   </p:clrMapOvr>
+  <p:extLst>
+    <p:ext uri="{DCECCB84-F9BA-43D5-87BE-67443E8EF086}">
+      <p15:sldGuideLst xmlns:p15="http://schemas.microsoft.com/office/powerpoint/2012/main"/>
+    </p:ext>
+  </p:extLst>
 </p:sldLayout>
 </file>
 
@@ -1493,15 +5458,148 @@
           <a:chExt cx="0" cy="0"/>
         </a:xfrm>
       </p:grpSpPr>
-      <p:sp>
-        <p:nvSpPr>
-          <p:cNvPr id="2" name="Título 1">
+      <p:pic>
+        <p:nvPicPr>
+          <p:cNvPr id="10" name="Picture 9" descr="HD-ShadowLong.png"/>
+          <p:cNvPicPr>
+            <a:picLocks noChangeAspect="1"/>
+          </p:cNvPicPr>
+          <p:nvPr/>
+        </p:nvPicPr>
+        <p:blipFill>
+          <a:blip r:embed="rId2">
             <a:extLst>
-              <a:ext uri="{FF2B5EF4-FFF2-40B4-BE49-F238E27FC236}">
-                <a16:creationId xmlns:a16="http://schemas.microsoft.com/office/drawing/2014/main" id="{564EBA7F-CD41-1928-F9FB-FB1D6D700004}"/>
+              <a:ext uri="{28A0092B-C50C-407E-A947-70E740481C1C}">
+                <a14:useLocalDpi xmlns:a14="http://schemas.microsoft.com/office/drawing/2010/main" val="0"/>
               </a:ext>
             </a:extLst>
-          </p:cNvPr>
+          </a:blip>
+          <a:stretch>
+            <a:fillRect/>
+          </a:stretch>
+        </p:blipFill>
+        <p:spPr>
+          <a:xfrm>
+            <a:off x="1" y="1970240"/>
+            <a:ext cx="10437812" cy="321164"/>
+          </a:xfrm>
+          <a:prstGeom prst="rect">
+            <a:avLst/>
+          </a:prstGeom>
+        </p:spPr>
+      </p:pic>
+      <p:pic>
+        <p:nvPicPr>
+          <p:cNvPr id="11" name="Picture 10" descr="HD-ShadowShort.png"/>
+          <p:cNvPicPr>
+            <a:picLocks noChangeAspect="1"/>
+          </p:cNvPicPr>
+          <p:nvPr/>
+        </p:nvPicPr>
+        <p:blipFill>
+          <a:blip r:embed="rId3">
+            <a:extLst>
+              <a:ext uri="{28A0092B-C50C-407E-A947-70E740481C1C}">
+                <a14:useLocalDpi xmlns:a14="http://schemas.microsoft.com/office/drawing/2010/main" val="0"/>
+              </a:ext>
+            </a:extLst>
+          </a:blip>
+          <a:stretch>
+            <a:fillRect/>
+          </a:stretch>
+        </p:blipFill>
+        <p:spPr>
+          <a:xfrm>
+            <a:off x="10585826" y="1971234"/>
+            <a:ext cx="1602997" cy="144270"/>
+          </a:xfrm>
+          <a:prstGeom prst="rect">
+            <a:avLst/>
+          </a:prstGeom>
+        </p:spPr>
+      </p:pic>
+      <p:sp>
+        <p:nvSpPr>
+          <p:cNvPr id="12" name="Rectangle 11"/>
+          <p:cNvSpPr/>
+          <p:nvPr/>
+        </p:nvSpPr>
+        <p:spPr bwMode="ltGray">
+          <a:xfrm>
+            <a:off x="0" y="609600"/>
+            <a:ext cx="10437812" cy="1368198"/>
+          </a:xfrm>
+          <a:prstGeom prst="rect">
+            <a:avLst/>
+          </a:prstGeom>
+          <a:solidFill>
+            <a:schemeClr val="bg1">
+              <a:lumMod val="85000"/>
+              <a:lumOff val="15000"/>
+            </a:schemeClr>
+          </a:solidFill>
+          <a:ln>
+            <a:noFill/>
+          </a:ln>
+        </p:spPr>
+        <p:style>
+          <a:lnRef idx="2">
+            <a:schemeClr val="accent1">
+              <a:shade val="50000"/>
+            </a:schemeClr>
+          </a:lnRef>
+          <a:fillRef idx="1">
+            <a:schemeClr val="accent1"/>
+          </a:fillRef>
+          <a:effectRef idx="0">
+            <a:schemeClr val="accent1"/>
+          </a:effectRef>
+          <a:fontRef idx="minor">
+            <a:schemeClr val="lt1"/>
+          </a:fontRef>
+        </p:style>
+      </p:sp>
+      <p:sp>
+        <p:nvSpPr>
+          <p:cNvPr id="13" name="Rectangle 12"/>
+          <p:cNvSpPr/>
+          <p:nvPr/>
+        </p:nvSpPr>
+        <p:spPr>
+          <a:xfrm>
+            <a:off x="10585827" y="609600"/>
+            <a:ext cx="1602997" cy="1368198"/>
+          </a:xfrm>
+          <a:prstGeom prst="rect">
+            <a:avLst/>
+          </a:prstGeom>
+          <a:solidFill>
+            <a:schemeClr val="accent1"/>
+          </a:solidFill>
+          <a:ln>
+            <a:noFill/>
+          </a:ln>
+        </p:spPr>
+        <p:style>
+          <a:lnRef idx="2">
+            <a:schemeClr val="accent1">
+              <a:shade val="50000"/>
+            </a:schemeClr>
+          </a:lnRef>
+          <a:fillRef idx="1">
+            <a:schemeClr val="accent1"/>
+          </a:fillRef>
+          <a:effectRef idx="0">
+            <a:schemeClr val="accent1"/>
+          </a:effectRef>
+          <a:fontRef idx="minor">
+            <a:schemeClr val="lt1"/>
+          </a:fontRef>
+        </p:style>
+      </p:sp>
+      <p:sp>
+        <p:nvSpPr>
+          <p:cNvPr id="2" name="Title 1"/>
           <p:cNvSpPr>
             <a:spLocks noGrp="1"/>
           </p:cNvSpPr>
@@ -1511,8 +5609,8 @@
         </p:nvSpPr>
         <p:spPr>
           <a:xfrm>
-            <a:off x="839788" y="365125"/>
-            <a:ext cx="10515600" cy="1325563"/>
+            <a:off x="680319" y="753229"/>
+            <a:ext cx="9613863" cy="1080937"/>
           </a:xfrm>
         </p:spPr>
         <p:txBody>
@@ -1523,18 +5621,13 @@
               <a:rPr lang="pt-PT"/>
               <a:t>Clique para editar o estilo de título do Modelo Global</a:t>
             </a:r>
-          </a:p>
-        </p:txBody>
-      </p:sp>
-      <p:sp>
-        <p:nvSpPr>
-          <p:cNvPr id="3" name="Marcador de Posição do Texto 2">
-            <a:extLst>
-              <a:ext uri="{FF2B5EF4-FFF2-40B4-BE49-F238E27FC236}">
-                <a16:creationId xmlns:a16="http://schemas.microsoft.com/office/drawing/2014/main" id="{4CED967D-F72E-EACF-C094-3E6FB81E5685}"/>
-              </a:ext>
-            </a:extLst>
-          </p:cNvPr>
+            <a:endParaRPr lang="en-US" dirty="0"/>
+          </a:p>
+        </p:txBody>
+      </p:sp>
+      <p:sp>
+        <p:nvSpPr>
+          <p:cNvPr id="3" name="Text Placeholder 2"/>
           <p:cNvSpPr>
             <a:spLocks noGrp="1"/>
           </p:cNvSpPr>
@@ -1544,8 +5637,8 @@
         </p:nvSpPr>
         <p:spPr>
           <a:xfrm>
-            <a:off x="839788" y="1681163"/>
-            <a:ext cx="5157787" cy="823912"/>
+            <a:off x="906350" y="2336873"/>
+            <a:ext cx="4472327" cy="693135"/>
           </a:xfrm>
         </p:spPr>
         <p:txBody>
@@ -1599,13 +5692,7 @@
       </p:sp>
       <p:sp>
         <p:nvSpPr>
-          <p:cNvPr id="4" name="Marcador de Posição de Conteúdo 3">
-            <a:extLst>
-              <a:ext uri="{FF2B5EF4-FFF2-40B4-BE49-F238E27FC236}">
-                <a16:creationId xmlns:a16="http://schemas.microsoft.com/office/drawing/2014/main" id="{D57F61F2-2109-47C3-C0FD-0B1139C9643A}"/>
-              </a:ext>
-            </a:extLst>
-          </p:cNvPr>
+          <p:cNvPr id="4" name="Content Placeholder 3"/>
           <p:cNvSpPr>
             <a:spLocks noGrp="1"/>
           </p:cNvSpPr>
@@ -1615,8 +5702,8 @@
         </p:nvSpPr>
         <p:spPr>
           <a:xfrm>
-            <a:off x="839788" y="2505075"/>
-            <a:ext cx="5157787" cy="3684588"/>
+            <a:off x="680322" y="3030008"/>
+            <a:ext cx="4698355" cy="2906179"/>
           </a:xfrm>
         </p:spPr>
         <p:txBody>
@@ -1656,18 +5743,13 @@
               <a:rPr lang="pt-PT"/>
               <a:t>Quinto nível</a:t>
             </a:r>
-          </a:p>
-        </p:txBody>
-      </p:sp>
-      <p:sp>
-        <p:nvSpPr>
-          <p:cNvPr id="5" name="Marcador de Posição do Texto 4">
-            <a:extLst>
-              <a:ext uri="{FF2B5EF4-FFF2-40B4-BE49-F238E27FC236}">
-                <a16:creationId xmlns:a16="http://schemas.microsoft.com/office/drawing/2014/main" id="{3D8BD0CD-583A-9D33-0E9C-455B88CED3A1}"/>
-              </a:ext>
-            </a:extLst>
-          </p:cNvPr>
+            <a:endParaRPr lang="en-US" dirty="0"/>
+          </a:p>
+        </p:txBody>
+      </p:sp>
+      <p:sp>
+        <p:nvSpPr>
+          <p:cNvPr id="5" name="Text Placeholder 4"/>
           <p:cNvSpPr>
             <a:spLocks noGrp="1"/>
           </p:cNvSpPr>
@@ -1677,8 +5759,8 @@
         </p:nvSpPr>
         <p:spPr>
           <a:xfrm>
-            <a:off x="6172200" y="1681163"/>
-            <a:ext cx="5183188" cy="823912"/>
+            <a:off x="5820154" y="2336873"/>
+            <a:ext cx="4474028" cy="692076"/>
           </a:xfrm>
         </p:spPr>
         <p:txBody>
@@ -1732,13 +5814,7 @@
       </p:sp>
       <p:sp>
         <p:nvSpPr>
-          <p:cNvPr id="6" name="Marcador de Posição de Conteúdo 5">
-            <a:extLst>
-              <a:ext uri="{FF2B5EF4-FFF2-40B4-BE49-F238E27FC236}">
-                <a16:creationId xmlns:a16="http://schemas.microsoft.com/office/drawing/2014/main" id="{D5EB75BD-06C7-2A34-183F-0FF8C7D7A533}"/>
-              </a:ext>
-            </a:extLst>
-          </p:cNvPr>
+          <p:cNvPr id="6" name="Content Placeholder 5"/>
           <p:cNvSpPr>
             <a:spLocks noGrp="1"/>
           </p:cNvSpPr>
@@ -1748,8 +5824,8 @@
         </p:nvSpPr>
         <p:spPr>
           <a:xfrm>
-            <a:off x="6172200" y="2505075"/>
-            <a:ext cx="5183188" cy="3684588"/>
+            <a:off x="5594123" y="3030008"/>
+            <a:ext cx="4700059" cy="2906179"/>
           </a:xfrm>
         </p:spPr>
         <p:txBody>
@@ -1789,18 +5865,13 @@
               <a:rPr lang="pt-PT"/>
               <a:t>Quinto nível</a:t>
             </a:r>
-          </a:p>
-        </p:txBody>
-      </p:sp>
-      <p:sp>
-        <p:nvSpPr>
-          <p:cNvPr id="7" name="Marcador de Posição da Data 6">
-            <a:extLst>
-              <a:ext uri="{FF2B5EF4-FFF2-40B4-BE49-F238E27FC236}">
-                <a16:creationId xmlns:a16="http://schemas.microsoft.com/office/drawing/2014/main" id="{F9C2AFE0-5FA7-A449-6DE9-BDD73E0E61CF}"/>
-              </a:ext>
-            </a:extLst>
-          </p:cNvPr>
+            <a:endParaRPr lang="en-US" dirty="0"/>
+          </a:p>
+        </p:txBody>
+      </p:sp>
+      <p:sp>
+        <p:nvSpPr>
+          <p:cNvPr id="7" name="Date Placeholder 6"/>
           <p:cNvSpPr>
             <a:spLocks noGrp="1"/>
           </p:cNvSpPr>
@@ -1815,7 +5886,7 @@
           <a:p>
             <a:fld id="{7A38212A-5FB1-9E48-9DEB-EF9EE269AE75}" type="datetimeFigureOut">
               <a:rPr lang="pt-PT" smtClean="0"/>
-              <a:t>04/04/24</a:t>
+              <a:t>06/04/24</a:t>
             </a:fld>
             <a:endParaRPr lang="pt-PT"/>
           </a:p>
@@ -1823,13 +5894,7 @@
       </p:sp>
       <p:sp>
         <p:nvSpPr>
-          <p:cNvPr id="8" name="Marcador de Posição do Rodapé 7">
-            <a:extLst>
-              <a:ext uri="{FF2B5EF4-FFF2-40B4-BE49-F238E27FC236}">
-                <a16:creationId xmlns:a16="http://schemas.microsoft.com/office/drawing/2014/main" id="{D693B979-3AD2-7768-E256-B196D532A0DF}"/>
-              </a:ext>
-            </a:extLst>
-          </p:cNvPr>
+          <p:cNvPr id="8" name="Footer Placeholder 7"/>
           <p:cNvSpPr>
             <a:spLocks noGrp="1"/>
           </p:cNvSpPr>
@@ -1848,13 +5913,7 @@
       </p:sp>
       <p:sp>
         <p:nvSpPr>
-          <p:cNvPr id="9" name="Marcador de Posição do Número do Diapositivo 8">
-            <a:extLst>
-              <a:ext uri="{FF2B5EF4-FFF2-40B4-BE49-F238E27FC236}">
-                <a16:creationId xmlns:a16="http://schemas.microsoft.com/office/drawing/2014/main" id="{6DCD2F63-A11E-F0DB-EA83-04F3F91248D7}"/>
-              </a:ext>
-            </a:extLst>
-          </p:cNvPr>
+          <p:cNvPr id="9" name="Slide Number Placeholder 8"/>
           <p:cNvSpPr>
             <a:spLocks noGrp="1"/>
           </p:cNvSpPr>
@@ -1878,13 +5937,18 @@
     </p:spTree>
     <p:extLst>
       <p:ext uri="{BB962C8B-B14F-4D97-AF65-F5344CB8AC3E}">
-        <p14:creationId xmlns:p14="http://schemas.microsoft.com/office/powerpoint/2010/main" val="2495988886"/>
+        <p14:creationId xmlns:p14="http://schemas.microsoft.com/office/powerpoint/2010/main" val="2962710710"/>
       </p:ext>
     </p:extLst>
   </p:cSld>
   <p:clrMapOvr>
     <a:masterClrMapping/>
   </p:clrMapOvr>
+  <p:extLst>
+    <p:ext uri="{DCECCB84-F9BA-43D5-87BE-67443E8EF086}">
+      <p15:sldGuideLst xmlns:p15="http://schemas.microsoft.com/office/powerpoint/2012/main"/>
+    </p:ext>
+  </p:extLst>
 </p:sldLayout>
 </file>
 
@@ -1905,15 +5969,148 @@
           <a:chExt cx="0" cy="0"/>
         </a:xfrm>
       </p:grpSpPr>
-      <p:sp>
-        <p:nvSpPr>
-          <p:cNvPr id="2" name="Título 1">
+      <p:pic>
+        <p:nvPicPr>
+          <p:cNvPr id="6" name="Picture 5" descr="HD-ShadowLong.png"/>
+          <p:cNvPicPr>
+            <a:picLocks noChangeAspect="1"/>
+          </p:cNvPicPr>
+          <p:nvPr/>
+        </p:nvPicPr>
+        <p:blipFill>
+          <a:blip r:embed="rId2">
             <a:extLst>
-              <a:ext uri="{FF2B5EF4-FFF2-40B4-BE49-F238E27FC236}">
-                <a16:creationId xmlns:a16="http://schemas.microsoft.com/office/drawing/2014/main" id="{3F4AD8B2-A0FF-9AAE-5491-C64BD54432B2}"/>
+              <a:ext uri="{28A0092B-C50C-407E-A947-70E740481C1C}">
+                <a14:useLocalDpi xmlns:a14="http://schemas.microsoft.com/office/drawing/2010/main" val="0"/>
               </a:ext>
             </a:extLst>
-          </p:cNvPr>
+          </a:blip>
+          <a:stretch>
+            <a:fillRect/>
+          </a:stretch>
+        </p:blipFill>
+        <p:spPr>
+          <a:xfrm>
+            <a:off x="1" y="1970240"/>
+            <a:ext cx="10437812" cy="321164"/>
+          </a:xfrm>
+          <a:prstGeom prst="rect">
+            <a:avLst/>
+          </a:prstGeom>
+        </p:spPr>
+      </p:pic>
+      <p:pic>
+        <p:nvPicPr>
+          <p:cNvPr id="7" name="Picture 6" descr="HD-ShadowShort.png"/>
+          <p:cNvPicPr>
+            <a:picLocks noChangeAspect="1"/>
+          </p:cNvPicPr>
+          <p:nvPr/>
+        </p:nvPicPr>
+        <p:blipFill>
+          <a:blip r:embed="rId3">
+            <a:extLst>
+              <a:ext uri="{28A0092B-C50C-407E-A947-70E740481C1C}">
+                <a14:useLocalDpi xmlns:a14="http://schemas.microsoft.com/office/drawing/2010/main" val="0"/>
+              </a:ext>
+            </a:extLst>
+          </a:blip>
+          <a:stretch>
+            <a:fillRect/>
+          </a:stretch>
+        </p:blipFill>
+        <p:spPr>
+          <a:xfrm>
+            <a:off x="10585826" y="1971234"/>
+            <a:ext cx="1602997" cy="144270"/>
+          </a:xfrm>
+          <a:prstGeom prst="rect">
+            <a:avLst/>
+          </a:prstGeom>
+        </p:spPr>
+      </p:pic>
+      <p:sp>
+        <p:nvSpPr>
+          <p:cNvPr id="8" name="Rectangle 7"/>
+          <p:cNvSpPr/>
+          <p:nvPr/>
+        </p:nvSpPr>
+        <p:spPr bwMode="ltGray">
+          <a:xfrm>
+            <a:off x="0" y="609600"/>
+            <a:ext cx="10437812" cy="1368198"/>
+          </a:xfrm>
+          <a:prstGeom prst="rect">
+            <a:avLst/>
+          </a:prstGeom>
+          <a:solidFill>
+            <a:schemeClr val="bg1">
+              <a:lumMod val="85000"/>
+              <a:lumOff val="15000"/>
+            </a:schemeClr>
+          </a:solidFill>
+          <a:ln>
+            <a:noFill/>
+          </a:ln>
+        </p:spPr>
+        <p:style>
+          <a:lnRef idx="2">
+            <a:schemeClr val="accent1">
+              <a:shade val="50000"/>
+            </a:schemeClr>
+          </a:lnRef>
+          <a:fillRef idx="1">
+            <a:schemeClr val="accent1"/>
+          </a:fillRef>
+          <a:effectRef idx="0">
+            <a:schemeClr val="accent1"/>
+          </a:effectRef>
+          <a:fontRef idx="minor">
+            <a:schemeClr val="lt1"/>
+          </a:fontRef>
+        </p:style>
+      </p:sp>
+      <p:sp>
+        <p:nvSpPr>
+          <p:cNvPr id="9" name="Rectangle 8"/>
+          <p:cNvSpPr/>
+          <p:nvPr/>
+        </p:nvSpPr>
+        <p:spPr>
+          <a:xfrm>
+            <a:off x="10585827" y="609600"/>
+            <a:ext cx="1602997" cy="1368198"/>
+          </a:xfrm>
+          <a:prstGeom prst="rect">
+            <a:avLst/>
+          </a:prstGeom>
+          <a:solidFill>
+            <a:schemeClr val="accent1"/>
+          </a:solidFill>
+          <a:ln>
+            <a:noFill/>
+          </a:ln>
+        </p:spPr>
+        <p:style>
+          <a:lnRef idx="2">
+            <a:schemeClr val="accent1">
+              <a:shade val="50000"/>
+            </a:schemeClr>
+          </a:lnRef>
+          <a:fillRef idx="1">
+            <a:schemeClr val="accent1"/>
+          </a:fillRef>
+          <a:effectRef idx="0">
+            <a:schemeClr val="accent1"/>
+          </a:effectRef>
+          <a:fontRef idx="minor">
+            <a:schemeClr val="lt1"/>
+          </a:fontRef>
+        </p:style>
+      </p:sp>
+      <p:sp>
+        <p:nvSpPr>
+          <p:cNvPr id="2" name="Title 1"/>
           <p:cNvSpPr>
             <a:spLocks noGrp="1"/>
           </p:cNvSpPr>
@@ -1930,18 +6127,13 @@
               <a:rPr lang="pt-PT"/>
               <a:t>Clique para editar o estilo de título do Modelo Global</a:t>
             </a:r>
-          </a:p>
-        </p:txBody>
-      </p:sp>
-      <p:sp>
-        <p:nvSpPr>
-          <p:cNvPr id="3" name="Marcador de Posição da Data 2">
-            <a:extLst>
-              <a:ext uri="{FF2B5EF4-FFF2-40B4-BE49-F238E27FC236}">
-                <a16:creationId xmlns:a16="http://schemas.microsoft.com/office/drawing/2014/main" id="{AA0A1F82-9FDB-0163-4CB8-276311845981}"/>
-              </a:ext>
-            </a:extLst>
-          </p:cNvPr>
+            <a:endParaRPr lang="en-US" dirty="0"/>
+          </a:p>
+        </p:txBody>
+      </p:sp>
+      <p:sp>
+        <p:nvSpPr>
+          <p:cNvPr id="3" name="Date Placeholder 2"/>
           <p:cNvSpPr>
             <a:spLocks noGrp="1"/>
           </p:cNvSpPr>
@@ -1956,7 +6148,7 @@
           <a:p>
             <a:fld id="{7A38212A-5FB1-9E48-9DEB-EF9EE269AE75}" type="datetimeFigureOut">
               <a:rPr lang="pt-PT" smtClean="0"/>
-              <a:t>04/04/24</a:t>
+              <a:t>06/04/24</a:t>
             </a:fld>
             <a:endParaRPr lang="pt-PT"/>
           </a:p>
@@ -1964,13 +6156,7 @@
       </p:sp>
       <p:sp>
         <p:nvSpPr>
-          <p:cNvPr id="4" name="Marcador de Posição do Rodapé 3">
-            <a:extLst>
-              <a:ext uri="{FF2B5EF4-FFF2-40B4-BE49-F238E27FC236}">
-                <a16:creationId xmlns:a16="http://schemas.microsoft.com/office/drawing/2014/main" id="{F2E10020-DF16-8FE4-9425-92F78E41369C}"/>
-              </a:ext>
-            </a:extLst>
-          </p:cNvPr>
+          <p:cNvPr id="4" name="Footer Placeholder 3"/>
           <p:cNvSpPr>
             <a:spLocks noGrp="1"/>
           </p:cNvSpPr>
@@ -1989,13 +6175,7 @@
       </p:sp>
       <p:sp>
         <p:nvSpPr>
-          <p:cNvPr id="5" name="Marcador de Posição do Número do Diapositivo 4">
-            <a:extLst>
-              <a:ext uri="{FF2B5EF4-FFF2-40B4-BE49-F238E27FC236}">
-                <a16:creationId xmlns:a16="http://schemas.microsoft.com/office/drawing/2014/main" id="{05073904-BC65-37C2-F00E-64D079999F4B}"/>
-              </a:ext>
-            </a:extLst>
-          </p:cNvPr>
+          <p:cNvPr id="5" name="Slide Number Placeholder 4"/>
           <p:cNvSpPr>
             <a:spLocks noGrp="1"/>
           </p:cNvSpPr>
@@ -2019,7 +6199,7 @@
     </p:spTree>
     <p:extLst>
       <p:ext uri="{BB962C8B-B14F-4D97-AF65-F5344CB8AC3E}">
-        <p14:creationId xmlns:p14="http://schemas.microsoft.com/office/powerpoint/2010/main" val="1149546529"/>
+        <p14:creationId xmlns:p14="http://schemas.microsoft.com/office/powerpoint/2010/main" val="1674971775"/>
       </p:ext>
     </p:extLst>
   </p:cSld>
@@ -2046,15 +6226,77 @@
           <a:chExt cx="0" cy="0"/>
         </a:xfrm>
       </p:grpSpPr>
-      <p:sp>
-        <p:nvSpPr>
-          <p:cNvPr id="2" name="Marcador de Posição da Data 1">
+      <p:pic>
+        <p:nvPicPr>
+          <p:cNvPr id="5" name="Picture 4" descr="HD-ShadowShort.png"/>
+          <p:cNvPicPr>
+            <a:picLocks noChangeAspect="1"/>
+          </p:cNvPicPr>
+          <p:nvPr/>
+        </p:nvPicPr>
+        <p:blipFill>
+          <a:blip r:embed="rId2">
             <a:extLst>
-              <a:ext uri="{FF2B5EF4-FFF2-40B4-BE49-F238E27FC236}">
-                <a16:creationId xmlns:a16="http://schemas.microsoft.com/office/drawing/2014/main" id="{64D673FE-B9E7-FC14-3548-3F49FC65BFCC}"/>
+              <a:ext uri="{28A0092B-C50C-407E-A947-70E740481C1C}">
+                <a14:useLocalDpi xmlns:a14="http://schemas.microsoft.com/office/drawing/2010/main" val="0"/>
               </a:ext>
             </a:extLst>
-          </p:cNvPr>
+          </a:blip>
+          <a:stretch>
+            <a:fillRect/>
+          </a:stretch>
+        </p:blipFill>
+        <p:spPr>
+          <a:xfrm>
+            <a:off x="10585826" y="1971234"/>
+            <a:ext cx="1602997" cy="144270"/>
+          </a:xfrm>
+          <a:prstGeom prst="rect">
+            <a:avLst/>
+          </a:prstGeom>
+        </p:spPr>
+      </p:pic>
+      <p:sp>
+        <p:nvSpPr>
+          <p:cNvPr id="6" name="Rectangle 5"/>
+          <p:cNvSpPr/>
+          <p:nvPr/>
+        </p:nvSpPr>
+        <p:spPr>
+          <a:xfrm>
+            <a:off x="10585827" y="609600"/>
+            <a:ext cx="1602997" cy="1368198"/>
+          </a:xfrm>
+          <a:prstGeom prst="rect">
+            <a:avLst/>
+          </a:prstGeom>
+          <a:solidFill>
+            <a:schemeClr val="accent1"/>
+          </a:solidFill>
+          <a:ln>
+            <a:noFill/>
+          </a:ln>
+        </p:spPr>
+        <p:style>
+          <a:lnRef idx="2">
+            <a:schemeClr val="accent1">
+              <a:shade val="50000"/>
+            </a:schemeClr>
+          </a:lnRef>
+          <a:fillRef idx="1">
+            <a:schemeClr val="accent1"/>
+          </a:fillRef>
+          <a:effectRef idx="0">
+            <a:schemeClr val="accent1"/>
+          </a:effectRef>
+          <a:fontRef idx="minor">
+            <a:schemeClr val="lt1"/>
+          </a:fontRef>
+        </p:style>
+      </p:sp>
+      <p:sp>
+        <p:nvSpPr>
+          <p:cNvPr id="2" name="Date Placeholder 1"/>
           <p:cNvSpPr>
             <a:spLocks noGrp="1"/>
           </p:cNvSpPr>
@@ -2069,7 +6311,7 @@
           <a:p>
             <a:fld id="{7A38212A-5FB1-9E48-9DEB-EF9EE269AE75}" type="datetimeFigureOut">
               <a:rPr lang="pt-PT" smtClean="0"/>
-              <a:t>04/04/24</a:t>
+              <a:t>06/04/24</a:t>
             </a:fld>
             <a:endParaRPr lang="pt-PT"/>
           </a:p>
@@ -2077,13 +6319,7 @@
       </p:sp>
       <p:sp>
         <p:nvSpPr>
-          <p:cNvPr id="3" name="Marcador de Posição do Rodapé 2">
-            <a:extLst>
-              <a:ext uri="{FF2B5EF4-FFF2-40B4-BE49-F238E27FC236}">
-                <a16:creationId xmlns:a16="http://schemas.microsoft.com/office/drawing/2014/main" id="{32E8F3DF-DEE2-3609-D7AD-9BD87E00B801}"/>
-              </a:ext>
-            </a:extLst>
-          </p:cNvPr>
+          <p:cNvPr id="3" name="Footer Placeholder 2"/>
           <p:cNvSpPr>
             <a:spLocks noGrp="1"/>
           </p:cNvSpPr>
@@ -2102,13 +6338,7 @@
       </p:sp>
       <p:sp>
         <p:nvSpPr>
-          <p:cNvPr id="4" name="Marcador de Posição do Número do Diapositivo 3">
-            <a:extLst>
-              <a:ext uri="{FF2B5EF4-FFF2-40B4-BE49-F238E27FC236}">
-                <a16:creationId xmlns:a16="http://schemas.microsoft.com/office/drawing/2014/main" id="{2C542331-6F74-13B5-F9DF-E381BFA65C1A}"/>
-              </a:ext>
-            </a:extLst>
-          </p:cNvPr>
+          <p:cNvPr id="4" name="Slide Number Placeholder 3"/>
           <p:cNvSpPr>
             <a:spLocks noGrp="1"/>
           </p:cNvSpPr>
@@ -2132,7 +6362,7 @@
     </p:spTree>
     <p:extLst>
       <p:ext uri="{BB962C8B-B14F-4D97-AF65-F5344CB8AC3E}">
-        <p14:creationId xmlns:p14="http://schemas.microsoft.com/office/powerpoint/2010/main" val="2643846980"/>
+        <p14:creationId xmlns:p14="http://schemas.microsoft.com/office/powerpoint/2010/main" val="1433884269"/>
       </p:ext>
     </p:extLst>
   </p:cSld>
@@ -2159,15 +6389,148 @@
           <a:chExt cx="0" cy="0"/>
         </a:xfrm>
       </p:grpSpPr>
-      <p:sp>
-        <p:nvSpPr>
-          <p:cNvPr id="2" name="Título 1">
+      <p:pic>
+        <p:nvPicPr>
+          <p:cNvPr id="8" name="Picture 7" descr="HD-ShadowLong.png"/>
+          <p:cNvPicPr>
+            <a:picLocks noChangeAspect="1"/>
+          </p:cNvPicPr>
+          <p:nvPr/>
+        </p:nvPicPr>
+        <p:blipFill>
+          <a:blip r:embed="rId2">
             <a:extLst>
-              <a:ext uri="{FF2B5EF4-FFF2-40B4-BE49-F238E27FC236}">
-                <a16:creationId xmlns:a16="http://schemas.microsoft.com/office/drawing/2014/main" id="{272484B1-BE91-DC43-7588-10627250DD57}"/>
+              <a:ext uri="{28A0092B-C50C-407E-A947-70E740481C1C}">
+                <a14:useLocalDpi xmlns:a14="http://schemas.microsoft.com/office/drawing/2010/main" val="0"/>
               </a:ext>
             </a:extLst>
-          </p:cNvPr>
+          </a:blip>
+          <a:stretch>
+            <a:fillRect/>
+          </a:stretch>
+        </p:blipFill>
+        <p:spPr>
+          <a:xfrm>
+            <a:off x="1" y="1970240"/>
+            <a:ext cx="10437812" cy="321164"/>
+          </a:xfrm>
+          <a:prstGeom prst="rect">
+            <a:avLst/>
+          </a:prstGeom>
+        </p:spPr>
+      </p:pic>
+      <p:pic>
+        <p:nvPicPr>
+          <p:cNvPr id="9" name="Picture 8" descr="HD-ShadowShort.png"/>
+          <p:cNvPicPr>
+            <a:picLocks noChangeAspect="1"/>
+          </p:cNvPicPr>
+          <p:nvPr/>
+        </p:nvPicPr>
+        <p:blipFill>
+          <a:blip r:embed="rId3">
+            <a:extLst>
+              <a:ext uri="{28A0092B-C50C-407E-A947-70E740481C1C}">
+                <a14:useLocalDpi xmlns:a14="http://schemas.microsoft.com/office/drawing/2010/main" val="0"/>
+              </a:ext>
+            </a:extLst>
+          </a:blip>
+          <a:stretch>
+            <a:fillRect/>
+          </a:stretch>
+        </p:blipFill>
+        <p:spPr>
+          <a:xfrm>
+            <a:off x="10585826" y="1971234"/>
+            <a:ext cx="1602997" cy="144270"/>
+          </a:xfrm>
+          <a:prstGeom prst="rect">
+            <a:avLst/>
+          </a:prstGeom>
+        </p:spPr>
+      </p:pic>
+      <p:sp>
+        <p:nvSpPr>
+          <p:cNvPr id="10" name="Rectangle 9"/>
+          <p:cNvSpPr/>
+          <p:nvPr/>
+        </p:nvSpPr>
+        <p:spPr bwMode="ltGray">
+          <a:xfrm>
+            <a:off x="0" y="609600"/>
+            <a:ext cx="10437812" cy="1368198"/>
+          </a:xfrm>
+          <a:prstGeom prst="rect">
+            <a:avLst/>
+          </a:prstGeom>
+          <a:solidFill>
+            <a:schemeClr val="bg1">
+              <a:lumMod val="85000"/>
+              <a:lumOff val="15000"/>
+            </a:schemeClr>
+          </a:solidFill>
+          <a:ln>
+            <a:noFill/>
+          </a:ln>
+        </p:spPr>
+        <p:style>
+          <a:lnRef idx="2">
+            <a:schemeClr val="accent1">
+              <a:shade val="50000"/>
+            </a:schemeClr>
+          </a:lnRef>
+          <a:fillRef idx="1">
+            <a:schemeClr val="accent1"/>
+          </a:fillRef>
+          <a:effectRef idx="0">
+            <a:schemeClr val="accent1"/>
+          </a:effectRef>
+          <a:fontRef idx="minor">
+            <a:schemeClr val="lt1"/>
+          </a:fontRef>
+        </p:style>
+      </p:sp>
+      <p:sp>
+        <p:nvSpPr>
+          <p:cNvPr id="11" name="Rectangle 10"/>
+          <p:cNvSpPr/>
+          <p:nvPr/>
+        </p:nvSpPr>
+        <p:spPr>
+          <a:xfrm>
+            <a:off x="10585827" y="609600"/>
+            <a:ext cx="1602997" cy="1368198"/>
+          </a:xfrm>
+          <a:prstGeom prst="rect">
+            <a:avLst/>
+          </a:prstGeom>
+          <a:solidFill>
+            <a:schemeClr val="accent1"/>
+          </a:solidFill>
+          <a:ln>
+            <a:noFill/>
+          </a:ln>
+        </p:spPr>
+        <p:style>
+          <a:lnRef idx="2">
+            <a:schemeClr val="accent1">
+              <a:shade val="50000"/>
+            </a:schemeClr>
+          </a:lnRef>
+          <a:fillRef idx="1">
+            <a:schemeClr val="accent1"/>
+          </a:fillRef>
+          <a:effectRef idx="0">
+            <a:schemeClr val="accent1"/>
+          </a:effectRef>
+          <a:fontRef idx="minor">
+            <a:schemeClr val="lt1"/>
+          </a:fontRef>
+        </p:style>
+      </p:sp>
+      <p:sp>
+        <p:nvSpPr>
+          <p:cNvPr id="2" name="Title 1"/>
           <p:cNvSpPr>
             <a:spLocks noGrp="1"/>
           </p:cNvSpPr>
@@ -2177,15 +6540,17 @@
         </p:nvSpPr>
         <p:spPr>
           <a:xfrm>
-            <a:off x="839788" y="457200"/>
-            <a:ext cx="3932237" cy="1600200"/>
-          </a:xfrm>
-        </p:spPr>
-        <p:txBody>
-          <a:bodyPr anchor="b"/>
+            <a:off x="680321" y="753227"/>
+            <a:ext cx="9613859" cy="1080940"/>
+          </a:xfrm>
+        </p:spPr>
+        <p:txBody>
+          <a:bodyPr anchor="ctr">
+            <a:normAutofit/>
+          </a:bodyPr>
           <a:lstStyle>
             <a:lvl1pPr>
-              <a:defRPr sz="3200"/>
+              <a:defRPr sz="3600"/>
             </a:lvl1pPr>
           </a:lstStyle>
           <a:p>
@@ -2193,18 +6558,13 @@
               <a:rPr lang="pt-PT"/>
               <a:t>Clique para editar o estilo de título do Modelo Global</a:t>
             </a:r>
-          </a:p>
-        </p:txBody>
-      </p:sp>
-      <p:sp>
-        <p:nvSpPr>
-          <p:cNvPr id="3" name="Marcador de Posição de Conteúdo 2">
-            <a:extLst>
-              <a:ext uri="{FF2B5EF4-FFF2-40B4-BE49-F238E27FC236}">
-                <a16:creationId xmlns:a16="http://schemas.microsoft.com/office/drawing/2014/main" id="{D2C2BDFB-F25E-9941-CE45-993A7814DF29}"/>
-              </a:ext>
-            </a:extLst>
-          </p:cNvPr>
+            <a:endParaRPr lang="en-US" dirty="0"/>
+          </a:p>
+        </p:txBody>
+      </p:sp>
+      <p:sp>
+        <p:nvSpPr>
+          <p:cNvPr id="3" name="Content Placeholder 2"/>
           <p:cNvSpPr>
             <a:spLocks noGrp="1"/>
           </p:cNvSpPr>
@@ -2214,41 +6574,13 @@
         </p:nvSpPr>
         <p:spPr>
           <a:xfrm>
-            <a:off x="5183188" y="987425"/>
-            <a:ext cx="6172200" cy="4873625"/>
+            <a:off x="4685846" y="2336873"/>
+            <a:ext cx="5608336" cy="3599313"/>
           </a:xfrm>
         </p:spPr>
         <p:txBody>
           <a:bodyPr/>
-          <a:lstStyle>
-            <a:lvl1pPr>
-              <a:defRPr sz="3200"/>
-            </a:lvl1pPr>
-            <a:lvl2pPr>
-              <a:defRPr sz="2800"/>
-            </a:lvl2pPr>
-            <a:lvl3pPr>
-              <a:defRPr sz="2400"/>
-            </a:lvl3pPr>
-            <a:lvl4pPr>
-              <a:defRPr sz="2000"/>
-            </a:lvl4pPr>
-            <a:lvl5pPr>
-              <a:defRPr sz="2000"/>
-            </a:lvl5pPr>
-            <a:lvl6pPr>
-              <a:defRPr sz="2000"/>
-            </a:lvl6pPr>
-            <a:lvl7pPr>
-              <a:defRPr sz="2000"/>
-            </a:lvl7pPr>
-            <a:lvl8pPr>
-              <a:defRPr sz="2000"/>
-            </a:lvl8pPr>
-            <a:lvl9pPr>
-              <a:defRPr sz="2000"/>
-            </a:lvl9pPr>
-          </a:lstStyle>
+          <a:lstStyle/>
           <a:p>
             <a:pPr lvl="0"/>
             <a:r>
@@ -2283,18 +6615,13 @@
               <a:rPr lang="pt-PT"/>
               <a:t>Quinto nível</a:t>
             </a:r>
-          </a:p>
-        </p:txBody>
-      </p:sp>
-      <p:sp>
-        <p:nvSpPr>
-          <p:cNvPr id="4" name="Marcador de Posição do Texto 3">
-            <a:extLst>
-              <a:ext uri="{FF2B5EF4-FFF2-40B4-BE49-F238E27FC236}">
-                <a16:creationId xmlns:a16="http://schemas.microsoft.com/office/drawing/2014/main" id="{2DA11E41-0E23-1C0A-BE34-FF363A81870E}"/>
-              </a:ext>
-            </a:extLst>
-          </p:cNvPr>
+            <a:endParaRPr lang="en-US" dirty="0"/>
+          </a:p>
+        </p:txBody>
+      </p:sp>
+      <p:sp>
+        <p:nvSpPr>
+          <p:cNvPr id="4" name="Text Placeholder 3"/>
           <p:cNvSpPr>
             <a:spLocks noGrp="1"/>
           </p:cNvSpPr>
@@ -2304,12 +6631,12 @@
         </p:nvSpPr>
         <p:spPr>
           <a:xfrm>
-            <a:off x="839788" y="2057400"/>
-            <a:ext cx="3932237" cy="3811588"/>
-          </a:xfrm>
-        </p:spPr>
-        <p:txBody>
-          <a:bodyPr/>
+            <a:off x="680322" y="2336872"/>
+            <a:ext cx="3790078" cy="3599317"/>
+          </a:xfrm>
+        </p:spPr>
+        <p:txBody>
+          <a:bodyPr anchor="ctr"/>
           <a:lstStyle>
             <a:lvl1pPr marL="0" indent="0">
               <a:buNone/>
@@ -2359,13 +6686,7 @@
       </p:sp>
       <p:sp>
         <p:nvSpPr>
-          <p:cNvPr id="5" name="Marcador de Posição da Data 4">
-            <a:extLst>
-              <a:ext uri="{FF2B5EF4-FFF2-40B4-BE49-F238E27FC236}">
-                <a16:creationId xmlns:a16="http://schemas.microsoft.com/office/drawing/2014/main" id="{8669EFD2-FFA9-B961-CE68-30B2787DE479}"/>
-              </a:ext>
-            </a:extLst>
-          </p:cNvPr>
+          <p:cNvPr id="5" name="Date Placeholder 4"/>
           <p:cNvSpPr>
             <a:spLocks noGrp="1"/>
           </p:cNvSpPr>
@@ -2380,7 +6701,7 @@
           <a:p>
             <a:fld id="{7A38212A-5FB1-9E48-9DEB-EF9EE269AE75}" type="datetimeFigureOut">
               <a:rPr lang="pt-PT" smtClean="0"/>
-              <a:t>04/04/24</a:t>
+              <a:t>06/04/24</a:t>
             </a:fld>
             <a:endParaRPr lang="pt-PT"/>
           </a:p>
@@ -2388,13 +6709,7 @@
       </p:sp>
       <p:sp>
         <p:nvSpPr>
-          <p:cNvPr id="6" name="Marcador de Posição do Rodapé 5">
-            <a:extLst>
-              <a:ext uri="{FF2B5EF4-FFF2-40B4-BE49-F238E27FC236}">
-                <a16:creationId xmlns:a16="http://schemas.microsoft.com/office/drawing/2014/main" id="{F3D48AA2-077E-20C6-7573-28AD3D04CC9B}"/>
-              </a:ext>
-            </a:extLst>
-          </p:cNvPr>
+          <p:cNvPr id="6" name="Footer Placeholder 5"/>
           <p:cNvSpPr>
             <a:spLocks noGrp="1"/>
           </p:cNvSpPr>
@@ -2413,13 +6728,7 @@
       </p:sp>
       <p:sp>
         <p:nvSpPr>
-          <p:cNvPr id="7" name="Marcador de Posição do Número do Diapositivo 6">
-            <a:extLst>
-              <a:ext uri="{FF2B5EF4-FFF2-40B4-BE49-F238E27FC236}">
-                <a16:creationId xmlns:a16="http://schemas.microsoft.com/office/drawing/2014/main" id="{FAB3F2BB-A9B6-1EF0-793D-70AEDEC990A1}"/>
-              </a:ext>
-            </a:extLst>
-          </p:cNvPr>
+          <p:cNvPr id="7" name="Slide Number Placeholder 6"/>
           <p:cNvSpPr>
             <a:spLocks noGrp="1"/>
           </p:cNvSpPr>
@@ -2443,13 +6752,18 @@
     </p:spTree>
     <p:extLst>
       <p:ext uri="{BB962C8B-B14F-4D97-AF65-F5344CB8AC3E}">
-        <p14:creationId xmlns:p14="http://schemas.microsoft.com/office/powerpoint/2010/main" val="3337914706"/>
+        <p14:creationId xmlns:p14="http://schemas.microsoft.com/office/powerpoint/2010/main" val="961279970"/>
       </p:ext>
     </p:extLst>
   </p:cSld>
   <p:clrMapOvr>
     <a:masterClrMapping/>
   </p:clrMapOvr>
+  <p:extLst>
+    <p:ext uri="{DCECCB84-F9BA-43D5-87BE-67443E8EF086}">
+      <p15:sldGuideLst xmlns:p15="http://schemas.microsoft.com/office/powerpoint/2012/main"/>
+    </p:ext>
+  </p:extLst>
 </p:sldLayout>
 </file>
 
@@ -2470,15 +6784,148 @@
           <a:chExt cx="0" cy="0"/>
         </a:xfrm>
       </p:grpSpPr>
-      <p:sp>
-        <p:nvSpPr>
-          <p:cNvPr id="2" name="Título 1">
+      <p:pic>
+        <p:nvPicPr>
+          <p:cNvPr id="8" name="Picture 7" descr="HD-ShadowLong.png"/>
+          <p:cNvPicPr>
+            <a:picLocks noChangeAspect="1"/>
+          </p:cNvPicPr>
+          <p:nvPr/>
+        </p:nvPicPr>
+        <p:blipFill>
+          <a:blip r:embed="rId2">
             <a:extLst>
-              <a:ext uri="{FF2B5EF4-FFF2-40B4-BE49-F238E27FC236}">
-                <a16:creationId xmlns:a16="http://schemas.microsoft.com/office/drawing/2014/main" id="{F5E66BD7-6268-6602-B758-2C701600C9B8}"/>
+              <a:ext uri="{28A0092B-C50C-407E-A947-70E740481C1C}">
+                <a14:useLocalDpi xmlns:a14="http://schemas.microsoft.com/office/drawing/2010/main" val="0"/>
               </a:ext>
             </a:extLst>
-          </p:cNvPr>
+          </a:blip>
+          <a:stretch>
+            <a:fillRect/>
+          </a:stretch>
+        </p:blipFill>
+        <p:spPr>
+          <a:xfrm>
+            <a:off x="1" y="1970240"/>
+            <a:ext cx="10437812" cy="321164"/>
+          </a:xfrm>
+          <a:prstGeom prst="rect">
+            <a:avLst/>
+          </a:prstGeom>
+        </p:spPr>
+      </p:pic>
+      <p:pic>
+        <p:nvPicPr>
+          <p:cNvPr id="9" name="Picture 8" descr="HD-ShadowShort.png"/>
+          <p:cNvPicPr>
+            <a:picLocks noChangeAspect="1"/>
+          </p:cNvPicPr>
+          <p:nvPr/>
+        </p:nvPicPr>
+        <p:blipFill>
+          <a:blip r:embed="rId3">
+            <a:extLst>
+              <a:ext uri="{28A0092B-C50C-407E-A947-70E740481C1C}">
+                <a14:useLocalDpi xmlns:a14="http://schemas.microsoft.com/office/drawing/2010/main" val="0"/>
+              </a:ext>
+            </a:extLst>
+          </a:blip>
+          <a:stretch>
+            <a:fillRect/>
+          </a:stretch>
+        </p:blipFill>
+        <p:spPr>
+          <a:xfrm>
+            <a:off x="10585826" y="1971234"/>
+            <a:ext cx="1602997" cy="144270"/>
+          </a:xfrm>
+          <a:prstGeom prst="rect">
+            <a:avLst/>
+          </a:prstGeom>
+        </p:spPr>
+      </p:pic>
+      <p:sp>
+        <p:nvSpPr>
+          <p:cNvPr id="10" name="Rectangle 9"/>
+          <p:cNvSpPr/>
+          <p:nvPr/>
+        </p:nvSpPr>
+        <p:spPr bwMode="ltGray">
+          <a:xfrm>
+            <a:off x="0" y="609600"/>
+            <a:ext cx="10437812" cy="1368198"/>
+          </a:xfrm>
+          <a:prstGeom prst="rect">
+            <a:avLst/>
+          </a:prstGeom>
+          <a:solidFill>
+            <a:schemeClr val="bg1">
+              <a:lumMod val="85000"/>
+              <a:lumOff val="15000"/>
+            </a:schemeClr>
+          </a:solidFill>
+          <a:ln>
+            <a:noFill/>
+          </a:ln>
+        </p:spPr>
+        <p:style>
+          <a:lnRef idx="2">
+            <a:schemeClr val="accent1">
+              <a:shade val="50000"/>
+            </a:schemeClr>
+          </a:lnRef>
+          <a:fillRef idx="1">
+            <a:schemeClr val="accent1"/>
+          </a:fillRef>
+          <a:effectRef idx="0">
+            <a:schemeClr val="accent1"/>
+          </a:effectRef>
+          <a:fontRef idx="minor">
+            <a:schemeClr val="lt1"/>
+          </a:fontRef>
+        </p:style>
+      </p:sp>
+      <p:sp>
+        <p:nvSpPr>
+          <p:cNvPr id="11" name="Rectangle 10"/>
+          <p:cNvSpPr/>
+          <p:nvPr/>
+        </p:nvSpPr>
+        <p:spPr>
+          <a:xfrm>
+            <a:off x="10585827" y="609600"/>
+            <a:ext cx="1602997" cy="1368198"/>
+          </a:xfrm>
+          <a:prstGeom prst="rect">
+            <a:avLst/>
+          </a:prstGeom>
+          <a:solidFill>
+            <a:schemeClr val="accent1"/>
+          </a:solidFill>
+          <a:ln>
+            <a:noFill/>
+          </a:ln>
+        </p:spPr>
+        <p:style>
+          <a:lnRef idx="2">
+            <a:schemeClr val="accent1">
+              <a:shade val="50000"/>
+            </a:schemeClr>
+          </a:lnRef>
+          <a:fillRef idx="1">
+            <a:schemeClr val="accent1"/>
+          </a:fillRef>
+          <a:effectRef idx="0">
+            <a:schemeClr val="accent1"/>
+          </a:effectRef>
+          <a:fontRef idx="minor">
+            <a:schemeClr val="lt1"/>
+          </a:fontRef>
+        </p:style>
+      </p:sp>
+      <p:sp>
+        <p:nvSpPr>
+          <p:cNvPr id="2" name="Title 1"/>
           <p:cNvSpPr>
             <a:spLocks noGrp="1"/>
           </p:cNvSpPr>
@@ -2488,15 +6935,17 @@
         </p:nvSpPr>
         <p:spPr>
           <a:xfrm>
-            <a:off x="839788" y="457200"/>
-            <a:ext cx="3932237" cy="1600200"/>
-          </a:xfrm>
-        </p:spPr>
-        <p:txBody>
-          <a:bodyPr anchor="b"/>
+            <a:off x="680323" y="753228"/>
+            <a:ext cx="9613857" cy="1080938"/>
+          </a:xfrm>
+        </p:spPr>
+        <p:txBody>
+          <a:bodyPr anchor="ctr">
+            <a:normAutofit/>
+          </a:bodyPr>
           <a:lstStyle>
             <a:lvl1pPr>
-              <a:defRPr sz="3200"/>
+              <a:defRPr sz="3600"/>
             </a:lvl1pPr>
           </a:lstStyle>
           <a:p>
@@ -2504,20 +6953,15 @@
               <a:rPr lang="pt-PT"/>
               <a:t>Clique para editar o estilo de título do Modelo Global</a:t>
             </a:r>
-          </a:p>
-        </p:txBody>
-      </p:sp>
-      <p:sp>
-        <p:nvSpPr>
-          <p:cNvPr id="3" name="Marcador de Posição da Imagem 2">
-            <a:extLst>
-              <a:ext uri="{FF2B5EF4-FFF2-40B4-BE49-F238E27FC236}">
-                <a16:creationId xmlns:a16="http://schemas.microsoft.com/office/drawing/2014/main" id="{DB8C6B26-9563-C0DF-B6FB-6E8FFD96E5D7}"/>
-              </a:ext>
-            </a:extLst>
-          </p:cNvPr>
-          <p:cNvSpPr>
-            <a:spLocks noGrp="1"/>
+            <a:endParaRPr lang="en-US" dirty="0"/>
+          </a:p>
+        </p:txBody>
+      </p:sp>
+      <p:sp>
+        <p:nvSpPr>
+          <p:cNvPr id="3" name="Picture Placeholder 2"/>
+          <p:cNvSpPr>
+            <a:spLocks noGrp="1" noChangeAspect="1"/>
           </p:cNvSpPr>
           <p:nvPr>
             <p:ph type="pic" idx="1"/>
@@ -2525,12 +6969,23 @@
         </p:nvSpPr>
         <p:spPr>
           <a:xfrm>
-            <a:off x="5183188" y="987425"/>
-            <a:ext cx="6172200" cy="4873625"/>
-          </a:xfrm>
-        </p:spPr>
-        <p:txBody>
-          <a:bodyPr/>
+            <a:off x="4868333" y="2336874"/>
+            <a:ext cx="5425849" cy="3599312"/>
+          </a:xfrm>
+          <a:noFill/>
+          <a:ln>
+            <a:noFill/>
+          </a:ln>
+          <a:effectLst>
+            <a:outerShdw blurRad="76200" dist="63500" dir="5040000" algn="tl" rotWithShape="0">
+              <a:srgbClr val="000000">
+                <a:alpha val="41000"/>
+              </a:srgbClr>
+            </a:outerShdw>
+          </a:effectLst>
+        </p:spPr>
+        <p:txBody>
+          <a:bodyPr anchor="t"/>
           <a:lstStyle>
             <a:lvl1pPr marL="0" indent="0">
               <a:buNone/>
@@ -2570,19 +7025,17 @@
             </a:lvl9pPr>
           </a:lstStyle>
           <a:p>
-            <a:endParaRPr lang="pt-PT"/>
-          </a:p>
-        </p:txBody>
-      </p:sp>
-      <p:sp>
-        <p:nvSpPr>
-          <p:cNvPr id="4" name="Marcador de Posição do Texto 3">
-            <a:extLst>
-              <a:ext uri="{FF2B5EF4-FFF2-40B4-BE49-F238E27FC236}">
-                <a16:creationId xmlns:a16="http://schemas.microsoft.com/office/drawing/2014/main" id="{33E5173D-EE36-2A5F-7953-AFDE6AE3BDD3}"/>
-              </a:ext>
-            </a:extLst>
-          </p:cNvPr>
+            <a:r>
+              <a:rPr lang="pt-PT"/>
+              <a:t>Clique no ícone para adicionar uma imagem</a:t>
+            </a:r>
+            <a:endParaRPr lang="en-US" dirty="0"/>
+          </a:p>
+        </p:txBody>
+      </p:sp>
+      <p:sp>
+        <p:nvSpPr>
+          <p:cNvPr id="4" name="Text Placeholder 3"/>
           <p:cNvSpPr>
             <a:spLocks noGrp="1"/>
           </p:cNvSpPr>
@@ -2592,12 +7045,12 @@
         </p:nvSpPr>
         <p:spPr>
           <a:xfrm>
-            <a:off x="839788" y="2057400"/>
-            <a:ext cx="3932237" cy="3811588"/>
-          </a:xfrm>
-        </p:spPr>
-        <p:txBody>
-          <a:bodyPr/>
+            <a:off x="680323" y="2336873"/>
+            <a:ext cx="3876256" cy="3599315"/>
+          </a:xfrm>
+        </p:spPr>
+        <p:txBody>
+          <a:bodyPr anchor="ctr"/>
           <a:lstStyle>
             <a:lvl1pPr marL="0" indent="0">
               <a:buNone/>
@@ -2647,13 +7100,7 @@
       </p:sp>
       <p:sp>
         <p:nvSpPr>
-          <p:cNvPr id="5" name="Marcador de Posição da Data 4">
-            <a:extLst>
-              <a:ext uri="{FF2B5EF4-FFF2-40B4-BE49-F238E27FC236}">
-                <a16:creationId xmlns:a16="http://schemas.microsoft.com/office/drawing/2014/main" id="{755CF154-7D1A-CE70-27D9-5DFFD563B17E}"/>
-              </a:ext>
-            </a:extLst>
-          </p:cNvPr>
+          <p:cNvPr id="5" name="Date Placeholder 4"/>
           <p:cNvSpPr>
             <a:spLocks noGrp="1"/>
           </p:cNvSpPr>
@@ -2668,7 +7115,7 @@
           <a:p>
             <a:fld id="{7A38212A-5FB1-9E48-9DEB-EF9EE269AE75}" type="datetimeFigureOut">
               <a:rPr lang="pt-PT" smtClean="0"/>
-              <a:t>04/04/24</a:t>
+              <a:t>06/04/24</a:t>
             </a:fld>
             <a:endParaRPr lang="pt-PT"/>
           </a:p>
@@ -2676,13 +7123,7 @@
       </p:sp>
       <p:sp>
         <p:nvSpPr>
-          <p:cNvPr id="6" name="Marcador de Posição do Rodapé 5">
-            <a:extLst>
-              <a:ext uri="{FF2B5EF4-FFF2-40B4-BE49-F238E27FC236}">
-                <a16:creationId xmlns:a16="http://schemas.microsoft.com/office/drawing/2014/main" id="{E5EE6A66-D289-0FBD-A957-0D3629851A7B}"/>
-              </a:ext>
-            </a:extLst>
-          </p:cNvPr>
+          <p:cNvPr id="6" name="Footer Placeholder 5"/>
           <p:cNvSpPr>
             <a:spLocks noGrp="1"/>
           </p:cNvSpPr>
@@ -2701,13 +7142,7 @@
       </p:sp>
       <p:sp>
         <p:nvSpPr>
-          <p:cNvPr id="7" name="Marcador de Posição do Número do Diapositivo 6">
-            <a:extLst>
-              <a:ext uri="{FF2B5EF4-FFF2-40B4-BE49-F238E27FC236}">
-                <a16:creationId xmlns:a16="http://schemas.microsoft.com/office/drawing/2014/main" id="{88438671-7854-B13A-3F62-914026BBACAB}"/>
-              </a:ext>
-            </a:extLst>
-          </p:cNvPr>
+          <p:cNvPr id="7" name="Slide Number Placeholder 6"/>
           <p:cNvSpPr>
             <a:spLocks noGrp="1"/>
           </p:cNvSpPr>
@@ -2731,7 +7166,7 @@
     </p:spTree>
     <p:extLst>
       <p:ext uri="{BB962C8B-B14F-4D97-AF65-F5344CB8AC3E}">
-        <p14:creationId xmlns:p14="http://schemas.microsoft.com/office/powerpoint/2010/main" val="33622783"/>
+        <p14:creationId xmlns:p14="http://schemas.microsoft.com/office/powerpoint/2010/main" val="3921334951"/>
       </p:ext>
     </p:extLst>
   </p:cSld>
@@ -2745,8 +7180,8 @@
 <p:sldMaster xmlns:a="http://schemas.openxmlformats.org/drawingml/2006/main" xmlns:r="http://schemas.openxmlformats.org/officeDocument/2006/relationships" xmlns:p="http://schemas.openxmlformats.org/presentationml/2006/main">
   <p:cSld>
     <p:bg>
-      <p:bgRef idx="1001">
-        <a:schemeClr val="bg1"/>
+      <p:bgRef idx="1003">
+        <a:schemeClr val="bg2"/>
       </p:bgRef>
     </p:bg>
     <p:spTree>
@@ -2763,15 +7198,40 @@
           <a:chExt cx="0" cy="0"/>
         </a:xfrm>
       </p:grpSpPr>
-      <p:sp>
-        <p:nvSpPr>
-          <p:cNvPr id="2" name="Marcador de Posição do Título 1">
+      <p:pic>
+        <p:nvPicPr>
+          <p:cNvPr id="7" name="Picture 6" descr="hashOverlay-FullResolve.png"/>
+          <p:cNvPicPr>
+            <a:picLocks noChangeAspect="1"/>
+          </p:cNvPicPr>
+          <p:nvPr/>
+        </p:nvPicPr>
+        <p:blipFill>
+          <a:blip r:embed="rId19">
+            <a:alphaModFix amt="10000"/>
             <a:extLst>
-              <a:ext uri="{FF2B5EF4-FFF2-40B4-BE49-F238E27FC236}">
-                <a16:creationId xmlns:a16="http://schemas.microsoft.com/office/drawing/2014/main" id="{B11F76E9-B0B5-DEFB-3563-19F2897EB9C5}"/>
+              <a:ext uri="{28A0092B-C50C-407E-A947-70E740481C1C}">
+                <a14:useLocalDpi xmlns:a14="http://schemas.microsoft.com/office/drawing/2010/main" val="0"/>
               </a:ext>
             </a:extLst>
-          </p:cNvPr>
+          </a:blip>
+          <a:stretch>
+            <a:fillRect/>
+          </a:stretch>
+        </p:blipFill>
+        <p:spPr>
+          <a:xfrm>
+            <a:off x="0" y="0"/>
+            <a:ext cx="12192000" cy="6858000"/>
+          </a:xfrm>
+          <a:prstGeom prst="rect">
+            <a:avLst/>
+          </a:prstGeom>
+        </p:spPr>
+      </p:pic>
+      <p:sp>
+        <p:nvSpPr>
+          <p:cNvPr id="2" name="Title Placeholder 1"/>
           <p:cNvSpPr>
             <a:spLocks noGrp="1"/>
           </p:cNvSpPr>
@@ -2781,8 +7241,8 @@
         </p:nvSpPr>
         <p:spPr>
           <a:xfrm>
-            <a:off x="838200" y="365125"/>
-            <a:ext cx="10515600" cy="1325563"/>
+            <a:off x="680321" y="753228"/>
+            <a:ext cx="9613861" cy="1080938"/>
           </a:xfrm>
           <a:prstGeom prst="rect">
             <a:avLst/>
@@ -2798,18 +7258,13 @@
               <a:rPr lang="pt-PT"/>
               <a:t>Clique para editar o estilo de título do Modelo Global</a:t>
             </a:r>
-          </a:p>
-        </p:txBody>
-      </p:sp>
-      <p:sp>
-        <p:nvSpPr>
-          <p:cNvPr id="3" name="Marcador de Posição do Texto 2">
-            <a:extLst>
-              <a:ext uri="{FF2B5EF4-FFF2-40B4-BE49-F238E27FC236}">
-                <a16:creationId xmlns:a16="http://schemas.microsoft.com/office/drawing/2014/main" id="{9E20A71B-A466-B160-4BDE-3B199C533620}"/>
-              </a:ext>
-            </a:extLst>
-          </p:cNvPr>
+            <a:endParaRPr lang="en-US" dirty="0"/>
+          </a:p>
+        </p:txBody>
+      </p:sp>
+      <p:sp>
+        <p:nvSpPr>
+          <p:cNvPr id="3" name="Text Placeholder 2"/>
           <p:cNvSpPr>
             <a:spLocks noGrp="1"/>
           </p:cNvSpPr>
@@ -2819,8 +7274,8 @@
         </p:nvSpPr>
         <p:spPr>
           <a:xfrm>
-            <a:off x="838200" y="1825625"/>
-            <a:ext cx="10515600" cy="4351338"/>
+            <a:off x="680321" y="2336873"/>
+            <a:ext cx="9613861" cy="3599316"/>
           </a:xfrm>
           <a:prstGeom prst="rect">
             <a:avLst/>
@@ -2865,18 +7320,13 @@
               <a:rPr lang="pt-PT"/>
               <a:t>Quinto nível</a:t>
             </a:r>
-          </a:p>
-        </p:txBody>
-      </p:sp>
-      <p:sp>
-        <p:nvSpPr>
-          <p:cNvPr id="4" name="Marcador de Posição da Data 3">
-            <a:extLst>
-              <a:ext uri="{FF2B5EF4-FFF2-40B4-BE49-F238E27FC236}">
-                <a16:creationId xmlns:a16="http://schemas.microsoft.com/office/drawing/2014/main" id="{602EA522-0588-B1B9-1A46-DEEE0E803F26}"/>
-              </a:ext>
-            </a:extLst>
-          </p:cNvPr>
+            <a:endParaRPr lang="en-US" dirty="0"/>
+          </a:p>
+        </p:txBody>
+      </p:sp>
+      <p:sp>
+        <p:nvSpPr>
+          <p:cNvPr id="4" name="Date Placeholder 3"/>
           <p:cNvSpPr>
             <a:spLocks noGrp="1"/>
           </p:cNvSpPr>
@@ -2886,7 +7336,7 @@
         </p:nvSpPr>
         <p:spPr>
           <a:xfrm>
-            <a:off x="838200" y="6356350"/>
+            <a:off x="7550981" y="5936187"/>
             <a:ext cx="2743200" cy="365125"/>
           </a:xfrm>
           <a:prstGeom prst="rect">
@@ -2896,8 +7346,8 @@
         <p:txBody>
           <a:bodyPr vert="horz" lIns="91440" tIns="45720" rIns="91440" bIns="45720" rtlCol="0" anchor="ctr"/>
           <a:lstStyle>
-            <a:lvl1pPr algn="l">
-              <a:defRPr sz="1200">
+            <a:lvl1pPr algn="r">
+              <a:defRPr sz="1050">
                 <a:solidFill>
                   <a:schemeClr val="tx1">
                     <a:tint val="75000"/>
@@ -2909,7 +7359,7 @@
           <a:p>
             <a:fld id="{7A38212A-5FB1-9E48-9DEB-EF9EE269AE75}" type="datetimeFigureOut">
               <a:rPr lang="pt-PT" smtClean="0"/>
-              <a:t>04/04/24</a:t>
+              <a:t>06/04/24</a:t>
             </a:fld>
             <a:endParaRPr lang="pt-PT"/>
           </a:p>
@@ -2917,13 +7367,7 @@
       </p:sp>
       <p:sp>
         <p:nvSpPr>
-          <p:cNvPr id="5" name="Marcador de Posição do Rodapé 4">
-            <a:extLst>
-              <a:ext uri="{FF2B5EF4-FFF2-40B4-BE49-F238E27FC236}">
-                <a16:creationId xmlns:a16="http://schemas.microsoft.com/office/drawing/2014/main" id="{E5C42B3F-3AB7-62A3-B108-9968E9CF456D}"/>
-              </a:ext>
-            </a:extLst>
-          </p:cNvPr>
+          <p:cNvPr id="5" name="Footer Placeholder 4"/>
           <p:cNvSpPr>
             <a:spLocks noGrp="1"/>
           </p:cNvSpPr>
@@ -2933,8 +7377,8 @@
         </p:nvSpPr>
         <p:spPr>
           <a:xfrm>
-            <a:off x="4038600" y="6356350"/>
-            <a:ext cx="4114800" cy="365125"/>
+            <a:off x="680321" y="5936188"/>
+            <a:ext cx="6870660" cy="365125"/>
           </a:xfrm>
           <a:prstGeom prst="rect">
             <a:avLst/>
@@ -2943,8 +7387,8 @@
         <p:txBody>
           <a:bodyPr vert="horz" lIns="91440" tIns="45720" rIns="91440" bIns="45720" rtlCol="0" anchor="ctr"/>
           <a:lstStyle>
-            <a:lvl1pPr algn="ctr">
-              <a:defRPr sz="1200">
+            <a:lvl1pPr algn="l">
+              <a:defRPr sz="1050">
                 <a:solidFill>
                   <a:schemeClr val="tx1">
                     <a:tint val="75000"/>
@@ -2960,13 +7404,7 @@
       </p:sp>
       <p:sp>
         <p:nvSpPr>
-          <p:cNvPr id="6" name="Marcador de Posição do Número do Diapositivo 5">
-            <a:extLst>
-              <a:ext uri="{FF2B5EF4-FFF2-40B4-BE49-F238E27FC236}">
-                <a16:creationId xmlns:a16="http://schemas.microsoft.com/office/drawing/2014/main" id="{36877739-191A-4E6E-4C14-156871A9A071}"/>
-              </a:ext>
-            </a:extLst>
-          </p:cNvPr>
+          <p:cNvPr id="6" name="Slide Number Placeholder 5"/>
           <p:cNvSpPr>
             <a:spLocks noGrp="1"/>
           </p:cNvSpPr>
@@ -2976,8 +7414,8 @@
         </p:nvSpPr>
         <p:spPr>
           <a:xfrm>
-            <a:off x="8610600" y="6356350"/>
-            <a:ext cx="2743200" cy="365125"/>
+            <a:off x="10729455" y="753227"/>
+            <a:ext cx="1154151" cy="1090789"/>
           </a:xfrm>
           <a:prstGeom prst="rect">
             <a:avLst/>
@@ -2986,8 +7424,8 @@
         <p:txBody>
           <a:bodyPr vert="horz" lIns="91440" tIns="45720" rIns="91440" bIns="45720" rtlCol="0" anchor="ctr"/>
           <a:lstStyle>
-            <a:lvl1pPr algn="r">
-              <a:defRPr sz="1200">
+            <a:lvl1pPr algn="l">
+              <a:defRPr sz="3600">
                 <a:solidFill>
                   <a:schemeClr val="tx1">
                     <a:tint val="75000"/>
@@ -3008,23 +7446,29 @@
     </p:spTree>
     <p:extLst>
       <p:ext uri="{BB962C8B-B14F-4D97-AF65-F5344CB8AC3E}">
-        <p14:creationId xmlns:p14="http://schemas.microsoft.com/office/powerpoint/2010/main" val="1072094109"/>
+        <p14:creationId xmlns:p14="http://schemas.microsoft.com/office/powerpoint/2010/main" val="1845572708"/>
       </p:ext>
     </p:extLst>
   </p:cSld>
-  <p:clrMap bg1="lt1" tx1="dk1" bg2="lt2" tx2="dk2" accent1="accent1" accent2="accent2" accent3="accent3" accent4="accent4" accent5="accent5" accent6="accent6" hlink="hlink" folHlink="folHlink"/>
+  <p:clrMap bg1="dk1" tx1="lt1" bg2="dk2" tx2="lt2" accent1="accent1" accent2="accent2" accent3="accent3" accent4="accent4" accent5="accent5" accent6="accent6" hlink="hlink" folHlink="folHlink"/>
   <p:sldLayoutIdLst>
-    <p:sldLayoutId id="2147483649" r:id="rId1"/>
-    <p:sldLayoutId id="2147483650" r:id="rId2"/>
-    <p:sldLayoutId id="2147483651" r:id="rId3"/>
-    <p:sldLayoutId id="2147483652" r:id="rId4"/>
-    <p:sldLayoutId id="2147483653" r:id="rId5"/>
-    <p:sldLayoutId id="2147483654" r:id="rId6"/>
-    <p:sldLayoutId id="2147483655" r:id="rId7"/>
-    <p:sldLayoutId id="2147483656" r:id="rId8"/>
-    <p:sldLayoutId id="2147483657" r:id="rId9"/>
-    <p:sldLayoutId id="2147483658" r:id="rId10"/>
-    <p:sldLayoutId id="2147483659" r:id="rId11"/>
+    <p:sldLayoutId id="2147483799" r:id="rId1"/>
+    <p:sldLayoutId id="2147483800" r:id="rId2"/>
+    <p:sldLayoutId id="2147483801" r:id="rId3"/>
+    <p:sldLayoutId id="2147483802" r:id="rId4"/>
+    <p:sldLayoutId id="2147483803" r:id="rId5"/>
+    <p:sldLayoutId id="2147483804" r:id="rId6"/>
+    <p:sldLayoutId id="2147483805" r:id="rId7"/>
+    <p:sldLayoutId id="2147483806" r:id="rId8"/>
+    <p:sldLayoutId id="2147483807" r:id="rId9"/>
+    <p:sldLayoutId id="2147483808" r:id="rId10"/>
+    <p:sldLayoutId id="2147483809" r:id="rId11"/>
+    <p:sldLayoutId id="2147483810" r:id="rId12"/>
+    <p:sldLayoutId id="2147483811" r:id="rId13"/>
+    <p:sldLayoutId id="2147483812" r:id="rId14"/>
+    <p:sldLayoutId id="2147483813" r:id="rId15"/>
+    <p:sldLayoutId id="2147483814" r:id="rId16"/>
+    <p:sldLayoutId id="2147483815" r:id="rId17"/>
   </p:sldLayoutIdLst>
   <p:txStyles>
     <p:titleStyle>
@@ -3036,7 +7480,7 @@
           <a:spcPct val="0"/>
         </a:spcBef>
         <a:buNone/>
-        <a:defRPr sz="4400" kern="1200">
+        <a:defRPr sz="3600" kern="1200">
           <a:solidFill>
             <a:schemeClr val="tx1"/>
           </a:solidFill>
@@ -3056,7 +7500,7 @@
         </a:spcBef>
         <a:buFont typeface="Arial" panose="020B0604020202020204" pitchFamily="34" charset="0"/>
         <a:buChar char="•"/>
-        <a:defRPr sz="2800" kern="1200">
+        <a:defRPr sz="2400" kern="1200">
           <a:solidFill>
             <a:schemeClr val="tx1"/>
           </a:solidFill>
@@ -3074,7 +7518,7 @@
         </a:spcBef>
         <a:buFont typeface="Arial" panose="020B0604020202020204" pitchFamily="34" charset="0"/>
         <a:buChar char="•"/>
-        <a:defRPr sz="2400" kern="1200">
+        <a:defRPr sz="2000" kern="1200">
           <a:solidFill>
             <a:schemeClr val="tx1"/>
           </a:solidFill>
@@ -3092,7 +7536,7 @@
         </a:spcBef>
         <a:buFont typeface="Arial" panose="020B0604020202020204" pitchFamily="34" charset="0"/>
         <a:buChar char="•"/>
-        <a:defRPr sz="2000" kern="1200">
+        <a:defRPr sz="1800" kern="1200">
           <a:solidFill>
             <a:schemeClr val="tx1"/>
           </a:solidFill>
@@ -3110,7 +7554,7 @@
         </a:spcBef>
         <a:buFont typeface="Arial" panose="020B0604020202020204" pitchFamily="34" charset="0"/>
         <a:buChar char="•"/>
-        <a:defRPr sz="1800" kern="1200">
+        <a:defRPr sz="1600" kern="1200">
           <a:solidFill>
             <a:schemeClr val="tx1"/>
           </a:solidFill>
@@ -3128,7 +7572,7 @@
         </a:spcBef>
         <a:buFont typeface="Arial" panose="020B0604020202020204" pitchFamily="34" charset="0"/>
         <a:buChar char="•"/>
-        <a:defRPr sz="1800" kern="1200">
+        <a:defRPr sz="1600" kern="1200">
           <a:solidFill>
             <a:schemeClr val="tx1"/>
           </a:solidFill>
@@ -3146,7 +7590,7 @@
         </a:spcBef>
         <a:buFont typeface="Arial" panose="020B0604020202020204" pitchFamily="34" charset="0"/>
         <a:buChar char="•"/>
-        <a:defRPr sz="1800" kern="1200">
+        <a:defRPr sz="1400" kern="1200">
           <a:solidFill>
             <a:schemeClr val="tx1"/>
           </a:solidFill>
@@ -3164,7 +7608,7 @@
         </a:spcBef>
         <a:buFont typeface="Arial" panose="020B0604020202020204" pitchFamily="34" charset="0"/>
         <a:buChar char="•"/>
-        <a:defRPr sz="1800" kern="1200">
+        <a:defRPr sz="1400" kern="1200">
           <a:solidFill>
             <a:schemeClr val="tx1"/>
           </a:solidFill>
@@ -3182,7 +7626,7 @@
         </a:spcBef>
         <a:buFont typeface="Arial" panose="020B0604020202020204" pitchFamily="34" charset="0"/>
         <a:buChar char="•"/>
-        <a:defRPr sz="1800" kern="1200">
+        <a:defRPr sz="1400" kern="1200">
           <a:solidFill>
             <a:schemeClr val="tx1"/>
           </a:solidFill>
@@ -3200,7 +7644,7 @@
         </a:spcBef>
         <a:buFont typeface="Arial" panose="020B0604020202020204" pitchFamily="34" charset="0"/>
         <a:buChar char="•"/>
-        <a:defRPr sz="1800" kern="1200">
+        <a:defRPr sz="1400" kern="1200">
           <a:solidFill>
             <a:schemeClr val="tx1"/>
           </a:solidFill>
@@ -3212,7 +7656,7 @@
     </p:bodyStyle>
     <p:otherStyle>
       <a:defPPr>
-        <a:defRPr lang="pt-PT"/>
+        <a:defRPr lang="en-US"/>
       </a:defPPr>
       <a:lvl1pPr marL="0" algn="l" defTabSz="914400" rtl="0" eaLnBrk="1" latinLnBrk="0" hangingPunct="1">
         <a:defRPr sz="1800" kern="1200">
@@ -3306,6 +7750,11 @@
       </a:lvl9pPr>
     </p:otherStyle>
   </p:txStyles>
+  <p:extLst>
+    <p:ext uri="{27BBF7A9-308A-43DC-89C8-2F10F3537804}">
+      <p15:sldGuideLst xmlns:p15="http://schemas.microsoft.com/office/powerpoint/2012/main"/>
+    </p:ext>
+  </p:extLst>
 </p:sldMaster>
 </file>
 
@@ -3377,13 +7826,7 @@
           <a:p>
             <a:r>
               <a:rPr lang="pt-PT" b="0" i="0" u="none" strike="noStrike" dirty="0">
-                <a:solidFill>
-                  <a:srgbClr val="1F1F1F"/>
-                </a:solidFill>
                 <a:effectLst/>
-                <a:highlight>
-                  <a:srgbClr val="FFFFFF"/>
-                </a:highlight>
                 <a:latin typeface="Google Sans"/>
               </a:rPr>
               <a:t>Damas é um jogo que teve origem no Antigo Egito, é um jogo conhecido pela sua simplicidade mas ao mesmo tempo  pela estratégia mais complexa. </a:t>
@@ -3392,13 +7835,7 @@
           <a:p>
             <a:r>
               <a:rPr lang="pt-PT" b="0" i="0" u="none" strike="noStrike" dirty="0">
-                <a:solidFill>
-                  <a:srgbClr val="1F1F1F"/>
-                </a:solidFill>
                 <a:effectLst/>
-                <a:highlight>
-                  <a:srgbClr val="FFFFFF"/>
-                </a:highlight>
                 <a:latin typeface="Google Sans"/>
               </a:rPr>
               <a:t> O tabuleiro(8x8) xadrez tem 64 casas, 32 escuras e 32 claras onde o principal objetivo é deixar o adversário sem peças em cima do tabuleiro.</a:t>
@@ -3432,6 +7869,41 @@
 <file path=ppt/slides/slide2.xml><?xml version="1.0" encoding="utf-8"?>
 <p:sld xmlns:a="http://schemas.openxmlformats.org/drawingml/2006/main" xmlns:r="http://schemas.openxmlformats.org/officeDocument/2006/relationships" xmlns:p="http://schemas.openxmlformats.org/presentationml/2006/main">
   <p:cSld>
+    <p:bg>
+      <p:bgPr>
+        <a:gradFill rotWithShape="1">
+          <a:gsLst>
+            <a:gs pos="0">
+              <a:schemeClr val="bg2">
+                <a:tint val="96000"/>
+                <a:shade val="100000"/>
+                <a:hueMod val="270000"/>
+                <a:satMod val="200000"/>
+                <a:lumMod val="128000"/>
+              </a:schemeClr>
+            </a:gs>
+            <a:gs pos="50000">
+              <a:schemeClr val="bg2">
+                <a:shade val="100000"/>
+                <a:hueMod val="100000"/>
+                <a:satMod val="110000"/>
+                <a:lumMod val="130000"/>
+              </a:schemeClr>
+            </a:gs>
+            <a:gs pos="100000">
+              <a:schemeClr val="bg2">
+                <a:shade val="78000"/>
+                <a:hueMod val="44000"/>
+                <a:satMod val="200000"/>
+                <a:lumMod val="69000"/>
+              </a:schemeClr>
+            </a:gs>
+          </a:gsLst>
+          <a:lin ang="2520000" scaled="0"/>
+        </a:gradFill>
+        <a:effectLst/>
+      </p:bgPr>
+    </p:bg>
     <p:spTree>
       <p:nvGrpSpPr>
         <p:cNvPr id="1" name=""/>
@@ -3446,6 +7918,230 @@
           <a:chExt cx="0" cy="0"/>
         </a:xfrm>
       </p:grpSpPr>
+      <p:sp useBgFill="1">
+        <p:nvSpPr>
+          <p:cNvPr id="4103" name="Rectangle 4102">
+            <a:extLst>
+              <a:ext uri="{FF2B5EF4-FFF2-40B4-BE49-F238E27FC236}">
+                <a16:creationId xmlns:a16="http://schemas.microsoft.com/office/drawing/2014/main" id="{3FECAD23-900F-4F1B-A441-6A68749F88D4}"/>
+              </a:ext>
+              <a:ext uri="{C183D7F6-B498-43B3-948B-1728B52AA6E4}">
+                <adec:decorative xmlns:adec="http://schemas.microsoft.com/office/drawing/2017/decorative" val="1"/>
+              </a:ext>
+            </a:extLst>
+          </p:cNvPr>
+          <p:cNvSpPr>
+            <a:spLocks noGrp="1" noRot="1" noChangeAspect="1" noMove="1" noResize="1" noEditPoints="1" noAdjustHandles="1" noChangeArrowheads="1" noChangeShapeType="1" noTextEdit="1"/>
+          </p:cNvSpPr>
+          <p:nvPr>
+            <p:extLst>
+              <p:ext uri="{386F3935-93C4-4BCD-93E2-E3B085C9AB24}">
+                <p16:designElem xmlns:p16="http://schemas.microsoft.com/office/powerpoint/2015/main" val="1"/>
+              </p:ext>
+            </p:extLst>
+          </p:nvPr>
+        </p:nvSpPr>
+        <p:spPr>
+          <a:xfrm>
+            <a:off x="0" y="-1"/>
+            <a:ext cx="12188824" cy="6858001"/>
+          </a:xfrm>
+          <a:prstGeom prst="rect">
+            <a:avLst/>
+          </a:prstGeom>
+          <a:ln>
+            <a:noFill/>
+          </a:ln>
+        </p:spPr>
+        <p:style>
+          <a:lnRef idx="2">
+            <a:schemeClr val="accent1">
+              <a:shade val="50000"/>
+            </a:schemeClr>
+          </a:lnRef>
+          <a:fillRef idx="1">
+            <a:schemeClr val="accent1"/>
+          </a:fillRef>
+          <a:effectRef idx="0">
+            <a:schemeClr val="accent1"/>
+          </a:effectRef>
+          <a:fontRef idx="minor">
+            <a:schemeClr val="lt1"/>
+          </a:fontRef>
+        </p:style>
+        <p:txBody>
+          <a:bodyPr rtlCol="0" anchor="ctr"/>
+          <a:lstStyle/>
+          <a:p>
+            <a:pPr algn="ctr"/>
+            <a:endParaRPr lang="en-US"/>
+          </a:p>
+        </p:txBody>
+      </p:sp>
+      <p:pic>
+        <p:nvPicPr>
+          <p:cNvPr id="4105" name="Picture 4104">
+            <a:extLst>
+              <a:ext uri="{FF2B5EF4-FFF2-40B4-BE49-F238E27FC236}">
+                <a16:creationId xmlns:a16="http://schemas.microsoft.com/office/drawing/2014/main" id="{57943801-CAEC-4F98-9332-2A4D9128463E}"/>
+              </a:ext>
+              <a:ext uri="{C183D7F6-B498-43B3-948B-1728B52AA6E4}">
+                <adec:decorative xmlns:adec="http://schemas.microsoft.com/office/drawing/2017/decorative" val="1"/>
+              </a:ext>
+            </a:extLst>
+          </p:cNvPr>
+          <p:cNvPicPr>
+            <a:picLocks noGrp="1" noRot="1" noChangeAspect="1" noMove="1" noResize="1" noEditPoints="1" noAdjustHandles="1" noChangeArrowheads="1" noChangeShapeType="1" noCrop="1"/>
+          </p:cNvPicPr>
+          <p:nvPr>
+            <p:extLst>
+              <p:ext uri="{386F3935-93C4-4BCD-93E2-E3B085C9AB24}">
+                <p16:designElem xmlns:p16="http://schemas.microsoft.com/office/powerpoint/2015/main" val="1"/>
+              </p:ext>
+            </p:extLst>
+          </p:nvPr>
+        </p:nvPicPr>
+        <p:blipFill>
+          <a:blip r:embed="rId2">
+            <a:alphaModFix amt="10000"/>
+            <a:extLst>
+              <a:ext uri="{28A0092B-C50C-407E-A947-70E740481C1C}">
+                <a14:useLocalDpi xmlns:a14="http://schemas.microsoft.com/office/drawing/2010/main" val="0"/>
+              </a:ext>
+            </a:extLst>
+          </a:blip>
+          <a:stretch>
+            <a:fillRect/>
+          </a:stretch>
+        </p:blipFill>
+        <p:spPr>
+          <a:xfrm>
+            <a:off x="0" y="0"/>
+            <a:ext cx="12192000" cy="6858000"/>
+          </a:xfrm>
+          <a:prstGeom prst="rect">
+            <a:avLst/>
+          </a:prstGeom>
+        </p:spPr>
+      </p:pic>
+      <p:sp>
+        <p:nvSpPr>
+          <p:cNvPr id="4107" name="Rectangle 4106">
+            <a:extLst>
+              <a:ext uri="{FF2B5EF4-FFF2-40B4-BE49-F238E27FC236}">
+                <a16:creationId xmlns:a16="http://schemas.microsoft.com/office/drawing/2014/main" id="{8A233090-6C39-4F59-8A0F-86F011A7EEEB}"/>
+              </a:ext>
+              <a:ext uri="{C183D7F6-B498-43B3-948B-1728B52AA6E4}">
+                <adec:decorative xmlns:adec="http://schemas.microsoft.com/office/drawing/2017/decorative" val="1"/>
+              </a:ext>
+            </a:extLst>
+          </p:cNvPr>
+          <p:cNvSpPr>
+            <a:spLocks noGrp="1" noRot="1" noChangeAspect="1" noMove="1" noResize="1" noEditPoints="1" noAdjustHandles="1" noChangeArrowheads="1" noChangeShapeType="1" noTextEdit="1"/>
+          </p:cNvSpPr>
+          <p:nvPr>
+            <p:extLst>
+              <p:ext uri="{386F3935-93C4-4BCD-93E2-E3B085C9AB24}">
+                <p16:designElem xmlns:p16="http://schemas.microsoft.com/office/powerpoint/2015/main" val="1"/>
+              </p:ext>
+            </p:extLst>
+          </p:nvPr>
+        </p:nvSpPr>
+        <p:spPr>
+          <a:xfrm>
+            <a:off x="7555992" y="0"/>
+            <a:ext cx="4636008" cy="6858001"/>
+          </a:xfrm>
+          <a:prstGeom prst="rect">
+            <a:avLst/>
+          </a:prstGeom>
+          <a:ln>
+            <a:noFill/>
+          </a:ln>
+        </p:spPr>
+        <p:style>
+          <a:lnRef idx="2">
+            <a:schemeClr val="accent1">
+              <a:shade val="50000"/>
+            </a:schemeClr>
+          </a:lnRef>
+          <a:fillRef idx="1">
+            <a:schemeClr val="accent1"/>
+          </a:fillRef>
+          <a:effectRef idx="0">
+            <a:schemeClr val="accent1"/>
+          </a:effectRef>
+          <a:fontRef idx="minor">
+            <a:schemeClr val="lt1"/>
+          </a:fontRef>
+        </p:style>
+        <p:txBody>
+          <a:bodyPr rtlCol="0" anchor="ctr"/>
+          <a:lstStyle/>
+          <a:p>
+            <a:pPr algn="ctr"/>
+            <a:endParaRPr lang="en-US"/>
+          </a:p>
+        </p:txBody>
+      </p:sp>
+      <p:sp>
+        <p:nvSpPr>
+          <p:cNvPr id="4109" name="Rectangle 4108">
+            <a:extLst>
+              <a:ext uri="{FF2B5EF4-FFF2-40B4-BE49-F238E27FC236}">
+                <a16:creationId xmlns:a16="http://schemas.microsoft.com/office/drawing/2014/main" id="{484DCAA0-4BF1-4FB9-97BA-D6BA630419A0}"/>
+              </a:ext>
+              <a:ext uri="{C183D7F6-B498-43B3-948B-1728B52AA6E4}">
+                <adec:decorative xmlns:adec="http://schemas.microsoft.com/office/drawing/2017/decorative" val="1"/>
+              </a:ext>
+            </a:extLst>
+          </p:cNvPr>
+          <p:cNvSpPr>
+            <a:spLocks noGrp="1" noRot="1" noChangeAspect="1" noMove="1" noResize="1" noEditPoints="1" noAdjustHandles="1" noChangeArrowheads="1" noChangeShapeType="1" noTextEdit="1"/>
+          </p:cNvSpPr>
+          <p:nvPr>
+            <p:extLst>
+              <p:ext uri="{386F3935-93C4-4BCD-93E2-E3B085C9AB24}">
+                <p16:designElem xmlns:p16="http://schemas.microsoft.com/office/powerpoint/2015/main" val="1"/>
+              </p:ext>
+            </p:extLst>
+          </p:nvPr>
+        </p:nvSpPr>
+        <p:spPr bwMode="grayWhite">
+          <a:xfrm>
+            <a:off x="2" y="609600"/>
+            <a:ext cx="7876030" cy="1368198"/>
+          </a:xfrm>
+          <a:prstGeom prst="rect">
+            <a:avLst/>
+          </a:prstGeom>
+          <a:solidFill>
+            <a:schemeClr val="bg1">
+              <a:lumMod val="85000"/>
+              <a:lumOff val="15000"/>
+            </a:schemeClr>
+          </a:solidFill>
+          <a:ln>
+            <a:noFill/>
+          </a:ln>
+        </p:spPr>
+        <p:style>
+          <a:lnRef idx="2">
+            <a:schemeClr val="accent1">
+              <a:shade val="50000"/>
+            </a:schemeClr>
+          </a:lnRef>
+          <a:fillRef idx="1">
+            <a:schemeClr val="accent1"/>
+          </a:fillRef>
+          <a:effectRef idx="0">
+            <a:schemeClr val="accent1"/>
+          </a:effectRef>
+          <a:fontRef idx="minor">
+            <a:schemeClr val="lt1"/>
+          </a:fontRef>
+        </p:style>
+      </p:sp>
       <p:sp>
         <p:nvSpPr>
           <p:cNvPr id="2" name="Título 1">
@@ -3462,9 +8158,16 @@
             <p:ph type="title"/>
           </p:nvPr>
         </p:nvSpPr>
-        <p:spPr/>
-        <p:txBody>
-          <a:bodyPr/>
+        <p:spPr>
+          <a:xfrm>
+            <a:off x="680321" y="753228"/>
+            <a:ext cx="7087552" cy="1080938"/>
+          </a:xfrm>
+        </p:spPr>
+        <p:txBody>
+          <a:bodyPr>
+            <a:normAutofit/>
+          </a:bodyPr>
           <a:lstStyle/>
           <a:p>
             <a:r>
@@ -3474,6 +8177,51 @@
           </a:p>
         </p:txBody>
       </p:sp>
+      <p:pic>
+        <p:nvPicPr>
+          <p:cNvPr id="4111" name="Picture 4110">
+            <a:extLst>
+              <a:ext uri="{FF2B5EF4-FFF2-40B4-BE49-F238E27FC236}">
+                <a16:creationId xmlns:a16="http://schemas.microsoft.com/office/drawing/2014/main" id="{9BC2FEA5-B399-458A-8393-E06CE40DB89C}"/>
+              </a:ext>
+              <a:ext uri="{C183D7F6-B498-43B3-948B-1728B52AA6E4}">
+                <adec:decorative xmlns:adec="http://schemas.microsoft.com/office/drawing/2017/decorative" val="1"/>
+              </a:ext>
+            </a:extLst>
+          </p:cNvPr>
+          <p:cNvPicPr>
+            <a:picLocks noGrp="1" noRot="1" noChangeAspect="1" noMove="1" noResize="1" noEditPoints="1" noAdjustHandles="1" noChangeArrowheads="1" noChangeShapeType="1" noCrop="1"/>
+          </p:cNvPicPr>
+          <p:nvPr>
+            <p:extLst>
+              <p:ext uri="{386F3935-93C4-4BCD-93E2-E3B085C9AB24}">
+                <p16:designElem xmlns:p16="http://schemas.microsoft.com/office/powerpoint/2015/main" val="1"/>
+              </p:ext>
+            </p:extLst>
+          </p:nvPr>
+        </p:nvPicPr>
+        <p:blipFill>
+          <a:blip r:embed="rId3">
+            <a:extLst>
+              <a:ext uri="{28A0092B-C50C-407E-A947-70E740481C1C}">
+                <a14:useLocalDpi xmlns:a14="http://schemas.microsoft.com/office/drawing/2010/main" val="0"/>
+              </a:ext>
+            </a:extLst>
+          </a:blip>
+          <a:stretch>
+            <a:fillRect/>
+          </a:stretch>
+        </p:blipFill>
+        <p:spPr>
+          <a:xfrm>
+            <a:off x="2" y="1970240"/>
+            <a:ext cx="7967048" cy="321164"/>
+          </a:xfrm>
+          <a:prstGeom prst="rect">
+            <a:avLst/>
+          </a:prstGeom>
+        </p:spPr>
+      </p:pic>
       <p:sp>
         <p:nvSpPr>
           <p:cNvPr id="3" name="Marcador de Posição de Conteúdo 2">
@@ -3490,93 +8238,94 @@
             <p:ph idx="1"/>
           </p:nvPr>
         </p:nvSpPr>
-        <p:spPr/>
+        <p:spPr>
+          <a:xfrm>
+            <a:off x="680321" y="2336873"/>
+            <a:ext cx="6423211" cy="3599316"/>
+          </a:xfrm>
+        </p:spPr>
         <p:txBody>
           <a:bodyPr>
-            <a:normAutofit fontScale="92500" lnSpcReduction="10000"/>
+            <a:normAutofit/>
           </a:bodyPr>
           <a:lstStyle/>
           <a:p>
             <a:r>
-              <a:rPr lang="pt-PT" dirty="0"/>
+              <a:rPr lang="pt-PT" sz="2000" dirty="0"/>
               <a:t>No total existem 24 peças 12 pretas e 12 brancas e as peças são colocadas nas casas escuras o que dá 4 peças em 3 linhas.</a:t>
             </a:r>
           </a:p>
           <a:p>
             <a:r>
-              <a:rPr lang="pt-PT" dirty="0"/>
+              <a:rPr lang="pt-PT" sz="2000" dirty="0"/>
               <a:t>O jogador das peças brancas é o primeiro a começar.</a:t>
             </a:r>
           </a:p>
           <a:p>
-            <a:r>
-              <a:rPr lang="pt-PT" dirty="0"/>
-              <a:t>As peças só se movem na uma casa na diagonal e </a:t>
-            </a:r>
-            <a:r>
-              <a:rPr lang="pt-PT" dirty="0">
+            <a:endParaRPr lang="pt-PT" sz="1700" dirty="0"/>
+          </a:p>
+        </p:txBody>
+      </p:sp>
+      <p:pic>
+        <p:nvPicPr>
+          <p:cNvPr id="4098" name="Picture 2" descr="Loja Online » Setas, Cartas, Damas, Dómino, Xadrez » Cartas, Damas, Dominó  e Xadrez » Tabuleiro de damas :: Bilhares Telhado">
+            <a:extLst>
+              <a:ext uri="{FF2B5EF4-FFF2-40B4-BE49-F238E27FC236}">
+                <a16:creationId xmlns:a16="http://schemas.microsoft.com/office/drawing/2014/main" id="{02A35E05-3844-40BF-E784-F1328241286C}"/>
+              </a:ext>
+            </a:extLst>
+          </p:cNvPr>
+          <p:cNvPicPr>
+            <a:picLocks noChangeAspect="1" noChangeArrowheads="1"/>
+          </p:cNvPicPr>
+          <p:nvPr/>
+        </p:nvPicPr>
+        <p:blipFill>
+          <a:blip r:embed="rId4">
+            <a:extLst>
+              <a:ext uri="{28A0092B-C50C-407E-A947-70E740481C1C}">
+                <a14:useLocalDpi xmlns:a14="http://schemas.microsoft.com/office/drawing/2010/main" val="0"/>
+              </a:ext>
+            </a:extLst>
+          </a:blip>
+          <a:stretch>
+            <a:fillRect/>
+          </a:stretch>
+        </p:blipFill>
+        <p:spPr bwMode="auto">
+          <a:xfrm>
+            <a:off x="8187091" y="2198957"/>
+            <a:ext cx="3358478" cy="2460085"/>
+          </a:xfrm>
+          <a:prstGeom prst="rect">
+            <a:avLst/>
+          </a:prstGeom>
+          <a:noFill/>
+          <a:ln>
+            <a:noFill/>
+          </a:ln>
+          <a:effectLst>
+            <a:outerShdw blurRad="76200" dist="63500" dir="5040000" algn="tl" rotWithShape="0">
+              <a:srgbClr val="000000">
+                <a:alpha val="41000"/>
+              </a:srgbClr>
+            </a:outerShdw>
+          </a:effectLst>
+          <a:extLst>
+            <a:ext uri="{909E8E84-426E-40DD-AFC4-6F175D3DCCD1}">
+              <a14:hiddenFill xmlns:a14="http://schemas.microsoft.com/office/drawing/2010/main">
                 <a:solidFill>
-                  <a:srgbClr val="1F1F1F"/>
+                  <a:srgbClr val="FFFFFF"/>
                 </a:solidFill>
-                <a:highlight>
-                  <a:srgbClr val="FFFFFF"/>
-                </a:highlight>
-                <a:latin typeface="Google Sans"/>
-              </a:rPr>
-              <a:t>c</a:t>
-            </a:r>
-            <a:r>
-              <a:rPr lang="pt-PT" b="0" i="0" u="none" strike="noStrike" dirty="0">
-                <a:solidFill>
-                  <a:srgbClr val="1F1F1F"/>
-                </a:solidFill>
-                <a:effectLst/>
-                <a:highlight>
-                  <a:srgbClr val="FFFFFF"/>
-                </a:highlight>
-                <a:latin typeface="Google Sans"/>
-              </a:rPr>
-              <a:t>apturar peças do adversário é obrigatório(priorizando dama ou o maior número de peças capturadas), sendo possível capturar mais do que uma ao mesmo tempo.</a:t>
-            </a:r>
-            <a:r>
-              <a:rPr lang="pt-PT" dirty="0"/>
-              <a:t> </a:t>
-            </a:r>
-          </a:p>
-          <a:p>
-            <a:r>
-              <a:rPr lang="pt-PT" dirty="0"/>
-              <a:t>Quando uma peça chega à última linha do tabuleiro vira uma dama, por isso, pode andar as casas que quiser mas sempre na diagonal. </a:t>
-            </a:r>
-          </a:p>
-          <a:p>
-            <a:endParaRPr lang="pt-PT" dirty="0"/>
-          </a:p>
-          <a:p>
-            <a:r>
-              <a:rPr lang="pt-PT" dirty="0"/>
-              <a:t>O </a:t>
-            </a:r>
-            <a:r>
-              <a:rPr lang="pt-PT" b="0" i="0" u="none" strike="noStrike" dirty="0">
-                <a:solidFill>
-                  <a:srgbClr val="1F1F1F"/>
-                </a:solidFill>
-                <a:effectLst/>
-                <a:latin typeface="Google Sans"/>
-              </a:rPr>
-              <a:t>jogo termina quando um jogador consegue capturar todas as peças do adversário ou o deixar sem movimentos válidos.</a:t>
-            </a:r>
-          </a:p>
-          <a:p>
-            <a:endParaRPr lang="pt-PT" dirty="0"/>
-          </a:p>
-        </p:txBody>
-      </p:sp>
+              </a14:hiddenFill>
+            </a:ext>
+          </a:extLst>
+        </p:spPr>
+      </p:pic>
     </p:spTree>
     <p:extLst>
       <p:ext uri="{BB962C8B-B14F-4D97-AF65-F5344CB8AC3E}">
-        <p14:creationId xmlns:p14="http://schemas.microsoft.com/office/powerpoint/2010/main" val="187120291"/>
+        <p14:creationId xmlns:p14="http://schemas.microsoft.com/office/powerpoint/2010/main" val="3386610098"/>
       </p:ext>
     </p:extLst>
   </p:cSld>
@@ -3589,6 +8338,41 @@
 <file path=ppt/slides/slide3.xml><?xml version="1.0" encoding="utf-8"?>
 <p:sld xmlns:a="http://schemas.openxmlformats.org/drawingml/2006/main" xmlns:r="http://schemas.openxmlformats.org/officeDocument/2006/relationships" xmlns:p="http://schemas.openxmlformats.org/presentationml/2006/main">
   <p:cSld>
+    <p:bg>
+      <p:bgPr>
+        <a:gradFill rotWithShape="1">
+          <a:gsLst>
+            <a:gs pos="0">
+              <a:schemeClr val="bg2">
+                <a:tint val="96000"/>
+                <a:shade val="100000"/>
+                <a:hueMod val="270000"/>
+                <a:satMod val="200000"/>
+                <a:lumMod val="128000"/>
+              </a:schemeClr>
+            </a:gs>
+            <a:gs pos="50000">
+              <a:schemeClr val="bg2">
+                <a:shade val="100000"/>
+                <a:hueMod val="100000"/>
+                <a:satMod val="110000"/>
+                <a:lumMod val="130000"/>
+              </a:schemeClr>
+            </a:gs>
+            <a:gs pos="100000">
+              <a:schemeClr val="bg2">
+                <a:shade val="78000"/>
+                <a:hueMod val="44000"/>
+                <a:satMod val="200000"/>
+                <a:lumMod val="69000"/>
+              </a:schemeClr>
+            </a:gs>
+          </a:gsLst>
+          <a:lin ang="2520000" scaled="0"/>
+        </a:gradFill>
+        <a:effectLst/>
+      </p:bgPr>
+    </p:bg>
     <p:spTree>
       <p:nvGrpSpPr>
         <p:cNvPr id="1" name=""/>
@@ -3603,12 +8387,236 @@
           <a:chExt cx="0" cy="0"/>
         </a:xfrm>
       </p:grpSpPr>
+      <p:sp useBgFill="1">
+        <p:nvSpPr>
+          <p:cNvPr id="9" name="Rectangle 8">
+            <a:extLst>
+              <a:ext uri="{FF2B5EF4-FFF2-40B4-BE49-F238E27FC236}">
+                <a16:creationId xmlns:a16="http://schemas.microsoft.com/office/drawing/2014/main" id="{3FECAD23-900F-4F1B-A441-6A68749F88D4}"/>
+              </a:ext>
+              <a:ext uri="{C183D7F6-B498-43B3-948B-1728B52AA6E4}">
+                <adec:decorative xmlns:adec="http://schemas.microsoft.com/office/drawing/2017/decorative" val="1"/>
+              </a:ext>
+            </a:extLst>
+          </p:cNvPr>
+          <p:cNvSpPr>
+            <a:spLocks noGrp="1" noRot="1" noChangeAspect="1" noMove="1" noResize="1" noEditPoints="1" noAdjustHandles="1" noChangeArrowheads="1" noChangeShapeType="1" noTextEdit="1"/>
+          </p:cNvSpPr>
+          <p:nvPr>
+            <p:extLst>
+              <p:ext uri="{386F3935-93C4-4BCD-93E2-E3B085C9AB24}">
+                <p16:designElem xmlns:p16="http://schemas.microsoft.com/office/powerpoint/2015/main" val="1"/>
+              </p:ext>
+            </p:extLst>
+          </p:nvPr>
+        </p:nvSpPr>
+        <p:spPr>
+          <a:xfrm>
+            <a:off x="0" y="-1"/>
+            <a:ext cx="12188824" cy="6858001"/>
+          </a:xfrm>
+          <a:prstGeom prst="rect">
+            <a:avLst/>
+          </a:prstGeom>
+          <a:ln>
+            <a:noFill/>
+          </a:ln>
+        </p:spPr>
+        <p:style>
+          <a:lnRef idx="2">
+            <a:schemeClr val="accent1">
+              <a:shade val="50000"/>
+            </a:schemeClr>
+          </a:lnRef>
+          <a:fillRef idx="1">
+            <a:schemeClr val="accent1"/>
+          </a:fillRef>
+          <a:effectRef idx="0">
+            <a:schemeClr val="accent1"/>
+          </a:effectRef>
+          <a:fontRef idx="minor">
+            <a:schemeClr val="lt1"/>
+          </a:fontRef>
+        </p:style>
+        <p:txBody>
+          <a:bodyPr rtlCol="0" anchor="ctr"/>
+          <a:lstStyle/>
+          <a:p>
+            <a:pPr algn="ctr"/>
+            <a:endParaRPr lang="en-US"/>
+          </a:p>
+        </p:txBody>
+      </p:sp>
+      <p:pic>
+        <p:nvPicPr>
+          <p:cNvPr id="11" name="Picture 10">
+            <a:extLst>
+              <a:ext uri="{FF2B5EF4-FFF2-40B4-BE49-F238E27FC236}">
+                <a16:creationId xmlns:a16="http://schemas.microsoft.com/office/drawing/2014/main" id="{57943801-CAEC-4F98-9332-2A4D9128463E}"/>
+              </a:ext>
+              <a:ext uri="{C183D7F6-B498-43B3-948B-1728B52AA6E4}">
+                <adec:decorative xmlns:adec="http://schemas.microsoft.com/office/drawing/2017/decorative" val="1"/>
+              </a:ext>
+            </a:extLst>
+          </p:cNvPr>
+          <p:cNvPicPr>
+            <a:picLocks noGrp="1" noRot="1" noChangeAspect="1" noMove="1" noResize="1" noEditPoints="1" noAdjustHandles="1" noChangeArrowheads="1" noChangeShapeType="1" noCrop="1"/>
+          </p:cNvPicPr>
+          <p:nvPr>
+            <p:extLst>
+              <p:ext uri="{386F3935-93C4-4BCD-93E2-E3B085C9AB24}">
+                <p16:designElem xmlns:p16="http://schemas.microsoft.com/office/powerpoint/2015/main" val="1"/>
+              </p:ext>
+            </p:extLst>
+          </p:nvPr>
+        </p:nvPicPr>
+        <p:blipFill>
+          <a:blip r:embed="rId2">
+            <a:alphaModFix amt="10000"/>
+            <a:extLst>
+              <a:ext uri="{28A0092B-C50C-407E-A947-70E740481C1C}">
+                <a14:useLocalDpi xmlns:a14="http://schemas.microsoft.com/office/drawing/2010/main" val="0"/>
+              </a:ext>
+            </a:extLst>
+          </a:blip>
+          <a:stretch>
+            <a:fillRect/>
+          </a:stretch>
+        </p:blipFill>
+        <p:spPr>
+          <a:xfrm>
+            <a:off x="0" y="0"/>
+            <a:ext cx="12192000" cy="6858000"/>
+          </a:xfrm>
+          <a:prstGeom prst="rect">
+            <a:avLst/>
+          </a:prstGeom>
+        </p:spPr>
+      </p:pic>
+      <p:sp>
+        <p:nvSpPr>
+          <p:cNvPr id="13" name="Rectangle 12">
+            <a:extLst>
+              <a:ext uri="{FF2B5EF4-FFF2-40B4-BE49-F238E27FC236}">
+                <a16:creationId xmlns:a16="http://schemas.microsoft.com/office/drawing/2014/main" id="{8A233090-6C39-4F59-8A0F-86F011A7EEEB}"/>
+              </a:ext>
+              <a:ext uri="{C183D7F6-B498-43B3-948B-1728B52AA6E4}">
+                <adec:decorative xmlns:adec="http://schemas.microsoft.com/office/drawing/2017/decorative" val="1"/>
+              </a:ext>
+            </a:extLst>
+          </p:cNvPr>
+          <p:cNvSpPr>
+            <a:spLocks noGrp="1" noRot="1" noChangeAspect="1" noMove="1" noResize="1" noEditPoints="1" noAdjustHandles="1" noChangeArrowheads="1" noChangeShapeType="1" noTextEdit="1"/>
+          </p:cNvSpPr>
+          <p:nvPr>
+            <p:extLst>
+              <p:ext uri="{386F3935-93C4-4BCD-93E2-E3B085C9AB24}">
+                <p16:designElem xmlns:p16="http://schemas.microsoft.com/office/powerpoint/2015/main" val="1"/>
+              </p:ext>
+            </p:extLst>
+          </p:nvPr>
+        </p:nvSpPr>
+        <p:spPr>
+          <a:xfrm>
+            <a:off x="7555992" y="0"/>
+            <a:ext cx="4636008" cy="6858001"/>
+          </a:xfrm>
+          <a:prstGeom prst="rect">
+            <a:avLst/>
+          </a:prstGeom>
+          <a:ln>
+            <a:noFill/>
+          </a:ln>
+        </p:spPr>
+        <p:style>
+          <a:lnRef idx="2">
+            <a:schemeClr val="accent1">
+              <a:shade val="50000"/>
+            </a:schemeClr>
+          </a:lnRef>
+          <a:fillRef idx="1">
+            <a:schemeClr val="accent1"/>
+          </a:fillRef>
+          <a:effectRef idx="0">
+            <a:schemeClr val="accent1"/>
+          </a:effectRef>
+          <a:fontRef idx="minor">
+            <a:schemeClr val="lt1"/>
+          </a:fontRef>
+        </p:style>
+        <p:txBody>
+          <a:bodyPr rtlCol="0" anchor="ctr"/>
+          <a:lstStyle/>
+          <a:p>
+            <a:pPr algn="ctr"/>
+            <a:endParaRPr lang="en-US"/>
+          </a:p>
+        </p:txBody>
+      </p:sp>
+      <p:sp>
+        <p:nvSpPr>
+          <p:cNvPr id="15" name="Rectangle 14">
+            <a:extLst>
+              <a:ext uri="{FF2B5EF4-FFF2-40B4-BE49-F238E27FC236}">
+                <a16:creationId xmlns:a16="http://schemas.microsoft.com/office/drawing/2014/main" id="{484DCAA0-4BF1-4FB9-97BA-D6BA630419A0}"/>
+              </a:ext>
+              <a:ext uri="{C183D7F6-B498-43B3-948B-1728B52AA6E4}">
+                <adec:decorative xmlns:adec="http://schemas.microsoft.com/office/drawing/2017/decorative" val="1"/>
+              </a:ext>
+            </a:extLst>
+          </p:cNvPr>
+          <p:cNvSpPr>
+            <a:spLocks noGrp="1" noRot="1" noChangeAspect="1" noMove="1" noResize="1" noEditPoints="1" noAdjustHandles="1" noChangeArrowheads="1" noChangeShapeType="1" noTextEdit="1"/>
+          </p:cNvSpPr>
+          <p:nvPr>
+            <p:extLst>
+              <p:ext uri="{386F3935-93C4-4BCD-93E2-E3B085C9AB24}">
+                <p16:designElem xmlns:p16="http://schemas.microsoft.com/office/powerpoint/2015/main" val="1"/>
+              </p:ext>
+            </p:extLst>
+          </p:nvPr>
+        </p:nvSpPr>
+        <p:spPr bwMode="grayWhite">
+          <a:xfrm>
+            <a:off x="2" y="609600"/>
+            <a:ext cx="7876030" cy="1368198"/>
+          </a:xfrm>
+          <a:prstGeom prst="rect">
+            <a:avLst/>
+          </a:prstGeom>
+          <a:solidFill>
+            <a:schemeClr val="bg1">
+              <a:lumMod val="85000"/>
+              <a:lumOff val="15000"/>
+            </a:schemeClr>
+          </a:solidFill>
+          <a:ln>
+            <a:noFill/>
+          </a:ln>
+        </p:spPr>
+        <p:style>
+          <a:lnRef idx="2">
+            <a:schemeClr val="accent1">
+              <a:shade val="50000"/>
+            </a:schemeClr>
+          </a:lnRef>
+          <a:fillRef idx="1">
+            <a:schemeClr val="accent1"/>
+          </a:fillRef>
+          <a:effectRef idx="0">
+            <a:schemeClr val="accent1"/>
+          </a:effectRef>
+          <a:fontRef idx="minor">
+            <a:schemeClr val="lt1"/>
+          </a:fontRef>
+        </p:style>
+      </p:sp>
       <p:sp>
         <p:nvSpPr>
           <p:cNvPr id="2" name="Título 1">
             <a:extLst>
               <a:ext uri="{FF2B5EF4-FFF2-40B4-BE49-F238E27FC236}">
-                <a16:creationId xmlns:a16="http://schemas.microsoft.com/office/drawing/2014/main" id="{8E35F54E-66D6-335C-EA82-FBA7AF7DCBF1}"/>
+                <a16:creationId xmlns:a16="http://schemas.microsoft.com/office/drawing/2014/main" id="{464B9EEF-C6DA-B38D-76F7-527CCE103CBA}"/>
               </a:ext>
             </a:extLst>
           </p:cNvPr>
@@ -3616,84 +8624,188 @@
             <a:spLocks noGrp="1"/>
           </p:cNvSpPr>
           <p:nvPr>
-            <p:ph type="ctrTitle"/>
-          </p:nvPr>
-        </p:nvSpPr>
-        <p:spPr>
-          <a:xfrm>
-            <a:off x="1524000" y="1122363"/>
-            <a:ext cx="9144000" cy="660717"/>
+            <p:ph type="title"/>
+          </p:nvPr>
+        </p:nvSpPr>
+        <p:spPr>
+          <a:xfrm>
+            <a:off x="680321" y="753228"/>
+            <a:ext cx="7087552" cy="1080938"/>
           </a:xfrm>
         </p:spPr>
         <p:txBody>
           <a:bodyPr>
-            <a:normAutofit fontScale="90000"/>
+            <a:normAutofit/>
           </a:bodyPr>
           <a:lstStyle/>
           <a:p>
             <a:r>
               <a:rPr lang="pt-PT" dirty="0"/>
-              <a:t>Classe Peça</a:t>
-            </a:r>
-          </a:p>
-        </p:txBody>
-      </p:sp>
-      <p:sp>
-        <p:nvSpPr>
-          <p:cNvPr id="3" name="Subtítulo 2">
+              <a:t>Regras</a:t>
+            </a:r>
+          </a:p>
+        </p:txBody>
+      </p:sp>
+      <p:pic>
+        <p:nvPicPr>
+          <p:cNvPr id="17" name="Picture 16">
             <a:extLst>
               <a:ext uri="{FF2B5EF4-FFF2-40B4-BE49-F238E27FC236}">
-                <a16:creationId xmlns:a16="http://schemas.microsoft.com/office/drawing/2014/main" id="{D091FA46-E0C7-4619-EAB8-562018E1AE9D}"/>
+                <a16:creationId xmlns:a16="http://schemas.microsoft.com/office/drawing/2014/main" id="{9BC2FEA5-B399-458A-8393-E06CE40DB89C}"/>
+              </a:ext>
+              <a:ext uri="{C183D7F6-B498-43B3-948B-1728B52AA6E4}">
+                <adec:decorative xmlns:adec="http://schemas.microsoft.com/office/drawing/2017/decorative" val="1"/>
               </a:ext>
             </a:extLst>
           </p:cNvPr>
-          <p:cNvSpPr>
-            <a:spLocks noGrp="1"/>
-          </p:cNvSpPr>
-          <p:nvPr>
-            <p:ph type="subTitle" idx="1"/>
-          </p:nvPr>
-        </p:nvSpPr>
-        <p:spPr>
-          <a:xfrm>
-            <a:off x="1524000" y="2263140"/>
-            <a:ext cx="9144000" cy="1714500"/>
+          <p:cNvPicPr>
+            <a:picLocks noGrp="1" noRot="1" noChangeAspect="1" noMove="1" noResize="1" noEditPoints="1" noAdjustHandles="1" noChangeArrowheads="1" noChangeShapeType="1" noCrop="1"/>
+          </p:cNvPicPr>
+          <p:nvPr>
+            <p:extLst>
+              <p:ext uri="{386F3935-93C4-4BCD-93E2-E3B085C9AB24}">
+                <p16:designElem xmlns:p16="http://schemas.microsoft.com/office/powerpoint/2015/main" val="1"/>
+              </p:ext>
+            </p:extLst>
+          </p:nvPr>
+        </p:nvPicPr>
+        <p:blipFill>
+          <a:blip r:embed="rId3">
+            <a:extLst>
+              <a:ext uri="{28A0092B-C50C-407E-A947-70E740481C1C}">
+                <a14:useLocalDpi xmlns:a14="http://schemas.microsoft.com/office/drawing/2010/main" val="0"/>
+              </a:ext>
+            </a:extLst>
+          </a:blip>
+          <a:stretch>
+            <a:fillRect/>
+          </a:stretch>
+        </p:blipFill>
+        <p:spPr>
+          <a:xfrm>
+            <a:off x="2" y="1970240"/>
+            <a:ext cx="7967048" cy="321164"/>
+          </a:xfrm>
+          <a:prstGeom prst="rect">
+            <a:avLst/>
+          </a:prstGeom>
+        </p:spPr>
+      </p:pic>
+      <p:sp>
+        <p:nvSpPr>
+          <p:cNvPr id="3" name="Marcador de Posição de Conteúdo 2">
+            <a:extLst>
+              <a:ext uri="{FF2B5EF4-FFF2-40B4-BE49-F238E27FC236}">
+                <a16:creationId xmlns:a16="http://schemas.microsoft.com/office/drawing/2014/main" id="{A823F73E-ECB1-F27D-B70F-62D351ADCBF3}"/>
+              </a:ext>
+            </a:extLst>
+          </p:cNvPr>
+          <p:cNvSpPr>
+            <a:spLocks noGrp="1"/>
+          </p:cNvSpPr>
+          <p:nvPr>
+            <p:ph idx="1"/>
+          </p:nvPr>
+        </p:nvSpPr>
+        <p:spPr>
+          <a:xfrm>
+            <a:off x="680321" y="2336873"/>
+            <a:ext cx="6423211" cy="3599316"/>
           </a:xfrm>
         </p:spPr>
         <p:txBody>
           <a:bodyPr>
-            <a:normAutofit fontScale="85000" lnSpcReduction="20000"/>
+            <a:normAutofit/>
           </a:bodyPr>
           <a:lstStyle/>
           <a:p>
-            <a:pPr algn="l"/>
-            <a:r>
-              <a:rPr lang="pt-PT" dirty="0"/>
-              <a:t>Esta classe serve para desenhar as peças, configurar as cores das peças, como também a sua localização (preto e branco).</a:t>
-            </a:r>
-          </a:p>
-          <a:p>
-            <a:pPr algn="l"/>
-            <a:endParaRPr lang="pt-PT" dirty="0"/>
-          </a:p>
-          <a:p>
-            <a:pPr algn="l"/>
-            <a:r>
-              <a:rPr lang="pt-PT" dirty="0"/>
-              <a:t>Nesta classe teríamos um método com um filtro para apenas mover as peças disponíveis como também identificar se uma peça é dama ou não e ajustar o alcance do seu </a:t>
-            </a:r>
-            <a:r>
-              <a:rPr lang="pt-PT" dirty="0" err="1"/>
-              <a:t>moviemnto</a:t>
-            </a:r>
-            <a:endParaRPr lang="pt-PT" dirty="0"/>
-          </a:p>
-        </p:txBody>
-      </p:sp>
+            <a:r>
+              <a:rPr lang="pt-PT" sz="1800" dirty="0"/>
+              <a:t>As peças só se movem uma casa na diagonal e sempre para a frente, </a:t>
+            </a:r>
+            <a:r>
+              <a:rPr lang="pt-PT" sz="1800" dirty="0">
+                <a:latin typeface="Google Sans"/>
+              </a:rPr>
+              <a:t>c</a:t>
+            </a:r>
+            <a:r>
+              <a:rPr lang="pt-PT" sz="1800" b="0" i="0" u="none" strike="noStrike" dirty="0">
+                <a:effectLst/>
+                <a:latin typeface="Google Sans"/>
+              </a:rPr>
+              <a:t>apturar peças do adversário é obrigatório (priorizando dama ou o maior número de peças capturadas), sendo possível capturar mais do que uma ao mesmo tempo.</a:t>
+            </a:r>
+            <a:r>
+              <a:rPr lang="pt-PT" sz="1800" dirty="0"/>
+              <a:t> </a:t>
+            </a:r>
+          </a:p>
+          <a:p>
+            <a:endParaRPr lang="pt-PT" sz="1700" dirty="0"/>
+          </a:p>
+        </p:txBody>
+      </p:sp>
+      <p:pic>
+        <p:nvPicPr>
+          <p:cNvPr id="4" name="Picture 2" descr="DAMAS REGRAS - DamPlay">
+            <a:extLst>
+              <a:ext uri="{FF2B5EF4-FFF2-40B4-BE49-F238E27FC236}">
+                <a16:creationId xmlns:a16="http://schemas.microsoft.com/office/drawing/2014/main" id="{D03C0182-60C2-0642-1AF9-34FF8253CDEB}"/>
+              </a:ext>
+            </a:extLst>
+          </p:cNvPr>
+          <p:cNvPicPr>
+            <a:picLocks noChangeAspect="1" noChangeArrowheads="1"/>
+          </p:cNvPicPr>
+          <p:nvPr/>
+        </p:nvPicPr>
+        <p:blipFill>
+          <a:blip r:embed="rId4">
+            <a:extLst>
+              <a:ext uri="{28A0092B-C50C-407E-A947-70E740481C1C}">
+                <a14:useLocalDpi xmlns:a14="http://schemas.microsoft.com/office/drawing/2010/main" val="0"/>
+              </a:ext>
+            </a:extLst>
+          </a:blip>
+          <a:stretch>
+            <a:fillRect/>
+          </a:stretch>
+        </p:blipFill>
+        <p:spPr bwMode="auto">
+          <a:xfrm>
+            <a:off x="8153201" y="1834166"/>
+            <a:ext cx="3358478" cy="3358478"/>
+          </a:xfrm>
+          <a:prstGeom prst="rect">
+            <a:avLst/>
+          </a:prstGeom>
+          <a:noFill/>
+          <a:ln>
+            <a:noFill/>
+          </a:ln>
+          <a:effectLst>
+            <a:outerShdw blurRad="76200" dist="63500" dir="5040000" algn="tl" rotWithShape="0">
+              <a:srgbClr val="000000">
+                <a:alpha val="41000"/>
+              </a:srgbClr>
+            </a:outerShdw>
+          </a:effectLst>
+          <a:extLst>
+            <a:ext uri="{909E8E84-426E-40DD-AFC4-6F175D3DCCD1}">
+              <a14:hiddenFill xmlns:a14="http://schemas.microsoft.com/office/drawing/2010/main">
+                <a:solidFill>
+                  <a:srgbClr val="FFFFFF"/>
+                </a:solidFill>
+              </a14:hiddenFill>
+            </a:ext>
+          </a:extLst>
+        </p:spPr>
+      </p:pic>
     </p:spTree>
     <p:extLst>
       <p:ext uri="{BB962C8B-B14F-4D97-AF65-F5344CB8AC3E}">
-        <p14:creationId xmlns:p14="http://schemas.microsoft.com/office/powerpoint/2010/main" val="2265256006"/>
+        <p14:creationId xmlns:p14="http://schemas.microsoft.com/office/powerpoint/2010/main" val="187120291"/>
       </p:ext>
     </p:extLst>
   </p:cSld>
@@ -3706,6 +8818,41 @@
 <file path=ppt/slides/slide4.xml><?xml version="1.0" encoding="utf-8"?>
 <p:sld xmlns:a="http://schemas.openxmlformats.org/drawingml/2006/main" xmlns:r="http://schemas.openxmlformats.org/officeDocument/2006/relationships" xmlns:p="http://schemas.openxmlformats.org/presentationml/2006/main">
   <p:cSld>
+    <p:bg>
+      <p:bgPr>
+        <a:gradFill rotWithShape="1">
+          <a:gsLst>
+            <a:gs pos="0">
+              <a:schemeClr val="bg2">
+                <a:tint val="96000"/>
+                <a:shade val="100000"/>
+                <a:hueMod val="270000"/>
+                <a:satMod val="200000"/>
+                <a:lumMod val="128000"/>
+              </a:schemeClr>
+            </a:gs>
+            <a:gs pos="50000">
+              <a:schemeClr val="bg2">
+                <a:shade val="100000"/>
+                <a:hueMod val="100000"/>
+                <a:satMod val="110000"/>
+                <a:lumMod val="130000"/>
+              </a:schemeClr>
+            </a:gs>
+            <a:gs pos="100000">
+              <a:schemeClr val="bg2">
+                <a:shade val="78000"/>
+                <a:hueMod val="44000"/>
+                <a:satMod val="200000"/>
+                <a:lumMod val="69000"/>
+              </a:schemeClr>
+            </a:gs>
+          </a:gsLst>
+          <a:lin ang="2520000" scaled="0"/>
+        </a:gradFill>
+        <a:effectLst/>
+      </p:bgPr>
+    </p:bg>
     <p:spTree>
       <p:nvGrpSpPr>
         <p:cNvPr id="1" name=""/>
@@ -3720,12 +8867,236 @@
           <a:chExt cx="0" cy="0"/>
         </a:xfrm>
       </p:grpSpPr>
+      <p:sp useBgFill="1">
+        <p:nvSpPr>
+          <p:cNvPr id="3079" name="Rectangle 3078">
+            <a:extLst>
+              <a:ext uri="{FF2B5EF4-FFF2-40B4-BE49-F238E27FC236}">
+                <a16:creationId xmlns:a16="http://schemas.microsoft.com/office/drawing/2014/main" id="{3FECAD23-900F-4F1B-A441-6A68749F88D4}"/>
+              </a:ext>
+              <a:ext uri="{C183D7F6-B498-43B3-948B-1728B52AA6E4}">
+                <adec:decorative xmlns:adec="http://schemas.microsoft.com/office/drawing/2017/decorative" val="1"/>
+              </a:ext>
+            </a:extLst>
+          </p:cNvPr>
+          <p:cNvSpPr>
+            <a:spLocks noGrp="1" noRot="1" noChangeAspect="1" noMove="1" noResize="1" noEditPoints="1" noAdjustHandles="1" noChangeArrowheads="1" noChangeShapeType="1" noTextEdit="1"/>
+          </p:cNvSpPr>
+          <p:nvPr>
+            <p:extLst>
+              <p:ext uri="{386F3935-93C4-4BCD-93E2-E3B085C9AB24}">
+                <p16:designElem xmlns:p16="http://schemas.microsoft.com/office/powerpoint/2015/main" val="1"/>
+              </p:ext>
+            </p:extLst>
+          </p:nvPr>
+        </p:nvSpPr>
+        <p:spPr>
+          <a:xfrm>
+            <a:off x="0" y="-1"/>
+            <a:ext cx="12188824" cy="6858001"/>
+          </a:xfrm>
+          <a:prstGeom prst="rect">
+            <a:avLst/>
+          </a:prstGeom>
+          <a:ln>
+            <a:noFill/>
+          </a:ln>
+        </p:spPr>
+        <p:style>
+          <a:lnRef idx="2">
+            <a:schemeClr val="accent1">
+              <a:shade val="50000"/>
+            </a:schemeClr>
+          </a:lnRef>
+          <a:fillRef idx="1">
+            <a:schemeClr val="accent1"/>
+          </a:fillRef>
+          <a:effectRef idx="0">
+            <a:schemeClr val="accent1"/>
+          </a:effectRef>
+          <a:fontRef idx="minor">
+            <a:schemeClr val="lt1"/>
+          </a:fontRef>
+        </p:style>
+        <p:txBody>
+          <a:bodyPr rtlCol="0" anchor="ctr"/>
+          <a:lstStyle/>
+          <a:p>
+            <a:pPr algn="ctr"/>
+            <a:endParaRPr lang="en-US"/>
+          </a:p>
+        </p:txBody>
+      </p:sp>
+      <p:pic>
+        <p:nvPicPr>
+          <p:cNvPr id="3081" name="Picture 3080">
+            <a:extLst>
+              <a:ext uri="{FF2B5EF4-FFF2-40B4-BE49-F238E27FC236}">
+                <a16:creationId xmlns:a16="http://schemas.microsoft.com/office/drawing/2014/main" id="{57943801-CAEC-4F98-9332-2A4D9128463E}"/>
+              </a:ext>
+              <a:ext uri="{C183D7F6-B498-43B3-948B-1728B52AA6E4}">
+                <adec:decorative xmlns:adec="http://schemas.microsoft.com/office/drawing/2017/decorative" val="1"/>
+              </a:ext>
+            </a:extLst>
+          </p:cNvPr>
+          <p:cNvPicPr>
+            <a:picLocks noGrp="1" noRot="1" noChangeAspect="1" noMove="1" noResize="1" noEditPoints="1" noAdjustHandles="1" noChangeArrowheads="1" noChangeShapeType="1" noCrop="1"/>
+          </p:cNvPicPr>
+          <p:nvPr>
+            <p:extLst>
+              <p:ext uri="{386F3935-93C4-4BCD-93E2-E3B085C9AB24}">
+                <p16:designElem xmlns:p16="http://schemas.microsoft.com/office/powerpoint/2015/main" val="1"/>
+              </p:ext>
+            </p:extLst>
+          </p:nvPr>
+        </p:nvPicPr>
+        <p:blipFill>
+          <a:blip r:embed="rId2">
+            <a:alphaModFix amt="10000"/>
+            <a:extLst>
+              <a:ext uri="{28A0092B-C50C-407E-A947-70E740481C1C}">
+                <a14:useLocalDpi xmlns:a14="http://schemas.microsoft.com/office/drawing/2010/main" val="0"/>
+              </a:ext>
+            </a:extLst>
+          </a:blip>
+          <a:stretch>
+            <a:fillRect/>
+          </a:stretch>
+        </p:blipFill>
+        <p:spPr>
+          <a:xfrm>
+            <a:off x="0" y="0"/>
+            <a:ext cx="12192000" cy="6858000"/>
+          </a:xfrm>
+          <a:prstGeom prst="rect">
+            <a:avLst/>
+          </a:prstGeom>
+        </p:spPr>
+      </p:pic>
+      <p:sp>
+        <p:nvSpPr>
+          <p:cNvPr id="3083" name="Rectangle 3082">
+            <a:extLst>
+              <a:ext uri="{FF2B5EF4-FFF2-40B4-BE49-F238E27FC236}">
+                <a16:creationId xmlns:a16="http://schemas.microsoft.com/office/drawing/2014/main" id="{8A233090-6C39-4F59-8A0F-86F011A7EEEB}"/>
+              </a:ext>
+              <a:ext uri="{C183D7F6-B498-43B3-948B-1728B52AA6E4}">
+                <adec:decorative xmlns:adec="http://schemas.microsoft.com/office/drawing/2017/decorative" val="1"/>
+              </a:ext>
+            </a:extLst>
+          </p:cNvPr>
+          <p:cNvSpPr>
+            <a:spLocks noGrp="1" noRot="1" noChangeAspect="1" noMove="1" noResize="1" noEditPoints="1" noAdjustHandles="1" noChangeArrowheads="1" noChangeShapeType="1" noTextEdit="1"/>
+          </p:cNvSpPr>
+          <p:nvPr>
+            <p:extLst>
+              <p:ext uri="{386F3935-93C4-4BCD-93E2-E3B085C9AB24}">
+                <p16:designElem xmlns:p16="http://schemas.microsoft.com/office/powerpoint/2015/main" val="1"/>
+              </p:ext>
+            </p:extLst>
+          </p:nvPr>
+        </p:nvSpPr>
+        <p:spPr>
+          <a:xfrm>
+            <a:off x="7555992" y="0"/>
+            <a:ext cx="4636008" cy="6858001"/>
+          </a:xfrm>
+          <a:prstGeom prst="rect">
+            <a:avLst/>
+          </a:prstGeom>
+          <a:ln>
+            <a:noFill/>
+          </a:ln>
+        </p:spPr>
+        <p:style>
+          <a:lnRef idx="2">
+            <a:schemeClr val="accent1">
+              <a:shade val="50000"/>
+            </a:schemeClr>
+          </a:lnRef>
+          <a:fillRef idx="1">
+            <a:schemeClr val="accent1"/>
+          </a:fillRef>
+          <a:effectRef idx="0">
+            <a:schemeClr val="accent1"/>
+          </a:effectRef>
+          <a:fontRef idx="minor">
+            <a:schemeClr val="lt1"/>
+          </a:fontRef>
+        </p:style>
+        <p:txBody>
+          <a:bodyPr rtlCol="0" anchor="ctr"/>
+          <a:lstStyle/>
+          <a:p>
+            <a:pPr algn="ctr"/>
+            <a:endParaRPr lang="en-US"/>
+          </a:p>
+        </p:txBody>
+      </p:sp>
+      <p:sp>
+        <p:nvSpPr>
+          <p:cNvPr id="3085" name="Rectangle 3084">
+            <a:extLst>
+              <a:ext uri="{FF2B5EF4-FFF2-40B4-BE49-F238E27FC236}">
+                <a16:creationId xmlns:a16="http://schemas.microsoft.com/office/drawing/2014/main" id="{484DCAA0-4BF1-4FB9-97BA-D6BA630419A0}"/>
+              </a:ext>
+              <a:ext uri="{C183D7F6-B498-43B3-948B-1728B52AA6E4}">
+                <adec:decorative xmlns:adec="http://schemas.microsoft.com/office/drawing/2017/decorative" val="1"/>
+              </a:ext>
+            </a:extLst>
+          </p:cNvPr>
+          <p:cNvSpPr>
+            <a:spLocks noGrp="1" noRot="1" noChangeAspect="1" noMove="1" noResize="1" noEditPoints="1" noAdjustHandles="1" noChangeArrowheads="1" noChangeShapeType="1" noTextEdit="1"/>
+          </p:cNvSpPr>
+          <p:nvPr>
+            <p:extLst>
+              <p:ext uri="{386F3935-93C4-4BCD-93E2-E3B085C9AB24}">
+                <p16:designElem xmlns:p16="http://schemas.microsoft.com/office/powerpoint/2015/main" val="1"/>
+              </p:ext>
+            </p:extLst>
+          </p:nvPr>
+        </p:nvSpPr>
+        <p:spPr bwMode="grayWhite">
+          <a:xfrm>
+            <a:off x="2" y="609600"/>
+            <a:ext cx="7876030" cy="1368198"/>
+          </a:xfrm>
+          <a:prstGeom prst="rect">
+            <a:avLst/>
+          </a:prstGeom>
+          <a:solidFill>
+            <a:schemeClr val="bg1">
+              <a:lumMod val="85000"/>
+              <a:lumOff val="15000"/>
+            </a:schemeClr>
+          </a:solidFill>
+          <a:ln>
+            <a:noFill/>
+          </a:ln>
+        </p:spPr>
+        <p:style>
+          <a:lnRef idx="2">
+            <a:schemeClr val="accent1">
+              <a:shade val="50000"/>
+            </a:schemeClr>
+          </a:lnRef>
+          <a:fillRef idx="1">
+            <a:schemeClr val="accent1"/>
+          </a:fillRef>
+          <a:effectRef idx="0">
+            <a:schemeClr val="accent1"/>
+          </a:effectRef>
+          <a:fontRef idx="minor">
+            <a:schemeClr val="lt1"/>
+          </a:fontRef>
+        </p:style>
+      </p:sp>
       <p:sp>
         <p:nvSpPr>
           <p:cNvPr id="2" name="Título 1">
             <a:extLst>
               <a:ext uri="{FF2B5EF4-FFF2-40B4-BE49-F238E27FC236}">
-                <a16:creationId xmlns:a16="http://schemas.microsoft.com/office/drawing/2014/main" id="{675BC724-7F83-5937-743D-792E0388822C}"/>
+                <a16:creationId xmlns:a16="http://schemas.microsoft.com/office/drawing/2014/main" id="{464B9EEF-C6DA-B38D-76F7-527CCE103CBA}"/>
               </a:ext>
             </a:extLst>
           </p:cNvPr>
@@ -3736,24 +9107,76 @@
             <p:ph type="title"/>
           </p:nvPr>
         </p:nvSpPr>
-        <p:spPr/>
-        <p:txBody>
-          <a:bodyPr/>
+        <p:spPr>
+          <a:xfrm>
+            <a:off x="680321" y="753228"/>
+            <a:ext cx="7087552" cy="1080938"/>
+          </a:xfrm>
+        </p:spPr>
+        <p:txBody>
+          <a:bodyPr>
+            <a:normAutofit/>
+          </a:bodyPr>
           <a:lstStyle/>
           <a:p>
             <a:r>
               <a:rPr lang="pt-PT" dirty="0"/>
-              <a:t>Classe Jogadores</a:t>
-            </a:r>
-          </a:p>
-        </p:txBody>
-      </p:sp>
+              <a:t>Regras</a:t>
+            </a:r>
+          </a:p>
+        </p:txBody>
+      </p:sp>
+      <p:pic>
+        <p:nvPicPr>
+          <p:cNvPr id="3087" name="Picture 3086">
+            <a:extLst>
+              <a:ext uri="{FF2B5EF4-FFF2-40B4-BE49-F238E27FC236}">
+                <a16:creationId xmlns:a16="http://schemas.microsoft.com/office/drawing/2014/main" id="{9BC2FEA5-B399-458A-8393-E06CE40DB89C}"/>
+              </a:ext>
+              <a:ext uri="{C183D7F6-B498-43B3-948B-1728B52AA6E4}">
+                <adec:decorative xmlns:adec="http://schemas.microsoft.com/office/drawing/2017/decorative" val="1"/>
+              </a:ext>
+            </a:extLst>
+          </p:cNvPr>
+          <p:cNvPicPr>
+            <a:picLocks noGrp="1" noRot="1" noChangeAspect="1" noMove="1" noResize="1" noEditPoints="1" noAdjustHandles="1" noChangeArrowheads="1" noChangeShapeType="1" noCrop="1"/>
+          </p:cNvPicPr>
+          <p:nvPr>
+            <p:extLst>
+              <p:ext uri="{386F3935-93C4-4BCD-93E2-E3B085C9AB24}">
+                <p16:designElem xmlns:p16="http://schemas.microsoft.com/office/powerpoint/2015/main" val="1"/>
+              </p:ext>
+            </p:extLst>
+          </p:nvPr>
+        </p:nvPicPr>
+        <p:blipFill>
+          <a:blip r:embed="rId3">
+            <a:extLst>
+              <a:ext uri="{28A0092B-C50C-407E-A947-70E740481C1C}">
+                <a14:useLocalDpi xmlns:a14="http://schemas.microsoft.com/office/drawing/2010/main" val="0"/>
+              </a:ext>
+            </a:extLst>
+          </a:blip>
+          <a:stretch>
+            <a:fillRect/>
+          </a:stretch>
+        </p:blipFill>
+        <p:spPr>
+          <a:xfrm>
+            <a:off x="2" y="1970240"/>
+            <a:ext cx="7967048" cy="321164"/>
+          </a:xfrm>
+          <a:prstGeom prst="rect">
+            <a:avLst/>
+          </a:prstGeom>
+        </p:spPr>
+      </p:pic>
       <p:sp>
         <p:nvSpPr>
           <p:cNvPr id="3" name="Marcador de Posição de Conteúdo 2">
             <a:extLst>
               <a:ext uri="{FF2B5EF4-FFF2-40B4-BE49-F238E27FC236}">
-                <a16:creationId xmlns:a16="http://schemas.microsoft.com/office/drawing/2014/main" id="{FD5321CD-587F-7533-CF34-6EFC01B3DBB1}"/>
+                <a16:creationId xmlns:a16="http://schemas.microsoft.com/office/drawing/2014/main" id="{A823F73E-ECB1-F27D-B70F-62D351ADCBF3}"/>
               </a:ext>
             </a:extLst>
           </p:cNvPr>
@@ -3764,22 +9187,101 @@
             <p:ph idx="1"/>
           </p:nvPr>
         </p:nvSpPr>
-        <p:spPr/>
-        <p:txBody>
-          <a:bodyPr/>
+        <p:spPr>
+          <a:xfrm>
+            <a:off x="680321" y="2336873"/>
+            <a:ext cx="6423211" cy="3599316"/>
+          </a:xfrm>
+        </p:spPr>
+        <p:txBody>
+          <a:bodyPr>
+            <a:normAutofit/>
+          </a:bodyPr>
           <a:lstStyle/>
           <a:p>
             <a:r>
-              <a:rPr lang="pt-PT" dirty="0"/>
-              <a:t>Na classe jogadores é possível escolher a cor das peças que o utilizador deseja jogar e guarda o resultados das partidas entre os jogadores.</a:t>
-            </a:r>
-          </a:p>
-        </p:txBody>
-      </p:sp>
+              <a:rPr lang="pt-PT" sz="1800" dirty="0"/>
+              <a:t>Quando uma peça (peão) chega à última linha do tabuleiro vira uma dama. A dama já pode andar as casas que quiser para a frente ou para trás mas sempre na diagonal. </a:t>
+            </a:r>
+          </a:p>
+          <a:p>
+            <a:r>
+              <a:rPr lang="pt-PT" sz="1800" dirty="0"/>
+              <a:t>O </a:t>
+            </a:r>
+            <a:r>
+              <a:rPr lang="pt-PT" sz="1800" b="0" i="0" u="none" strike="noStrike" dirty="0">
+                <a:effectLst/>
+                <a:latin typeface="Google Sans"/>
+              </a:rPr>
+              <a:t>jogo termina quando um jogador consegue capturar todas as peças do adversário ou o deixar sem movimentos válidos.</a:t>
+            </a:r>
+          </a:p>
+          <a:p>
+            <a:endParaRPr lang="pt-PT" sz="1700" dirty="0"/>
+          </a:p>
+        </p:txBody>
+      </p:sp>
+      <p:pic>
+        <p:nvPicPr>
+          <p:cNvPr id="3074" name="Picture 2" descr="DAMAS REGRAS - DamPlay">
+            <a:extLst>
+              <a:ext uri="{FF2B5EF4-FFF2-40B4-BE49-F238E27FC236}">
+                <a16:creationId xmlns:a16="http://schemas.microsoft.com/office/drawing/2014/main" id="{64BAAE2B-B79B-C045-F462-8C96BC3BE697}"/>
+              </a:ext>
+            </a:extLst>
+          </p:cNvPr>
+          <p:cNvPicPr>
+            <a:picLocks noChangeAspect="1" noChangeArrowheads="1"/>
+          </p:cNvPicPr>
+          <p:nvPr/>
+        </p:nvPicPr>
+        <p:blipFill>
+          <a:blip r:embed="rId4">
+            <a:extLst>
+              <a:ext uri="{28A0092B-C50C-407E-A947-70E740481C1C}">
+                <a14:useLocalDpi xmlns:a14="http://schemas.microsoft.com/office/drawing/2010/main" val="0"/>
+              </a:ext>
+            </a:extLst>
+          </a:blip>
+          <a:stretch>
+            <a:fillRect/>
+          </a:stretch>
+        </p:blipFill>
+        <p:spPr bwMode="auto">
+          <a:xfrm>
+            <a:off x="8187091" y="1749761"/>
+            <a:ext cx="3358478" cy="3358478"/>
+          </a:xfrm>
+          <a:prstGeom prst="rect">
+            <a:avLst/>
+          </a:prstGeom>
+          <a:noFill/>
+          <a:ln>
+            <a:noFill/>
+          </a:ln>
+          <a:effectLst>
+            <a:outerShdw blurRad="76200" dist="63500" dir="5040000" algn="tl" rotWithShape="0">
+              <a:srgbClr val="000000">
+                <a:alpha val="41000"/>
+              </a:srgbClr>
+            </a:outerShdw>
+          </a:effectLst>
+          <a:extLst>
+            <a:ext uri="{909E8E84-426E-40DD-AFC4-6F175D3DCCD1}">
+              <a14:hiddenFill xmlns:a14="http://schemas.microsoft.com/office/drawing/2010/main">
+                <a:solidFill>
+                  <a:srgbClr val="FFFFFF"/>
+                </a:solidFill>
+              </a14:hiddenFill>
+            </a:ext>
+          </a:extLst>
+        </p:spPr>
+      </p:pic>
     </p:spTree>
     <p:extLst>
       <p:ext uri="{BB962C8B-B14F-4D97-AF65-F5344CB8AC3E}">
-        <p14:creationId xmlns:p14="http://schemas.microsoft.com/office/powerpoint/2010/main" val="2833057582"/>
+        <p14:creationId xmlns:p14="http://schemas.microsoft.com/office/powerpoint/2010/main" val="4139868801"/>
       </p:ext>
     </p:extLst>
   </p:cSld>
@@ -3811,7 +9313,7 @@
           <p:cNvPr id="2" name="Título 1">
             <a:extLst>
               <a:ext uri="{FF2B5EF4-FFF2-40B4-BE49-F238E27FC236}">
-                <a16:creationId xmlns:a16="http://schemas.microsoft.com/office/drawing/2014/main" id="{F237CAE5-133E-C028-12DA-45AEA0E9F03E}"/>
+                <a16:creationId xmlns:a16="http://schemas.microsoft.com/office/drawing/2014/main" id="{675BC724-7F83-5937-743D-792E0388822C}"/>
               </a:ext>
             </a:extLst>
           </p:cNvPr>
@@ -3829,7 +9331,7 @@
           <a:p>
             <a:r>
               <a:rPr lang="pt-PT" dirty="0"/>
-              <a:t>Classe Tabuleiro</a:t>
+              <a:t>Classe Peça</a:t>
             </a:r>
           </a:p>
         </p:txBody>
@@ -3839,7 +9341,7 @@
           <p:cNvPr id="3" name="Marcador de Posição de Conteúdo 2">
             <a:extLst>
               <a:ext uri="{FF2B5EF4-FFF2-40B4-BE49-F238E27FC236}">
-                <a16:creationId xmlns:a16="http://schemas.microsoft.com/office/drawing/2014/main" id="{FCDBA431-4AB3-186C-CD5D-3140EDA1ACD7}"/>
+                <a16:creationId xmlns:a16="http://schemas.microsoft.com/office/drawing/2014/main" id="{FD5321CD-587F-7533-CF34-6EFC01B3DBB1}"/>
               </a:ext>
             </a:extLst>
           </p:cNvPr>
@@ -3855,27 +9357,21 @@
           <a:bodyPr/>
           <a:lstStyle/>
           <a:p>
-            <a:r>
-              <a:rPr lang="pt-PT" dirty="0" err="1"/>
-              <a:t>Teriamos</a:t>
-            </a:r>
+            <a:pPr algn="l"/>
             <a:r>
               <a:rPr lang="pt-PT" dirty="0"/>
-              <a:t> de ter um </a:t>
-            </a:r>
-            <a:r>
-              <a:rPr lang="pt-PT" dirty="0" err="1"/>
-              <a:t>array</a:t>
-            </a:r>
+              <a:t>Esta classe serve para desenhar as peças, configurar as cores das peças, como também a sua localização (preto e branco).</a:t>
+            </a:r>
+          </a:p>
+          <a:p>
+            <a:pPr algn="l"/>
+            <a:endParaRPr lang="pt-PT" dirty="0"/>
+          </a:p>
+          <a:p>
+            <a:pPr algn="l"/>
             <a:r>
               <a:rPr lang="pt-PT" dirty="0"/>
-              <a:t> bidimensional para representar as coordenadas x e y do tabuleiro.</a:t>
-            </a:r>
-          </a:p>
-          <a:p>
-            <a:r>
-              <a:rPr lang="pt-PT" dirty="0"/>
-              <a:t>Utilizamos um método para quando começar a partida as peças ficam no lugar correto</a:t>
+              <a:t>Nesta classe teríamos um método com um filtro para apenas mover as peças disponíveis como também identificar se uma peça é dama ou não e ajustar o alcance do seu movimento.</a:t>
             </a:r>
           </a:p>
         </p:txBody>
@@ -3883,7 +9379,7 @@
     </p:spTree>
     <p:extLst>
       <p:ext uri="{BB962C8B-B14F-4D97-AF65-F5344CB8AC3E}">
-        <p14:creationId xmlns:p14="http://schemas.microsoft.com/office/powerpoint/2010/main" val="1571848815"/>
+        <p14:creationId xmlns:p14="http://schemas.microsoft.com/office/powerpoint/2010/main" val="2833057582"/>
       </p:ext>
     </p:extLst>
   </p:cSld>
@@ -3915,6 +9411,196 @@
           <p:cNvPr id="2" name="Título 1">
             <a:extLst>
               <a:ext uri="{FF2B5EF4-FFF2-40B4-BE49-F238E27FC236}">
+                <a16:creationId xmlns:a16="http://schemas.microsoft.com/office/drawing/2014/main" id="{675BC724-7F83-5937-743D-792E0388822C}"/>
+              </a:ext>
+            </a:extLst>
+          </p:cNvPr>
+          <p:cNvSpPr>
+            <a:spLocks noGrp="1"/>
+          </p:cNvSpPr>
+          <p:nvPr>
+            <p:ph type="title"/>
+          </p:nvPr>
+        </p:nvSpPr>
+        <p:spPr/>
+        <p:txBody>
+          <a:bodyPr/>
+          <a:lstStyle/>
+          <a:p>
+            <a:r>
+              <a:rPr lang="pt-PT" dirty="0"/>
+              <a:t>Classe Jogadores</a:t>
+            </a:r>
+          </a:p>
+        </p:txBody>
+      </p:sp>
+      <p:sp>
+        <p:nvSpPr>
+          <p:cNvPr id="3" name="Marcador de Posição de Conteúdo 2">
+            <a:extLst>
+              <a:ext uri="{FF2B5EF4-FFF2-40B4-BE49-F238E27FC236}">
+                <a16:creationId xmlns:a16="http://schemas.microsoft.com/office/drawing/2014/main" id="{FD5321CD-587F-7533-CF34-6EFC01B3DBB1}"/>
+              </a:ext>
+            </a:extLst>
+          </p:cNvPr>
+          <p:cNvSpPr>
+            <a:spLocks noGrp="1"/>
+          </p:cNvSpPr>
+          <p:nvPr>
+            <p:ph idx="1"/>
+          </p:nvPr>
+        </p:nvSpPr>
+        <p:spPr/>
+        <p:txBody>
+          <a:bodyPr/>
+          <a:lstStyle/>
+          <a:p>
+            <a:r>
+              <a:rPr lang="pt-PT" dirty="0"/>
+              <a:t>Na classe jogadores é possível escolher a cor das peças que o utilizador deseja jogar e guarda o resultados das partidas entre os jogadores.</a:t>
+            </a:r>
+          </a:p>
+        </p:txBody>
+      </p:sp>
+    </p:spTree>
+    <p:extLst>
+      <p:ext uri="{BB962C8B-B14F-4D97-AF65-F5344CB8AC3E}">
+        <p14:creationId xmlns:p14="http://schemas.microsoft.com/office/powerpoint/2010/main" val="2864132592"/>
+      </p:ext>
+    </p:extLst>
+  </p:cSld>
+  <p:clrMapOvr>
+    <a:masterClrMapping/>
+  </p:clrMapOvr>
+</p:sld>
+</file>
+
+<file path=ppt/slides/slide7.xml><?xml version="1.0" encoding="utf-8"?>
+<p:sld xmlns:a="http://schemas.openxmlformats.org/drawingml/2006/main" xmlns:r="http://schemas.openxmlformats.org/officeDocument/2006/relationships" xmlns:p="http://schemas.openxmlformats.org/presentationml/2006/main">
+  <p:cSld>
+    <p:spTree>
+      <p:nvGrpSpPr>
+        <p:cNvPr id="1" name=""/>
+        <p:cNvGrpSpPr/>
+        <p:nvPr/>
+      </p:nvGrpSpPr>
+      <p:grpSpPr>
+        <a:xfrm>
+          <a:off x="0" y="0"/>
+          <a:ext cx="0" cy="0"/>
+          <a:chOff x="0" y="0"/>
+          <a:chExt cx="0" cy="0"/>
+        </a:xfrm>
+      </p:grpSpPr>
+      <p:sp>
+        <p:nvSpPr>
+          <p:cNvPr id="2" name="Título 1">
+            <a:extLst>
+              <a:ext uri="{FF2B5EF4-FFF2-40B4-BE49-F238E27FC236}">
+                <a16:creationId xmlns:a16="http://schemas.microsoft.com/office/drawing/2014/main" id="{F237CAE5-133E-C028-12DA-45AEA0E9F03E}"/>
+              </a:ext>
+            </a:extLst>
+          </p:cNvPr>
+          <p:cNvSpPr>
+            <a:spLocks noGrp="1"/>
+          </p:cNvSpPr>
+          <p:nvPr>
+            <p:ph type="title"/>
+          </p:nvPr>
+        </p:nvSpPr>
+        <p:spPr/>
+        <p:txBody>
+          <a:bodyPr/>
+          <a:lstStyle/>
+          <a:p>
+            <a:r>
+              <a:rPr lang="pt-PT" dirty="0"/>
+              <a:t>Classe Tabuleiro</a:t>
+            </a:r>
+          </a:p>
+        </p:txBody>
+      </p:sp>
+      <p:sp>
+        <p:nvSpPr>
+          <p:cNvPr id="3" name="Marcador de Posição de Conteúdo 2">
+            <a:extLst>
+              <a:ext uri="{FF2B5EF4-FFF2-40B4-BE49-F238E27FC236}">
+                <a16:creationId xmlns:a16="http://schemas.microsoft.com/office/drawing/2014/main" id="{FCDBA431-4AB3-186C-CD5D-3140EDA1ACD7}"/>
+              </a:ext>
+            </a:extLst>
+          </p:cNvPr>
+          <p:cNvSpPr>
+            <a:spLocks noGrp="1"/>
+          </p:cNvSpPr>
+          <p:nvPr>
+            <p:ph idx="1"/>
+          </p:nvPr>
+        </p:nvSpPr>
+        <p:spPr/>
+        <p:txBody>
+          <a:bodyPr/>
+          <a:lstStyle/>
+          <a:p>
+            <a:r>
+              <a:rPr lang="pt-PT" dirty="0" err="1"/>
+              <a:t>Teriamos</a:t>
+            </a:r>
+            <a:r>
+              <a:rPr lang="pt-PT" dirty="0"/>
+              <a:t> de ter um </a:t>
+            </a:r>
+            <a:r>
+              <a:rPr lang="pt-PT" dirty="0" err="1"/>
+              <a:t>array</a:t>
+            </a:r>
+            <a:r>
+              <a:rPr lang="pt-PT" dirty="0"/>
+              <a:t> bidimensional para representar as coordenadas x e y do tabuleiro.</a:t>
+            </a:r>
+          </a:p>
+          <a:p>
+            <a:r>
+              <a:rPr lang="pt-PT" dirty="0"/>
+              <a:t>Utilizamos um método para quando começar a partida as peças ficam no lugar correto</a:t>
+            </a:r>
+          </a:p>
+        </p:txBody>
+      </p:sp>
+    </p:spTree>
+    <p:extLst>
+      <p:ext uri="{BB962C8B-B14F-4D97-AF65-F5344CB8AC3E}">
+        <p14:creationId xmlns:p14="http://schemas.microsoft.com/office/powerpoint/2010/main" val="1571848815"/>
+      </p:ext>
+    </p:extLst>
+  </p:cSld>
+  <p:clrMapOvr>
+    <a:masterClrMapping/>
+  </p:clrMapOvr>
+</p:sld>
+</file>
+
+<file path=ppt/slides/slide8.xml><?xml version="1.0" encoding="utf-8"?>
+<p:sld xmlns:a="http://schemas.openxmlformats.org/drawingml/2006/main" xmlns:r="http://schemas.openxmlformats.org/officeDocument/2006/relationships" xmlns:p="http://schemas.openxmlformats.org/presentationml/2006/main">
+  <p:cSld>
+    <p:spTree>
+      <p:nvGrpSpPr>
+        <p:cNvPr id="1" name=""/>
+        <p:cNvGrpSpPr/>
+        <p:nvPr/>
+      </p:nvGrpSpPr>
+      <p:grpSpPr>
+        <a:xfrm>
+          <a:off x="0" y="0"/>
+          <a:ext cx="0" cy="0"/>
+          <a:chOff x="0" y="0"/>
+          <a:chExt cx="0" cy="0"/>
+        </a:xfrm>
+      </p:grpSpPr>
+      <p:sp>
+        <p:nvSpPr>
+          <p:cNvPr id="2" name="Título 1">
+            <a:extLst>
+              <a:ext uri="{FF2B5EF4-FFF2-40B4-BE49-F238E27FC236}">
                 <a16:creationId xmlns:a16="http://schemas.microsoft.com/office/drawing/2014/main" id="{04A3E7A1-DF66-C180-8798-D2F1C39444A4}"/>
               </a:ext>
             </a:extLst>
@@ -3961,8 +9647,13 @@
           <a:p>
             <a:r>
               <a:rPr lang="pt-PT" dirty="0"/>
-              <a:t>Aqui nesta classe temos o método para iniciar o jogo</a:t>
-            </a:r>
+              <a:t>Aqui nesta classe temos o método para iniciar o jogo e também é nesta classe que definimos </a:t>
+            </a:r>
+            <a:r>
+              <a:rPr lang="pt-PT"/>
+              <a:t>as regras.</a:t>
+            </a:r>
+            <a:endParaRPr lang="pt-PT" dirty="0"/>
           </a:p>
         </p:txBody>
       </p:sp>
@@ -3980,9 +9671,9 @@
 </file>
 
 <file path=ppt/theme/theme1.xml><?xml version="1.0" encoding="utf-8"?>
-<a:theme xmlns:a="http://schemas.openxmlformats.org/drawingml/2006/main" name="Tema do Office">
+<a:theme xmlns:a="http://schemas.openxmlformats.org/drawingml/2006/main" name="Berlim">
   <a:themeElements>
-    <a:clrScheme name="Office">
+    <a:clrScheme name="Berlim">
       <a:dk1>
         <a:sysClr val="windowText" lastClr="000000"/>
       </a:dk1>
@@ -3990,44 +9681,44 @@
         <a:sysClr val="window" lastClr="FFFFFF"/>
       </a:lt1>
       <a:dk2>
-        <a:srgbClr val="44546A"/>
+        <a:srgbClr val="9D360E"/>
       </a:dk2>
       <a:lt2>
         <a:srgbClr val="E7E6E6"/>
       </a:lt2>
       <a:accent1>
-        <a:srgbClr val="4472C4"/>
+        <a:srgbClr val="F09415"/>
       </a:accent1>
       <a:accent2>
-        <a:srgbClr val="ED7D31"/>
+        <a:srgbClr val="C1B56B"/>
       </a:accent2>
       <a:accent3>
-        <a:srgbClr val="A5A5A5"/>
+        <a:srgbClr val="4BAF73"/>
       </a:accent3>
       <a:accent4>
-        <a:srgbClr val="FFC000"/>
+        <a:srgbClr val="5AA6C0"/>
       </a:accent4>
       <a:accent5>
-        <a:srgbClr val="5B9BD5"/>
+        <a:srgbClr val="D17DF9"/>
       </a:accent5>
       <a:accent6>
-        <a:srgbClr val="70AD47"/>
+        <a:srgbClr val="FA7E5C"/>
       </a:accent6>
       <a:hlink>
-        <a:srgbClr val="0563C1"/>
+        <a:srgbClr val="FFAE3E"/>
       </a:hlink>
       <a:folHlink>
-        <a:srgbClr val="954F72"/>
+        <a:srgbClr val="FCC77E"/>
       </a:folHlink>
     </a:clrScheme>
-    <a:fontScheme name="Office">
+    <a:fontScheme name="Berlim">
       <a:majorFont>
-        <a:latin typeface="Calibri Light" panose="020F0302020204030204"/>
+        <a:latin typeface="Trebuchet MS" panose="020B0603020202020204"/>
         <a:ea typeface=""/>
         <a:cs typeface=""/>
-        <a:font script="Jpan" typeface="游ゴシック Light"/>
+        <a:font script="Jpan" typeface="ＭＳ Ｐゴシック"/>
         <a:font script="Hang" typeface="맑은 고딕"/>
-        <a:font script="Hans" typeface="等线 Light"/>
+        <a:font script="Hans" typeface="宋体"/>
         <a:font script="Hant" typeface="新細明體"/>
         <a:font script="Arab" typeface="Times New Roman"/>
         <a:font script="Hebr" typeface="Times New Roman"/>
@@ -4055,31 +9746,14 @@
         <a:font script="Viet" typeface="Times New Roman"/>
         <a:font script="Uigh" typeface="Microsoft Uighur"/>
         <a:font script="Geor" typeface="Sylfaen"/>
-        <a:font script="Armn" typeface="Arial"/>
-        <a:font script="Bugi" typeface="Leelawadee UI"/>
-        <a:font script="Bopo" typeface="Microsoft JhengHei"/>
-        <a:font script="Java" typeface="Javanese Text"/>
-        <a:font script="Lisu" typeface="Segoe UI"/>
-        <a:font script="Mymr" typeface="Myanmar Text"/>
-        <a:font script="Nkoo" typeface="Ebrima"/>
-        <a:font script="Olck" typeface="Nirmala UI"/>
-        <a:font script="Osma" typeface="Ebrima"/>
-        <a:font script="Phag" typeface="Phagspa"/>
-        <a:font script="Syrn" typeface="Estrangelo Edessa"/>
-        <a:font script="Syrj" typeface="Estrangelo Edessa"/>
-        <a:font script="Syre" typeface="Estrangelo Edessa"/>
-        <a:font script="Sora" typeface="Nirmala UI"/>
-        <a:font script="Tale" typeface="Microsoft Tai Le"/>
-        <a:font script="Talu" typeface="Microsoft New Tai Lue"/>
-        <a:font script="Tfng" typeface="Ebrima"/>
       </a:majorFont>
       <a:minorFont>
-        <a:latin typeface="Calibri" panose="020F0502020204030204"/>
+        <a:latin typeface="Trebuchet MS" panose="020B0603020202020204"/>
         <a:ea typeface=""/>
         <a:cs typeface=""/>
-        <a:font script="Jpan" typeface="游ゴシック"/>
+        <a:font script="Jpan" typeface="ＭＳ Ｐゴシック"/>
         <a:font script="Hang" typeface="맑은 고딕"/>
-        <a:font script="Hans" typeface="等线"/>
+        <a:font script="Hans" typeface="宋体"/>
         <a:font script="Hant" typeface="新細明體"/>
         <a:font script="Arab" typeface="Arial"/>
         <a:font script="Hebr" typeface="Arial"/>
@@ -4107,26 +9781,9 @@
         <a:font script="Viet" typeface="Arial"/>
         <a:font script="Uigh" typeface="Microsoft Uighur"/>
         <a:font script="Geor" typeface="Sylfaen"/>
-        <a:font script="Armn" typeface="Arial"/>
-        <a:font script="Bugi" typeface="Leelawadee UI"/>
-        <a:font script="Bopo" typeface="Microsoft JhengHei"/>
-        <a:font script="Java" typeface="Javanese Text"/>
-        <a:font script="Lisu" typeface="Segoe UI"/>
-        <a:font script="Mymr" typeface="Myanmar Text"/>
-        <a:font script="Nkoo" typeface="Ebrima"/>
-        <a:font script="Olck" typeface="Nirmala UI"/>
-        <a:font script="Osma" typeface="Ebrima"/>
-        <a:font script="Phag" typeface="Phagspa"/>
-        <a:font script="Syrn" typeface="Estrangelo Edessa"/>
-        <a:font script="Syrj" typeface="Estrangelo Edessa"/>
-        <a:font script="Syre" typeface="Estrangelo Edessa"/>
-        <a:font script="Sora" typeface="Nirmala UI"/>
-        <a:font script="Tale" typeface="Microsoft Tai Le"/>
-        <a:font script="Talu" typeface="Microsoft New Tai Lue"/>
-        <a:font script="Tfng" typeface="Ebrima"/>
       </a:minorFont>
     </a:fontScheme>
-    <a:fmtScheme name="Office">
+    <a:fmtScheme name="Berlim">
       <a:fillStyleLst>
         <a:solidFill>
           <a:schemeClr val="phClr"/>
@@ -4135,23 +9792,16 @@
           <a:gsLst>
             <a:gs pos="0">
               <a:schemeClr val="phClr">
+                <a:tint val="60000"/>
+                <a:satMod val="100000"/>
                 <a:lumMod val="110000"/>
-                <a:satMod val="105000"/>
-                <a:tint val="67000"/>
-              </a:schemeClr>
-            </a:gs>
-            <a:gs pos="50000">
-              <a:schemeClr val="phClr">
-                <a:lumMod val="105000"/>
-                <a:satMod val="103000"/>
-                <a:tint val="73000"/>
               </a:schemeClr>
             </a:gs>
             <a:gs pos="100000">
               <a:schemeClr val="phClr">
-                <a:lumMod val="105000"/>
-                <a:satMod val="109000"/>
-                <a:tint val="81000"/>
+                <a:tint val="70000"/>
+                <a:satMod val="100000"/>
+                <a:lumMod val="100000"/>
               </a:schemeClr>
             </a:gs>
           </a:gsLst>
@@ -4161,23 +9811,23 @@
           <a:gsLst>
             <a:gs pos="0">
               <a:schemeClr val="phClr">
+                <a:tint val="94000"/>
                 <a:satMod val="103000"/>
                 <a:lumMod val="102000"/>
-                <a:tint val="94000"/>
               </a:schemeClr>
             </a:gs>
             <a:gs pos="50000">
               <a:schemeClr val="phClr">
+                <a:shade val="100000"/>
                 <a:satMod val="110000"/>
                 <a:lumMod val="100000"/>
-                <a:shade val="100000"/>
               </a:schemeClr>
             </a:gs>
             <a:gs pos="100000">
               <a:schemeClr val="phClr">
+                <a:shade val="78000"/>
+                <a:satMod val="120000"/>
                 <a:lumMod val="99000"/>
-                <a:satMod val="120000"/>
-                <a:shade val="78000"/>
               </a:schemeClr>
             </a:gs>
           </a:gsLst>
@@ -4185,26 +9835,23 @@
         </a:gradFill>
       </a:fillStyleLst>
       <a:lnStyleLst>
-        <a:ln w="6350" cap="flat" cmpd="sng" algn="ctr">
+        <a:ln w="9525" cap="flat" cmpd="sng" algn="ctr">
           <a:solidFill>
             <a:schemeClr val="phClr"/>
           </a:solidFill>
           <a:prstDash val="solid"/>
-          <a:miter lim="800000"/>
         </a:ln>
         <a:ln w="12700" cap="flat" cmpd="sng" algn="ctr">
           <a:solidFill>
             <a:schemeClr val="phClr"/>
           </a:solidFill>
           <a:prstDash val="solid"/>
-          <a:miter lim="800000"/>
         </a:ln>
         <a:ln w="19050" cap="flat" cmpd="sng" algn="ctr">
           <a:solidFill>
             <a:schemeClr val="phClr"/>
           </a:solidFill>
           <a:prstDash val="solid"/>
-          <a:miter lim="800000"/>
         </a:ln>
       </a:lnStyleLst>
       <a:effectStyleLst>
@@ -4238,28 +9885,31 @@
           <a:gsLst>
             <a:gs pos="0">
               <a:schemeClr val="phClr">
-                <a:tint val="93000"/>
-                <a:satMod val="150000"/>
-                <a:shade val="98000"/>
-                <a:lumMod val="102000"/>
+                <a:tint val="96000"/>
+                <a:shade val="100000"/>
+                <a:hueMod val="270000"/>
+                <a:satMod val="200000"/>
+                <a:lumMod val="128000"/>
               </a:schemeClr>
             </a:gs>
             <a:gs pos="50000">
               <a:schemeClr val="phClr">
-                <a:tint val="98000"/>
-                <a:satMod val="130000"/>
-                <a:shade val="90000"/>
-                <a:lumMod val="103000"/>
+                <a:shade val="100000"/>
+                <a:hueMod val="100000"/>
+                <a:satMod val="110000"/>
+                <a:lumMod val="130000"/>
               </a:schemeClr>
             </a:gs>
             <a:gs pos="100000">
               <a:schemeClr val="phClr">
-                <a:shade val="63000"/>
-                <a:satMod val="120000"/>
+                <a:shade val="78000"/>
+                <a:hueMod val="44000"/>
+                <a:satMod val="200000"/>
+                <a:lumMod val="69000"/>
               </a:schemeClr>
             </a:gs>
           </a:gsLst>
-          <a:lin ang="5400000" scaled="0"/>
+          <a:lin ang="2520000" scaled="0"/>
         </a:gradFill>
       </a:bgFillStyleLst>
     </a:fmtScheme>
@@ -4268,7 +9918,7 @@
   <a:extraClrSchemeLst/>
   <a:extLst>
     <a:ext uri="{05A4C25C-085E-4340-85A3-A5531E510DB2}">
-      <thm15:themeFamily xmlns:thm15="http://schemas.microsoft.com/office/thememl/2012/main" name="Office Theme" id="{62F939B6-93AF-4DB8-9C6B-D6C7DFDC589F}" vid="{4A3C46E8-61CC-4603-A589-7422A47A8E4A}"/>
+      <thm15:themeFamily xmlns:thm15="http://schemas.microsoft.com/office/thememl/2012/main" name="Berlin" id="{7B5DBA9E-B069-418E-9360-A61BDD0615A4}" vid="{C0CBE056-4EF4-4D92-969E-947779DA7AAA}"/>
     </a:ext>
   </a:extLst>
 </a:theme>

--- a/Damas.pptx
+++ b/Damas.pptx
@@ -393,7 +393,7 @@
           <a:p>
             <a:fld id="{7A38212A-5FB1-9E48-9DEB-EF9EE269AE75}" type="datetimeFigureOut">
               <a:rPr lang="pt-PT" smtClean="0"/>
-              <a:t>06/04/24</a:t>
+              <a:t>07/04/2024</a:t>
             </a:fld>
             <a:endParaRPr lang="pt-PT"/>
           </a:p>
@@ -807,7 +807,7 @@
           <a:p>
             <a:fld id="{7A38212A-5FB1-9E48-9DEB-EF9EE269AE75}" type="datetimeFigureOut">
               <a:rPr lang="pt-PT" smtClean="0"/>
-              <a:t>06/04/24</a:t>
+              <a:t>07/04/2024</a:t>
             </a:fld>
             <a:endParaRPr lang="pt-PT"/>
           </a:p>
@@ -1143,7 +1143,7 @@
           <a:p>
             <a:fld id="{7A38212A-5FB1-9E48-9DEB-EF9EE269AE75}" type="datetimeFigureOut">
               <a:rPr lang="pt-PT" smtClean="0"/>
-              <a:t>06/04/24</a:t>
+              <a:t>07/04/2024</a:t>
             </a:fld>
             <a:endParaRPr lang="pt-PT"/>
           </a:p>
@@ -1548,7 +1548,7 @@
           <a:p>
             <a:fld id="{7A38212A-5FB1-9E48-9DEB-EF9EE269AE75}" type="datetimeFigureOut">
               <a:rPr lang="pt-PT" smtClean="0"/>
-              <a:t>06/04/24</a:t>
+              <a:t>07/04/2024</a:t>
             </a:fld>
             <a:endParaRPr lang="pt-PT"/>
           </a:p>
@@ -2116,7 +2116,7 @@
           <a:p>
             <a:fld id="{7A38212A-5FB1-9E48-9DEB-EF9EE269AE75}" type="datetimeFigureOut">
               <a:rPr lang="pt-PT" smtClean="0"/>
-              <a:t>06/04/24</a:t>
+              <a:t>07/04/2024</a:t>
             </a:fld>
             <a:endParaRPr lang="pt-PT"/>
           </a:p>
@@ -2797,7 +2797,7 @@
           <a:p>
             <a:fld id="{7A38212A-5FB1-9E48-9DEB-EF9EE269AE75}" type="datetimeFigureOut">
               <a:rPr lang="pt-PT" smtClean="0"/>
-              <a:t>06/04/24</a:t>
+              <a:t>07/04/2024</a:t>
             </a:fld>
             <a:endParaRPr lang="pt-PT"/>
           </a:p>
@@ -3710,7 +3710,7 @@
           <a:p>
             <a:fld id="{7A38212A-5FB1-9E48-9DEB-EF9EE269AE75}" type="datetimeFigureOut">
               <a:rPr lang="pt-PT" smtClean="0"/>
-              <a:t>06/04/24</a:t>
+              <a:t>07/04/2024</a:t>
             </a:fld>
             <a:endParaRPr lang="pt-PT"/>
           </a:p>
@@ -4023,7 +4023,7 @@
           <a:p>
             <a:fld id="{7A38212A-5FB1-9E48-9DEB-EF9EE269AE75}" type="datetimeFigureOut">
               <a:rPr lang="pt-PT" smtClean="0"/>
-              <a:t>06/04/24</a:t>
+              <a:t>07/04/2024</a:t>
             </a:fld>
             <a:endParaRPr lang="pt-PT"/>
           </a:p>
@@ -4287,7 +4287,7 @@
           <a:p>
             <a:fld id="{7A38212A-5FB1-9E48-9DEB-EF9EE269AE75}" type="datetimeFigureOut">
               <a:rPr lang="pt-PT" smtClean="0"/>
-              <a:t>06/04/24</a:t>
+              <a:t>07/04/2024</a:t>
             </a:fld>
             <a:endParaRPr lang="pt-PT"/>
           </a:p>
@@ -4610,7 +4610,7 @@
           <a:p>
             <a:fld id="{7A38212A-5FB1-9E48-9DEB-EF9EE269AE75}" type="datetimeFigureOut">
               <a:rPr lang="pt-PT" smtClean="0"/>
-              <a:t>06/04/24</a:t>
+              <a:t>07/04/2024</a:t>
             </a:fld>
             <a:endParaRPr lang="pt-PT"/>
           </a:p>
@@ -4999,7 +4999,7 @@
           <a:p>
             <a:fld id="{7A38212A-5FB1-9E48-9DEB-EF9EE269AE75}" type="datetimeFigureOut">
               <a:rPr lang="pt-PT" smtClean="0"/>
-              <a:t>06/04/24</a:t>
+              <a:t>07/04/2024</a:t>
             </a:fld>
             <a:endParaRPr lang="pt-PT"/>
           </a:p>
@@ -5375,7 +5375,7 @@
           <a:p>
             <a:fld id="{7A38212A-5FB1-9E48-9DEB-EF9EE269AE75}" type="datetimeFigureOut">
               <a:rPr lang="pt-PT" smtClean="0"/>
-              <a:t>06/04/24</a:t>
+              <a:t>07/04/2024</a:t>
             </a:fld>
             <a:endParaRPr lang="pt-PT"/>
           </a:p>
@@ -5886,7 +5886,7 @@
           <a:p>
             <a:fld id="{7A38212A-5FB1-9E48-9DEB-EF9EE269AE75}" type="datetimeFigureOut">
               <a:rPr lang="pt-PT" smtClean="0"/>
-              <a:t>06/04/24</a:t>
+              <a:t>07/04/2024</a:t>
             </a:fld>
             <a:endParaRPr lang="pt-PT"/>
           </a:p>
@@ -6148,7 +6148,7 @@
           <a:p>
             <a:fld id="{7A38212A-5FB1-9E48-9DEB-EF9EE269AE75}" type="datetimeFigureOut">
               <a:rPr lang="pt-PT" smtClean="0"/>
-              <a:t>06/04/24</a:t>
+              <a:t>07/04/2024</a:t>
             </a:fld>
             <a:endParaRPr lang="pt-PT"/>
           </a:p>
@@ -6311,7 +6311,7 @@
           <a:p>
             <a:fld id="{7A38212A-5FB1-9E48-9DEB-EF9EE269AE75}" type="datetimeFigureOut">
               <a:rPr lang="pt-PT" smtClean="0"/>
-              <a:t>06/04/24</a:t>
+              <a:t>07/04/2024</a:t>
             </a:fld>
             <a:endParaRPr lang="pt-PT"/>
           </a:p>
@@ -6701,7 +6701,7 @@
           <a:p>
             <a:fld id="{7A38212A-5FB1-9E48-9DEB-EF9EE269AE75}" type="datetimeFigureOut">
               <a:rPr lang="pt-PT" smtClean="0"/>
-              <a:t>06/04/24</a:t>
+              <a:t>07/04/2024</a:t>
             </a:fld>
             <a:endParaRPr lang="pt-PT"/>
           </a:p>
@@ -7115,7 +7115,7 @@
           <a:p>
             <a:fld id="{7A38212A-5FB1-9E48-9DEB-EF9EE269AE75}" type="datetimeFigureOut">
               <a:rPr lang="pt-PT" smtClean="0"/>
-              <a:t>06/04/24</a:t>
+              <a:t>07/04/2024</a:t>
             </a:fld>
             <a:endParaRPr lang="pt-PT"/>
           </a:p>
@@ -7359,7 +7359,7 @@
           <a:p>
             <a:fld id="{7A38212A-5FB1-9E48-9DEB-EF9EE269AE75}" type="datetimeFigureOut">
               <a:rPr lang="pt-PT" smtClean="0"/>
-              <a:t>06/04/24</a:t>
+              <a:t>07/04/2024</a:t>
             </a:fld>
             <a:endParaRPr lang="pt-PT"/>
           </a:p>
@@ -8141,6 +8141,13 @@
             <a:schemeClr val="lt1"/>
           </a:fontRef>
         </p:style>
+        <p:txBody>
+          <a:bodyPr/>
+          <a:lstStyle/>
+          <a:p>
+            <a:endParaRPr lang="pt-PT"/>
+          </a:p>
+        </p:txBody>
       </p:sp>
       <p:sp>
         <p:nvSpPr>
@@ -8259,6 +8266,12 @@
             <a:r>
               <a:rPr lang="pt-PT" sz="2000" dirty="0"/>
               <a:t>O jogador das peças brancas é o primeiro a começar.</a:t>
+            </a:r>
+          </a:p>
+          <a:p>
+            <a:r>
+              <a:rPr lang="pt-PT" sz="2000" dirty="0"/>
+              <a:t>Existem 2 tipos de peças: os Peões e as Damas.</a:t>
             </a:r>
           </a:p>
           <a:p>
@@ -8610,6 +8623,13 @@
             <a:schemeClr val="lt1"/>
           </a:fontRef>
         </p:style>
+        <p:txBody>
+          <a:bodyPr/>
+          <a:lstStyle/>
+          <a:p>
+            <a:endParaRPr lang="pt-PT"/>
+          </a:p>
+        </p:txBody>
       </p:sp>
       <p:sp>
         <p:nvSpPr>
@@ -8721,18 +8741,11 @@
           <a:p>
             <a:r>
               <a:rPr lang="pt-PT" sz="1800" dirty="0"/>
-              <a:t>As peças só se movem uma casa na diagonal e sempre para a frente, </a:t>
-            </a:r>
-            <a:r>
-              <a:rPr lang="pt-PT" sz="1800" dirty="0">
-                <a:latin typeface="Google Sans"/>
-              </a:rPr>
-              <a:t>c</a:t>
+              <a:t>Os Peões só se movem uma casa na diagonal e sempre para a frente, e c</a:t>
             </a:r>
             <a:r>
               <a:rPr lang="pt-PT" sz="1800" b="0" i="0" u="none" strike="noStrike" dirty="0">
                 <a:effectLst/>
-                <a:latin typeface="Google Sans"/>
               </a:rPr>
               <a:t>apturar peças do adversário é obrigatório (priorizando dama ou o maior número de peças capturadas), sendo possível capturar mais do que uma ao mesmo tempo.</a:t>
             </a:r>
@@ -9090,6 +9103,13 @@
             <a:schemeClr val="lt1"/>
           </a:fontRef>
         </p:style>
+        <p:txBody>
+          <a:bodyPr/>
+          <a:lstStyle/>
+          <a:p>
+            <a:endParaRPr lang="pt-PT"/>
+          </a:p>
+        </p:txBody>
       </p:sp>
       <p:sp>
         <p:nvSpPr>
@@ -9201,18 +9221,20 @@
           <a:p>
             <a:r>
               <a:rPr lang="pt-PT" sz="1800" dirty="0"/>
-              <a:t>Quando uma peça (peão) chega à última linha do tabuleiro vira uma dama. A dama já pode andar as casas que quiser para a frente ou para trás mas sempre na diagonal. </a:t>
-            </a:r>
-          </a:p>
-          <a:p>
-            <a:r>
-              <a:rPr lang="pt-PT" sz="1800" dirty="0"/>
+              <a:t>Quando um Peão chega à última linha do tabuleiro vira uma Dama. A Dama já pode andar as casas que quiser para a frente ou para trás mas sempre na diagonal. </a:t>
+            </a:r>
+          </a:p>
+          <a:p>
+            <a:r>
+              <a:rPr lang="pt-PT" sz="1800" dirty="0">
+                <a:latin typeface="+mj-lt"/>
+              </a:rPr>
               <a:t>O </a:t>
             </a:r>
             <a:r>
               <a:rPr lang="pt-PT" sz="1800" b="0" i="0" u="none" strike="noStrike" dirty="0">
                 <a:effectLst/>
-                <a:latin typeface="Google Sans"/>
+                <a:latin typeface="+mj-lt"/>
               </a:rPr>
               <a:t>jogo termina quando um jogador consegue capturar todas as peças do adversário ou o deixar sem movimentos válidos.</a:t>
             </a:r>

--- a/Damas.pptx
+++ b/Damas.pptx
@@ -9,10 +9,9 @@
     <p:sldId id="266" r:id="rId3"/>
     <p:sldId id="261" r:id="rId4"/>
     <p:sldId id="265" r:id="rId5"/>
-    <p:sldId id="257" r:id="rId6"/>
-    <p:sldId id="262" r:id="rId7"/>
-    <p:sldId id="258" r:id="rId8"/>
-    <p:sldId id="259" r:id="rId9"/>
+    <p:sldId id="258" r:id="rId6"/>
+    <p:sldId id="257" r:id="rId7"/>
+    <p:sldId id="262" r:id="rId8"/>
   </p:sldIdLst>
   <p:sldSz cx="12192000" cy="6858000"/>
   <p:notesSz cx="6858000" cy="9144000"/>
@@ -9226,15 +9225,12 @@
           </a:p>
           <a:p>
             <a:r>
-              <a:rPr lang="pt-PT" sz="1800" dirty="0">
-                <a:latin typeface="+mj-lt"/>
-              </a:rPr>
+              <a:rPr lang="pt-PT" sz="1800" dirty="0"/>
               <a:t>O </a:t>
             </a:r>
             <a:r>
               <a:rPr lang="pt-PT" sz="1800" b="0" i="0" u="none" strike="noStrike" dirty="0">
                 <a:effectLst/>
-                <a:latin typeface="+mj-lt"/>
               </a:rPr>
               <a:t>jogo termina quando um jogador consegue capturar todas as peças do adversário ou o deixar sem movimentos válidos.</a:t>
             </a:r>
@@ -9335,7 +9331,7 @@
           <p:cNvPr id="2" name="Título 1">
             <a:extLst>
               <a:ext uri="{FF2B5EF4-FFF2-40B4-BE49-F238E27FC236}">
-                <a16:creationId xmlns:a16="http://schemas.microsoft.com/office/drawing/2014/main" id="{675BC724-7F83-5937-743D-792E0388822C}"/>
+                <a16:creationId xmlns:a16="http://schemas.microsoft.com/office/drawing/2014/main" id="{F237CAE5-133E-C028-12DA-45AEA0E9F03E}"/>
               </a:ext>
             </a:extLst>
           </p:cNvPr>
@@ -9353,7 +9349,7 @@
           <a:p>
             <a:r>
               <a:rPr lang="pt-PT" dirty="0"/>
-              <a:t>Classe Peça</a:t>
+              <a:t>Classe Tabuleiro</a:t>
             </a:r>
           </a:p>
         </p:txBody>
@@ -9363,7 +9359,7 @@
           <p:cNvPr id="3" name="Marcador de Posição de Conteúdo 2">
             <a:extLst>
               <a:ext uri="{FF2B5EF4-FFF2-40B4-BE49-F238E27FC236}">
-                <a16:creationId xmlns:a16="http://schemas.microsoft.com/office/drawing/2014/main" id="{FD5321CD-587F-7533-CF34-6EFC01B3DBB1}"/>
+                <a16:creationId xmlns:a16="http://schemas.microsoft.com/office/drawing/2014/main" id="{FCDBA431-4AB3-186C-CD5D-3140EDA1ACD7}"/>
               </a:ext>
             </a:extLst>
           </p:cNvPr>
@@ -9376,24 +9372,40 @@
         </p:nvSpPr>
         <p:spPr/>
         <p:txBody>
-          <a:bodyPr/>
+          <a:bodyPr>
+            <a:normAutofit fontScale="92500"/>
+          </a:bodyPr>
           <a:lstStyle/>
           <a:p>
-            <a:pPr algn="l"/>
             <a:r>
               <a:rPr lang="pt-PT" dirty="0"/>
-              <a:t>Esta classe serve para desenhar as peças, configurar as cores das peças, como também a sua localização (preto e branco).</a:t>
-            </a:r>
-          </a:p>
-          <a:p>
-            <a:pPr algn="l"/>
-            <a:endParaRPr lang="pt-PT" dirty="0"/>
-          </a:p>
-          <a:p>
-            <a:pPr algn="l"/>
+              <a:t>A classe Tabuleiro será a que vai representar o nosso campo de jogo, através de um </a:t>
+            </a:r>
+            <a:r>
+              <a:rPr lang="pt-PT" dirty="0" err="1"/>
+              <a:t>array</a:t>
+            </a:r>
             <a:r>
               <a:rPr lang="pt-PT" dirty="0"/>
-              <a:t>Nesta classe teríamos um método com um filtro para apenas mover as peças disponíveis como também identificar se uma peça é dama ou não e ajustar o alcance do seu movimento.</a:t>
+              <a:t> bidimensional para representar as coordenadas X e Y.</a:t>
+            </a:r>
+          </a:p>
+          <a:p>
+            <a:r>
+              <a:rPr lang="pt-PT" dirty="0"/>
+              <a:t>Quando o jogo começa, será executado um método para pôr as peças de cada jogador nos seus respetivos sítios, e durante o jogo vai guardar quais locais têm uma peça, com a sua cor e o seu tipo.</a:t>
+            </a:r>
+          </a:p>
+          <a:p>
+            <a:r>
+              <a:rPr lang="pt-PT" dirty="0"/>
+              <a:t>Esta classe também verifica se um dos jogadores tem as condições de vitória concretizadas.</a:t>
+            </a:r>
+          </a:p>
+          <a:p>
+            <a:r>
+              <a:rPr lang="pt-PT" dirty="0"/>
+              <a:t>Quando o jogo termina, esta classe mostra quem ganhou, a pontuação até ao momento e troca os jogadores de lado (ou cor) para a nova ronda.</a:t>
             </a:r>
           </a:p>
         </p:txBody>
@@ -9401,7 +9413,7 @@
     </p:spTree>
     <p:extLst>
       <p:ext uri="{BB962C8B-B14F-4D97-AF65-F5344CB8AC3E}">
-        <p14:creationId xmlns:p14="http://schemas.microsoft.com/office/powerpoint/2010/main" val="2833057582"/>
+        <p14:creationId xmlns:p14="http://schemas.microsoft.com/office/powerpoint/2010/main" val="1571848815"/>
       </p:ext>
     </p:extLst>
   </p:cSld>
@@ -9451,7 +9463,7 @@
           <a:p>
             <a:r>
               <a:rPr lang="pt-PT" dirty="0"/>
-              <a:t>Classe Jogadores</a:t>
+              <a:t>Classe Peça</a:t>
             </a:r>
           </a:p>
         </p:txBody>
@@ -9479,7 +9491,19 @@
           <a:p>
             <a:r>
               <a:rPr lang="pt-PT" dirty="0"/>
-              <a:t>Na classe jogadores é possível escolher a cor das peças que o utilizador deseja jogar e guarda o resultados das partidas entre os jogadores.</a:t>
+              <a:t>Esta classe será uma ‘interface’, que permitirá definir os dois tipos de peças que teremos: Peões e Damas. Os construtores de todas as peças terão que definir a sua cor e a sua posição original no tabuleiro.</a:t>
+            </a:r>
+          </a:p>
+          <a:p>
+            <a:r>
+              <a:rPr lang="pt-PT" dirty="0"/>
+              <a:t>Para os Peões, vai-se verificar se o movimento dessa peça é na diagonal e para a frente.</a:t>
+            </a:r>
+          </a:p>
+          <a:p>
+            <a:r>
+              <a:rPr lang="pt-PT" dirty="0"/>
+              <a:t>Para as Damas, vai-se verificar se o movimento dessa peça é na diagonal, independentemente do sentido.</a:t>
             </a:r>
           </a:p>
         </p:txBody>
@@ -9487,7 +9511,7 @@
     </p:spTree>
     <p:extLst>
       <p:ext uri="{BB962C8B-B14F-4D97-AF65-F5344CB8AC3E}">
-        <p14:creationId xmlns:p14="http://schemas.microsoft.com/office/powerpoint/2010/main" val="2864132592"/>
+        <p14:creationId xmlns:p14="http://schemas.microsoft.com/office/powerpoint/2010/main" val="2833057582"/>
       </p:ext>
     </p:extLst>
   </p:cSld>
@@ -9519,7 +9543,7 @@
           <p:cNvPr id="2" name="Título 1">
             <a:extLst>
               <a:ext uri="{FF2B5EF4-FFF2-40B4-BE49-F238E27FC236}">
-                <a16:creationId xmlns:a16="http://schemas.microsoft.com/office/drawing/2014/main" id="{F237CAE5-133E-C028-12DA-45AEA0E9F03E}"/>
+                <a16:creationId xmlns:a16="http://schemas.microsoft.com/office/drawing/2014/main" id="{675BC724-7F83-5937-743D-792E0388822C}"/>
               </a:ext>
             </a:extLst>
           </p:cNvPr>
@@ -9537,7 +9561,7 @@
           <a:p>
             <a:r>
               <a:rPr lang="pt-PT" dirty="0"/>
-              <a:t>Classe Tabuleiro</a:t>
+              <a:t>Classe Jogadores</a:t>
             </a:r>
           </a:p>
         </p:txBody>
@@ -9547,7 +9571,7 @@
           <p:cNvPr id="3" name="Marcador de Posição de Conteúdo 2">
             <a:extLst>
               <a:ext uri="{FF2B5EF4-FFF2-40B4-BE49-F238E27FC236}">
-                <a16:creationId xmlns:a16="http://schemas.microsoft.com/office/drawing/2014/main" id="{FCDBA431-4AB3-186C-CD5D-3140EDA1ACD7}"/>
+                <a16:creationId xmlns:a16="http://schemas.microsoft.com/office/drawing/2014/main" id="{FD5321CD-587F-7533-CF34-6EFC01B3DBB1}"/>
               </a:ext>
             </a:extLst>
           </p:cNvPr>
@@ -9564,26 +9588,14 @@
           <a:lstStyle/>
           <a:p>
             <a:r>
-              <a:rPr lang="pt-PT" dirty="0" err="1"/>
-              <a:t>Teriamos</a:t>
-            </a:r>
-            <a:r>
               <a:rPr lang="pt-PT" dirty="0"/>
-              <a:t> de ter um </a:t>
-            </a:r>
-            <a:r>
-              <a:rPr lang="pt-PT" dirty="0" err="1"/>
-              <a:t>array</a:t>
-            </a:r>
+              <a:t>Na classe Jogadores é possível escolher a cor das peças que o utilizador deseja jogar no primeiro jogo e guarda o resultados das partidas entre os jogadores e as vitórias conquistadas, e verifica se as jogadas que o jogador quer fazer são de acordo com as regras do jogo.</a:t>
+            </a:r>
+          </a:p>
+          <a:p>
             <a:r>
               <a:rPr lang="pt-PT" dirty="0"/>
-              <a:t> bidimensional para representar as coordenadas x e y do tabuleiro.</a:t>
-            </a:r>
-          </a:p>
-          <a:p>
-            <a:r>
-              <a:rPr lang="pt-PT" dirty="0"/>
-              <a:t>Utilizamos um método para quando começar a partida as peças ficam no lugar correto</a:t>
+              <a:t>Esta classe também guarda as peças do seu respetivo jogador.</a:t>
             </a:r>
           </a:p>
         </p:txBody>
@@ -9591,98 +9603,7 @@
     </p:spTree>
     <p:extLst>
       <p:ext uri="{BB962C8B-B14F-4D97-AF65-F5344CB8AC3E}">
-        <p14:creationId xmlns:p14="http://schemas.microsoft.com/office/powerpoint/2010/main" val="1571848815"/>
-      </p:ext>
-    </p:extLst>
-  </p:cSld>
-  <p:clrMapOvr>
-    <a:masterClrMapping/>
-  </p:clrMapOvr>
-</p:sld>
-</file>
-
-<file path=ppt/slides/slide8.xml><?xml version="1.0" encoding="utf-8"?>
-<p:sld xmlns:a="http://schemas.openxmlformats.org/drawingml/2006/main" xmlns:r="http://schemas.openxmlformats.org/officeDocument/2006/relationships" xmlns:p="http://schemas.openxmlformats.org/presentationml/2006/main">
-  <p:cSld>
-    <p:spTree>
-      <p:nvGrpSpPr>
-        <p:cNvPr id="1" name=""/>
-        <p:cNvGrpSpPr/>
-        <p:nvPr/>
-      </p:nvGrpSpPr>
-      <p:grpSpPr>
-        <a:xfrm>
-          <a:off x="0" y="0"/>
-          <a:ext cx="0" cy="0"/>
-          <a:chOff x="0" y="0"/>
-          <a:chExt cx="0" cy="0"/>
-        </a:xfrm>
-      </p:grpSpPr>
-      <p:sp>
-        <p:nvSpPr>
-          <p:cNvPr id="2" name="Título 1">
-            <a:extLst>
-              <a:ext uri="{FF2B5EF4-FFF2-40B4-BE49-F238E27FC236}">
-                <a16:creationId xmlns:a16="http://schemas.microsoft.com/office/drawing/2014/main" id="{04A3E7A1-DF66-C180-8798-D2F1C39444A4}"/>
-              </a:ext>
-            </a:extLst>
-          </p:cNvPr>
-          <p:cNvSpPr>
-            <a:spLocks noGrp="1"/>
-          </p:cNvSpPr>
-          <p:nvPr>
-            <p:ph type="title"/>
-          </p:nvPr>
-        </p:nvSpPr>
-        <p:spPr/>
-        <p:txBody>
-          <a:bodyPr/>
-          <a:lstStyle/>
-          <a:p>
-            <a:r>
-              <a:rPr lang="pt-PT" dirty="0"/>
-              <a:t>Classe Jogo/Regras</a:t>
-            </a:r>
-          </a:p>
-        </p:txBody>
-      </p:sp>
-      <p:sp>
-        <p:nvSpPr>
-          <p:cNvPr id="3" name="Marcador de Posição de Conteúdo 2">
-            <a:extLst>
-              <a:ext uri="{FF2B5EF4-FFF2-40B4-BE49-F238E27FC236}">
-                <a16:creationId xmlns:a16="http://schemas.microsoft.com/office/drawing/2014/main" id="{2E843A47-3FEB-1898-4435-3C9196261C47}"/>
-              </a:ext>
-            </a:extLst>
-          </p:cNvPr>
-          <p:cNvSpPr>
-            <a:spLocks noGrp="1"/>
-          </p:cNvSpPr>
-          <p:nvPr>
-            <p:ph idx="1"/>
-          </p:nvPr>
-        </p:nvSpPr>
-        <p:spPr/>
-        <p:txBody>
-          <a:bodyPr/>
-          <a:lstStyle/>
-          <a:p>
-            <a:r>
-              <a:rPr lang="pt-PT" dirty="0"/>
-              <a:t>Aqui nesta classe temos o método para iniciar o jogo e também é nesta classe que definimos </a:t>
-            </a:r>
-            <a:r>
-              <a:rPr lang="pt-PT"/>
-              <a:t>as regras.</a:t>
-            </a:r>
-            <a:endParaRPr lang="pt-PT" dirty="0"/>
-          </a:p>
-        </p:txBody>
-      </p:sp>
-    </p:spTree>
-    <p:extLst>
-      <p:ext uri="{BB962C8B-B14F-4D97-AF65-F5344CB8AC3E}">
-        <p14:creationId xmlns:p14="http://schemas.microsoft.com/office/powerpoint/2010/main" val="753746855"/>
+        <p14:creationId xmlns:p14="http://schemas.microsoft.com/office/powerpoint/2010/main" val="2864132592"/>
       </p:ext>
     </p:extLst>
   </p:cSld>

--- a/Damas.pptx
+++ b/Damas.pptx
@@ -12,6 +12,7 @@
     <p:sldId id="258" r:id="rId6"/>
     <p:sldId id="257" r:id="rId7"/>
     <p:sldId id="262" r:id="rId8"/>
+    <p:sldId id="267" r:id="rId9"/>
   </p:sldIdLst>
   <p:sldSz cx="12192000" cy="6858000"/>
   <p:notesSz cx="6858000" cy="9144000"/>
@@ -9589,7 +9590,7 @@
           <a:p>
             <a:r>
               <a:rPr lang="pt-PT" dirty="0"/>
-              <a:t>Na classe Jogadores é possível escolher a cor das peças que o utilizador deseja jogar no primeiro jogo e guarda o resultados das partidas entre os jogadores e as vitórias conquistadas, e verifica se as jogadas que o jogador quer fazer são de acordo com as regras do jogo.</a:t>
+              <a:t>Na classe Jogadores é possível escolher a cor das peças que o utilizador deseja jogar no primeiro jogo, guarda o resultados das partidas entre os jogadores e as vitórias conquistadas, e verifica se as jogadas que o jogador quer fazer são de acordo com as regras do jogo.</a:t>
             </a:r>
           </a:p>
           <a:p>
@@ -9604,6 +9605,376 @@
     <p:extLst>
       <p:ext uri="{BB962C8B-B14F-4D97-AF65-F5344CB8AC3E}">
         <p14:creationId xmlns:p14="http://schemas.microsoft.com/office/powerpoint/2010/main" val="2864132592"/>
+      </p:ext>
+    </p:extLst>
+  </p:cSld>
+  <p:clrMapOvr>
+    <a:masterClrMapping/>
+  </p:clrMapOvr>
+</p:sld>
+</file>
+
+<file path=ppt/slides/slide8.xml><?xml version="1.0" encoding="utf-8"?>
+<p:sld xmlns:a="http://schemas.openxmlformats.org/drawingml/2006/main" xmlns:r="http://schemas.openxmlformats.org/officeDocument/2006/relationships" xmlns:p="http://schemas.openxmlformats.org/presentationml/2006/main">
+  <p:cSld>
+    <p:bg>
+      <p:bgPr>
+        <a:gradFill rotWithShape="1">
+          <a:gsLst>
+            <a:gs pos="0">
+              <a:schemeClr val="bg2">
+                <a:tint val="96000"/>
+                <a:shade val="100000"/>
+                <a:hueMod val="270000"/>
+                <a:satMod val="200000"/>
+                <a:lumMod val="128000"/>
+              </a:schemeClr>
+            </a:gs>
+            <a:gs pos="50000">
+              <a:schemeClr val="bg2">
+                <a:shade val="100000"/>
+                <a:hueMod val="100000"/>
+                <a:satMod val="110000"/>
+                <a:lumMod val="130000"/>
+              </a:schemeClr>
+            </a:gs>
+            <a:gs pos="100000">
+              <a:schemeClr val="bg2">
+                <a:shade val="78000"/>
+                <a:hueMod val="44000"/>
+                <a:satMod val="200000"/>
+                <a:lumMod val="69000"/>
+              </a:schemeClr>
+            </a:gs>
+          </a:gsLst>
+          <a:lin ang="2520000" scaled="0"/>
+        </a:gradFill>
+        <a:effectLst/>
+      </p:bgPr>
+    </p:bg>
+    <p:spTree>
+      <p:nvGrpSpPr>
+        <p:cNvPr id="1" name=""/>
+        <p:cNvGrpSpPr/>
+        <p:nvPr/>
+      </p:nvGrpSpPr>
+      <p:grpSpPr>
+        <a:xfrm>
+          <a:off x="0" y="0"/>
+          <a:ext cx="0" cy="0"/>
+          <a:chOff x="0" y="0"/>
+          <a:chExt cx="0" cy="0"/>
+        </a:xfrm>
+      </p:grpSpPr>
+      <p:sp useBgFill="1">
+        <p:nvSpPr>
+          <p:cNvPr id="8" name="Rectangle 7">
+            <a:extLst>
+              <a:ext uri="{FF2B5EF4-FFF2-40B4-BE49-F238E27FC236}">
+                <a16:creationId xmlns:a16="http://schemas.microsoft.com/office/drawing/2014/main" id="{4B0FA309-807F-4C17-98EF-A3BA7388E213}"/>
+              </a:ext>
+              <a:ext uri="{C183D7F6-B498-43B3-948B-1728B52AA6E4}">
+                <adec:decorative xmlns:adec="http://schemas.microsoft.com/office/drawing/2017/decorative" val="1"/>
+              </a:ext>
+            </a:extLst>
+          </p:cNvPr>
+          <p:cNvSpPr>
+            <a:spLocks noGrp="1" noRot="1" noChangeAspect="1" noMove="1" noResize="1" noEditPoints="1" noAdjustHandles="1" noChangeArrowheads="1" noChangeShapeType="1" noTextEdit="1"/>
+          </p:cNvSpPr>
+          <p:nvPr>
+            <p:extLst>
+              <p:ext uri="{386F3935-93C4-4BCD-93E2-E3B085C9AB24}">
+                <p16:designElem xmlns:p16="http://schemas.microsoft.com/office/powerpoint/2015/main" val="1"/>
+              </p:ext>
+            </p:extLst>
+          </p:nvPr>
+        </p:nvSpPr>
+        <p:spPr>
+          <a:xfrm>
+            <a:off x="0" y="0"/>
+            <a:ext cx="12188824" cy="6858000"/>
+          </a:xfrm>
+          <a:prstGeom prst="rect">
+            <a:avLst/>
+          </a:prstGeom>
+          <a:ln>
+            <a:noFill/>
+          </a:ln>
+        </p:spPr>
+        <p:style>
+          <a:lnRef idx="2">
+            <a:schemeClr val="accent1">
+              <a:shade val="50000"/>
+            </a:schemeClr>
+          </a:lnRef>
+          <a:fillRef idx="1">
+            <a:schemeClr val="accent1"/>
+          </a:fillRef>
+          <a:effectRef idx="0">
+            <a:schemeClr val="accent1"/>
+          </a:effectRef>
+          <a:fontRef idx="minor">
+            <a:schemeClr val="lt1"/>
+          </a:fontRef>
+        </p:style>
+        <p:txBody>
+          <a:bodyPr rtlCol="0" anchor="ctr"/>
+          <a:lstStyle/>
+          <a:p>
+            <a:pPr algn="ctr"/>
+            <a:endParaRPr lang="en-US"/>
+          </a:p>
+        </p:txBody>
+      </p:sp>
+      <p:pic>
+        <p:nvPicPr>
+          <p:cNvPr id="10" name="Picture 9">
+            <a:extLst>
+              <a:ext uri="{FF2B5EF4-FFF2-40B4-BE49-F238E27FC236}">
+                <a16:creationId xmlns:a16="http://schemas.microsoft.com/office/drawing/2014/main" id="{2642A87B-CAE9-4F8F-B293-28388E45D9EE}"/>
+              </a:ext>
+              <a:ext uri="{C183D7F6-B498-43B3-948B-1728B52AA6E4}">
+                <adec:decorative xmlns:adec="http://schemas.microsoft.com/office/drawing/2017/decorative" val="1"/>
+              </a:ext>
+            </a:extLst>
+          </p:cNvPr>
+          <p:cNvPicPr>
+            <a:picLocks noGrp="1" noRot="1" noChangeAspect="1" noMove="1" noResize="1" noEditPoints="1" noAdjustHandles="1" noChangeArrowheads="1" noChangeShapeType="1" noCrop="1"/>
+          </p:cNvPicPr>
+          <p:nvPr>
+            <p:extLst>
+              <p:ext uri="{386F3935-93C4-4BCD-93E2-E3B085C9AB24}">
+                <p16:designElem xmlns:p16="http://schemas.microsoft.com/office/powerpoint/2015/main" val="1"/>
+              </p:ext>
+            </p:extLst>
+          </p:nvPr>
+        </p:nvPicPr>
+        <p:blipFill>
+          <a:blip r:embed="rId2">
+            <a:alphaModFix amt="10000"/>
+            <a:extLst>
+              <a:ext uri="{28A0092B-C50C-407E-A947-70E740481C1C}">
+                <a14:useLocalDpi xmlns:a14="http://schemas.microsoft.com/office/drawing/2010/main" val="0"/>
+              </a:ext>
+            </a:extLst>
+          </a:blip>
+          <a:stretch>
+            <a:fillRect/>
+          </a:stretch>
+        </p:blipFill>
+        <p:spPr>
+          <a:xfrm>
+            <a:off x="0" y="0"/>
+            <a:ext cx="12192000" cy="6858000"/>
+          </a:xfrm>
+          <a:prstGeom prst="rect">
+            <a:avLst/>
+          </a:prstGeom>
+        </p:spPr>
+      </p:pic>
+      <p:sp>
+        <p:nvSpPr>
+          <p:cNvPr id="12" name="Rectangle 11">
+            <a:extLst>
+              <a:ext uri="{FF2B5EF4-FFF2-40B4-BE49-F238E27FC236}">
+                <a16:creationId xmlns:a16="http://schemas.microsoft.com/office/drawing/2014/main" id="{C8FA1749-B91A-40E7-AD01-0B9C9C6AF74E}"/>
+              </a:ext>
+              <a:ext uri="{C183D7F6-B498-43B3-948B-1728B52AA6E4}">
+                <adec:decorative xmlns:adec="http://schemas.microsoft.com/office/drawing/2017/decorative" val="1"/>
+              </a:ext>
+            </a:extLst>
+          </p:cNvPr>
+          <p:cNvSpPr>
+            <a:spLocks noGrp="1" noRot="1" noChangeAspect="1" noMove="1" noResize="1" noEditPoints="1" noAdjustHandles="1" noChangeArrowheads="1" noChangeShapeType="1" noTextEdit="1"/>
+          </p:cNvSpPr>
+          <p:nvPr>
+            <p:extLst>
+              <p:ext uri="{386F3935-93C4-4BCD-93E2-E3B085C9AB24}">
+                <p16:designElem xmlns:p16="http://schemas.microsoft.com/office/powerpoint/2015/main" val="1"/>
+              </p:ext>
+            </p:extLst>
+          </p:nvPr>
+        </p:nvSpPr>
+        <p:spPr>
+          <a:xfrm>
+            <a:off x="4644527" y="0"/>
+            <a:ext cx="7552944" cy="6858001"/>
+          </a:xfrm>
+          <a:prstGeom prst="rect">
+            <a:avLst/>
+          </a:prstGeom>
+          <a:solidFill>
+            <a:schemeClr val="accent1"/>
+          </a:solidFill>
+          <a:ln>
+            <a:noFill/>
+          </a:ln>
+        </p:spPr>
+        <p:style>
+          <a:lnRef idx="2">
+            <a:schemeClr val="accent1">
+              <a:shade val="50000"/>
+            </a:schemeClr>
+          </a:lnRef>
+          <a:fillRef idx="1">
+            <a:schemeClr val="accent1"/>
+          </a:fillRef>
+          <a:effectRef idx="0">
+            <a:schemeClr val="accent1"/>
+          </a:effectRef>
+          <a:fontRef idx="minor">
+            <a:schemeClr val="lt1"/>
+          </a:fontRef>
+        </p:style>
+        <p:txBody>
+          <a:bodyPr rtlCol="0" anchor="ctr"/>
+          <a:lstStyle/>
+          <a:p>
+            <a:pPr algn="ctr"/>
+            <a:endParaRPr lang="en-US"/>
+          </a:p>
+        </p:txBody>
+      </p:sp>
+      <p:pic>
+        <p:nvPicPr>
+          <p:cNvPr id="14" name="Picture 13">
+            <a:extLst>
+              <a:ext uri="{FF2B5EF4-FFF2-40B4-BE49-F238E27FC236}">
+                <a16:creationId xmlns:a16="http://schemas.microsoft.com/office/drawing/2014/main" id="{3B7A934F-FFF7-4353-83D3-4EF66E93EEF8}"/>
+              </a:ext>
+              <a:ext uri="{C183D7F6-B498-43B3-948B-1728B52AA6E4}">
+                <adec:decorative xmlns:adec="http://schemas.microsoft.com/office/drawing/2017/decorative" val="1"/>
+              </a:ext>
+            </a:extLst>
+          </p:cNvPr>
+          <p:cNvPicPr>
+            <a:picLocks noGrp="1" noRot="1" noChangeAspect="1" noMove="1" noResize="1" noEditPoints="1" noAdjustHandles="1" noChangeArrowheads="1" noChangeShapeType="1" noCrop="1"/>
+          </p:cNvPicPr>
+          <p:nvPr>
+            <p:extLst>
+              <p:ext uri="{386F3935-93C4-4BCD-93E2-E3B085C9AB24}">
+                <p16:designElem xmlns:p16="http://schemas.microsoft.com/office/powerpoint/2015/main" val="1"/>
+              </p:ext>
+            </p:extLst>
+          </p:nvPr>
+        </p:nvPicPr>
+        <p:blipFill>
+          <a:blip r:embed="rId3" cstate="print">
+            <a:extLst>
+              <a:ext uri="{28A0092B-C50C-407E-A947-70E740481C1C}">
+                <a14:useLocalDpi xmlns:a14="http://schemas.microsoft.com/office/drawing/2010/main" val="0"/>
+              </a:ext>
+            </a:extLst>
+          </a:blip>
+          <a:stretch>
+            <a:fillRect/>
+          </a:stretch>
+        </p:blipFill>
+        <p:spPr>
+          <a:xfrm>
+            <a:off x="1" y="5006045"/>
+            <a:ext cx="4965192" cy="144668"/>
+          </a:xfrm>
+          <a:prstGeom prst="rect">
+            <a:avLst/>
+          </a:prstGeom>
+        </p:spPr>
+      </p:pic>
+      <p:sp>
+        <p:nvSpPr>
+          <p:cNvPr id="16" name="Rectangle 15">
+            <a:extLst>
+              <a:ext uri="{FF2B5EF4-FFF2-40B4-BE49-F238E27FC236}">
+                <a16:creationId xmlns:a16="http://schemas.microsoft.com/office/drawing/2014/main" id="{700676C8-6DE8-47DD-9A23-D42063A12E10}"/>
+              </a:ext>
+              <a:ext uri="{C183D7F6-B498-43B3-948B-1728B52AA6E4}">
+                <adec:decorative xmlns:adec="http://schemas.microsoft.com/office/drawing/2017/decorative" val="1"/>
+              </a:ext>
+            </a:extLst>
+          </p:cNvPr>
+          <p:cNvSpPr>
+            <a:spLocks noGrp="1" noRot="1" noChangeAspect="1" noMove="1" noResize="1" noEditPoints="1" noAdjustHandles="1" noChangeArrowheads="1" noChangeShapeType="1" noTextEdit="1"/>
+          </p:cNvSpPr>
+          <p:nvPr>
+            <p:extLst>
+              <p:ext uri="{386F3935-93C4-4BCD-93E2-E3B085C9AB24}">
+                <p16:designElem xmlns:p16="http://schemas.microsoft.com/office/powerpoint/2015/main" val="1"/>
+              </p:ext>
+            </p:extLst>
+          </p:nvPr>
+        </p:nvSpPr>
+        <p:spPr>
+          <a:xfrm>
+            <a:off x="-1" y="1838764"/>
+            <a:ext cx="4964567" cy="3180473"/>
+          </a:xfrm>
+          <a:prstGeom prst="rect">
+            <a:avLst/>
+          </a:prstGeom>
+          <a:solidFill>
+            <a:srgbClr val="262626"/>
+          </a:solidFill>
+          <a:ln>
+            <a:noFill/>
+          </a:ln>
+        </p:spPr>
+        <p:style>
+          <a:lnRef idx="2">
+            <a:schemeClr val="accent1">
+              <a:shade val="50000"/>
+            </a:schemeClr>
+          </a:lnRef>
+          <a:fillRef idx="1">
+            <a:schemeClr val="accent1"/>
+          </a:fillRef>
+          <a:effectRef idx="0">
+            <a:schemeClr val="accent1"/>
+          </a:effectRef>
+          <a:fontRef idx="minor">
+            <a:schemeClr val="lt1"/>
+          </a:fontRef>
+        </p:style>
+        <p:txBody>
+          <a:bodyPr/>
+          <a:lstStyle/>
+          <a:p>
+            <a:endParaRPr lang="pt-PT"/>
+          </a:p>
+        </p:txBody>
+      </p:sp>
+      <p:pic>
+        <p:nvPicPr>
+          <p:cNvPr id="5" name="Marcador de Posição de Conteúdo 4" descr="Uma imagem com diagrama, texto, Esquema, Desenho técnico&#10;&#10;Descrição gerada automaticamente">
+            <a:extLst>
+              <a:ext uri="{FF2B5EF4-FFF2-40B4-BE49-F238E27FC236}">
+                <a16:creationId xmlns:a16="http://schemas.microsoft.com/office/drawing/2014/main" id="{94056FDF-F998-8362-E04E-187FA323B79B}"/>
+              </a:ext>
+            </a:extLst>
+          </p:cNvPr>
+          <p:cNvPicPr>
+            <a:picLocks noGrp="1" noChangeAspect="1"/>
+          </p:cNvPicPr>
+          <p:nvPr>
+            <p:ph idx="1"/>
+          </p:nvPr>
+        </p:nvPicPr>
+        <p:blipFill>
+          <a:blip r:embed="rId4"/>
+          <a:stretch>
+            <a:fillRect/>
+          </a:stretch>
+        </p:blipFill>
+        <p:spPr>
+          <a:xfrm>
+            <a:off x="622300" y="435643"/>
+            <a:ext cx="11158538" cy="5850189"/>
+          </a:xfrm>
+        </p:spPr>
+      </p:pic>
+    </p:spTree>
+    <p:extLst>
+      <p:ext uri="{BB962C8B-B14F-4D97-AF65-F5344CB8AC3E}">
+        <p14:creationId xmlns:p14="http://schemas.microsoft.com/office/powerpoint/2010/main" val="966161908"/>
       </p:ext>
     </p:extLst>
   </p:cSld>

--- a/Damas.pptx
+++ b/Damas.pptx
@@ -5,14 +5,17 @@
     <p:sldMasterId id="2147483798" r:id="rId1"/>
   </p:sldMasterIdLst>
   <p:sldIdLst>
-    <p:sldId id="260" r:id="rId2"/>
-    <p:sldId id="266" r:id="rId3"/>
-    <p:sldId id="261" r:id="rId4"/>
-    <p:sldId id="265" r:id="rId5"/>
-    <p:sldId id="258" r:id="rId6"/>
-    <p:sldId id="257" r:id="rId7"/>
-    <p:sldId id="262" r:id="rId8"/>
-    <p:sldId id="267" r:id="rId9"/>
+    <p:sldId id="268" r:id="rId2"/>
+    <p:sldId id="260" r:id="rId3"/>
+    <p:sldId id="266" r:id="rId4"/>
+    <p:sldId id="261" r:id="rId5"/>
+    <p:sldId id="265" r:id="rId6"/>
+    <p:sldId id="270" r:id="rId7"/>
+    <p:sldId id="258" r:id="rId8"/>
+    <p:sldId id="257" r:id="rId9"/>
+    <p:sldId id="269" r:id="rId10"/>
+    <p:sldId id="262" r:id="rId11"/>
+    <p:sldId id="267" r:id="rId12"/>
   </p:sldIdLst>
   <p:sldSz cx="12192000" cy="6858000"/>
   <p:notesSz cx="6858000" cy="9144000"/>
@@ -393,7 +396,7 @@
           <a:p>
             <a:fld id="{7A38212A-5FB1-9E48-9DEB-EF9EE269AE75}" type="datetimeFigureOut">
               <a:rPr lang="pt-PT" smtClean="0"/>
-              <a:t>07/04/2024</a:t>
+              <a:t>08/04/2024</a:t>
             </a:fld>
             <a:endParaRPr lang="pt-PT"/>
           </a:p>
@@ -807,7 +810,7 @@
           <a:p>
             <a:fld id="{7A38212A-5FB1-9E48-9DEB-EF9EE269AE75}" type="datetimeFigureOut">
               <a:rPr lang="pt-PT" smtClean="0"/>
-              <a:t>07/04/2024</a:t>
+              <a:t>08/04/2024</a:t>
             </a:fld>
             <a:endParaRPr lang="pt-PT"/>
           </a:p>
@@ -1143,7 +1146,7 @@
           <a:p>
             <a:fld id="{7A38212A-5FB1-9E48-9DEB-EF9EE269AE75}" type="datetimeFigureOut">
               <a:rPr lang="pt-PT" smtClean="0"/>
-              <a:t>07/04/2024</a:t>
+              <a:t>08/04/2024</a:t>
             </a:fld>
             <a:endParaRPr lang="pt-PT"/>
           </a:p>
@@ -1548,7 +1551,7 @@
           <a:p>
             <a:fld id="{7A38212A-5FB1-9E48-9DEB-EF9EE269AE75}" type="datetimeFigureOut">
               <a:rPr lang="pt-PT" smtClean="0"/>
-              <a:t>07/04/2024</a:t>
+              <a:t>08/04/2024</a:t>
             </a:fld>
             <a:endParaRPr lang="pt-PT"/>
           </a:p>
@@ -2116,7 +2119,7 @@
           <a:p>
             <a:fld id="{7A38212A-5FB1-9E48-9DEB-EF9EE269AE75}" type="datetimeFigureOut">
               <a:rPr lang="pt-PT" smtClean="0"/>
-              <a:t>07/04/2024</a:t>
+              <a:t>08/04/2024</a:t>
             </a:fld>
             <a:endParaRPr lang="pt-PT"/>
           </a:p>
@@ -2797,7 +2800,7 @@
           <a:p>
             <a:fld id="{7A38212A-5FB1-9E48-9DEB-EF9EE269AE75}" type="datetimeFigureOut">
               <a:rPr lang="pt-PT" smtClean="0"/>
-              <a:t>07/04/2024</a:t>
+              <a:t>08/04/2024</a:t>
             </a:fld>
             <a:endParaRPr lang="pt-PT"/>
           </a:p>
@@ -3710,7 +3713,7 @@
           <a:p>
             <a:fld id="{7A38212A-5FB1-9E48-9DEB-EF9EE269AE75}" type="datetimeFigureOut">
               <a:rPr lang="pt-PT" smtClean="0"/>
-              <a:t>07/04/2024</a:t>
+              <a:t>08/04/2024</a:t>
             </a:fld>
             <a:endParaRPr lang="pt-PT"/>
           </a:p>
@@ -4023,7 +4026,7 @@
           <a:p>
             <a:fld id="{7A38212A-5FB1-9E48-9DEB-EF9EE269AE75}" type="datetimeFigureOut">
               <a:rPr lang="pt-PT" smtClean="0"/>
-              <a:t>07/04/2024</a:t>
+              <a:t>08/04/2024</a:t>
             </a:fld>
             <a:endParaRPr lang="pt-PT"/>
           </a:p>
@@ -4287,7 +4290,7 @@
           <a:p>
             <a:fld id="{7A38212A-5FB1-9E48-9DEB-EF9EE269AE75}" type="datetimeFigureOut">
               <a:rPr lang="pt-PT" smtClean="0"/>
-              <a:t>07/04/2024</a:t>
+              <a:t>08/04/2024</a:t>
             </a:fld>
             <a:endParaRPr lang="pt-PT"/>
           </a:p>
@@ -4610,7 +4613,7 @@
           <a:p>
             <a:fld id="{7A38212A-5FB1-9E48-9DEB-EF9EE269AE75}" type="datetimeFigureOut">
               <a:rPr lang="pt-PT" smtClean="0"/>
-              <a:t>07/04/2024</a:t>
+              <a:t>08/04/2024</a:t>
             </a:fld>
             <a:endParaRPr lang="pt-PT"/>
           </a:p>
@@ -4999,7 +5002,7 @@
           <a:p>
             <a:fld id="{7A38212A-5FB1-9E48-9DEB-EF9EE269AE75}" type="datetimeFigureOut">
               <a:rPr lang="pt-PT" smtClean="0"/>
-              <a:t>07/04/2024</a:t>
+              <a:t>08/04/2024</a:t>
             </a:fld>
             <a:endParaRPr lang="pt-PT"/>
           </a:p>
@@ -5375,7 +5378,7 @@
           <a:p>
             <a:fld id="{7A38212A-5FB1-9E48-9DEB-EF9EE269AE75}" type="datetimeFigureOut">
               <a:rPr lang="pt-PT" smtClean="0"/>
-              <a:t>07/04/2024</a:t>
+              <a:t>08/04/2024</a:t>
             </a:fld>
             <a:endParaRPr lang="pt-PT"/>
           </a:p>
@@ -5886,7 +5889,7 @@
           <a:p>
             <a:fld id="{7A38212A-5FB1-9E48-9DEB-EF9EE269AE75}" type="datetimeFigureOut">
               <a:rPr lang="pt-PT" smtClean="0"/>
-              <a:t>07/04/2024</a:t>
+              <a:t>08/04/2024</a:t>
             </a:fld>
             <a:endParaRPr lang="pt-PT"/>
           </a:p>
@@ -6148,7 +6151,7 @@
           <a:p>
             <a:fld id="{7A38212A-5FB1-9E48-9DEB-EF9EE269AE75}" type="datetimeFigureOut">
               <a:rPr lang="pt-PT" smtClean="0"/>
-              <a:t>07/04/2024</a:t>
+              <a:t>08/04/2024</a:t>
             </a:fld>
             <a:endParaRPr lang="pt-PT"/>
           </a:p>
@@ -6311,7 +6314,7 @@
           <a:p>
             <a:fld id="{7A38212A-5FB1-9E48-9DEB-EF9EE269AE75}" type="datetimeFigureOut">
               <a:rPr lang="pt-PT" smtClean="0"/>
-              <a:t>07/04/2024</a:t>
+              <a:t>08/04/2024</a:t>
             </a:fld>
             <a:endParaRPr lang="pt-PT"/>
           </a:p>
@@ -6701,7 +6704,7 @@
           <a:p>
             <a:fld id="{7A38212A-5FB1-9E48-9DEB-EF9EE269AE75}" type="datetimeFigureOut">
               <a:rPr lang="pt-PT" smtClean="0"/>
-              <a:t>07/04/2024</a:t>
+              <a:t>08/04/2024</a:t>
             </a:fld>
             <a:endParaRPr lang="pt-PT"/>
           </a:p>
@@ -7115,7 +7118,7 @@
           <a:p>
             <a:fld id="{7A38212A-5FB1-9E48-9DEB-EF9EE269AE75}" type="datetimeFigureOut">
               <a:rPr lang="pt-PT" smtClean="0"/>
-              <a:t>07/04/2024</a:t>
+              <a:t>08/04/2024</a:t>
             </a:fld>
             <a:endParaRPr lang="pt-PT"/>
           </a:p>
@@ -7359,7 +7362,7 @@
           <a:p>
             <a:fld id="{7A38212A-5FB1-9E48-9DEB-EF9EE269AE75}" type="datetimeFigureOut">
               <a:rPr lang="pt-PT" smtClean="0"/>
-              <a:t>07/04/2024</a:t>
+              <a:t>08/04/2024</a:t>
             </a:fld>
             <a:endParaRPr lang="pt-PT"/>
           </a:p>
@@ -7761,6 +7764,41 @@
 <file path=ppt/slides/slide1.xml><?xml version="1.0" encoding="utf-8"?>
 <p:sld xmlns:a="http://schemas.openxmlformats.org/drawingml/2006/main" xmlns:r="http://schemas.openxmlformats.org/officeDocument/2006/relationships" xmlns:p="http://schemas.openxmlformats.org/presentationml/2006/main">
   <p:cSld>
+    <p:bg>
+      <p:bgPr>
+        <a:gradFill rotWithShape="1">
+          <a:gsLst>
+            <a:gs pos="0">
+              <a:schemeClr val="bg2">
+                <a:tint val="96000"/>
+                <a:shade val="100000"/>
+                <a:hueMod val="270000"/>
+                <a:satMod val="200000"/>
+                <a:lumMod val="128000"/>
+              </a:schemeClr>
+            </a:gs>
+            <a:gs pos="50000">
+              <a:schemeClr val="bg2">
+                <a:shade val="100000"/>
+                <a:hueMod val="100000"/>
+                <a:satMod val="110000"/>
+                <a:lumMod val="130000"/>
+              </a:schemeClr>
+            </a:gs>
+            <a:gs pos="100000">
+              <a:schemeClr val="bg2">
+                <a:shade val="78000"/>
+                <a:hueMod val="44000"/>
+                <a:satMod val="200000"/>
+                <a:lumMod val="69000"/>
+              </a:schemeClr>
+            </a:gs>
+          </a:gsLst>
+          <a:lin ang="2520000" scaled="0"/>
+        </a:gradFill>
+        <a:effectLst/>
+      </p:bgPr>
+    </p:bg>
     <p:spTree>
       <p:nvGrpSpPr>
         <p:cNvPr id="1" name=""/>
@@ -7777,10 +7815,188 @@
       </p:grpSpPr>
       <p:sp>
         <p:nvSpPr>
+          <p:cNvPr id="8" name="Rectangle 7">
+            <a:extLst>
+              <a:ext uri="{FF2B5EF4-FFF2-40B4-BE49-F238E27FC236}">
+                <a16:creationId xmlns:a16="http://schemas.microsoft.com/office/drawing/2014/main" id="{273E8A9A-DA4B-4F12-9331-219EBE5235D0}"/>
+              </a:ext>
+              <a:ext uri="{C183D7F6-B498-43B3-948B-1728B52AA6E4}">
+                <adec:decorative xmlns:adec="http://schemas.microsoft.com/office/drawing/2017/decorative" val="1"/>
+              </a:ext>
+            </a:extLst>
+          </p:cNvPr>
+          <p:cNvSpPr>
+            <a:spLocks noGrp="1" noRot="1" noChangeAspect="1" noMove="1" noResize="1" noEditPoints="1" noAdjustHandles="1" noChangeArrowheads="1" noChangeShapeType="1" noTextEdit="1"/>
+          </p:cNvSpPr>
+          <p:nvPr>
+            <p:extLst>
+              <p:ext uri="{386F3935-93C4-4BCD-93E2-E3B085C9AB24}">
+                <p16:designElem xmlns:p16="http://schemas.microsoft.com/office/powerpoint/2015/main" val="1"/>
+              </p:ext>
+            </p:extLst>
+          </p:nvPr>
+        </p:nvSpPr>
+        <p:spPr>
+          <a:xfrm>
+            <a:off x="11281776" y="0"/>
+            <a:ext cx="917634" cy="6858000"/>
+          </a:xfrm>
+          <a:prstGeom prst="rect">
+            <a:avLst/>
+          </a:prstGeom>
+          <a:solidFill>
+            <a:schemeClr val="accent1"/>
+          </a:solidFill>
+          <a:ln>
+            <a:noFill/>
+          </a:ln>
+        </p:spPr>
+        <p:style>
+          <a:lnRef idx="2">
+            <a:schemeClr val="accent1">
+              <a:shade val="50000"/>
+            </a:schemeClr>
+          </a:lnRef>
+          <a:fillRef idx="1">
+            <a:schemeClr val="accent1"/>
+          </a:fillRef>
+          <a:effectRef idx="0">
+            <a:schemeClr val="accent1"/>
+          </a:effectRef>
+          <a:fontRef idx="minor">
+            <a:schemeClr val="lt1"/>
+          </a:fontRef>
+        </p:style>
+        <p:txBody>
+          <a:bodyPr/>
+          <a:lstStyle/>
+          <a:p>
+            <a:endParaRPr lang="pt-PT"/>
+          </a:p>
+        </p:txBody>
+      </p:sp>
+      <p:pic>
+        <p:nvPicPr>
+          <p:cNvPr id="10" name="Picture 9">
+            <a:extLst>
+              <a:ext uri="{FF2B5EF4-FFF2-40B4-BE49-F238E27FC236}">
+                <a16:creationId xmlns:a16="http://schemas.microsoft.com/office/drawing/2014/main" id="{1C4DCE7A-0E46-404B-9E0D-E93DC7B2A861}"/>
+              </a:ext>
+              <a:ext uri="{C183D7F6-B498-43B3-948B-1728B52AA6E4}">
+                <adec:decorative xmlns:adec="http://schemas.microsoft.com/office/drawing/2017/decorative" val="1"/>
+              </a:ext>
+            </a:extLst>
+          </p:cNvPr>
+          <p:cNvPicPr>
+            <a:picLocks noGrp="1" noRot="1" noChangeAspect="1" noMove="1" noResize="1" noEditPoints="1" noAdjustHandles="1" noChangeArrowheads="1" noChangeShapeType="1" noCrop="1"/>
+          </p:cNvPicPr>
+          <p:nvPr>
+            <p:extLst>
+              <p:ext uri="{386F3935-93C4-4BCD-93E2-E3B085C9AB24}">
+                <p16:designElem xmlns:p16="http://schemas.microsoft.com/office/powerpoint/2015/main" val="1"/>
+              </p:ext>
+            </p:extLst>
+          </p:nvPr>
+        </p:nvPicPr>
+        <p:blipFill>
+          <a:blip r:embed="rId2">
+            <a:alphaModFix amt="10000"/>
+            <a:extLst>
+              <a:ext uri="{28A0092B-C50C-407E-A947-70E740481C1C}">
+                <a14:useLocalDpi xmlns:a14="http://schemas.microsoft.com/office/drawing/2010/main" val="0"/>
+              </a:ext>
+            </a:extLst>
+          </a:blip>
+          <a:stretch>
+            <a:fillRect/>
+          </a:stretch>
+        </p:blipFill>
+        <p:spPr>
+          <a:xfrm>
+            <a:off x="0" y="0"/>
+            <a:ext cx="12192000" cy="6858000"/>
+          </a:xfrm>
+          <a:prstGeom prst="rect">
+            <a:avLst/>
+          </a:prstGeom>
+        </p:spPr>
+      </p:pic>
+      <p:sp>
+        <p:nvSpPr>
+          <p:cNvPr id="12" name="Rectangle 11">
+            <a:extLst>
+              <a:ext uri="{FF2B5EF4-FFF2-40B4-BE49-F238E27FC236}">
+                <a16:creationId xmlns:a16="http://schemas.microsoft.com/office/drawing/2014/main" id="{ADD673B7-F6B7-43EE-936B-D09F3A337A3E}"/>
+              </a:ext>
+              <a:ext uri="{C183D7F6-B498-43B3-948B-1728B52AA6E4}">
+                <adec:decorative xmlns:adec="http://schemas.microsoft.com/office/drawing/2017/decorative" val="1"/>
+              </a:ext>
+            </a:extLst>
+          </p:cNvPr>
+          <p:cNvSpPr>
+            <a:spLocks noGrp="1" noRot="1" noChangeAspect="1" noMove="1" noResize="1" noEditPoints="1" noAdjustHandles="1" noChangeArrowheads="1" noChangeShapeType="1" noTextEdit="1"/>
+          </p:cNvSpPr>
+          <p:nvPr>
+            <p:extLst>
+              <p:ext uri="{386F3935-93C4-4BCD-93E2-E3B085C9AB24}">
+                <p16:designElem xmlns:p16="http://schemas.microsoft.com/office/powerpoint/2015/main" val="1"/>
+              </p:ext>
+            </p:extLst>
+          </p:nvPr>
+        </p:nvSpPr>
+        <p:spPr>
+          <a:xfrm>
+            <a:off x="0" y="0"/>
+            <a:ext cx="11281776" cy="6858000"/>
+          </a:xfrm>
+          <a:prstGeom prst="rect">
+            <a:avLst/>
+          </a:prstGeom>
+          <a:solidFill>
+            <a:schemeClr val="bg1"/>
+          </a:solidFill>
+          <a:ln>
+            <a:noFill/>
+          </a:ln>
+          <a:effectLst>
+            <a:outerShdw blurRad="88900" dist="38100" dir="2700000" algn="tl" rotWithShape="0">
+              <a:prstClr val="black">
+                <a:alpha val="30000"/>
+              </a:prstClr>
+            </a:outerShdw>
+          </a:effectLst>
+        </p:spPr>
+        <p:style>
+          <a:lnRef idx="2">
+            <a:schemeClr val="accent1">
+              <a:shade val="50000"/>
+            </a:schemeClr>
+          </a:lnRef>
+          <a:fillRef idx="1">
+            <a:schemeClr val="accent1"/>
+          </a:fillRef>
+          <a:effectRef idx="0">
+            <a:schemeClr val="accent1"/>
+          </a:effectRef>
+          <a:fontRef idx="minor">
+            <a:schemeClr val="lt1"/>
+          </a:fontRef>
+        </p:style>
+        <p:txBody>
+          <a:bodyPr rtlCol="0" anchor="ctr"/>
+          <a:lstStyle/>
+          <a:p>
+            <a:pPr algn="ctr"/>
+            <a:endParaRPr lang="en-US"/>
+          </a:p>
+        </p:txBody>
+      </p:sp>
+      <p:sp>
+        <p:nvSpPr>
           <p:cNvPr id="2" name="Título 1">
             <a:extLst>
               <a:ext uri="{FF2B5EF4-FFF2-40B4-BE49-F238E27FC236}">
-                <a16:creationId xmlns:a16="http://schemas.microsoft.com/office/drawing/2014/main" id="{1AA5B7B4-8108-A6D0-8489-4CACFC8A6B82}"/>
+                <a16:creationId xmlns:a16="http://schemas.microsoft.com/office/drawing/2014/main" id="{42FD99D4-7230-71F1-ADB1-DB267DDA1D93}"/>
               </a:ext>
             </a:extLst>
           </p:cNvPr>
@@ -7791,13 +8007,51 @@
             <p:ph type="title"/>
           </p:nvPr>
         </p:nvSpPr>
-        <p:spPr/>
-        <p:txBody>
-          <a:bodyPr/>
+        <p:spPr>
+          <a:xfrm>
+            <a:off x="6770849" y="643466"/>
+            <a:ext cx="3846292" cy="5205943"/>
+          </a:xfrm>
+        </p:spPr>
+        <p:txBody>
+          <a:bodyPr anchor="b">
+            <a:normAutofit fontScale="90000"/>
+          </a:bodyPr>
           <a:lstStyle/>
           <a:p>
-            <a:r>
-              <a:rPr lang="pt-PT" dirty="0"/>
+            <a:pPr algn="r">
+              <a:lnSpc>
+                <a:spcPct val="200000"/>
+              </a:lnSpc>
+            </a:pPr>
+            <a:br>
+              <a:rPr lang="pt-PT" sz="4800" dirty="0">
+                <a:solidFill>
+                  <a:schemeClr val="accent1"/>
+                </a:solidFill>
+              </a:rPr>
+            </a:br>
+            <a:r>
+              <a:rPr lang="pt-PT" sz="4800" dirty="0">
+                <a:solidFill>
+                  <a:schemeClr val="accent1"/>
+                </a:solidFill>
+              </a:rPr>
+              <a:t>Análise Funcional e Estruturação – </a:t>
+            </a:r>
+            <a:br>
+              <a:rPr lang="pt-PT" sz="4800" dirty="0">
+                <a:solidFill>
+                  <a:schemeClr val="accent1"/>
+                </a:solidFill>
+              </a:rPr>
+            </a:br>
+            <a:r>
+              <a:rPr lang="pt-PT" sz="4800" dirty="0">
+                <a:solidFill>
+                  <a:schemeClr val="accent1"/>
+                </a:solidFill>
+              </a:rPr>
               <a:t>Damas</a:t>
             </a:r>
           </a:p>
@@ -7808,7 +8062,7 @@
           <p:cNvPr id="3" name="Marcador de Posição de Conteúdo 2">
             <a:extLst>
               <a:ext uri="{FF2B5EF4-FFF2-40B4-BE49-F238E27FC236}">
-                <a16:creationId xmlns:a16="http://schemas.microsoft.com/office/drawing/2014/main" id="{59594F3C-CFB1-5073-ACED-86749DCDC964}"/>
+                <a16:creationId xmlns:a16="http://schemas.microsoft.com/office/drawing/2014/main" id="{9397F479-6EB1-6180-DD0B-45F02096F64A}"/>
               </a:ext>
             </a:extLst>
           </p:cNvPr>
@@ -7819,44 +8073,35 @@
             <p:ph idx="1"/>
           </p:nvPr>
         </p:nvSpPr>
-        <p:spPr/>
-        <p:txBody>
-          <a:bodyPr/>
+        <p:spPr>
+          <a:xfrm>
+            <a:off x="680321" y="965200"/>
+            <a:ext cx="5410207" cy="4884209"/>
+          </a:xfrm>
+        </p:spPr>
+        <p:txBody>
+          <a:bodyPr anchor="ctr">
+            <a:normAutofit/>
+          </a:bodyPr>
           <a:lstStyle/>
           <a:p>
             <a:r>
-              <a:rPr lang="pt-PT" b="0" i="0" u="none" strike="noStrike" dirty="0">
-                <a:effectLst/>
-                <a:latin typeface="Google Sans"/>
-              </a:rPr>
-              <a:t>Damas é um jogo que teve origem no Antigo Egito, é um jogo conhecido pela sua simplicidade mas ao mesmo tempo  pela estratégia mais complexa. </a:t>
-            </a:r>
-          </a:p>
-          <a:p>
-            <a:r>
-              <a:rPr lang="pt-PT" b="0" i="0" u="none" strike="noStrike" dirty="0">
-                <a:effectLst/>
-                <a:latin typeface="Google Sans"/>
-              </a:rPr>
-              <a:t> O tabuleiro(8x8) xadrez tem 64 casas, 32 escuras e 32 claras onde o principal objetivo é deixar o adversário sem peças em cima do tabuleiro.</a:t>
-            </a:r>
-            <a:endParaRPr lang="pt-PT" dirty="0"/>
-          </a:p>
-          <a:p>
-            <a:endParaRPr lang="pt-PT" dirty="0"/>
-          </a:p>
-          <a:p>
-            <a:pPr marL="0" indent="0">
-              <a:buNone/>
-            </a:pPr>
-            <a:endParaRPr lang="pt-PT" dirty="0"/>
+              <a:rPr lang="pt-PT" sz="2000" dirty="0"/>
+              <a:t>Renato Madeira, Nº 29683;</a:t>
+            </a:r>
+          </a:p>
+          <a:p>
+            <a:r>
+              <a:rPr lang="pt-PT" sz="2000" dirty="0"/>
+              <a:t>Duarte Pires, Nº 29999.</a:t>
+            </a:r>
           </a:p>
         </p:txBody>
       </p:sp>
     </p:spTree>
     <p:extLst>
       <p:ext uri="{BB962C8B-B14F-4D97-AF65-F5344CB8AC3E}">
-        <p14:creationId xmlns:p14="http://schemas.microsoft.com/office/powerpoint/2010/main" val="3524874956"/>
+        <p14:creationId xmlns:p14="http://schemas.microsoft.com/office/powerpoint/2010/main" val="1136629668"/>
       </p:ext>
     </p:extLst>
   </p:cSld>
@@ -7866,7 +8111,99 @@
 </p:sld>
 </file>
 
-<file path=ppt/slides/slide2.xml><?xml version="1.0" encoding="utf-8"?>
+<file path=ppt/slides/slide10.xml><?xml version="1.0" encoding="utf-8"?>
+<p:sld xmlns:a="http://schemas.openxmlformats.org/drawingml/2006/main" xmlns:r="http://schemas.openxmlformats.org/officeDocument/2006/relationships" xmlns:p="http://schemas.openxmlformats.org/presentationml/2006/main">
+  <p:cSld>
+    <p:spTree>
+      <p:nvGrpSpPr>
+        <p:cNvPr id="1" name=""/>
+        <p:cNvGrpSpPr/>
+        <p:nvPr/>
+      </p:nvGrpSpPr>
+      <p:grpSpPr>
+        <a:xfrm>
+          <a:off x="0" y="0"/>
+          <a:ext cx="0" cy="0"/>
+          <a:chOff x="0" y="0"/>
+          <a:chExt cx="0" cy="0"/>
+        </a:xfrm>
+      </p:grpSpPr>
+      <p:sp>
+        <p:nvSpPr>
+          <p:cNvPr id="2" name="Título 1">
+            <a:extLst>
+              <a:ext uri="{FF2B5EF4-FFF2-40B4-BE49-F238E27FC236}">
+                <a16:creationId xmlns:a16="http://schemas.microsoft.com/office/drawing/2014/main" id="{675BC724-7F83-5937-743D-792E0388822C}"/>
+              </a:ext>
+            </a:extLst>
+          </p:cNvPr>
+          <p:cNvSpPr>
+            <a:spLocks noGrp="1"/>
+          </p:cNvSpPr>
+          <p:nvPr>
+            <p:ph type="title"/>
+          </p:nvPr>
+        </p:nvSpPr>
+        <p:spPr/>
+        <p:txBody>
+          <a:bodyPr/>
+          <a:lstStyle/>
+          <a:p>
+            <a:r>
+              <a:rPr lang="pt-PT" dirty="0"/>
+              <a:t>Classe Jogador</a:t>
+            </a:r>
+          </a:p>
+        </p:txBody>
+      </p:sp>
+      <p:sp>
+        <p:nvSpPr>
+          <p:cNvPr id="3" name="Marcador de Posição de Conteúdo 2">
+            <a:extLst>
+              <a:ext uri="{FF2B5EF4-FFF2-40B4-BE49-F238E27FC236}">
+                <a16:creationId xmlns:a16="http://schemas.microsoft.com/office/drawing/2014/main" id="{FD5321CD-587F-7533-CF34-6EFC01B3DBB1}"/>
+              </a:ext>
+            </a:extLst>
+          </p:cNvPr>
+          <p:cNvSpPr>
+            <a:spLocks noGrp="1"/>
+          </p:cNvSpPr>
+          <p:nvPr>
+            <p:ph idx="1"/>
+          </p:nvPr>
+        </p:nvSpPr>
+        <p:spPr/>
+        <p:txBody>
+          <a:bodyPr/>
+          <a:lstStyle/>
+          <a:p>
+            <a:r>
+              <a:rPr lang="pt-PT" dirty="0"/>
+              <a:t>Na classe Jogador guarda a cor das peças do utilizador, guarda o resultados das partidas entre os jogadores e as vitórias conquistadas, verifica se as jogadas que o jogador quer fazer são de acordo com as regras do jogo e também se as condições de vitória foram atingidas.</a:t>
+            </a:r>
+          </a:p>
+          <a:p>
+            <a:r>
+              <a:rPr lang="pt-PT" dirty="0"/>
+              <a:t>Esta classe também guarda  uma lista das peças do seu respetivo jogador.</a:t>
+            </a:r>
+          </a:p>
+        </p:txBody>
+      </p:sp>
+    </p:spTree>
+    <p:extLst>
+      <p:ext uri="{BB962C8B-B14F-4D97-AF65-F5344CB8AC3E}">
+        <p14:creationId xmlns:p14="http://schemas.microsoft.com/office/powerpoint/2010/main" val="2864132592"/>
+      </p:ext>
+    </p:extLst>
+  </p:cSld>
+  <p:clrMapOvr>
+    <a:masterClrMapping/>
+  </p:clrMapOvr>
+</p:sld>
+</file>
+
+<file path=ppt/slides/slide11.xml><?xml version="1.0" encoding="utf-8"?>
 <p:sld xmlns:a="http://schemas.openxmlformats.org/drawingml/2006/main" xmlns:r="http://schemas.openxmlformats.org/officeDocument/2006/relationships" xmlns:p="http://schemas.openxmlformats.org/presentationml/2006/main">
   <p:cSld>
     <p:bg>
@@ -7920,10 +8257,10 @@
       </p:grpSpPr>
       <p:sp useBgFill="1">
         <p:nvSpPr>
-          <p:cNvPr id="4103" name="Rectangle 4102">
+          <p:cNvPr id="8" name="Rectangle 7">
             <a:extLst>
               <a:ext uri="{FF2B5EF4-FFF2-40B4-BE49-F238E27FC236}">
-                <a16:creationId xmlns:a16="http://schemas.microsoft.com/office/drawing/2014/main" id="{3FECAD23-900F-4F1B-A441-6A68749F88D4}"/>
+                <a16:creationId xmlns:a16="http://schemas.microsoft.com/office/drawing/2014/main" id="{4B0FA309-807F-4C17-98EF-A3BA7388E213}"/>
               </a:ext>
               <a:ext uri="{C183D7F6-B498-43B3-948B-1728B52AA6E4}">
                 <adec:decorative xmlns:adec="http://schemas.microsoft.com/office/drawing/2017/decorative" val="1"/>
@@ -7943,8 +8280,8 @@
         </p:nvSpPr>
         <p:spPr>
           <a:xfrm>
-            <a:off x="0" y="-1"/>
-            <a:ext cx="12188824" cy="6858001"/>
+            <a:off x="0" y="0"/>
+            <a:ext cx="12188824" cy="6858000"/>
           </a:xfrm>
           <a:prstGeom prst="rect">
             <a:avLst/>
@@ -7980,10 +8317,10 @@
       </p:sp>
       <p:pic>
         <p:nvPicPr>
-          <p:cNvPr id="4105" name="Picture 4104">
+          <p:cNvPr id="10" name="Picture 9">
             <a:extLst>
               <a:ext uri="{FF2B5EF4-FFF2-40B4-BE49-F238E27FC236}">
-                <a16:creationId xmlns:a16="http://schemas.microsoft.com/office/drawing/2014/main" id="{57943801-CAEC-4F98-9332-2A4D9128463E}"/>
+                <a16:creationId xmlns:a16="http://schemas.microsoft.com/office/drawing/2014/main" id="{2642A87B-CAE9-4F8F-B293-28388E45D9EE}"/>
               </a:ext>
               <a:ext uri="{C183D7F6-B498-43B3-948B-1728B52AA6E4}">
                 <adec:decorative xmlns:adec="http://schemas.microsoft.com/office/drawing/2017/decorative" val="1"/>
@@ -8026,10 +8363,10 @@
       </p:pic>
       <p:sp>
         <p:nvSpPr>
-          <p:cNvPr id="4107" name="Rectangle 4106">
+          <p:cNvPr id="12" name="Rectangle 11">
             <a:extLst>
               <a:ext uri="{FF2B5EF4-FFF2-40B4-BE49-F238E27FC236}">
-                <a16:creationId xmlns:a16="http://schemas.microsoft.com/office/drawing/2014/main" id="{8A233090-6C39-4F59-8A0F-86F011A7EEEB}"/>
+                <a16:creationId xmlns:a16="http://schemas.microsoft.com/office/drawing/2014/main" id="{C8FA1749-B91A-40E7-AD01-0B9C9C6AF74E}"/>
               </a:ext>
               <a:ext uri="{C183D7F6-B498-43B3-948B-1728B52AA6E4}">
                 <adec:decorative xmlns:adec="http://schemas.microsoft.com/office/drawing/2017/decorative" val="1"/>
@@ -8049,12 +8386,15 @@
         </p:nvSpPr>
         <p:spPr>
           <a:xfrm>
-            <a:off x="7555992" y="0"/>
-            <a:ext cx="4636008" cy="6858001"/>
+            <a:off x="4644527" y="0"/>
+            <a:ext cx="7552944" cy="6858001"/>
           </a:xfrm>
           <a:prstGeom prst="rect">
             <a:avLst/>
           </a:prstGeom>
+          <a:solidFill>
+            <a:schemeClr val="accent1"/>
+          </a:solidFill>
           <a:ln>
             <a:noFill/>
           </a:ln>
@@ -8084,21 +8424,21 @@
           </a:p>
         </p:txBody>
       </p:sp>
-      <p:sp>
-        <p:nvSpPr>
-          <p:cNvPr id="4109" name="Rectangle 4108">
+      <p:pic>
+        <p:nvPicPr>
+          <p:cNvPr id="14" name="Picture 13">
             <a:extLst>
               <a:ext uri="{FF2B5EF4-FFF2-40B4-BE49-F238E27FC236}">
-                <a16:creationId xmlns:a16="http://schemas.microsoft.com/office/drawing/2014/main" id="{484DCAA0-4BF1-4FB9-97BA-D6BA630419A0}"/>
+                <a16:creationId xmlns:a16="http://schemas.microsoft.com/office/drawing/2014/main" id="{3B7A934F-FFF7-4353-83D3-4EF66E93EEF8}"/>
               </a:ext>
               <a:ext uri="{C183D7F6-B498-43B3-948B-1728B52AA6E4}">
                 <adec:decorative xmlns:adec="http://schemas.microsoft.com/office/drawing/2017/decorative" val="1"/>
               </a:ext>
             </a:extLst>
           </p:cNvPr>
-          <p:cNvSpPr>
-            <a:spLocks noGrp="1" noRot="1" noChangeAspect="1" noMove="1" noResize="1" noEditPoints="1" noAdjustHandles="1" noChangeArrowheads="1" noChangeShapeType="1" noTextEdit="1"/>
-          </p:cNvSpPr>
+          <p:cNvPicPr>
+            <a:picLocks noGrp="1" noRot="1" noChangeAspect="1" noMove="1" noResize="1" noEditPoints="1" noAdjustHandles="1" noChangeArrowheads="1" noChangeShapeType="1" noCrop="1"/>
+          </p:cNvPicPr>
           <p:nvPr>
             <p:extLst>
               <p:ext uri="{386F3935-93C4-4BCD-93E2-E3B085C9AB24}">
@@ -8106,20 +8446,62 @@
               </p:ext>
             </p:extLst>
           </p:nvPr>
-        </p:nvSpPr>
-        <p:spPr bwMode="grayWhite">
-          <a:xfrm>
-            <a:off x="2" y="609600"/>
-            <a:ext cx="7876030" cy="1368198"/>
+        </p:nvPicPr>
+        <p:blipFill>
+          <a:blip r:embed="rId3" cstate="print">
+            <a:extLst>
+              <a:ext uri="{28A0092B-C50C-407E-A947-70E740481C1C}">
+                <a14:useLocalDpi xmlns:a14="http://schemas.microsoft.com/office/drawing/2010/main" val="0"/>
+              </a:ext>
+            </a:extLst>
+          </a:blip>
+          <a:stretch>
+            <a:fillRect/>
+          </a:stretch>
+        </p:blipFill>
+        <p:spPr>
+          <a:xfrm>
+            <a:off x="1" y="5006045"/>
+            <a:ext cx="4965192" cy="144668"/>
+          </a:xfrm>
+          <a:prstGeom prst="rect">
+            <a:avLst/>
+          </a:prstGeom>
+        </p:spPr>
+      </p:pic>
+      <p:sp>
+        <p:nvSpPr>
+          <p:cNvPr id="16" name="Rectangle 15">
+            <a:extLst>
+              <a:ext uri="{FF2B5EF4-FFF2-40B4-BE49-F238E27FC236}">
+                <a16:creationId xmlns:a16="http://schemas.microsoft.com/office/drawing/2014/main" id="{700676C8-6DE8-47DD-9A23-D42063A12E10}"/>
+              </a:ext>
+              <a:ext uri="{C183D7F6-B498-43B3-948B-1728B52AA6E4}">
+                <adec:decorative xmlns:adec="http://schemas.microsoft.com/office/drawing/2017/decorative" val="1"/>
+              </a:ext>
+            </a:extLst>
+          </p:cNvPr>
+          <p:cNvSpPr>
+            <a:spLocks noGrp="1" noRot="1" noChangeAspect="1" noMove="1" noResize="1" noEditPoints="1" noAdjustHandles="1" noChangeArrowheads="1" noChangeShapeType="1" noTextEdit="1"/>
+          </p:cNvSpPr>
+          <p:nvPr>
+            <p:extLst>
+              <p:ext uri="{386F3935-93C4-4BCD-93E2-E3B085C9AB24}">
+                <p16:designElem xmlns:p16="http://schemas.microsoft.com/office/powerpoint/2015/main" val="1"/>
+              </p:ext>
+            </p:extLst>
+          </p:nvPr>
+        </p:nvSpPr>
+        <p:spPr>
+          <a:xfrm>
+            <a:off x="-1" y="1838764"/>
+            <a:ext cx="4964567" cy="3180473"/>
           </a:xfrm>
           <a:prstGeom prst="rect">
             <a:avLst/>
           </a:prstGeom>
           <a:solidFill>
-            <a:schemeClr val="bg1">
-              <a:lumMod val="85000"/>
-              <a:lumOff val="15000"/>
-            </a:schemeClr>
+            <a:srgbClr val="262626"/>
           </a:solidFill>
           <a:ln>
             <a:noFill/>
@@ -8149,196 +8531,147 @@
           </a:p>
         </p:txBody>
       </p:sp>
-      <p:sp>
-        <p:nvSpPr>
-          <p:cNvPr id="2" name="Título 1">
+      <p:pic>
+        <p:nvPicPr>
+          <p:cNvPr id="5" name="Marcador de Posição de Conteúdo 4" descr="Uma imagem com diagrama, texto, Esquema, Desenho técnico&#10;&#10;Descrição gerada automaticamente">
             <a:extLst>
               <a:ext uri="{FF2B5EF4-FFF2-40B4-BE49-F238E27FC236}">
-                <a16:creationId xmlns:a16="http://schemas.microsoft.com/office/drawing/2014/main" id="{464B9EEF-C6DA-B38D-76F7-527CCE103CBA}"/>
-              </a:ext>
-            </a:extLst>
-          </p:cNvPr>
-          <p:cNvSpPr>
-            <a:spLocks noGrp="1"/>
-          </p:cNvSpPr>
-          <p:nvPr>
-            <p:ph type="title"/>
-          </p:nvPr>
-        </p:nvSpPr>
-        <p:spPr>
-          <a:xfrm>
-            <a:off x="680321" y="753228"/>
-            <a:ext cx="7087552" cy="1080938"/>
-          </a:xfrm>
-        </p:spPr>
-        <p:txBody>
-          <a:bodyPr>
-            <a:normAutofit/>
-          </a:bodyPr>
-          <a:lstStyle/>
-          <a:p>
-            <a:r>
-              <a:rPr lang="pt-PT" dirty="0"/>
-              <a:t>Regras</a:t>
-            </a:r>
-          </a:p>
-        </p:txBody>
-      </p:sp>
-      <p:pic>
-        <p:nvPicPr>
-          <p:cNvPr id="4111" name="Picture 4110">
-            <a:extLst>
-              <a:ext uri="{FF2B5EF4-FFF2-40B4-BE49-F238E27FC236}">
-                <a16:creationId xmlns:a16="http://schemas.microsoft.com/office/drawing/2014/main" id="{9BC2FEA5-B399-458A-8393-E06CE40DB89C}"/>
-              </a:ext>
-              <a:ext uri="{C183D7F6-B498-43B3-948B-1728B52AA6E4}">
-                <adec:decorative xmlns:adec="http://schemas.microsoft.com/office/drawing/2017/decorative" val="1"/>
+                <a16:creationId xmlns:a16="http://schemas.microsoft.com/office/drawing/2014/main" id="{94056FDF-F998-8362-E04E-187FA323B79B}"/>
               </a:ext>
             </a:extLst>
           </p:cNvPr>
           <p:cNvPicPr>
-            <a:picLocks noGrp="1" noRot="1" noChangeAspect="1" noMove="1" noResize="1" noEditPoints="1" noAdjustHandles="1" noChangeArrowheads="1" noChangeShapeType="1" noCrop="1"/>
+            <a:picLocks noGrp="1" noChangeAspect="1"/>
           </p:cNvPicPr>
           <p:nvPr>
-            <p:extLst>
-              <p:ext uri="{386F3935-93C4-4BCD-93E2-E3B085C9AB24}">
-                <p16:designElem xmlns:p16="http://schemas.microsoft.com/office/powerpoint/2015/main" val="1"/>
-              </p:ext>
-            </p:extLst>
+            <p:ph idx="1"/>
           </p:nvPr>
         </p:nvPicPr>
         <p:blipFill>
-          <a:blip r:embed="rId3">
-            <a:extLst>
-              <a:ext uri="{28A0092B-C50C-407E-A947-70E740481C1C}">
-                <a14:useLocalDpi xmlns:a14="http://schemas.microsoft.com/office/drawing/2010/main" val="0"/>
-              </a:ext>
-            </a:extLst>
-          </a:blip>
+          <a:blip r:embed="rId4"/>
           <a:stretch>
             <a:fillRect/>
           </a:stretch>
         </p:blipFill>
         <p:spPr>
           <a:xfrm>
-            <a:off x="2" y="1970240"/>
-            <a:ext cx="7967048" cy="321164"/>
-          </a:xfrm>
-          <a:prstGeom prst="rect">
-            <a:avLst/>
-          </a:prstGeom>
-        </p:spPr>
-      </p:pic>
-      <p:sp>
-        <p:nvSpPr>
-          <p:cNvPr id="3" name="Marcador de Posição de Conteúdo 2">
-            <a:extLst>
-              <a:ext uri="{FF2B5EF4-FFF2-40B4-BE49-F238E27FC236}">
-                <a16:creationId xmlns:a16="http://schemas.microsoft.com/office/drawing/2014/main" id="{A823F73E-ECB1-F27D-B70F-62D351ADCBF3}"/>
-              </a:ext>
-            </a:extLst>
-          </p:cNvPr>
-          <p:cNvSpPr>
-            <a:spLocks noGrp="1"/>
-          </p:cNvSpPr>
-          <p:nvPr>
-            <p:ph idx="1"/>
-          </p:nvPr>
-        </p:nvSpPr>
-        <p:spPr>
-          <a:xfrm>
-            <a:off x="680321" y="2336873"/>
-            <a:ext cx="6423211" cy="3599316"/>
-          </a:xfrm>
-        </p:spPr>
-        <p:txBody>
-          <a:bodyPr>
-            <a:normAutofit/>
-          </a:bodyPr>
-          <a:lstStyle/>
-          <a:p>
-            <a:r>
-              <a:rPr lang="pt-PT" sz="2000" dirty="0"/>
-              <a:t>No total existem 24 peças 12 pretas e 12 brancas e as peças são colocadas nas casas escuras o que dá 4 peças em 3 linhas.</a:t>
-            </a:r>
-          </a:p>
-          <a:p>
-            <a:r>
-              <a:rPr lang="pt-PT" sz="2000" dirty="0"/>
-              <a:t>O jogador das peças brancas é o primeiro a começar.</a:t>
-            </a:r>
-          </a:p>
-          <a:p>
-            <a:r>
-              <a:rPr lang="pt-PT" sz="2000" dirty="0"/>
-              <a:t>Existem 2 tipos de peças: os Peões e as Damas.</a:t>
-            </a:r>
-          </a:p>
-          <a:p>
-            <a:endParaRPr lang="pt-PT" sz="1700" dirty="0"/>
-          </a:p>
-        </p:txBody>
-      </p:sp>
-      <p:pic>
-        <p:nvPicPr>
-          <p:cNvPr id="4098" name="Picture 2" descr="Loja Online » Setas, Cartas, Damas, Dómino, Xadrez » Cartas, Damas, Dominó  e Xadrez » Tabuleiro de damas :: Bilhares Telhado">
-            <a:extLst>
-              <a:ext uri="{FF2B5EF4-FFF2-40B4-BE49-F238E27FC236}">
-                <a16:creationId xmlns:a16="http://schemas.microsoft.com/office/drawing/2014/main" id="{02A35E05-3844-40BF-E784-F1328241286C}"/>
-              </a:ext>
-            </a:extLst>
-          </p:cNvPr>
-          <p:cNvPicPr>
-            <a:picLocks noChangeAspect="1" noChangeArrowheads="1"/>
-          </p:cNvPicPr>
-          <p:nvPr/>
-        </p:nvPicPr>
-        <p:blipFill>
-          <a:blip r:embed="rId4">
-            <a:extLst>
-              <a:ext uri="{28A0092B-C50C-407E-A947-70E740481C1C}">
-                <a14:useLocalDpi xmlns:a14="http://schemas.microsoft.com/office/drawing/2010/main" val="0"/>
-              </a:ext>
-            </a:extLst>
-          </a:blip>
-          <a:stretch>
-            <a:fillRect/>
-          </a:stretch>
-        </p:blipFill>
-        <p:spPr bwMode="auto">
-          <a:xfrm>
-            <a:off x="8187091" y="2198957"/>
-            <a:ext cx="3358478" cy="2460085"/>
-          </a:xfrm>
-          <a:prstGeom prst="rect">
-            <a:avLst/>
-          </a:prstGeom>
-          <a:noFill/>
-          <a:ln>
-            <a:noFill/>
-          </a:ln>
-          <a:effectLst>
-            <a:outerShdw blurRad="76200" dist="63500" dir="5040000" algn="tl" rotWithShape="0">
-              <a:srgbClr val="000000">
-                <a:alpha val="41000"/>
-              </a:srgbClr>
-            </a:outerShdw>
-          </a:effectLst>
-          <a:extLst>
-            <a:ext uri="{909E8E84-426E-40DD-AFC4-6F175D3DCCD1}">
-              <a14:hiddenFill xmlns:a14="http://schemas.microsoft.com/office/drawing/2010/main">
-                <a:solidFill>
-                  <a:srgbClr val="FFFFFF"/>
-                </a:solidFill>
-              </a14:hiddenFill>
-            </a:ext>
-          </a:extLst>
+            <a:off x="622300" y="435643"/>
+            <a:ext cx="11158538" cy="5850189"/>
+          </a:xfrm>
         </p:spPr>
       </p:pic>
     </p:spTree>
     <p:extLst>
       <p:ext uri="{BB962C8B-B14F-4D97-AF65-F5344CB8AC3E}">
-        <p14:creationId xmlns:p14="http://schemas.microsoft.com/office/powerpoint/2010/main" val="3386610098"/>
+        <p14:creationId xmlns:p14="http://schemas.microsoft.com/office/powerpoint/2010/main" val="966161908"/>
+      </p:ext>
+    </p:extLst>
+  </p:cSld>
+  <p:clrMapOvr>
+    <a:masterClrMapping/>
+  </p:clrMapOvr>
+</p:sld>
+</file>
+
+<file path=ppt/slides/slide2.xml><?xml version="1.0" encoding="utf-8"?>
+<p:sld xmlns:a="http://schemas.openxmlformats.org/drawingml/2006/main" xmlns:r="http://schemas.openxmlformats.org/officeDocument/2006/relationships" xmlns:p="http://schemas.openxmlformats.org/presentationml/2006/main">
+  <p:cSld>
+    <p:spTree>
+      <p:nvGrpSpPr>
+        <p:cNvPr id="1" name=""/>
+        <p:cNvGrpSpPr/>
+        <p:nvPr/>
+      </p:nvGrpSpPr>
+      <p:grpSpPr>
+        <a:xfrm>
+          <a:off x="0" y="0"/>
+          <a:ext cx="0" cy="0"/>
+          <a:chOff x="0" y="0"/>
+          <a:chExt cx="0" cy="0"/>
+        </a:xfrm>
+      </p:grpSpPr>
+      <p:sp>
+        <p:nvSpPr>
+          <p:cNvPr id="2" name="Título 1">
+            <a:extLst>
+              <a:ext uri="{FF2B5EF4-FFF2-40B4-BE49-F238E27FC236}">
+                <a16:creationId xmlns:a16="http://schemas.microsoft.com/office/drawing/2014/main" id="{1AA5B7B4-8108-A6D0-8489-4CACFC8A6B82}"/>
+              </a:ext>
+            </a:extLst>
+          </p:cNvPr>
+          <p:cNvSpPr>
+            <a:spLocks noGrp="1"/>
+          </p:cNvSpPr>
+          <p:nvPr>
+            <p:ph type="title"/>
+          </p:nvPr>
+        </p:nvSpPr>
+        <p:spPr/>
+        <p:txBody>
+          <a:bodyPr/>
+          <a:lstStyle/>
+          <a:p>
+            <a:r>
+              <a:rPr lang="pt-PT" dirty="0"/>
+              <a:t>Damas</a:t>
+            </a:r>
+          </a:p>
+        </p:txBody>
+      </p:sp>
+      <p:sp>
+        <p:nvSpPr>
+          <p:cNvPr id="3" name="Marcador de Posição de Conteúdo 2">
+            <a:extLst>
+              <a:ext uri="{FF2B5EF4-FFF2-40B4-BE49-F238E27FC236}">
+                <a16:creationId xmlns:a16="http://schemas.microsoft.com/office/drawing/2014/main" id="{59594F3C-CFB1-5073-ACED-86749DCDC964}"/>
+              </a:ext>
+            </a:extLst>
+          </p:cNvPr>
+          <p:cNvSpPr>
+            <a:spLocks noGrp="1"/>
+          </p:cNvSpPr>
+          <p:nvPr>
+            <p:ph idx="1"/>
+          </p:nvPr>
+        </p:nvSpPr>
+        <p:spPr/>
+        <p:txBody>
+          <a:bodyPr/>
+          <a:lstStyle/>
+          <a:p>
+            <a:r>
+              <a:rPr lang="pt-PT" b="0" i="0" u="none" strike="noStrike" dirty="0">
+                <a:effectLst/>
+                <a:latin typeface="Google Sans"/>
+              </a:rPr>
+              <a:t>Damas é um jogo que teve origem no Antigo Egito, é um jogo conhecido pela sua simplicidade mas ao mesmo tempo  pela estratégia mais complexa. </a:t>
+            </a:r>
+          </a:p>
+          <a:p>
+            <a:r>
+              <a:rPr lang="pt-PT" b="0" i="0" u="none" strike="noStrike" dirty="0">
+                <a:effectLst/>
+                <a:latin typeface="Google Sans"/>
+              </a:rPr>
+              <a:t> O tabuleiro(8x8) xadrez tem 64 casas, 32 escuras e 32 claras onde o principal objetivo é deixar o adversário sem peças em cima do tabuleiro.</a:t>
+            </a:r>
+            <a:endParaRPr lang="pt-PT" dirty="0"/>
+          </a:p>
+          <a:p>
+            <a:endParaRPr lang="pt-PT" dirty="0"/>
+          </a:p>
+          <a:p>
+            <a:pPr marL="0" indent="0">
+              <a:buNone/>
+            </a:pPr>
+            <a:endParaRPr lang="pt-PT" dirty="0"/>
+          </a:p>
+        </p:txBody>
+      </p:sp>
+    </p:spTree>
+    <p:extLst>
+      <p:ext uri="{BB962C8B-B14F-4D97-AF65-F5344CB8AC3E}">
+        <p14:creationId xmlns:p14="http://schemas.microsoft.com/office/powerpoint/2010/main" val="3524874956"/>
       </p:ext>
     </p:extLst>
   </p:cSld>
@@ -8402,7 +8735,7 @@
       </p:grpSpPr>
       <p:sp useBgFill="1">
         <p:nvSpPr>
-          <p:cNvPr id="9" name="Rectangle 8">
+          <p:cNvPr id="4103" name="Rectangle 4102">
             <a:extLst>
               <a:ext uri="{FF2B5EF4-FFF2-40B4-BE49-F238E27FC236}">
                 <a16:creationId xmlns:a16="http://schemas.microsoft.com/office/drawing/2014/main" id="{3FECAD23-900F-4F1B-A441-6A68749F88D4}"/>
@@ -8462,7 +8795,7 @@
       </p:sp>
       <p:pic>
         <p:nvPicPr>
-          <p:cNvPr id="11" name="Picture 10">
+          <p:cNvPr id="4105" name="Picture 4104">
             <a:extLst>
               <a:ext uri="{FF2B5EF4-FFF2-40B4-BE49-F238E27FC236}">
                 <a16:creationId xmlns:a16="http://schemas.microsoft.com/office/drawing/2014/main" id="{57943801-CAEC-4F98-9332-2A4D9128463E}"/>
@@ -8508,7 +8841,7 @@
       </p:pic>
       <p:sp>
         <p:nvSpPr>
-          <p:cNvPr id="13" name="Rectangle 12">
+          <p:cNvPr id="4107" name="Rectangle 4106">
             <a:extLst>
               <a:ext uri="{FF2B5EF4-FFF2-40B4-BE49-F238E27FC236}">
                 <a16:creationId xmlns:a16="http://schemas.microsoft.com/office/drawing/2014/main" id="{8A233090-6C39-4F59-8A0F-86F011A7EEEB}"/>
@@ -8568,7 +8901,7 @@
       </p:sp>
       <p:sp>
         <p:nvSpPr>
-          <p:cNvPr id="15" name="Rectangle 14">
+          <p:cNvPr id="4109" name="Rectangle 4108">
             <a:extLst>
               <a:ext uri="{FF2B5EF4-FFF2-40B4-BE49-F238E27FC236}">
                 <a16:creationId xmlns:a16="http://schemas.microsoft.com/office/drawing/2014/main" id="{484DCAA0-4BF1-4FB9-97BA-D6BA630419A0}"/>
@@ -8668,7 +9001,7 @@
       </p:sp>
       <p:pic>
         <p:nvPicPr>
-          <p:cNvPr id="17" name="Picture 16">
+          <p:cNvPr id="4111" name="Picture 4110">
             <a:extLst>
               <a:ext uri="{FF2B5EF4-FFF2-40B4-BE49-F238E27FC236}">
                 <a16:creationId xmlns:a16="http://schemas.microsoft.com/office/drawing/2014/main" id="{9BC2FEA5-B399-458A-8393-E06CE40DB89C}"/>
@@ -8740,18 +9073,20 @@
           <a:lstStyle/>
           <a:p>
             <a:r>
-              <a:rPr lang="pt-PT" sz="1800" dirty="0"/>
-              <a:t>Os Peões só se movem uma casa na diagonal e sempre para a frente, e c</a:t>
-            </a:r>
-            <a:r>
-              <a:rPr lang="pt-PT" sz="1800" b="0" i="0" u="none" strike="noStrike" dirty="0">
-                <a:effectLst/>
-              </a:rPr>
-              <a:t>apturar peças do adversário é obrigatório (priorizando dama ou o maior número de peças capturadas), sendo possível capturar mais do que uma ao mesmo tempo.</a:t>
-            </a:r>
-            <a:r>
-              <a:rPr lang="pt-PT" sz="1800" dirty="0"/>
-              <a:t> </a:t>
+              <a:rPr lang="pt-PT" sz="2000" dirty="0"/>
+              <a:t>No total existem 24 peças 12 pretas e 12 brancas e as peças são colocadas nas casas escuras o que dá 4 peças em 3 linhas.</a:t>
+            </a:r>
+          </a:p>
+          <a:p>
+            <a:r>
+              <a:rPr lang="pt-PT" sz="2000" dirty="0"/>
+              <a:t>O jogador das peças brancas é o primeiro a começar.</a:t>
+            </a:r>
+          </a:p>
+          <a:p>
+            <a:r>
+              <a:rPr lang="pt-PT" sz="2000" dirty="0"/>
+              <a:t>Existem 2 tipos de peças: os Peões e as Damas.</a:t>
             </a:r>
           </a:p>
           <a:p>
@@ -8761,10 +9096,10 @@
       </p:sp>
       <p:pic>
         <p:nvPicPr>
-          <p:cNvPr id="4" name="Picture 2" descr="DAMAS REGRAS - DamPlay">
+          <p:cNvPr id="4098" name="Picture 2" descr="Loja Online » Setas, Cartas, Damas, Dómino, Xadrez » Cartas, Damas, Dominó  e Xadrez » Tabuleiro de damas :: Bilhares Telhado">
             <a:extLst>
               <a:ext uri="{FF2B5EF4-FFF2-40B4-BE49-F238E27FC236}">
-                <a16:creationId xmlns:a16="http://schemas.microsoft.com/office/drawing/2014/main" id="{D03C0182-60C2-0642-1AF9-34FF8253CDEB}"/>
+                <a16:creationId xmlns:a16="http://schemas.microsoft.com/office/drawing/2014/main" id="{02A35E05-3844-40BF-E784-F1328241286C}"/>
               </a:ext>
             </a:extLst>
           </p:cNvPr>
@@ -8787,8 +9122,8 @@
         </p:blipFill>
         <p:spPr bwMode="auto">
           <a:xfrm>
-            <a:off x="8153201" y="1834166"/>
-            <a:ext cx="3358478" cy="3358478"/>
+            <a:off x="8187091" y="2198957"/>
+            <a:ext cx="3358478" cy="2460085"/>
           </a:xfrm>
           <a:prstGeom prst="rect">
             <a:avLst/>
@@ -8818,7 +9153,7 @@
     </p:spTree>
     <p:extLst>
       <p:ext uri="{BB962C8B-B14F-4D97-AF65-F5344CB8AC3E}">
-        <p14:creationId xmlns:p14="http://schemas.microsoft.com/office/powerpoint/2010/main" val="187120291"/>
+        <p14:creationId xmlns:p14="http://schemas.microsoft.com/office/powerpoint/2010/main" val="3386610098"/>
       </p:ext>
     </p:extLst>
   </p:cSld>
@@ -8882,7 +9217,7 @@
       </p:grpSpPr>
       <p:sp useBgFill="1">
         <p:nvSpPr>
-          <p:cNvPr id="3079" name="Rectangle 3078">
+          <p:cNvPr id="9" name="Rectangle 8">
             <a:extLst>
               <a:ext uri="{FF2B5EF4-FFF2-40B4-BE49-F238E27FC236}">
                 <a16:creationId xmlns:a16="http://schemas.microsoft.com/office/drawing/2014/main" id="{3FECAD23-900F-4F1B-A441-6A68749F88D4}"/>
@@ -8942,7 +9277,7 @@
       </p:sp>
       <p:pic>
         <p:nvPicPr>
-          <p:cNvPr id="3081" name="Picture 3080">
+          <p:cNvPr id="11" name="Picture 10">
             <a:extLst>
               <a:ext uri="{FF2B5EF4-FFF2-40B4-BE49-F238E27FC236}">
                 <a16:creationId xmlns:a16="http://schemas.microsoft.com/office/drawing/2014/main" id="{57943801-CAEC-4F98-9332-2A4D9128463E}"/>
@@ -8988,7 +9323,7 @@
       </p:pic>
       <p:sp>
         <p:nvSpPr>
-          <p:cNvPr id="3083" name="Rectangle 3082">
+          <p:cNvPr id="13" name="Rectangle 12">
             <a:extLst>
               <a:ext uri="{FF2B5EF4-FFF2-40B4-BE49-F238E27FC236}">
                 <a16:creationId xmlns:a16="http://schemas.microsoft.com/office/drawing/2014/main" id="{8A233090-6C39-4F59-8A0F-86F011A7EEEB}"/>
@@ -9048,7 +9383,7 @@
       </p:sp>
       <p:sp>
         <p:nvSpPr>
-          <p:cNvPr id="3085" name="Rectangle 3084">
+          <p:cNvPr id="15" name="Rectangle 14">
             <a:extLst>
               <a:ext uri="{FF2B5EF4-FFF2-40B4-BE49-F238E27FC236}">
                 <a16:creationId xmlns:a16="http://schemas.microsoft.com/office/drawing/2014/main" id="{484DCAA0-4BF1-4FB9-97BA-D6BA630419A0}"/>
@@ -9148,7 +9483,7 @@
       </p:sp>
       <p:pic>
         <p:nvPicPr>
-          <p:cNvPr id="3087" name="Picture 3086">
+          <p:cNvPr id="17" name="Picture 16">
             <a:extLst>
               <a:ext uri="{FF2B5EF4-FFF2-40B4-BE49-F238E27FC236}">
                 <a16:creationId xmlns:a16="http://schemas.microsoft.com/office/drawing/2014/main" id="{9BC2FEA5-B399-458A-8393-E06CE40DB89C}"/>
@@ -9221,19 +9556,17 @@
           <a:p>
             <a:r>
               <a:rPr lang="pt-PT" sz="1800" dirty="0"/>
-              <a:t>Quando um Peão chega à última linha do tabuleiro vira uma Dama. A Dama já pode andar as casas que quiser para a frente ou para trás mas sempre na diagonal. </a:t>
-            </a:r>
-          </a:p>
-          <a:p>
-            <a:r>
-              <a:rPr lang="pt-PT" sz="1800" dirty="0"/>
-              <a:t>O </a:t>
+              <a:t>Os Peões só se movem uma casa na diagonal e sempre para a frente, e c</a:t>
             </a:r>
             <a:r>
               <a:rPr lang="pt-PT" sz="1800" b="0" i="0" u="none" strike="noStrike" dirty="0">
                 <a:effectLst/>
               </a:rPr>
-              <a:t>jogo termina quando um jogador consegue capturar todas as peças do adversário ou o deixar sem movimentos válidos.</a:t>
+              <a:t>apturar peças do adversário é obrigatório (priorizando dama ou o maior número de peças capturadas), sendo possível capturar mais do que uma ao mesmo tempo.</a:t>
+            </a:r>
+            <a:r>
+              <a:rPr lang="pt-PT" sz="1800" dirty="0"/>
+              <a:t> </a:t>
             </a:r>
           </a:p>
           <a:p>
@@ -9243,10 +9576,10 @@
       </p:sp>
       <p:pic>
         <p:nvPicPr>
-          <p:cNvPr id="3074" name="Picture 2" descr="DAMAS REGRAS - DamPlay">
+          <p:cNvPr id="4" name="Picture 2" descr="DAMAS REGRAS - DamPlay">
             <a:extLst>
               <a:ext uri="{FF2B5EF4-FFF2-40B4-BE49-F238E27FC236}">
-                <a16:creationId xmlns:a16="http://schemas.microsoft.com/office/drawing/2014/main" id="{64BAAE2B-B79B-C045-F462-8C96BC3BE697}"/>
+                <a16:creationId xmlns:a16="http://schemas.microsoft.com/office/drawing/2014/main" id="{D03C0182-60C2-0642-1AF9-34FF8253CDEB}"/>
               </a:ext>
             </a:extLst>
           </p:cNvPr>
@@ -9269,7 +9602,7 @@
         </p:blipFill>
         <p:spPr bwMode="auto">
           <a:xfrm>
-            <a:off x="8187091" y="1749761"/>
+            <a:off x="8153201" y="1834166"/>
             <a:ext cx="3358478" cy="3358478"/>
           </a:xfrm>
           <a:prstGeom prst="rect">
@@ -9300,7 +9633,7 @@
     </p:spTree>
     <p:extLst>
       <p:ext uri="{BB962C8B-B14F-4D97-AF65-F5344CB8AC3E}">
-        <p14:creationId xmlns:p14="http://schemas.microsoft.com/office/powerpoint/2010/main" val="4139868801"/>
+        <p14:creationId xmlns:p14="http://schemas.microsoft.com/office/powerpoint/2010/main" val="187120291"/>
       </p:ext>
     </p:extLst>
   </p:cSld>
@@ -9311,310 +9644,6 @@
 </file>
 
 <file path=ppt/slides/slide5.xml><?xml version="1.0" encoding="utf-8"?>
-<p:sld xmlns:a="http://schemas.openxmlformats.org/drawingml/2006/main" xmlns:r="http://schemas.openxmlformats.org/officeDocument/2006/relationships" xmlns:p="http://schemas.openxmlformats.org/presentationml/2006/main">
-  <p:cSld>
-    <p:spTree>
-      <p:nvGrpSpPr>
-        <p:cNvPr id="1" name=""/>
-        <p:cNvGrpSpPr/>
-        <p:nvPr/>
-      </p:nvGrpSpPr>
-      <p:grpSpPr>
-        <a:xfrm>
-          <a:off x="0" y="0"/>
-          <a:ext cx="0" cy="0"/>
-          <a:chOff x="0" y="0"/>
-          <a:chExt cx="0" cy="0"/>
-        </a:xfrm>
-      </p:grpSpPr>
-      <p:sp>
-        <p:nvSpPr>
-          <p:cNvPr id="2" name="Título 1">
-            <a:extLst>
-              <a:ext uri="{FF2B5EF4-FFF2-40B4-BE49-F238E27FC236}">
-                <a16:creationId xmlns:a16="http://schemas.microsoft.com/office/drawing/2014/main" id="{F237CAE5-133E-C028-12DA-45AEA0E9F03E}"/>
-              </a:ext>
-            </a:extLst>
-          </p:cNvPr>
-          <p:cNvSpPr>
-            <a:spLocks noGrp="1"/>
-          </p:cNvSpPr>
-          <p:nvPr>
-            <p:ph type="title"/>
-          </p:nvPr>
-        </p:nvSpPr>
-        <p:spPr/>
-        <p:txBody>
-          <a:bodyPr/>
-          <a:lstStyle/>
-          <a:p>
-            <a:r>
-              <a:rPr lang="pt-PT" dirty="0"/>
-              <a:t>Classe Tabuleiro</a:t>
-            </a:r>
-          </a:p>
-        </p:txBody>
-      </p:sp>
-      <p:sp>
-        <p:nvSpPr>
-          <p:cNvPr id="3" name="Marcador de Posição de Conteúdo 2">
-            <a:extLst>
-              <a:ext uri="{FF2B5EF4-FFF2-40B4-BE49-F238E27FC236}">
-                <a16:creationId xmlns:a16="http://schemas.microsoft.com/office/drawing/2014/main" id="{FCDBA431-4AB3-186C-CD5D-3140EDA1ACD7}"/>
-              </a:ext>
-            </a:extLst>
-          </p:cNvPr>
-          <p:cNvSpPr>
-            <a:spLocks noGrp="1"/>
-          </p:cNvSpPr>
-          <p:nvPr>
-            <p:ph idx="1"/>
-          </p:nvPr>
-        </p:nvSpPr>
-        <p:spPr/>
-        <p:txBody>
-          <a:bodyPr>
-            <a:normAutofit fontScale="92500"/>
-          </a:bodyPr>
-          <a:lstStyle/>
-          <a:p>
-            <a:r>
-              <a:rPr lang="pt-PT" dirty="0"/>
-              <a:t>A classe Tabuleiro será a que vai representar o nosso campo de jogo, através de um </a:t>
-            </a:r>
-            <a:r>
-              <a:rPr lang="pt-PT" dirty="0" err="1"/>
-              <a:t>array</a:t>
-            </a:r>
-            <a:r>
-              <a:rPr lang="pt-PT" dirty="0"/>
-              <a:t> bidimensional para representar as coordenadas X e Y.</a:t>
-            </a:r>
-          </a:p>
-          <a:p>
-            <a:r>
-              <a:rPr lang="pt-PT" dirty="0"/>
-              <a:t>Quando o jogo começa, será executado um método para pôr as peças de cada jogador nos seus respetivos sítios, e durante o jogo vai guardar quais locais têm uma peça, com a sua cor e o seu tipo.</a:t>
-            </a:r>
-          </a:p>
-          <a:p>
-            <a:r>
-              <a:rPr lang="pt-PT" dirty="0"/>
-              <a:t>Esta classe também verifica se um dos jogadores tem as condições de vitória concretizadas.</a:t>
-            </a:r>
-          </a:p>
-          <a:p>
-            <a:r>
-              <a:rPr lang="pt-PT" dirty="0"/>
-              <a:t>Quando o jogo termina, esta classe mostra quem ganhou, a pontuação até ao momento e troca os jogadores de lado (ou cor) para a nova ronda.</a:t>
-            </a:r>
-          </a:p>
-        </p:txBody>
-      </p:sp>
-    </p:spTree>
-    <p:extLst>
-      <p:ext uri="{BB962C8B-B14F-4D97-AF65-F5344CB8AC3E}">
-        <p14:creationId xmlns:p14="http://schemas.microsoft.com/office/powerpoint/2010/main" val="1571848815"/>
-      </p:ext>
-    </p:extLst>
-  </p:cSld>
-  <p:clrMapOvr>
-    <a:masterClrMapping/>
-  </p:clrMapOvr>
-</p:sld>
-</file>
-
-<file path=ppt/slides/slide6.xml><?xml version="1.0" encoding="utf-8"?>
-<p:sld xmlns:a="http://schemas.openxmlformats.org/drawingml/2006/main" xmlns:r="http://schemas.openxmlformats.org/officeDocument/2006/relationships" xmlns:p="http://schemas.openxmlformats.org/presentationml/2006/main">
-  <p:cSld>
-    <p:spTree>
-      <p:nvGrpSpPr>
-        <p:cNvPr id="1" name=""/>
-        <p:cNvGrpSpPr/>
-        <p:nvPr/>
-      </p:nvGrpSpPr>
-      <p:grpSpPr>
-        <a:xfrm>
-          <a:off x="0" y="0"/>
-          <a:ext cx="0" cy="0"/>
-          <a:chOff x="0" y="0"/>
-          <a:chExt cx="0" cy="0"/>
-        </a:xfrm>
-      </p:grpSpPr>
-      <p:sp>
-        <p:nvSpPr>
-          <p:cNvPr id="2" name="Título 1">
-            <a:extLst>
-              <a:ext uri="{FF2B5EF4-FFF2-40B4-BE49-F238E27FC236}">
-                <a16:creationId xmlns:a16="http://schemas.microsoft.com/office/drawing/2014/main" id="{675BC724-7F83-5937-743D-792E0388822C}"/>
-              </a:ext>
-            </a:extLst>
-          </p:cNvPr>
-          <p:cNvSpPr>
-            <a:spLocks noGrp="1"/>
-          </p:cNvSpPr>
-          <p:nvPr>
-            <p:ph type="title"/>
-          </p:nvPr>
-        </p:nvSpPr>
-        <p:spPr/>
-        <p:txBody>
-          <a:bodyPr/>
-          <a:lstStyle/>
-          <a:p>
-            <a:r>
-              <a:rPr lang="pt-PT" dirty="0"/>
-              <a:t>Classe Peça</a:t>
-            </a:r>
-          </a:p>
-        </p:txBody>
-      </p:sp>
-      <p:sp>
-        <p:nvSpPr>
-          <p:cNvPr id="3" name="Marcador de Posição de Conteúdo 2">
-            <a:extLst>
-              <a:ext uri="{FF2B5EF4-FFF2-40B4-BE49-F238E27FC236}">
-                <a16:creationId xmlns:a16="http://schemas.microsoft.com/office/drawing/2014/main" id="{FD5321CD-587F-7533-CF34-6EFC01B3DBB1}"/>
-              </a:ext>
-            </a:extLst>
-          </p:cNvPr>
-          <p:cNvSpPr>
-            <a:spLocks noGrp="1"/>
-          </p:cNvSpPr>
-          <p:nvPr>
-            <p:ph idx="1"/>
-          </p:nvPr>
-        </p:nvSpPr>
-        <p:spPr/>
-        <p:txBody>
-          <a:bodyPr/>
-          <a:lstStyle/>
-          <a:p>
-            <a:r>
-              <a:rPr lang="pt-PT" dirty="0"/>
-              <a:t>Esta classe será uma ‘interface’, que permitirá definir os dois tipos de peças que teremos: Peões e Damas. Os construtores de todas as peças terão que definir a sua cor e a sua posição original no tabuleiro.</a:t>
-            </a:r>
-          </a:p>
-          <a:p>
-            <a:r>
-              <a:rPr lang="pt-PT" dirty="0"/>
-              <a:t>Para os Peões, vai-se verificar se o movimento dessa peça é na diagonal e para a frente.</a:t>
-            </a:r>
-          </a:p>
-          <a:p>
-            <a:r>
-              <a:rPr lang="pt-PT" dirty="0"/>
-              <a:t>Para as Damas, vai-se verificar se o movimento dessa peça é na diagonal, independentemente do sentido.</a:t>
-            </a:r>
-          </a:p>
-        </p:txBody>
-      </p:sp>
-    </p:spTree>
-    <p:extLst>
-      <p:ext uri="{BB962C8B-B14F-4D97-AF65-F5344CB8AC3E}">
-        <p14:creationId xmlns:p14="http://schemas.microsoft.com/office/powerpoint/2010/main" val="2833057582"/>
-      </p:ext>
-    </p:extLst>
-  </p:cSld>
-  <p:clrMapOvr>
-    <a:masterClrMapping/>
-  </p:clrMapOvr>
-</p:sld>
-</file>
-
-<file path=ppt/slides/slide7.xml><?xml version="1.0" encoding="utf-8"?>
-<p:sld xmlns:a="http://schemas.openxmlformats.org/drawingml/2006/main" xmlns:r="http://schemas.openxmlformats.org/officeDocument/2006/relationships" xmlns:p="http://schemas.openxmlformats.org/presentationml/2006/main">
-  <p:cSld>
-    <p:spTree>
-      <p:nvGrpSpPr>
-        <p:cNvPr id="1" name=""/>
-        <p:cNvGrpSpPr/>
-        <p:nvPr/>
-      </p:nvGrpSpPr>
-      <p:grpSpPr>
-        <a:xfrm>
-          <a:off x="0" y="0"/>
-          <a:ext cx="0" cy="0"/>
-          <a:chOff x="0" y="0"/>
-          <a:chExt cx="0" cy="0"/>
-        </a:xfrm>
-      </p:grpSpPr>
-      <p:sp>
-        <p:nvSpPr>
-          <p:cNvPr id="2" name="Título 1">
-            <a:extLst>
-              <a:ext uri="{FF2B5EF4-FFF2-40B4-BE49-F238E27FC236}">
-                <a16:creationId xmlns:a16="http://schemas.microsoft.com/office/drawing/2014/main" id="{675BC724-7F83-5937-743D-792E0388822C}"/>
-              </a:ext>
-            </a:extLst>
-          </p:cNvPr>
-          <p:cNvSpPr>
-            <a:spLocks noGrp="1"/>
-          </p:cNvSpPr>
-          <p:nvPr>
-            <p:ph type="title"/>
-          </p:nvPr>
-        </p:nvSpPr>
-        <p:spPr/>
-        <p:txBody>
-          <a:bodyPr/>
-          <a:lstStyle/>
-          <a:p>
-            <a:r>
-              <a:rPr lang="pt-PT" dirty="0"/>
-              <a:t>Classe Jogadores</a:t>
-            </a:r>
-          </a:p>
-        </p:txBody>
-      </p:sp>
-      <p:sp>
-        <p:nvSpPr>
-          <p:cNvPr id="3" name="Marcador de Posição de Conteúdo 2">
-            <a:extLst>
-              <a:ext uri="{FF2B5EF4-FFF2-40B4-BE49-F238E27FC236}">
-                <a16:creationId xmlns:a16="http://schemas.microsoft.com/office/drawing/2014/main" id="{FD5321CD-587F-7533-CF34-6EFC01B3DBB1}"/>
-              </a:ext>
-            </a:extLst>
-          </p:cNvPr>
-          <p:cNvSpPr>
-            <a:spLocks noGrp="1"/>
-          </p:cNvSpPr>
-          <p:nvPr>
-            <p:ph idx="1"/>
-          </p:nvPr>
-        </p:nvSpPr>
-        <p:spPr/>
-        <p:txBody>
-          <a:bodyPr/>
-          <a:lstStyle/>
-          <a:p>
-            <a:r>
-              <a:rPr lang="pt-PT" dirty="0"/>
-              <a:t>Na classe Jogadores é possível escolher a cor das peças que o utilizador deseja jogar no primeiro jogo, guarda o resultados das partidas entre os jogadores e as vitórias conquistadas, e verifica se as jogadas que o jogador quer fazer são de acordo com as regras do jogo.</a:t>
-            </a:r>
-          </a:p>
-          <a:p>
-            <a:r>
-              <a:rPr lang="pt-PT" dirty="0"/>
-              <a:t>Esta classe também guarda as peças do seu respetivo jogador.</a:t>
-            </a:r>
-          </a:p>
-        </p:txBody>
-      </p:sp>
-    </p:spTree>
-    <p:extLst>
-      <p:ext uri="{BB962C8B-B14F-4D97-AF65-F5344CB8AC3E}">
-        <p14:creationId xmlns:p14="http://schemas.microsoft.com/office/powerpoint/2010/main" val="2864132592"/>
-      </p:ext>
-    </p:extLst>
-  </p:cSld>
-  <p:clrMapOvr>
-    <a:masterClrMapping/>
-  </p:clrMapOvr>
-</p:sld>
-</file>
-
-<file path=ppt/slides/slide8.xml><?xml version="1.0" encoding="utf-8"?>
 <p:sld xmlns:a="http://schemas.openxmlformats.org/drawingml/2006/main" xmlns:r="http://schemas.openxmlformats.org/officeDocument/2006/relationships" xmlns:p="http://schemas.openxmlformats.org/presentationml/2006/main">
   <p:cSld>
     <p:bg>
@@ -9668,10 +9697,10 @@
       </p:grpSpPr>
       <p:sp useBgFill="1">
         <p:nvSpPr>
-          <p:cNvPr id="8" name="Rectangle 7">
+          <p:cNvPr id="3079" name="Rectangle 3078">
             <a:extLst>
               <a:ext uri="{FF2B5EF4-FFF2-40B4-BE49-F238E27FC236}">
-                <a16:creationId xmlns:a16="http://schemas.microsoft.com/office/drawing/2014/main" id="{4B0FA309-807F-4C17-98EF-A3BA7388E213}"/>
+                <a16:creationId xmlns:a16="http://schemas.microsoft.com/office/drawing/2014/main" id="{3FECAD23-900F-4F1B-A441-6A68749F88D4}"/>
               </a:ext>
               <a:ext uri="{C183D7F6-B498-43B3-948B-1728B52AA6E4}">
                 <adec:decorative xmlns:adec="http://schemas.microsoft.com/office/drawing/2017/decorative" val="1"/>
@@ -9691,8 +9720,8 @@
         </p:nvSpPr>
         <p:spPr>
           <a:xfrm>
-            <a:off x="0" y="0"/>
-            <a:ext cx="12188824" cy="6858000"/>
+            <a:off x="0" y="-1"/>
+            <a:ext cx="12188824" cy="6858001"/>
           </a:xfrm>
           <a:prstGeom prst="rect">
             <a:avLst/>
@@ -9728,10 +9757,10 @@
       </p:sp>
       <p:pic>
         <p:nvPicPr>
-          <p:cNvPr id="10" name="Picture 9">
+          <p:cNvPr id="3081" name="Picture 3080">
             <a:extLst>
               <a:ext uri="{FF2B5EF4-FFF2-40B4-BE49-F238E27FC236}">
-                <a16:creationId xmlns:a16="http://schemas.microsoft.com/office/drawing/2014/main" id="{2642A87B-CAE9-4F8F-B293-28388E45D9EE}"/>
+                <a16:creationId xmlns:a16="http://schemas.microsoft.com/office/drawing/2014/main" id="{57943801-CAEC-4F98-9332-2A4D9128463E}"/>
               </a:ext>
               <a:ext uri="{C183D7F6-B498-43B3-948B-1728B52AA6E4}">
                 <adec:decorative xmlns:adec="http://schemas.microsoft.com/office/drawing/2017/decorative" val="1"/>
@@ -9774,10 +9803,10 @@
       </p:pic>
       <p:sp>
         <p:nvSpPr>
-          <p:cNvPr id="12" name="Rectangle 11">
+          <p:cNvPr id="3083" name="Rectangle 3082">
             <a:extLst>
               <a:ext uri="{FF2B5EF4-FFF2-40B4-BE49-F238E27FC236}">
-                <a16:creationId xmlns:a16="http://schemas.microsoft.com/office/drawing/2014/main" id="{C8FA1749-B91A-40E7-AD01-0B9C9C6AF74E}"/>
+                <a16:creationId xmlns:a16="http://schemas.microsoft.com/office/drawing/2014/main" id="{8A233090-6C39-4F59-8A0F-86F011A7EEEB}"/>
               </a:ext>
               <a:ext uri="{C183D7F6-B498-43B3-948B-1728B52AA6E4}">
                 <adec:decorative xmlns:adec="http://schemas.microsoft.com/office/drawing/2017/decorative" val="1"/>
@@ -9797,15 +9826,12 @@
         </p:nvSpPr>
         <p:spPr>
           <a:xfrm>
-            <a:off x="4644527" y="0"/>
-            <a:ext cx="7552944" cy="6858001"/>
+            <a:off x="7555992" y="0"/>
+            <a:ext cx="4636008" cy="6858001"/>
           </a:xfrm>
           <a:prstGeom prst="rect">
             <a:avLst/>
           </a:prstGeom>
-          <a:solidFill>
-            <a:schemeClr val="accent1"/>
-          </a:solidFill>
           <a:ln>
             <a:noFill/>
           </a:ln>
@@ -9835,21 +9861,21 @@
           </a:p>
         </p:txBody>
       </p:sp>
-      <p:pic>
-        <p:nvPicPr>
-          <p:cNvPr id="14" name="Picture 13">
+      <p:sp>
+        <p:nvSpPr>
+          <p:cNvPr id="3085" name="Rectangle 3084">
             <a:extLst>
               <a:ext uri="{FF2B5EF4-FFF2-40B4-BE49-F238E27FC236}">
-                <a16:creationId xmlns:a16="http://schemas.microsoft.com/office/drawing/2014/main" id="{3B7A934F-FFF7-4353-83D3-4EF66E93EEF8}"/>
+                <a16:creationId xmlns:a16="http://schemas.microsoft.com/office/drawing/2014/main" id="{484DCAA0-4BF1-4FB9-97BA-D6BA630419A0}"/>
               </a:ext>
               <a:ext uri="{C183D7F6-B498-43B3-948B-1728B52AA6E4}">
                 <adec:decorative xmlns:adec="http://schemas.microsoft.com/office/drawing/2017/decorative" val="1"/>
               </a:ext>
             </a:extLst>
           </p:cNvPr>
-          <p:cNvPicPr>
-            <a:picLocks noGrp="1" noRot="1" noChangeAspect="1" noMove="1" noResize="1" noEditPoints="1" noAdjustHandles="1" noChangeArrowheads="1" noChangeShapeType="1" noCrop="1"/>
-          </p:cNvPicPr>
+          <p:cNvSpPr>
+            <a:spLocks noGrp="1" noRot="1" noChangeAspect="1" noMove="1" noResize="1" noEditPoints="1" noAdjustHandles="1" noChangeArrowheads="1" noChangeShapeType="1" noTextEdit="1"/>
+          </p:cNvSpPr>
           <p:nvPr>
             <p:extLst>
               <p:ext uri="{386F3935-93C4-4BCD-93E2-E3B085C9AB24}">
@@ -9857,62 +9883,20 @@
               </p:ext>
             </p:extLst>
           </p:nvPr>
-        </p:nvPicPr>
-        <p:blipFill>
-          <a:blip r:embed="rId3" cstate="print">
-            <a:extLst>
-              <a:ext uri="{28A0092B-C50C-407E-A947-70E740481C1C}">
-                <a14:useLocalDpi xmlns:a14="http://schemas.microsoft.com/office/drawing/2010/main" val="0"/>
-              </a:ext>
-            </a:extLst>
-          </a:blip>
-          <a:stretch>
-            <a:fillRect/>
-          </a:stretch>
-        </p:blipFill>
-        <p:spPr>
-          <a:xfrm>
-            <a:off x="1" y="5006045"/>
-            <a:ext cx="4965192" cy="144668"/>
-          </a:xfrm>
-          <a:prstGeom prst="rect">
-            <a:avLst/>
-          </a:prstGeom>
-        </p:spPr>
-      </p:pic>
-      <p:sp>
-        <p:nvSpPr>
-          <p:cNvPr id="16" name="Rectangle 15">
-            <a:extLst>
-              <a:ext uri="{FF2B5EF4-FFF2-40B4-BE49-F238E27FC236}">
-                <a16:creationId xmlns:a16="http://schemas.microsoft.com/office/drawing/2014/main" id="{700676C8-6DE8-47DD-9A23-D42063A12E10}"/>
-              </a:ext>
-              <a:ext uri="{C183D7F6-B498-43B3-948B-1728B52AA6E4}">
-                <adec:decorative xmlns:adec="http://schemas.microsoft.com/office/drawing/2017/decorative" val="1"/>
-              </a:ext>
-            </a:extLst>
-          </p:cNvPr>
-          <p:cNvSpPr>
-            <a:spLocks noGrp="1" noRot="1" noChangeAspect="1" noMove="1" noResize="1" noEditPoints="1" noAdjustHandles="1" noChangeArrowheads="1" noChangeShapeType="1" noTextEdit="1"/>
-          </p:cNvSpPr>
-          <p:nvPr>
-            <p:extLst>
-              <p:ext uri="{386F3935-93C4-4BCD-93E2-E3B085C9AB24}">
-                <p16:designElem xmlns:p16="http://schemas.microsoft.com/office/powerpoint/2015/main" val="1"/>
-              </p:ext>
-            </p:extLst>
-          </p:nvPr>
-        </p:nvSpPr>
-        <p:spPr>
-          <a:xfrm>
-            <a:off x="-1" y="1838764"/>
-            <a:ext cx="4964567" cy="3180473"/>
+        </p:nvSpPr>
+        <p:spPr bwMode="grayWhite">
+          <a:xfrm>
+            <a:off x="2" y="609600"/>
+            <a:ext cx="7876030" cy="1368198"/>
           </a:xfrm>
           <a:prstGeom prst="rect">
             <a:avLst/>
           </a:prstGeom>
           <a:solidFill>
-            <a:srgbClr val="262626"/>
+            <a:schemeClr val="bg1">
+              <a:lumMod val="85000"/>
+              <a:lumOff val="15000"/>
+            </a:schemeClr>
           </a:solidFill>
           <a:ln>
             <a:noFill/>
@@ -9942,39 +9926,709 @@
           </a:p>
         </p:txBody>
       </p:sp>
+      <p:sp>
+        <p:nvSpPr>
+          <p:cNvPr id="2" name="Título 1">
+            <a:extLst>
+              <a:ext uri="{FF2B5EF4-FFF2-40B4-BE49-F238E27FC236}">
+                <a16:creationId xmlns:a16="http://schemas.microsoft.com/office/drawing/2014/main" id="{464B9EEF-C6DA-B38D-76F7-527CCE103CBA}"/>
+              </a:ext>
+            </a:extLst>
+          </p:cNvPr>
+          <p:cNvSpPr>
+            <a:spLocks noGrp="1"/>
+          </p:cNvSpPr>
+          <p:nvPr>
+            <p:ph type="title"/>
+          </p:nvPr>
+        </p:nvSpPr>
+        <p:spPr>
+          <a:xfrm>
+            <a:off x="680321" y="753228"/>
+            <a:ext cx="7087552" cy="1080938"/>
+          </a:xfrm>
+        </p:spPr>
+        <p:txBody>
+          <a:bodyPr>
+            <a:normAutofit/>
+          </a:bodyPr>
+          <a:lstStyle/>
+          <a:p>
+            <a:r>
+              <a:rPr lang="pt-PT" dirty="0"/>
+              <a:t>Regras</a:t>
+            </a:r>
+          </a:p>
+        </p:txBody>
+      </p:sp>
       <p:pic>
         <p:nvPicPr>
-          <p:cNvPr id="5" name="Marcador de Posição de Conteúdo 4" descr="Uma imagem com diagrama, texto, Esquema, Desenho técnico&#10;&#10;Descrição gerada automaticamente">
+          <p:cNvPr id="3087" name="Picture 3086">
             <a:extLst>
               <a:ext uri="{FF2B5EF4-FFF2-40B4-BE49-F238E27FC236}">
-                <a16:creationId xmlns:a16="http://schemas.microsoft.com/office/drawing/2014/main" id="{94056FDF-F998-8362-E04E-187FA323B79B}"/>
+                <a16:creationId xmlns:a16="http://schemas.microsoft.com/office/drawing/2014/main" id="{9BC2FEA5-B399-458A-8393-E06CE40DB89C}"/>
+              </a:ext>
+              <a:ext uri="{C183D7F6-B498-43B3-948B-1728B52AA6E4}">
+                <adec:decorative xmlns:adec="http://schemas.microsoft.com/office/drawing/2017/decorative" val="1"/>
               </a:ext>
             </a:extLst>
           </p:cNvPr>
           <p:cNvPicPr>
-            <a:picLocks noGrp="1" noChangeAspect="1"/>
+            <a:picLocks noGrp="1" noRot="1" noChangeAspect="1" noMove="1" noResize="1" noEditPoints="1" noAdjustHandles="1" noChangeArrowheads="1" noChangeShapeType="1" noCrop="1"/>
           </p:cNvPicPr>
           <p:nvPr>
-            <p:ph idx="1"/>
+            <p:extLst>
+              <p:ext uri="{386F3935-93C4-4BCD-93E2-E3B085C9AB24}">
+                <p16:designElem xmlns:p16="http://schemas.microsoft.com/office/powerpoint/2015/main" val="1"/>
+              </p:ext>
+            </p:extLst>
           </p:nvPr>
         </p:nvPicPr>
         <p:blipFill>
-          <a:blip r:embed="rId4"/>
+          <a:blip r:embed="rId3">
+            <a:extLst>
+              <a:ext uri="{28A0092B-C50C-407E-A947-70E740481C1C}">
+                <a14:useLocalDpi xmlns:a14="http://schemas.microsoft.com/office/drawing/2010/main" val="0"/>
+              </a:ext>
+            </a:extLst>
+          </a:blip>
           <a:stretch>
             <a:fillRect/>
           </a:stretch>
         </p:blipFill>
         <p:spPr>
           <a:xfrm>
-            <a:off x="622300" y="435643"/>
-            <a:ext cx="11158538" cy="5850189"/>
-          </a:xfrm>
+            <a:off x="2" y="1970240"/>
+            <a:ext cx="7967048" cy="321164"/>
+          </a:xfrm>
+          <a:prstGeom prst="rect">
+            <a:avLst/>
+          </a:prstGeom>
         </p:spPr>
       </p:pic>
+      <p:sp>
+        <p:nvSpPr>
+          <p:cNvPr id="3" name="Marcador de Posição de Conteúdo 2">
+            <a:extLst>
+              <a:ext uri="{FF2B5EF4-FFF2-40B4-BE49-F238E27FC236}">
+                <a16:creationId xmlns:a16="http://schemas.microsoft.com/office/drawing/2014/main" id="{A823F73E-ECB1-F27D-B70F-62D351ADCBF3}"/>
+              </a:ext>
+            </a:extLst>
+          </p:cNvPr>
+          <p:cNvSpPr>
+            <a:spLocks noGrp="1"/>
+          </p:cNvSpPr>
+          <p:nvPr>
+            <p:ph idx="1"/>
+          </p:nvPr>
+        </p:nvSpPr>
+        <p:spPr>
+          <a:xfrm>
+            <a:off x="680321" y="2336873"/>
+            <a:ext cx="6423211" cy="3599316"/>
+          </a:xfrm>
+        </p:spPr>
+        <p:txBody>
+          <a:bodyPr>
+            <a:normAutofit/>
+          </a:bodyPr>
+          <a:lstStyle/>
+          <a:p>
+            <a:r>
+              <a:rPr lang="pt-PT" sz="1800" dirty="0"/>
+              <a:t>Quando um Peão chega à última linha do tabuleiro vira uma Dama. A Dama já pode andar as casas que quiser para a frente ou para trás mas sempre na diagonal. </a:t>
+            </a:r>
+          </a:p>
+          <a:p>
+            <a:r>
+              <a:rPr lang="pt-PT" sz="1800" dirty="0"/>
+              <a:t>O </a:t>
+            </a:r>
+            <a:r>
+              <a:rPr lang="pt-PT" sz="1800" b="0" i="0" u="none" strike="noStrike" dirty="0">
+                <a:effectLst/>
+              </a:rPr>
+              <a:t>jogo termina quando um jogador consegue capturar todas as peças do adversário ou o deixar sem movimentos válidos.</a:t>
+            </a:r>
+          </a:p>
+          <a:p>
+            <a:endParaRPr lang="pt-PT" sz="1700" dirty="0"/>
+          </a:p>
+        </p:txBody>
+      </p:sp>
+      <p:pic>
+        <p:nvPicPr>
+          <p:cNvPr id="3074" name="Picture 2" descr="DAMAS REGRAS - DamPlay">
+            <a:extLst>
+              <a:ext uri="{FF2B5EF4-FFF2-40B4-BE49-F238E27FC236}">
+                <a16:creationId xmlns:a16="http://schemas.microsoft.com/office/drawing/2014/main" id="{64BAAE2B-B79B-C045-F462-8C96BC3BE697}"/>
+              </a:ext>
+            </a:extLst>
+          </p:cNvPr>
+          <p:cNvPicPr>
+            <a:picLocks noChangeAspect="1" noChangeArrowheads="1"/>
+          </p:cNvPicPr>
+          <p:nvPr/>
+        </p:nvPicPr>
+        <p:blipFill>
+          <a:blip r:embed="rId4">
+            <a:extLst>
+              <a:ext uri="{28A0092B-C50C-407E-A947-70E740481C1C}">
+                <a14:useLocalDpi xmlns:a14="http://schemas.microsoft.com/office/drawing/2010/main" val="0"/>
+              </a:ext>
+            </a:extLst>
+          </a:blip>
+          <a:stretch>
+            <a:fillRect/>
+          </a:stretch>
+        </p:blipFill>
+        <p:spPr bwMode="auto">
+          <a:xfrm>
+            <a:off x="8187091" y="1749761"/>
+            <a:ext cx="3358478" cy="3358478"/>
+          </a:xfrm>
+          <a:prstGeom prst="rect">
+            <a:avLst/>
+          </a:prstGeom>
+          <a:noFill/>
+          <a:ln>
+            <a:noFill/>
+          </a:ln>
+          <a:effectLst>
+            <a:outerShdw blurRad="76200" dist="63500" dir="5040000" algn="tl" rotWithShape="0">
+              <a:srgbClr val="000000">
+                <a:alpha val="41000"/>
+              </a:srgbClr>
+            </a:outerShdw>
+          </a:effectLst>
+          <a:extLst>
+            <a:ext uri="{909E8E84-426E-40DD-AFC4-6F175D3DCCD1}">
+              <a14:hiddenFill xmlns:a14="http://schemas.microsoft.com/office/drawing/2010/main">
+                <a:solidFill>
+                  <a:srgbClr val="FFFFFF"/>
+                </a:solidFill>
+              </a14:hiddenFill>
+            </a:ext>
+          </a:extLst>
+        </p:spPr>
+      </p:pic>
+      <mc:AlternateContent xmlns:mc="http://schemas.openxmlformats.org/markup-compatibility/2006">
+        <mc:Choice xmlns:pslz="http://schemas.microsoft.com/office/powerpoint/2016/slidezoom" Requires="pslz">
+          <p:graphicFrame>
+            <p:nvGraphicFramePr>
+              <p:cNvPr id="5" name="Pré-visualização de Diapositivo 4">
+                <a:extLst>
+                  <a:ext uri="{FF2B5EF4-FFF2-40B4-BE49-F238E27FC236}">
+                    <a16:creationId xmlns:a16="http://schemas.microsoft.com/office/drawing/2014/main" id="{4DD9633B-105F-6BC8-C37B-B5EADE894BC7}"/>
+                  </a:ext>
+                </a:extLst>
+              </p:cNvPr>
+              <p:cNvGraphicFramePr>
+                <a:graphicFrameLocks noChangeAspect="1"/>
+              </p:cNvGraphicFramePr>
+              <p:nvPr>
+                <p:extLst>
+                  <p:ext uri="{D42A27DB-BD31-4B8C-83A1-F6EECF244321}">
+                    <p14:modId xmlns:p14="http://schemas.microsoft.com/office/powerpoint/2010/main" val="1862254136"/>
+                  </p:ext>
+                </p:extLst>
+              </p:nvPr>
+            </p:nvGraphicFramePr>
+            <p:xfrm>
+              <a:off x="4142970" y="-357973"/>
+              <a:ext cx="3048000" cy="1714500"/>
+            </p:xfrm>
+            <a:graphic>
+              <a:graphicData uri="http://schemas.microsoft.com/office/powerpoint/2016/slidezoom">
+                <pslz:sldZm>
+                  <pslz:sldZmObj sldId="265" cId="4139868801">
+                    <pslz:zmPr id="{224A3FF7-A7A2-408B-B932-C7F6D59F6126}" returnToParent="0" transitionDur="1000">
+                      <p166:blipFill xmlns:p166="http://schemas.microsoft.com/office/powerpoint/2016/6/main">
+                        <a:blip r:embed="rId5"/>
+                        <a:stretch>
+                          <a:fillRect/>
+                        </a:stretch>
+                      </p166:blipFill>
+                      <p166:spPr xmlns:p166="http://schemas.microsoft.com/office/powerpoint/2016/6/main">
+                        <a:xfrm>
+                          <a:off x="0" y="0"/>
+                          <a:ext cx="3048000" cy="1714500"/>
+                        </a:xfrm>
+                        <a:prstGeom prst="rect">
+                          <a:avLst/>
+                        </a:prstGeom>
+                        <a:ln w="3175">
+                          <a:solidFill>
+                            <a:prstClr val="ltGray"/>
+                          </a:solidFill>
+                        </a:ln>
+                      </p166:spPr>
+                    </pslz:zmPr>
+                  </pslz:sldZmObj>
+                </pslz:sldZm>
+              </a:graphicData>
+            </a:graphic>
+          </p:graphicFrame>
+        </mc:Choice>
+        <mc:Fallback>
+          <p:pic>
+            <p:nvPicPr>
+              <p:cNvPr id="5" name="Pré-visualização de Diapositivo 4">
+                <a:hlinkClick r:id="rId6" action="ppaction://hlinksldjump"/>
+                <a:extLst>
+                  <a:ext uri="{FF2B5EF4-FFF2-40B4-BE49-F238E27FC236}">
+                    <a16:creationId xmlns:a16="http://schemas.microsoft.com/office/drawing/2014/main" id="{4DD9633B-105F-6BC8-C37B-B5EADE894BC7}"/>
+                  </a:ext>
+                </a:extLst>
+              </p:cNvPr>
+              <p:cNvPicPr>
+                <a:picLocks noGrp="1" noRot="1" noChangeAspect="1" noMove="1" noResize="1" noEditPoints="1" noAdjustHandles="1" noChangeArrowheads="1" noChangeShapeType="1"/>
+              </p:cNvPicPr>
+              <p:nvPr/>
+            </p:nvPicPr>
+            <p:blipFill>
+              <a:blip r:embed="rId5"/>
+              <a:stretch>
+                <a:fillRect/>
+              </a:stretch>
+            </p:blipFill>
+            <p:spPr>
+              <a:xfrm>
+                <a:off x="4142970" y="-357973"/>
+                <a:ext cx="3048000" cy="1714500"/>
+              </a:xfrm>
+              <a:prstGeom prst="rect">
+                <a:avLst/>
+              </a:prstGeom>
+              <a:ln w="3175">
+                <a:solidFill>
+                  <a:prstClr val="ltGray"/>
+                </a:solidFill>
+              </a:ln>
+            </p:spPr>
+          </p:pic>
+        </mc:Fallback>
+      </mc:AlternateContent>
     </p:spTree>
     <p:extLst>
       <p:ext uri="{BB962C8B-B14F-4D97-AF65-F5344CB8AC3E}">
-        <p14:creationId xmlns:p14="http://schemas.microsoft.com/office/powerpoint/2010/main" val="966161908"/>
+        <p14:creationId xmlns:p14="http://schemas.microsoft.com/office/powerpoint/2010/main" val="4139868801"/>
+      </p:ext>
+    </p:extLst>
+  </p:cSld>
+  <p:clrMapOvr>
+    <a:masterClrMapping/>
+  </p:clrMapOvr>
+</p:sld>
+</file>
+
+<file path=ppt/slides/slide6.xml><?xml version="1.0" encoding="utf-8"?>
+<p:sld xmlns:a="http://schemas.openxmlformats.org/drawingml/2006/main" xmlns:r="http://schemas.openxmlformats.org/officeDocument/2006/relationships" xmlns:p="http://schemas.openxmlformats.org/presentationml/2006/main">
+  <p:cSld>
+    <p:spTree>
+      <p:nvGrpSpPr>
+        <p:cNvPr id="1" name=""/>
+        <p:cNvGrpSpPr/>
+        <p:nvPr/>
+      </p:nvGrpSpPr>
+      <p:grpSpPr>
+        <a:xfrm>
+          <a:off x="0" y="0"/>
+          <a:ext cx="0" cy="0"/>
+          <a:chOff x="0" y="0"/>
+          <a:chExt cx="0" cy="0"/>
+        </a:xfrm>
+      </p:grpSpPr>
+      <p:sp>
+        <p:nvSpPr>
+          <p:cNvPr id="2" name="Título 1">
+            <a:extLst>
+              <a:ext uri="{FF2B5EF4-FFF2-40B4-BE49-F238E27FC236}">
+                <a16:creationId xmlns:a16="http://schemas.microsoft.com/office/drawing/2014/main" id="{5B8A3071-B489-E65F-0D5A-7B15F7FD0F08}"/>
+              </a:ext>
+            </a:extLst>
+          </p:cNvPr>
+          <p:cNvSpPr>
+            <a:spLocks noGrp="1"/>
+          </p:cNvSpPr>
+          <p:nvPr>
+            <p:ph type="title"/>
+          </p:nvPr>
+        </p:nvSpPr>
+        <p:spPr/>
+        <p:txBody>
+          <a:bodyPr/>
+          <a:lstStyle/>
+          <a:p>
+            <a:r>
+              <a:rPr lang="pt-PT" dirty="0"/>
+              <a:t>Classe </a:t>
+            </a:r>
+            <a:r>
+              <a:rPr lang="pt-PT" dirty="0" err="1"/>
+              <a:t>JogoDamas</a:t>
+            </a:r>
+            <a:endParaRPr lang="pt-PT" dirty="0"/>
+          </a:p>
+        </p:txBody>
+      </p:sp>
+      <p:sp>
+        <p:nvSpPr>
+          <p:cNvPr id="3" name="Marcador de Posição de Conteúdo 2">
+            <a:extLst>
+              <a:ext uri="{FF2B5EF4-FFF2-40B4-BE49-F238E27FC236}">
+                <a16:creationId xmlns:a16="http://schemas.microsoft.com/office/drawing/2014/main" id="{331818DB-16E2-F1C5-3C4A-D7A4EB78903D}"/>
+              </a:ext>
+            </a:extLst>
+          </p:cNvPr>
+          <p:cNvSpPr>
+            <a:spLocks noGrp="1"/>
+          </p:cNvSpPr>
+          <p:nvPr>
+            <p:ph idx="1"/>
+          </p:nvPr>
+        </p:nvSpPr>
+        <p:spPr/>
+        <p:txBody>
+          <a:bodyPr/>
+          <a:lstStyle/>
+          <a:p>
+            <a:r>
+              <a:rPr lang="pt-PT" dirty="0"/>
+              <a:t>Esta classe vai guardar um objeto da classe ‘Tabuleiro’ e dois objetos de ‘Jogador’.</a:t>
+            </a:r>
+          </a:p>
+          <a:p>
+            <a:r>
+              <a:rPr lang="pt-PT" dirty="0"/>
+              <a:t>Vai conter os menus e opções para a operação do jogo, como mensagens a perguntar quem é que quer começar a jogar, quem ganhou o jogo e o resultado corrente.</a:t>
+            </a:r>
+          </a:p>
+        </p:txBody>
+      </p:sp>
+    </p:spTree>
+    <p:extLst>
+      <p:ext uri="{BB962C8B-B14F-4D97-AF65-F5344CB8AC3E}">
+        <p14:creationId xmlns:p14="http://schemas.microsoft.com/office/powerpoint/2010/main" val="3786537660"/>
+      </p:ext>
+    </p:extLst>
+  </p:cSld>
+  <p:clrMapOvr>
+    <a:masterClrMapping/>
+  </p:clrMapOvr>
+</p:sld>
+</file>
+
+<file path=ppt/slides/slide7.xml><?xml version="1.0" encoding="utf-8"?>
+<p:sld xmlns:a="http://schemas.openxmlformats.org/drawingml/2006/main" xmlns:r="http://schemas.openxmlformats.org/officeDocument/2006/relationships" xmlns:p="http://schemas.openxmlformats.org/presentationml/2006/main">
+  <p:cSld>
+    <p:spTree>
+      <p:nvGrpSpPr>
+        <p:cNvPr id="1" name=""/>
+        <p:cNvGrpSpPr/>
+        <p:nvPr/>
+      </p:nvGrpSpPr>
+      <p:grpSpPr>
+        <a:xfrm>
+          <a:off x="0" y="0"/>
+          <a:ext cx="0" cy="0"/>
+          <a:chOff x="0" y="0"/>
+          <a:chExt cx="0" cy="0"/>
+        </a:xfrm>
+      </p:grpSpPr>
+      <p:sp>
+        <p:nvSpPr>
+          <p:cNvPr id="2" name="Título 1">
+            <a:extLst>
+              <a:ext uri="{FF2B5EF4-FFF2-40B4-BE49-F238E27FC236}">
+                <a16:creationId xmlns:a16="http://schemas.microsoft.com/office/drawing/2014/main" id="{F237CAE5-133E-C028-12DA-45AEA0E9F03E}"/>
+              </a:ext>
+            </a:extLst>
+          </p:cNvPr>
+          <p:cNvSpPr>
+            <a:spLocks noGrp="1"/>
+          </p:cNvSpPr>
+          <p:nvPr>
+            <p:ph type="title"/>
+          </p:nvPr>
+        </p:nvSpPr>
+        <p:spPr/>
+        <p:txBody>
+          <a:bodyPr/>
+          <a:lstStyle/>
+          <a:p>
+            <a:r>
+              <a:rPr lang="pt-PT" dirty="0"/>
+              <a:t>Classe Tabuleiro</a:t>
+            </a:r>
+          </a:p>
+        </p:txBody>
+      </p:sp>
+      <p:sp>
+        <p:nvSpPr>
+          <p:cNvPr id="3" name="Marcador de Posição de Conteúdo 2">
+            <a:extLst>
+              <a:ext uri="{FF2B5EF4-FFF2-40B4-BE49-F238E27FC236}">
+                <a16:creationId xmlns:a16="http://schemas.microsoft.com/office/drawing/2014/main" id="{FCDBA431-4AB3-186C-CD5D-3140EDA1ACD7}"/>
+              </a:ext>
+            </a:extLst>
+          </p:cNvPr>
+          <p:cNvSpPr>
+            <a:spLocks noGrp="1"/>
+          </p:cNvSpPr>
+          <p:nvPr>
+            <p:ph idx="1"/>
+          </p:nvPr>
+        </p:nvSpPr>
+        <p:spPr/>
+        <p:txBody>
+          <a:bodyPr>
+            <a:normAutofit/>
+          </a:bodyPr>
+          <a:lstStyle/>
+          <a:p>
+            <a:r>
+              <a:rPr lang="pt-PT" dirty="0"/>
+              <a:t>A classe Tabuleiro será a que vai representar o nosso campo de jogo, através de um </a:t>
+            </a:r>
+            <a:r>
+              <a:rPr lang="pt-PT" dirty="0" err="1"/>
+              <a:t>array</a:t>
+            </a:r>
+            <a:r>
+              <a:rPr lang="pt-PT" dirty="0"/>
+              <a:t> bidimensional de objetos da classe ‘Casas’, para representar as coordenadas X e Y.</a:t>
+            </a:r>
+          </a:p>
+          <a:p>
+            <a:r>
+              <a:rPr lang="pt-PT" dirty="0"/>
+              <a:t>Quando o jogo </a:t>
+            </a:r>
+            <a:r>
+              <a:rPr lang="pt-PT" dirty="0" err="1"/>
+              <a:t>começa,será</a:t>
+            </a:r>
+            <a:r>
+              <a:rPr lang="pt-PT" dirty="0"/>
+              <a:t> executado um método para pôr as peças de cada jogador nas suas respetivas casas, e durante o jogo vai guardar quais casas têm uma peça, com a sua cor e o seu tipo.</a:t>
+            </a:r>
+          </a:p>
+          <a:p>
+            <a:r>
+              <a:rPr lang="pt-PT" dirty="0"/>
+              <a:t>Quando o jogo termina, esta classe troca os jogadores de lado (ou cor) para a nova ronda.</a:t>
+            </a:r>
+          </a:p>
+        </p:txBody>
+      </p:sp>
+    </p:spTree>
+    <p:extLst>
+      <p:ext uri="{BB962C8B-B14F-4D97-AF65-F5344CB8AC3E}">
+        <p14:creationId xmlns:p14="http://schemas.microsoft.com/office/powerpoint/2010/main" val="1571848815"/>
+      </p:ext>
+    </p:extLst>
+  </p:cSld>
+  <p:clrMapOvr>
+    <a:masterClrMapping/>
+  </p:clrMapOvr>
+</p:sld>
+</file>
+
+<file path=ppt/slides/slide8.xml><?xml version="1.0" encoding="utf-8"?>
+<p:sld xmlns:a="http://schemas.openxmlformats.org/drawingml/2006/main" xmlns:r="http://schemas.openxmlformats.org/officeDocument/2006/relationships" xmlns:p="http://schemas.openxmlformats.org/presentationml/2006/main">
+  <p:cSld>
+    <p:spTree>
+      <p:nvGrpSpPr>
+        <p:cNvPr id="1" name=""/>
+        <p:cNvGrpSpPr/>
+        <p:nvPr/>
+      </p:nvGrpSpPr>
+      <p:grpSpPr>
+        <a:xfrm>
+          <a:off x="0" y="0"/>
+          <a:ext cx="0" cy="0"/>
+          <a:chOff x="0" y="0"/>
+          <a:chExt cx="0" cy="0"/>
+        </a:xfrm>
+      </p:grpSpPr>
+      <p:sp>
+        <p:nvSpPr>
+          <p:cNvPr id="2" name="Título 1">
+            <a:extLst>
+              <a:ext uri="{FF2B5EF4-FFF2-40B4-BE49-F238E27FC236}">
+                <a16:creationId xmlns:a16="http://schemas.microsoft.com/office/drawing/2014/main" id="{675BC724-7F83-5937-743D-792E0388822C}"/>
+              </a:ext>
+            </a:extLst>
+          </p:cNvPr>
+          <p:cNvSpPr>
+            <a:spLocks noGrp="1"/>
+          </p:cNvSpPr>
+          <p:nvPr>
+            <p:ph type="title"/>
+          </p:nvPr>
+        </p:nvSpPr>
+        <p:spPr/>
+        <p:txBody>
+          <a:bodyPr/>
+          <a:lstStyle/>
+          <a:p>
+            <a:r>
+              <a:rPr lang="pt-PT" dirty="0"/>
+              <a:t>Classe Peão</a:t>
+            </a:r>
+          </a:p>
+        </p:txBody>
+      </p:sp>
+      <p:sp>
+        <p:nvSpPr>
+          <p:cNvPr id="3" name="Marcador de Posição de Conteúdo 2">
+            <a:extLst>
+              <a:ext uri="{FF2B5EF4-FFF2-40B4-BE49-F238E27FC236}">
+                <a16:creationId xmlns:a16="http://schemas.microsoft.com/office/drawing/2014/main" id="{FD5321CD-587F-7533-CF34-6EFC01B3DBB1}"/>
+              </a:ext>
+            </a:extLst>
+          </p:cNvPr>
+          <p:cNvSpPr>
+            <a:spLocks noGrp="1"/>
+          </p:cNvSpPr>
+          <p:nvPr>
+            <p:ph idx="1"/>
+          </p:nvPr>
+        </p:nvSpPr>
+        <p:spPr/>
+        <p:txBody>
+          <a:bodyPr/>
+          <a:lstStyle/>
+          <a:p>
+            <a:r>
+              <a:rPr lang="pt-PT" dirty="0"/>
+              <a:t>Esta classe terá a sua posição atual e a sua cor.</a:t>
+            </a:r>
+          </a:p>
+          <a:p>
+            <a:r>
+              <a:rPr lang="pt-PT" dirty="0"/>
+              <a:t>Também vai ter um método para verificar se o movimento dessa peça é na diagonal e para a frente.</a:t>
+            </a:r>
+          </a:p>
+        </p:txBody>
+      </p:sp>
+    </p:spTree>
+    <p:extLst>
+      <p:ext uri="{BB962C8B-B14F-4D97-AF65-F5344CB8AC3E}">
+        <p14:creationId xmlns:p14="http://schemas.microsoft.com/office/powerpoint/2010/main" val="2833057582"/>
+      </p:ext>
+    </p:extLst>
+  </p:cSld>
+  <p:clrMapOvr>
+    <a:masterClrMapping/>
+  </p:clrMapOvr>
+</p:sld>
+</file>
+
+<file path=ppt/slides/slide9.xml><?xml version="1.0" encoding="utf-8"?>
+<p:sld xmlns:a="http://schemas.openxmlformats.org/drawingml/2006/main" xmlns:r="http://schemas.openxmlformats.org/officeDocument/2006/relationships" xmlns:p="http://schemas.openxmlformats.org/presentationml/2006/main">
+  <p:cSld>
+    <p:spTree>
+      <p:nvGrpSpPr>
+        <p:cNvPr id="1" name=""/>
+        <p:cNvGrpSpPr/>
+        <p:nvPr/>
+      </p:nvGrpSpPr>
+      <p:grpSpPr>
+        <a:xfrm>
+          <a:off x="0" y="0"/>
+          <a:ext cx="0" cy="0"/>
+          <a:chOff x="0" y="0"/>
+          <a:chExt cx="0" cy="0"/>
+        </a:xfrm>
+      </p:grpSpPr>
+      <p:sp>
+        <p:nvSpPr>
+          <p:cNvPr id="2" name="Título 1">
+            <a:extLst>
+              <a:ext uri="{FF2B5EF4-FFF2-40B4-BE49-F238E27FC236}">
+                <a16:creationId xmlns:a16="http://schemas.microsoft.com/office/drawing/2014/main" id="{8156C188-204A-6F47-2A67-1126D29681C3}"/>
+              </a:ext>
+            </a:extLst>
+          </p:cNvPr>
+          <p:cNvSpPr>
+            <a:spLocks noGrp="1"/>
+          </p:cNvSpPr>
+          <p:nvPr>
+            <p:ph type="title"/>
+          </p:nvPr>
+        </p:nvSpPr>
+        <p:spPr/>
+        <p:txBody>
+          <a:bodyPr/>
+          <a:lstStyle/>
+          <a:p>
+            <a:r>
+              <a:rPr lang="pt-PT" dirty="0"/>
+              <a:t>Classe Dama</a:t>
+            </a:r>
+          </a:p>
+        </p:txBody>
+      </p:sp>
+      <p:sp>
+        <p:nvSpPr>
+          <p:cNvPr id="3" name="Marcador de Posição de Conteúdo 2">
+            <a:extLst>
+              <a:ext uri="{FF2B5EF4-FFF2-40B4-BE49-F238E27FC236}">
+                <a16:creationId xmlns:a16="http://schemas.microsoft.com/office/drawing/2014/main" id="{8F95F26D-A5FF-C302-42A3-4E5343AA84E6}"/>
+              </a:ext>
+            </a:extLst>
+          </p:cNvPr>
+          <p:cNvSpPr>
+            <a:spLocks noGrp="1"/>
+          </p:cNvSpPr>
+          <p:nvPr>
+            <p:ph idx="1"/>
+          </p:nvPr>
+        </p:nvSpPr>
+        <p:spPr/>
+        <p:txBody>
+          <a:bodyPr/>
+          <a:lstStyle/>
+          <a:p>
+            <a:r>
+              <a:rPr lang="pt-PT" dirty="0"/>
+              <a:t>Esta classe será uma </a:t>
+            </a:r>
+            <a:r>
+              <a:rPr lang="pt-PT" dirty="0" err="1"/>
+              <a:t>sub-classe</a:t>
+            </a:r>
+            <a:r>
+              <a:rPr lang="pt-PT" dirty="0"/>
+              <a:t> de ‘Peão’</a:t>
+            </a:r>
+          </a:p>
+          <a:p>
+            <a:r>
+              <a:rPr lang="pt-PT" dirty="0"/>
+              <a:t>Esta classe vai dar </a:t>
+            </a:r>
+            <a:r>
+              <a:rPr lang="pt-PT" dirty="0" err="1"/>
+              <a:t>override</a:t>
+            </a:r>
+            <a:r>
+              <a:rPr lang="pt-PT" dirty="0"/>
+              <a:t> ao método que vai verificar o movimento de ‘Peão’, de forma a só verificar se o movimento dessa peça é na diagonal, independentemente do sentido.</a:t>
+            </a:r>
+          </a:p>
+          <a:p>
+            <a:endParaRPr lang="pt-PT" dirty="0"/>
+          </a:p>
+        </p:txBody>
+      </p:sp>
+    </p:spTree>
+    <p:extLst>
+      <p:ext uri="{BB962C8B-B14F-4D97-AF65-F5344CB8AC3E}">
+        <p14:creationId xmlns:p14="http://schemas.microsoft.com/office/powerpoint/2010/main" val="3406679016"/>
       </p:ext>
     </p:extLst>
   </p:cSld>
